--- a/presentation/Presentation.pptx
+++ b/presentation/Presentation.pptx
@@ -5,17 +5,21 @@
     <p:sldMasterId id="2147483705" r:id="rId1"/>
   </p:sldMasterIdLst>
   <p:notesMasterIdLst>
-    <p:notesMasterId r:id="rId10"/>
+    <p:notesMasterId r:id="rId14"/>
   </p:notesMasterIdLst>
   <p:sldIdLst>
     <p:sldId id="256" r:id="rId2"/>
     <p:sldId id="257" r:id="rId3"/>
     <p:sldId id="258" r:id="rId4"/>
     <p:sldId id="261" r:id="rId5"/>
-    <p:sldId id="262" r:id="rId6"/>
-    <p:sldId id="263" r:id="rId7"/>
-    <p:sldId id="264" r:id="rId8"/>
-    <p:sldId id="265" r:id="rId9"/>
+    <p:sldId id="266" r:id="rId6"/>
+    <p:sldId id="262" r:id="rId7"/>
+    <p:sldId id="267" r:id="rId8"/>
+    <p:sldId id="263" r:id="rId9"/>
+    <p:sldId id="268" r:id="rId10"/>
+    <p:sldId id="264" r:id="rId11"/>
+    <p:sldId id="269" r:id="rId12"/>
+    <p:sldId id="265" r:id="rId13"/>
   </p:sldIdLst>
   <p:sldSz cx="9144000" cy="6858000" type="screen4x3"/>
   <p:notesSz cx="6858000" cy="9144000"/>
@@ -115,6 +119,2485 @@
     </a:lvl9pPr>
   </p:defaultTextStyle>
 </p:presentation>
+</file>
+
+<file path=ppt/charts/chart1.xml><?xml version="1.0" encoding="utf-8"?>
+<c:chartSpace xmlns:c="http://schemas.openxmlformats.org/drawingml/2006/chart" xmlns:a="http://schemas.openxmlformats.org/drawingml/2006/main" xmlns:r="http://schemas.openxmlformats.org/officeDocument/2006/relationships">
+  <c:date1904 val="0"/>
+  <c:lang val="en-US"/>
+  <c:roundedCorners val="0"/>
+  <mc:AlternateContent xmlns:mc="http://schemas.openxmlformats.org/markup-compatibility/2006">
+    <mc:Choice xmlns:c14="http://schemas.microsoft.com/office/drawing/2007/8/2/chart" Requires="c14">
+      <c14:style val="102"/>
+    </mc:Choice>
+    <mc:Fallback>
+      <c:style val="2"/>
+    </mc:Fallback>
+  </mc:AlternateContent>
+  <c:chart>
+    <c:title>
+      <c:tx>
+        <c:rich>
+          <a:bodyPr rot="0" spcFirstLastPara="1" vertOverflow="ellipsis" vert="horz" wrap="square" anchor="ctr" anchorCtr="1"/>
+          <a:lstStyle/>
+          <a:p>
+            <a:pPr>
+              <a:defRPr sz="1800" b="1" i="0" u="none" strike="noStrike" kern="1200" baseline="0">
+                <a:solidFill>
+                  <a:schemeClr val="dk1">
+                    <a:lumMod val="75000"/>
+                    <a:lumOff val="25000"/>
+                  </a:schemeClr>
+                </a:solidFill>
+                <a:latin typeface="+mn-lt"/>
+                <a:ea typeface="+mn-ea"/>
+                <a:cs typeface="+mn-cs"/>
+              </a:defRPr>
+            </a:pPr>
+            <a:r>
+              <a:rPr lang="en-US" dirty="0"/>
+              <a:t>Nested For </a:t>
+            </a:r>
+            <a:r>
+              <a:rPr lang="en-US" dirty="0" smtClean="0"/>
+              <a:t>Loop</a:t>
+            </a:r>
+            <a:r>
+              <a:rPr lang="en-US" baseline="0" dirty="0" smtClean="0"/>
+              <a:t> Optimization</a:t>
+            </a:r>
+            <a:endParaRPr lang="en-US" dirty="0"/>
+          </a:p>
+        </c:rich>
+      </c:tx>
+      <c:layout/>
+      <c:overlay val="0"/>
+      <c:spPr>
+        <a:noFill/>
+        <a:ln>
+          <a:noFill/>
+        </a:ln>
+        <a:effectLst/>
+      </c:spPr>
+    </c:title>
+    <c:autoTitleDeleted val="0"/>
+    <c:plotArea>
+      <c:layout/>
+      <c:barChart>
+        <c:barDir val="bar"/>
+        <c:grouping val="percentStacked"/>
+        <c:varyColors val="0"/>
+        <c:ser>
+          <c:idx val="0"/>
+          <c:order val="0"/>
+          <c:tx>
+            <c:strRef>
+              <c:f>Sheet1!$C$3</c:f>
+              <c:strCache>
+                <c:ptCount val="1"/>
+                <c:pt idx="0">
+                  <c:v>Unoptimized</c:v>
+                </c:pt>
+              </c:strCache>
+            </c:strRef>
+          </c:tx>
+          <c:spPr>
+            <a:solidFill>
+              <a:schemeClr val="accent1">
+                <a:alpha val="85000"/>
+              </a:schemeClr>
+            </a:solidFill>
+            <a:ln w="9525" cap="flat" cmpd="sng" algn="ctr">
+              <a:solidFill>
+                <a:schemeClr val="lt1">
+                  <a:alpha val="50000"/>
+                </a:schemeClr>
+              </a:solidFill>
+              <a:round/>
+            </a:ln>
+            <a:effectLst/>
+          </c:spPr>
+          <c:invertIfNegative val="0"/>
+          <c:dLbls>
+            <c:numFmt formatCode="#,##0.00" sourceLinked="0"/>
+            <c:spPr>
+              <a:noFill/>
+              <a:ln>
+                <a:noFill/>
+              </a:ln>
+              <a:effectLst/>
+            </c:spPr>
+            <c:txPr>
+              <a:bodyPr rot="0" spcFirstLastPara="1" vertOverflow="ellipsis" vert="horz" wrap="square" lIns="38100" tIns="19050" rIns="38100" bIns="19050" anchor="ctr" anchorCtr="1">
+                <a:spAutoFit/>
+              </a:bodyPr>
+              <a:lstStyle/>
+              <a:p>
+                <a:pPr>
+                  <a:defRPr sz="900" b="1" i="0" u="none" strike="noStrike" kern="1200" baseline="0">
+                    <a:solidFill>
+                      <a:schemeClr val="lt1"/>
+                    </a:solidFill>
+                    <a:latin typeface="+mn-lt"/>
+                    <a:ea typeface="+mn-ea"/>
+                    <a:cs typeface="+mn-cs"/>
+                  </a:defRPr>
+                </a:pPr>
+                <a:endParaRPr lang="en-US"/>
+              </a:p>
+            </c:txPr>
+            <c:dLblPos val="ctr"/>
+            <c:showLegendKey val="0"/>
+            <c:showVal val="1"/>
+            <c:showCatName val="0"/>
+            <c:showSerName val="0"/>
+            <c:showPercent val="0"/>
+            <c:showBubbleSize val="0"/>
+            <c:showLeaderLines val="0"/>
+            <c:extLst xmlns:c16r2="http://schemas.microsoft.com/office/drawing/2015/06/chart">
+              <c:ext xmlns:c15="http://schemas.microsoft.com/office/drawing/2012/chart" uri="{CE6537A1-D6FC-4f65-9D91-7224C49458BB}">
+                <c15:showLeaderLines val="1"/>
+                <c15:leaderLines>
+                  <c:spPr>
+                    <a:ln w="9525">
+                      <a:solidFill>
+                        <a:schemeClr val="dk1">
+                          <a:lumMod val="50000"/>
+                          <a:lumOff val="50000"/>
+                        </a:schemeClr>
+                      </a:solidFill>
+                    </a:ln>
+                    <a:effectLst/>
+                  </c:spPr>
+                </c15:leaderLines>
+              </c:ext>
+            </c:extLst>
+          </c:dLbls>
+          <c:cat>
+            <c:numRef>
+              <c:f>Sheet1!$B$4:$B$6</c:f>
+              <c:numCache>
+                <c:formatCode>General</c:formatCode>
+                <c:ptCount val="3"/>
+                <c:pt idx="0">
+                  <c:v>1000.0</c:v>
+                </c:pt>
+                <c:pt idx="1">
+                  <c:v>10000.0</c:v>
+                </c:pt>
+                <c:pt idx="2">
+                  <c:v>1.0E6</c:v>
+                </c:pt>
+              </c:numCache>
+            </c:numRef>
+          </c:cat>
+          <c:val>
+            <c:numRef>
+              <c:f>Sheet1!$C$4:$C$6</c:f>
+              <c:numCache>
+                <c:formatCode>General</c:formatCode>
+                <c:ptCount val="3"/>
+                <c:pt idx="0">
+                  <c:v>0.207984924316406</c:v>
+                </c:pt>
+                <c:pt idx="1">
+                  <c:v>21.6764047145843</c:v>
+                </c:pt>
+                <c:pt idx="2">
+                  <c:v>2045.27826166195</c:v>
+                </c:pt>
+              </c:numCache>
+            </c:numRef>
+          </c:val>
+          <c:extLst xmlns:c16r2="http://schemas.microsoft.com/office/drawing/2015/06/chart">
+            <c:ext xmlns:c16="http://schemas.microsoft.com/office/drawing/2014/chart" uri="{C3380CC4-5D6E-409C-BE32-E72D297353CC}">
+              <c16:uniqueId val="{00000000-7A56-4CDA-B9E7-F9FD39152920}"/>
+            </c:ext>
+          </c:extLst>
+        </c:ser>
+        <c:ser>
+          <c:idx val="1"/>
+          <c:order val="1"/>
+          <c:tx>
+            <c:strRef>
+              <c:f>Sheet1!$D$3</c:f>
+              <c:strCache>
+                <c:ptCount val="1"/>
+                <c:pt idx="0">
+                  <c:v>Optimized</c:v>
+                </c:pt>
+              </c:strCache>
+            </c:strRef>
+          </c:tx>
+          <c:spPr>
+            <a:solidFill>
+              <a:schemeClr val="accent2">
+                <a:alpha val="85000"/>
+              </a:schemeClr>
+            </a:solidFill>
+            <a:ln w="9525" cap="flat" cmpd="sng" algn="ctr">
+              <a:solidFill>
+                <a:schemeClr val="lt1">
+                  <a:alpha val="50000"/>
+                </a:schemeClr>
+              </a:solidFill>
+              <a:round/>
+            </a:ln>
+            <a:effectLst/>
+          </c:spPr>
+          <c:invertIfNegative val="0"/>
+          <c:dLbls>
+            <c:numFmt formatCode="#,##0.00" sourceLinked="0"/>
+            <c:spPr>
+              <a:noFill/>
+              <a:ln>
+                <a:noFill/>
+              </a:ln>
+              <a:effectLst/>
+            </c:spPr>
+            <c:txPr>
+              <a:bodyPr rot="0" spcFirstLastPara="1" vertOverflow="ellipsis" vert="horz" wrap="square" lIns="38100" tIns="19050" rIns="38100" bIns="19050" anchor="ctr" anchorCtr="1">
+                <a:spAutoFit/>
+              </a:bodyPr>
+              <a:lstStyle/>
+              <a:p>
+                <a:pPr>
+                  <a:defRPr sz="900" b="1" i="0" u="none" strike="noStrike" kern="1200" baseline="0">
+                    <a:solidFill>
+                      <a:schemeClr val="lt1"/>
+                    </a:solidFill>
+                    <a:latin typeface="+mn-lt"/>
+                    <a:ea typeface="+mn-ea"/>
+                    <a:cs typeface="+mn-cs"/>
+                  </a:defRPr>
+                </a:pPr>
+                <a:endParaRPr lang="en-US"/>
+              </a:p>
+            </c:txPr>
+            <c:dLblPos val="ctr"/>
+            <c:showLegendKey val="0"/>
+            <c:showVal val="1"/>
+            <c:showCatName val="0"/>
+            <c:showSerName val="0"/>
+            <c:showPercent val="0"/>
+            <c:showBubbleSize val="0"/>
+            <c:showLeaderLines val="0"/>
+            <c:extLst xmlns:c16r2="http://schemas.microsoft.com/office/drawing/2015/06/chart">
+              <c:ext xmlns:c15="http://schemas.microsoft.com/office/drawing/2012/chart" uri="{CE6537A1-D6FC-4f65-9D91-7224C49458BB}">
+                <c15:showLeaderLines val="1"/>
+                <c15:leaderLines>
+                  <c:spPr>
+                    <a:ln w="9525">
+                      <a:solidFill>
+                        <a:schemeClr val="dk1">
+                          <a:lumMod val="50000"/>
+                          <a:lumOff val="50000"/>
+                        </a:schemeClr>
+                      </a:solidFill>
+                    </a:ln>
+                    <a:effectLst/>
+                  </c:spPr>
+                </c15:leaderLines>
+              </c:ext>
+            </c:extLst>
+          </c:dLbls>
+          <c:cat>
+            <c:numRef>
+              <c:f>Sheet1!$B$4:$B$6</c:f>
+              <c:numCache>
+                <c:formatCode>General</c:formatCode>
+                <c:ptCount val="3"/>
+                <c:pt idx="0">
+                  <c:v>1000.0</c:v>
+                </c:pt>
+                <c:pt idx="1">
+                  <c:v>10000.0</c:v>
+                </c:pt>
+                <c:pt idx="2">
+                  <c:v>1.0E6</c:v>
+                </c:pt>
+              </c:numCache>
+            </c:numRef>
+          </c:cat>
+          <c:val>
+            <c:numRef>
+              <c:f>Sheet1!$D$4:$D$6</c:f>
+              <c:numCache>
+                <c:formatCode>General</c:formatCode>
+                <c:ptCount val="3"/>
+                <c:pt idx="0">
+                  <c:v>0.109163761138916</c:v>
+                </c:pt>
+                <c:pt idx="1">
+                  <c:v>13.6203563213348</c:v>
+                </c:pt>
+                <c:pt idx="2">
+                  <c:v>1224.4540052413</c:v>
+                </c:pt>
+              </c:numCache>
+            </c:numRef>
+          </c:val>
+          <c:extLst xmlns:c16r2="http://schemas.microsoft.com/office/drawing/2015/06/chart">
+            <c:ext xmlns:c16="http://schemas.microsoft.com/office/drawing/2014/chart" uri="{C3380CC4-5D6E-409C-BE32-E72D297353CC}">
+              <c16:uniqueId val="{00000001-7A56-4CDA-B9E7-F9FD39152920}"/>
+            </c:ext>
+          </c:extLst>
+        </c:ser>
+        <c:dLbls>
+          <c:dLblPos val="ctr"/>
+          <c:showLegendKey val="0"/>
+          <c:showVal val="1"/>
+          <c:showCatName val="0"/>
+          <c:showSerName val="0"/>
+          <c:showPercent val="0"/>
+          <c:showBubbleSize val="0"/>
+        </c:dLbls>
+        <c:gapWidth val="150"/>
+        <c:overlap val="100"/>
+        <c:axId val="-2093311240"/>
+        <c:axId val="-2093309480"/>
+      </c:barChart>
+      <c:catAx>
+        <c:axId val="-2093311240"/>
+        <c:scaling>
+          <c:orientation val="minMax"/>
+        </c:scaling>
+        <c:delete val="0"/>
+        <c:axPos val="l"/>
+        <c:title>
+          <c:tx>
+            <c:rich>
+              <a:bodyPr rot="-5400000" spcFirstLastPara="1" vertOverflow="ellipsis" vert="horz" wrap="square" anchor="ctr" anchorCtr="1"/>
+              <a:lstStyle/>
+              <a:p>
+                <a:pPr>
+                  <a:defRPr sz="900" b="1" i="0" u="none" strike="noStrike" kern="1200" baseline="0">
+                    <a:solidFill>
+                      <a:schemeClr val="dk1">
+                        <a:lumMod val="75000"/>
+                        <a:lumOff val="25000"/>
+                      </a:schemeClr>
+                    </a:solidFill>
+                    <a:latin typeface="+mn-lt"/>
+                    <a:ea typeface="+mn-ea"/>
+                    <a:cs typeface="+mn-cs"/>
+                  </a:defRPr>
+                </a:pPr>
+                <a:r>
+                  <a:rPr lang="en-US"/>
+                  <a:t>Input</a:t>
+                </a:r>
+                <a:r>
+                  <a:rPr lang="en-US" baseline="0"/>
+                  <a:t> </a:t>
+                </a:r>
+                <a:endParaRPr lang="en-US"/>
+              </a:p>
+            </c:rich>
+          </c:tx>
+          <c:layout/>
+          <c:overlay val="0"/>
+          <c:spPr>
+            <a:noFill/>
+            <a:ln>
+              <a:noFill/>
+            </a:ln>
+            <a:effectLst/>
+          </c:spPr>
+        </c:title>
+        <c:numFmt formatCode="General" sourceLinked="1"/>
+        <c:majorTickMark val="none"/>
+        <c:minorTickMark val="none"/>
+        <c:tickLblPos val="nextTo"/>
+        <c:spPr>
+          <a:noFill/>
+          <a:ln w="19050" cap="flat" cmpd="sng" algn="ctr">
+            <a:solidFill>
+              <a:schemeClr val="dk1">
+                <a:lumMod val="75000"/>
+                <a:lumOff val="25000"/>
+              </a:schemeClr>
+            </a:solidFill>
+            <a:round/>
+          </a:ln>
+          <a:effectLst/>
+        </c:spPr>
+        <c:txPr>
+          <a:bodyPr rot="-60000000" spcFirstLastPara="1" vertOverflow="ellipsis" vert="horz" wrap="square" anchor="ctr" anchorCtr="1"/>
+          <a:lstStyle/>
+          <a:p>
+            <a:pPr>
+              <a:defRPr sz="900" b="0" i="0" u="none" strike="noStrike" kern="1200" cap="all" baseline="0">
+                <a:solidFill>
+                  <a:schemeClr val="dk1">
+                    <a:lumMod val="75000"/>
+                    <a:lumOff val="25000"/>
+                  </a:schemeClr>
+                </a:solidFill>
+                <a:latin typeface="+mn-lt"/>
+                <a:ea typeface="+mn-ea"/>
+                <a:cs typeface="+mn-cs"/>
+              </a:defRPr>
+            </a:pPr>
+            <a:endParaRPr lang="en-US"/>
+          </a:p>
+        </c:txPr>
+        <c:crossAx val="-2093309480"/>
+        <c:crosses val="autoZero"/>
+        <c:auto val="1"/>
+        <c:lblAlgn val="ctr"/>
+        <c:lblOffset val="100"/>
+        <c:noMultiLvlLbl val="0"/>
+      </c:catAx>
+      <c:valAx>
+        <c:axId val="-2093309480"/>
+        <c:scaling>
+          <c:orientation val="minMax"/>
+        </c:scaling>
+        <c:delete val="0"/>
+        <c:axPos val="b"/>
+        <c:majorGridlines>
+          <c:spPr>
+            <a:ln w="9525" cap="flat" cmpd="sng" algn="ctr">
+              <a:gradFill>
+                <a:gsLst>
+                  <a:gs pos="100000">
+                    <a:schemeClr val="dk1">
+                      <a:lumMod val="95000"/>
+                      <a:lumOff val="5000"/>
+                      <a:alpha val="42000"/>
+                    </a:schemeClr>
+                  </a:gs>
+                  <a:gs pos="0">
+                    <a:schemeClr val="lt1">
+                      <a:lumMod val="75000"/>
+                      <a:alpha val="36000"/>
+                    </a:schemeClr>
+                  </a:gs>
+                </a:gsLst>
+                <a:lin ang="5400000" scaled="0"/>
+              </a:gradFill>
+              <a:round/>
+            </a:ln>
+            <a:effectLst/>
+          </c:spPr>
+        </c:majorGridlines>
+        <c:title>
+          <c:tx>
+            <c:rich>
+              <a:bodyPr rot="0" spcFirstLastPara="1" vertOverflow="ellipsis" vert="horz" wrap="square" anchor="ctr" anchorCtr="1"/>
+              <a:lstStyle/>
+              <a:p>
+                <a:pPr>
+                  <a:defRPr sz="900" b="1" i="0" u="none" strike="noStrike" kern="1200" baseline="0">
+                    <a:solidFill>
+                      <a:schemeClr val="dk1">
+                        <a:lumMod val="75000"/>
+                        <a:lumOff val="25000"/>
+                      </a:schemeClr>
+                    </a:solidFill>
+                    <a:latin typeface="+mn-lt"/>
+                    <a:ea typeface="+mn-ea"/>
+                    <a:cs typeface="+mn-cs"/>
+                  </a:defRPr>
+                </a:pPr>
+                <a:r>
+                  <a:rPr lang="en-US"/>
+                  <a:t>Time (s)</a:t>
+                </a:r>
+              </a:p>
+            </c:rich>
+          </c:tx>
+          <c:layout/>
+          <c:overlay val="0"/>
+          <c:spPr>
+            <a:noFill/>
+            <a:ln>
+              <a:noFill/>
+            </a:ln>
+            <a:effectLst/>
+          </c:spPr>
+        </c:title>
+        <c:numFmt formatCode="0%" sourceLinked="1"/>
+        <c:majorTickMark val="out"/>
+        <c:minorTickMark val="none"/>
+        <c:tickLblPos val="nextTo"/>
+        <c:spPr>
+          <a:noFill/>
+          <a:ln>
+            <a:noFill/>
+          </a:ln>
+          <a:effectLst/>
+        </c:spPr>
+        <c:txPr>
+          <a:bodyPr rot="-60000000" spcFirstLastPara="1" vertOverflow="ellipsis" vert="horz" wrap="square" anchor="ctr" anchorCtr="1"/>
+          <a:lstStyle/>
+          <a:p>
+            <a:pPr>
+              <a:defRPr sz="900" b="0" i="0" u="none" strike="noStrike" kern="1200" baseline="0">
+                <a:solidFill>
+                  <a:schemeClr val="dk1">
+                    <a:lumMod val="75000"/>
+                    <a:lumOff val="25000"/>
+                  </a:schemeClr>
+                </a:solidFill>
+                <a:latin typeface="+mn-lt"/>
+                <a:ea typeface="+mn-ea"/>
+                <a:cs typeface="+mn-cs"/>
+              </a:defRPr>
+            </a:pPr>
+            <a:endParaRPr lang="en-US"/>
+          </a:p>
+        </c:txPr>
+        <c:crossAx val="-2093311240"/>
+        <c:crosses val="autoZero"/>
+        <c:crossBetween val="between"/>
+      </c:valAx>
+      <c:spPr>
+        <a:noFill/>
+        <a:ln>
+          <a:noFill/>
+        </a:ln>
+        <a:effectLst/>
+      </c:spPr>
+    </c:plotArea>
+    <c:legend>
+      <c:legendPos val="b"/>
+      <c:layout/>
+      <c:overlay val="0"/>
+      <c:spPr>
+        <a:solidFill>
+          <a:schemeClr val="lt1">
+            <a:lumMod val="95000"/>
+            <a:alpha val="39000"/>
+          </a:schemeClr>
+        </a:solidFill>
+        <a:ln>
+          <a:noFill/>
+        </a:ln>
+        <a:effectLst/>
+      </c:spPr>
+      <c:txPr>
+        <a:bodyPr rot="0" spcFirstLastPara="1" vertOverflow="ellipsis" vert="horz" wrap="square" anchor="ctr" anchorCtr="1"/>
+        <a:lstStyle/>
+        <a:p>
+          <a:pPr>
+            <a:defRPr sz="1200" b="0" i="0" u="none" strike="noStrike" kern="1200" baseline="0">
+              <a:solidFill>
+                <a:schemeClr val="dk1">
+                  <a:lumMod val="75000"/>
+                  <a:lumOff val="25000"/>
+                </a:schemeClr>
+              </a:solidFill>
+              <a:latin typeface="+mn-lt"/>
+              <a:ea typeface="+mn-ea"/>
+              <a:cs typeface="+mn-cs"/>
+            </a:defRPr>
+          </a:pPr>
+          <a:endParaRPr lang="en-US"/>
+        </a:p>
+      </c:txPr>
+    </c:legend>
+    <c:plotVisOnly val="1"/>
+    <c:dispBlanksAs val="gap"/>
+    <c:showDLblsOverMax val="0"/>
+    <c:extLst xmlns:c16r2="http://schemas.microsoft.com/office/drawing/2015/06/chart">
+      <c:ext xmlns:c16r3="http://schemas.microsoft.com/office/drawing/2017/03/chart" uri="{56B9EC1D-385E-4148-901F-78D8002777C0}">
+        <c16r3:dataDisplayOptions16>
+          <c16r3:dispNaAsBlank val="1"/>
+        </c16r3:dataDisplayOptions16>
+      </c:ext>
+    </c:extLst>
+  </c:chart>
+  <c:spPr>
+    <a:gradFill flip="none" rotWithShape="1">
+      <a:gsLst>
+        <a:gs pos="0">
+          <a:schemeClr val="lt1"/>
+        </a:gs>
+        <a:gs pos="39000">
+          <a:schemeClr val="lt1"/>
+        </a:gs>
+        <a:gs pos="100000">
+          <a:schemeClr val="lt1">
+            <a:lumMod val="75000"/>
+          </a:schemeClr>
+        </a:gs>
+      </a:gsLst>
+      <a:path path="circle">
+        <a:fillToRect l="50000" t="-80000" r="50000" b="180000"/>
+      </a:path>
+      <a:tileRect/>
+    </a:gradFill>
+    <a:ln w="9525" cap="flat" cmpd="sng" algn="ctr">
+      <a:solidFill>
+        <a:schemeClr val="dk1">
+          <a:lumMod val="25000"/>
+          <a:lumOff val="75000"/>
+        </a:schemeClr>
+      </a:solidFill>
+      <a:round/>
+    </a:ln>
+    <a:effectLst/>
+  </c:spPr>
+  <c:txPr>
+    <a:bodyPr/>
+    <a:lstStyle/>
+    <a:p>
+      <a:pPr>
+        <a:defRPr/>
+      </a:pPr>
+      <a:endParaRPr lang="en-US"/>
+    </a:p>
+  </c:txPr>
+  <c:externalData r:id="rId1">
+    <c:autoUpdate val="0"/>
+  </c:externalData>
+</c:chartSpace>
+</file>
+
+<file path=ppt/charts/chart2.xml><?xml version="1.0" encoding="utf-8"?>
+<c:chartSpace xmlns:c="http://schemas.openxmlformats.org/drawingml/2006/chart" xmlns:a="http://schemas.openxmlformats.org/drawingml/2006/main" xmlns:r="http://schemas.openxmlformats.org/officeDocument/2006/relationships">
+  <c:date1904 val="0"/>
+  <c:lang val="en-US"/>
+  <c:roundedCorners val="0"/>
+  <mc:AlternateContent xmlns:mc="http://schemas.openxmlformats.org/markup-compatibility/2006">
+    <mc:Choice xmlns:c14="http://schemas.microsoft.com/office/drawing/2007/8/2/chart" Requires="c14">
+      <c14:style val="102"/>
+    </mc:Choice>
+    <mc:Fallback>
+      <c:style val="2"/>
+    </mc:Fallback>
+  </mc:AlternateContent>
+  <c:clrMapOvr bg1="lt1" tx1="dk1" bg2="lt2" tx2="dk2" accent1="accent1" accent2="accent2" accent3="accent3" accent4="accent4" accent5="accent5" accent6="accent6" hlink="hlink" folHlink="folHlink"/>
+  <c:chart>
+    <c:title>
+      <c:tx>
+        <c:rich>
+          <a:bodyPr rot="0" spcFirstLastPara="1" vertOverflow="ellipsis" vert="horz" wrap="square" anchor="ctr" anchorCtr="1"/>
+          <a:lstStyle/>
+          <a:p>
+            <a:pPr>
+              <a:defRPr sz="1800" b="1" i="0" u="none" strike="noStrike" kern="1200" baseline="0">
+                <a:solidFill>
+                  <a:schemeClr val="dk1">
+                    <a:lumMod val="75000"/>
+                    <a:lumOff val="25000"/>
+                  </a:schemeClr>
+                </a:solidFill>
+                <a:latin typeface="+mn-lt"/>
+                <a:ea typeface="+mn-ea"/>
+                <a:cs typeface="+mn-cs"/>
+              </a:defRPr>
+            </a:pPr>
+            <a:r>
+              <a:rPr lang="en-US" sz="1800" b="1" i="0" u="none" strike="noStrike" cap="all" baseline="0" dirty="0" smtClean="0">
+                <a:effectLst/>
+              </a:rPr>
+              <a:t>If-Else Clause Optimization</a:t>
+            </a:r>
+            <a:r>
+              <a:rPr lang="en-US" sz="1800" b="1" i="0" u="none" strike="noStrike" baseline="0" dirty="0" smtClean="0"/>
+              <a:t> </a:t>
+            </a:r>
+            <a:endParaRPr lang="en-US" dirty="0"/>
+          </a:p>
+        </c:rich>
+      </c:tx>
+      <c:layout/>
+      <c:overlay val="0"/>
+      <c:spPr>
+        <a:noFill/>
+        <a:ln>
+          <a:noFill/>
+        </a:ln>
+        <a:effectLst/>
+      </c:spPr>
+    </c:title>
+    <c:autoTitleDeleted val="0"/>
+    <c:plotArea>
+      <c:layout/>
+      <c:barChart>
+        <c:barDir val="bar"/>
+        <c:grouping val="percentStacked"/>
+        <c:varyColors val="0"/>
+        <c:ser>
+          <c:idx val="0"/>
+          <c:order val="0"/>
+          <c:tx>
+            <c:strRef>
+              <c:f>Sheet3!$C$3</c:f>
+              <c:strCache>
+                <c:ptCount val="1"/>
+                <c:pt idx="0">
+                  <c:v>Unoptimized</c:v>
+                </c:pt>
+              </c:strCache>
+            </c:strRef>
+          </c:tx>
+          <c:spPr>
+            <a:solidFill>
+              <a:schemeClr val="accent1">
+                <a:alpha val="85000"/>
+              </a:schemeClr>
+            </a:solidFill>
+            <a:ln w="9525" cap="flat" cmpd="sng" algn="ctr">
+              <a:solidFill>
+                <a:schemeClr val="lt1">
+                  <a:alpha val="50000"/>
+                </a:schemeClr>
+              </a:solidFill>
+              <a:round/>
+            </a:ln>
+            <a:effectLst/>
+          </c:spPr>
+          <c:invertIfNegative val="0"/>
+          <c:dLbls>
+            <c:numFmt formatCode="#,##0.00" sourceLinked="0"/>
+            <c:spPr>
+              <a:noFill/>
+              <a:ln>
+                <a:noFill/>
+              </a:ln>
+              <a:effectLst/>
+            </c:spPr>
+            <c:txPr>
+              <a:bodyPr rot="0" spcFirstLastPara="1" vertOverflow="ellipsis" vert="horz" wrap="square" lIns="38100" tIns="19050" rIns="38100" bIns="19050" anchor="ctr" anchorCtr="1">
+                <a:spAutoFit/>
+              </a:bodyPr>
+              <a:lstStyle/>
+              <a:p>
+                <a:pPr>
+                  <a:defRPr sz="900" b="1" i="0" u="none" strike="noStrike" kern="1200" baseline="0">
+                    <a:solidFill>
+                      <a:schemeClr val="lt1"/>
+                    </a:solidFill>
+                    <a:latin typeface="+mn-lt"/>
+                    <a:ea typeface="+mn-ea"/>
+                    <a:cs typeface="+mn-cs"/>
+                  </a:defRPr>
+                </a:pPr>
+                <a:endParaRPr lang="en-US"/>
+              </a:p>
+            </c:txPr>
+            <c:dLblPos val="ctr"/>
+            <c:showLegendKey val="0"/>
+            <c:showVal val="1"/>
+            <c:showCatName val="0"/>
+            <c:showSerName val="0"/>
+            <c:showPercent val="0"/>
+            <c:showBubbleSize val="0"/>
+            <c:showLeaderLines val="0"/>
+            <c:extLst xmlns:c16r2="http://schemas.microsoft.com/office/drawing/2015/06/chart">
+              <c:ext xmlns:c15="http://schemas.microsoft.com/office/drawing/2012/chart" uri="{CE6537A1-D6FC-4f65-9D91-7224C49458BB}">
+                <c15:showLeaderLines val="1"/>
+                <c15:leaderLines>
+                  <c:spPr>
+                    <a:ln w="9525">
+                      <a:solidFill>
+                        <a:schemeClr val="dk1">
+                          <a:lumMod val="50000"/>
+                          <a:lumOff val="50000"/>
+                        </a:schemeClr>
+                      </a:solidFill>
+                    </a:ln>
+                    <a:effectLst/>
+                  </c:spPr>
+                </c15:leaderLines>
+              </c:ext>
+            </c:extLst>
+          </c:dLbls>
+          <c:cat>
+            <c:numRef>
+              <c:f>Sheet3!$B$4:$B$6</c:f>
+              <c:numCache>
+                <c:formatCode>General</c:formatCode>
+                <c:ptCount val="3"/>
+                <c:pt idx="0">
+                  <c:v>1.0E6</c:v>
+                </c:pt>
+                <c:pt idx="1">
+                  <c:v>1.0E7</c:v>
+                </c:pt>
+                <c:pt idx="2">
+                  <c:v>1.0E8</c:v>
+                </c:pt>
+              </c:numCache>
+            </c:numRef>
+          </c:cat>
+          <c:val>
+            <c:numRef>
+              <c:f>Sheet3!$C$4:$C$6</c:f>
+              <c:numCache>
+                <c:formatCode>General</c:formatCode>
+                <c:ptCount val="3"/>
+                <c:pt idx="0">
+                  <c:v>1.48306703567504</c:v>
+                </c:pt>
+                <c:pt idx="1">
+                  <c:v>15.0991458892822</c:v>
+                </c:pt>
+                <c:pt idx="2">
+                  <c:v>149.416165113449</c:v>
+                </c:pt>
+              </c:numCache>
+            </c:numRef>
+          </c:val>
+          <c:extLst xmlns:c16r2="http://schemas.microsoft.com/office/drawing/2015/06/chart">
+            <c:ext xmlns:c16="http://schemas.microsoft.com/office/drawing/2014/chart" uri="{C3380CC4-5D6E-409C-BE32-E72D297353CC}">
+              <c16:uniqueId val="{00000000-7A56-4CDA-B9E7-F9FD39152920}"/>
+            </c:ext>
+          </c:extLst>
+        </c:ser>
+        <c:ser>
+          <c:idx val="1"/>
+          <c:order val="1"/>
+          <c:tx>
+            <c:strRef>
+              <c:f>Sheet3!$D$3</c:f>
+              <c:strCache>
+                <c:ptCount val="1"/>
+                <c:pt idx="0">
+                  <c:v>Optimized</c:v>
+                </c:pt>
+              </c:strCache>
+            </c:strRef>
+          </c:tx>
+          <c:spPr>
+            <a:solidFill>
+              <a:schemeClr val="accent2">
+                <a:alpha val="85000"/>
+              </a:schemeClr>
+            </a:solidFill>
+            <a:ln w="9525" cap="flat" cmpd="sng" algn="ctr">
+              <a:solidFill>
+                <a:schemeClr val="lt1">
+                  <a:alpha val="50000"/>
+                </a:schemeClr>
+              </a:solidFill>
+              <a:round/>
+            </a:ln>
+            <a:effectLst/>
+          </c:spPr>
+          <c:invertIfNegative val="0"/>
+          <c:dLbls>
+            <c:numFmt formatCode="#,##0.00" sourceLinked="0"/>
+            <c:spPr>
+              <a:noFill/>
+              <a:ln>
+                <a:noFill/>
+              </a:ln>
+              <a:effectLst/>
+            </c:spPr>
+            <c:txPr>
+              <a:bodyPr rot="0" spcFirstLastPara="1" vertOverflow="ellipsis" vert="horz" wrap="square" lIns="38100" tIns="19050" rIns="38100" bIns="19050" anchor="ctr" anchorCtr="1">
+                <a:spAutoFit/>
+              </a:bodyPr>
+              <a:lstStyle/>
+              <a:p>
+                <a:pPr>
+                  <a:defRPr sz="900" b="1" i="0" u="none" strike="noStrike" kern="1200" baseline="0">
+                    <a:solidFill>
+                      <a:schemeClr val="lt1"/>
+                    </a:solidFill>
+                    <a:latin typeface="+mn-lt"/>
+                    <a:ea typeface="+mn-ea"/>
+                    <a:cs typeface="+mn-cs"/>
+                  </a:defRPr>
+                </a:pPr>
+                <a:endParaRPr lang="en-US"/>
+              </a:p>
+            </c:txPr>
+            <c:dLblPos val="ctr"/>
+            <c:showLegendKey val="0"/>
+            <c:showVal val="1"/>
+            <c:showCatName val="0"/>
+            <c:showSerName val="0"/>
+            <c:showPercent val="0"/>
+            <c:showBubbleSize val="0"/>
+            <c:showLeaderLines val="0"/>
+            <c:extLst xmlns:c16r2="http://schemas.microsoft.com/office/drawing/2015/06/chart">
+              <c:ext xmlns:c15="http://schemas.microsoft.com/office/drawing/2012/chart" uri="{CE6537A1-D6FC-4f65-9D91-7224C49458BB}">
+                <c15:showLeaderLines val="1"/>
+                <c15:leaderLines>
+                  <c:spPr>
+                    <a:ln w="9525">
+                      <a:solidFill>
+                        <a:schemeClr val="dk1">
+                          <a:lumMod val="50000"/>
+                          <a:lumOff val="50000"/>
+                        </a:schemeClr>
+                      </a:solidFill>
+                    </a:ln>
+                    <a:effectLst/>
+                  </c:spPr>
+                </c15:leaderLines>
+              </c:ext>
+            </c:extLst>
+          </c:dLbls>
+          <c:cat>
+            <c:numRef>
+              <c:f>Sheet3!$B$4:$B$6</c:f>
+              <c:numCache>
+                <c:formatCode>General</c:formatCode>
+                <c:ptCount val="3"/>
+                <c:pt idx="0">
+                  <c:v>1.0E6</c:v>
+                </c:pt>
+                <c:pt idx="1">
+                  <c:v>1.0E7</c:v>
+                </c:pt>
+                <c:pt idx="2">
+                  <c:v>1.0E8</c:v>
+                </c:pt>
+              </c:numCache>
+            </c:numRef>
+          </c:cat>
+          <c:val>
+            <c:numRef>
+              <c:f>Sheet3!$D$4:$D$6</c:f>
+              <c:numCache>
+                <c:formatCode>General</c:formatCode>
+                <c:ptCount val="3"/>
+                <c:pt idx="0">
+                  <c:v>1.2050196647644</c:v>
+                </c:pt>
+                <c:pt idx="1">
+                  <c:v>12.7133288383483</c:v>
+                </c:pt>
+                <c:pt idx="2">
+                  <c:v>120.512679576875</c:v>
+                </c:pt>
+              </c:numCache>
+            </c:numRef>
+          </c:val>
+          <c:extLst xmlns:c16r2="http://schemas.microsoft.com/office/drawing/2015/06/chart">
+            <c:ext xmlns:c16="http://schemas.microsoft.com/office/drawing/2014/chart" uri="{C3380CC4-5D6E-409C-BE32-E72D297353CC}">
+              <c16:uniqueId val="{00000001-7A56-4CDA-B9E7-F9FD39152920}"/>
+            </c:ext>
+          </c:extLst>
+        </c:ser>
+        <c:dLbls>
+          <c:dLblPos val="ctr"/>
+          <c:showLegendKey val="0"/>
+          <c:showVal val="1"/>
+          <c:showCatName val="0"/>
+          <c:showSerName val="0"/>
+          <c:showPercent val="0"/>
+          <c:showBubbleSize val="0"/>
+        </c:dLbls>
+        <c:gapWidth val="150"/>
+        <c:overlap val="100"/>
+        <c:axId val="-2143275128"/>
+        <c:axId val="-2076948248"/>
+      </c:barChart>
+      <c:catAx>
+        <c:axId val="-2143275128"/>
+        <c:scaling>
+          <c:orientation val="minMax"/>
+        </c:scaling>
+        <c:delete val="0"/>
+        <c:axPos val="l"/>
+        <c:title>
+          <c:tx>
+            <c:rich>
+              <a:bodyPr rot="-5400000" spcFirstLastPara="1" vertOverflow="ellipsis" vert="horz" wrap="square" anchor="ctr" anchorCtr="1"/>
+              <a:lstStyle/>
+              <a:p>
+                <a:pPr>
+                  <a:defRPr sz="900" b="1" i="0" u="none" strike="noStrike" kern="1200" baseline="0">
+                    <a:solidFill>
+                      <a:schemeClr val="dk1">
+                        <a:lumMod val="75000"/>
+                        <a:lumOff val="25000"/>
+                      </a:schemeClr>
+                    </a:solidFill>
+                    <a:latin typeface="+mn-lt"/>
+                    <a:ea typeface="+mn-ea"/>
+                    <a:cs typeface="+mn-cs"/>
+                  </a:defRPr>
+                </a:pPr>
+                <a:r>
+                  <a:rPr lang="en-US"/>
+                  <a:t>Input</a:t>
+                </a:r>
+              </a:p>
+            </c:rich>
+          </c:tx>
+          <c:layout/>
+          <c:overlay val="0"/>
+          <c:spPr>
+            <a:noFill/>
+            <a:ln>
+              <a:noFill/>
+            </a:ln>
+            <a:effectLst/>
+          </c:spPr>
+        </c:title>
+        <c:numFmt formatCode="General" sourceLinked="1"/>
+        <c:majorTickMark val="none"/>
+        <c:minorTickMark val="none"/>
+        <c:tickLblPos val="nextTo"/>
+        <c:spPr>
+          <a:noFill/>
+          <a:ln w="19050" cap="flat" cmpd="sng" algn="ctr">
+            <a:solidFill>
+              <a:schemeClr val="dk1">
+                <a:lumMod val="75000"/>
+                <a:lumOff val="25000"/>
+              </a:schemeClr>
+            </a:solidFill>
+            <a:round/>
+          </a:ln>
+          <a:effectLst/>
+        </c:spPr>
+        <c:txPr>
+          <a:bodyPr rot="-60000000" spcFirstLastPara="1" vertOverflow="ellipsis" vert="horz" wrap="square" anchor="ctr" anchorCtr="1"/>
+          <a:lstStyle/>
+          <a:p>
+            <a:pPr>
+              <a:defRPr sz="900" b="0" i="0" u="none" strike="noStrike" kern="1200" cap="all" baseline="0">
+                <a:solidFill>
+                  <a:schemeClr val="dk1">
+                    <a:lumMod val="75000"/>
+                    <a:lumOff val="25000"/>
+                  </a:schemeClr>
+                </a:solidFill>
+                <a:latin typeface="+mn-lt"/>
+                <a:ea typeface="+mn-ea"/>
+                <a:cs typeface="+mn-cs"/>
+              </a:defRPr>
+            </a:pPr>
+            <a:endParaRPr lang="en-US"/>
+          </a:p>
+        </c:txPr>
+        <c:crossAx val="-2076948248"/>
+        <c:crosses val="autoZero"/>
+        <c:auto val="1"/>
+        <c:lblAlgn val="ctr"/>
+        <c:lblOffset val="100"/>
+        <c:noMultiLvlLbl val="0"/>
+      </c:catAx>
+      <c:valAx>
+        <c:axId val="-2076948248"/>
+        <c:scaling>
+          <c:orientation val="minMax"/>
+        </c:scaling>
+        <c:delete val="0"/>
+        <c:axPos val="b"/>
+        <c:majorGridlines>
+          <c:spPr>
+            <a:ln w="9525" cap="flat" cmpd="sng" algn="ctr">
+              <a:gradFill>
+                <a:gsLst>
+                  <a:gs pos="100000">
+                    <a:schemeClr val="dk1">
+                      <a:lumMod val="95000"/>
+                      <a:lumOff val="5000"/>
+                      <a:alpha val="42000"/>
+                    </a:schemeClr>
+                  </a:gs>
+                  <a:gs pos="0">
+                    <a:schemeClr val="lt1">
+                      <a:lumMod val="75000"/>
+                      <a:alpha val="36000"/>
+                    </a:schemeClr>
+                  </a:gs>
+                </a:gsLst>
+                <a:lin ang="5400000" scaled="0"/>
+              </a:gradFill>
+              <a:round/>
+            </a:ln>
+            <a:effectLst/>
+          </c:spPr>
+        </c:majorGridlines>
+        <c:title>
+          <c:tx>
+            <c:rich>
+              <a:bodyPr rot="0" spcFirstLastPara="1" vertOverflow="ellipsis" vert="horz" wrap="square" anchor="ctr" anchorCtr="1"/>
+              <a:lstStyle/>
+              <a:p>
+                <a:pPr>
+                  <a:defRPr sz="900" b="1" i="0" u="none" strike="noStrike" kern="1200" baseline="0">
+                    <a:solidFill>
+                      <a:schemeClr val="dk1">
+                        <a:lumMod val="75000"/>
+                        <a:lumOff val="25000"/>
+                      </a:schemeClr>
+                    </a:solidFill>
+                    <a:latin typeface="+mn-lt"/>
+                    <a:ea typeface="+mn-ea"/>
+                    <a:cs typeface="+mn-cs"/>
+                  </a:defRPr>
+                </a:pPr>
+                <a:r>
+                  <a:rPr lang="en-US"/>
+                  <a:t>Time (s)</a:t>
+                </a:r>
+              </a:p>
+            </c:rich>
+          </c:tx>
+          <c:layout/>
+          <c:overlay val="0"/>
+          <c:spPr>
+            <a:noFill/>
+            <a:ln>
+              <a:noFill/>
+            </a:ln>
+            <a:effectLst/>
+          </c:spPr>
+        </c:title>
+        <c:numFmt formatCode="0%" sourceLinked="1"/>
+        <c:majorTickMark val="out"/>
+        <c:minorTickMark val="none"/>
+        <c:tickLblPos val="nextTo"/>
+        <c:spPr>
+          <a:noFill/>
+          <a:ln>
+            <a:noFill/>
+          </a:ln>
+          <a:effectLst/>
+        </c:spPr>
+        <c:txPr>
+          <a:bodyPr rot="-60000000" spcFirstLastPara="1" vertOverflow="ellipsis" vert="horz" wrap="square" anchor="ctr" anchorCtr="1"/>
+          <a:lstStyle/>
+          <a:p>
+            <a:pPr>
+              <a:defRPr sz="900" b="0" i="0" u="none" strike="noStrike" kern="1200" baseline="0">
+                <a:solidFill>
+                  <a:schemeClr val="dk1">
+                    <a:lumMod val="75000"/>
+                    <a:lumOff val="25000"/>
+                  </a:schemeClr>
+                </a:solidFill>
+                <a:latin typeface="+mn-lt"/>
+                <a:ea typeface="+mn-ea"/>
+                <a:cs typeface="+mn-cs"/>
+              </a:defRPr>
+            </a:pPr>
+            <a:endParaRPr lang="en-US"/>
+          </a:p>
+        </c:txPr>
+        <c:crossAx val="-2143275128"/>
+        <c:crosses val="autoZero"/>
+        <c:crossBetween val="between"/>
+      </c:valAx>
+      <c:spPr>
+        <a:noFill/>
+        <a:ln>
+          <a:noFill/>
+        </a:ln>
+        <a:effectLst/>
+      </c:spPr>
+    </c:plotArea>
+    <c:legend>
+      <c:legendPos val="b"/>
+      <c:layout/>
+      <c:overlay val="0"/>
+      <c:spPr>
+        <a:solidFill>
+          <a:schemeClr val="lt1">
+            <a:lumMod val="95000"/>
+            <a:alpha val="39000"/>
+          </a:schemeClr>
+        </a:solidFill>
+        <a:ln>
+          <a:noFill/>
+        </a:ln>
+        <a:effectLst/>
+      </c:spPr>
+      <c:txPr>
+        <a:bodyPr rot="0" spcFirstLastPara="1" vertOverflow="ellipsis" vert="horz" wrap="square" anchor="ctr" anchorCtr="1"/>
+        <a:lstStyle/>
+        <a:p>
+          <a:pPr>
+            <a:defRPr sz="1200" b="0" i="0" u="none" strike="noStrike" kern="1200" baseline="0">
+              <a:solidFill>
+                <a:schemeClr val="dk1">
+                  <a:lumMod val="75000"/>
+                  <a:lumOff val="25000"/>
+                </a:schemeClr>
+              </a:solidFill>
+              <a:latin typeface="+mn-lt"/>
+              <a:ea typeface="+mn-ea"/>
+              <a:cs typeface="+mn-cs"/>
+            </a:defRPr>
+          </a:pPr>
+          <a:endParaRPr lang="en-US"/>
+        </a:p>
+      </c:txPr>
+    </c:legend>
+    <c:plotVisOnly val="1"/>
+    <c:dispBlanksAs val="gap"/>
+    <c:showDLblsOverMax val="0"/>
+    <c:extLst xmlns:c16r2="http://schemas.microsoft.com/office/drawing/2015/06/chart"/>
+  </c:chart>
+  <c:spPr>
+    <a:gradFill flip="none" rotWithShape="1">
+      <a:gsLst>
+        <a:gs pos="0">
+          <a:schemeClr val="lt1"/>
+        </a:gs>
+        <a:gs pos="39000">
+          <a:schemeClr val="lt1"/>
+        </a:gs>
+        <a:gs pos="100000">
+          <a:schemeClr val="lt1">
+            <a:lumMod val="75000"/>
+          </a:schemeClr>
+        </a:gs>
+      </a:gsLst>
+      <a:path path="circle">
+        <a:fillToRect l="50000" t="-80000" r="50000" b="180000"/>
+      </a:path>
+      <a:tileRect/>
+    </a:gradFill>
+    <a:ln w="9525" cap="flat" cmpd="sng" algn="ctr">
+      <a:solidFill>
+        <a:schemeClr val="dk1">
+          <a:lumMod val="25000"/>
+          <a:lumOff val="75000"/>
+        </a:schemeClr>
+      </a:solidFill>
+      <a:round/>
+    </a:ln>
+    <a:effectLst/>
+  </c:spPr>
+  <c:txPr>
+    <a:bodyPr/>
+    <a:lstStyle/>
+    <a:p>
+      <a:pPr>
+        <a:defRPr/>
+      </a:pPr>
+      <a:endParaRPr lang="en-US"/>
+    </a:p>
+  </c:txPr>
+  <c:externalData r:id="rId2">
+    <c:autoUpdate val="0"/>
+  </c:externalData>
+</c:chartSpace>
+</file>
+
+<file path=ppt/charts/chart3.xml><?xml version="1.0" encoding="utf-8"?>
+<c:chartSpace xmlns:c="http://schemas.openxmlformats.org/drawingml/2006/chart" xmlns:a="http://schemas.openxmlformats.org/drawingml/2006/main" xmlns:r="http://schemas.openxmlformats.org/officeDocument/2006/relationships">
+  <c:date1904 val="0"/>
+  <c:lang val="en-US"/>
+  <c:roundedCorners val="0"/>
+  <mc:AlternateContent xmlns:mc="http://schemas.openxmlformats.org/markup-compatibility/2006">
+    <mc:Choice xmlns:c14="http://schemas.microsoft.com/office/drawing/2007/8/2/chart" Requires="c14">
+      <c14:style val="102"/>
+    </mc:Choice>
+    <mc:Fallback>
+      <c:style val="2"/>
+    </mc:Fallback>
+  </mc:AlternateContent>
+  <c:clrMapOvr bg1="lt1" tx1="dk1" bg2="lt2" tx2="dk2" accent1="accent1" accent2="accent2" accent3="accent3" accent4="accent4" accent5="accent5" accent6="accent6" hlink="hlink" folHlink="folHlink"/>
+  <c:chart>
+    <c:title>
+      <c:tx>
+        <c:rich>
+          <a:bodyPr rot="0" spcFirstLastPara="1" vertOverflow="ellipsis" vert="horz" wrap="square" anchor="ctr" anchorCtr="1"/>
+          <a:lstStyle/>
+          <a:p>
+            <a:pPr>
+              <a:defRPr sz="1800" b="1" i="0" u="none" strike="noStrike" kern="1200" baseline="0">
+                <a:solidFill>
+                  <a:schemeClr val="dk1">
+                    <a:lumMod val="75000"/>
+                    <a:lumOff val="25000"/>
+                  </a:schemeClr>
+                </a:solidFill>
+                <a:latin typeface="+mn-lt"/>
+                <a:ea typeface="+mn-ea"/>
+                <a:cs typeface="+mn-cs"/>
+              </a:defRPr>
+            </a:pPr>
+            <a:r>
+              <a:rPr lang="en-US" sz="1800" b="1" i="0" u="none" strike="noStrike" cap="all" baseline="0" dirty="0" smtClean="0">
+                <a:effectLst/>
+              </a:rPr>
+              <a:t>Finite Differences To Avoid Multiplication</a:t>
+            </a:r>
+            <a:r>
+              <a:rPr lang="en-US" sz="1800" b="1" i="0" u="none" strike="noStrike" baseline="0" dirty="0" smtClean="0"/>
+              <a:t> </a:t>
+            </a:r>
+            <a:endParaRPr lang="en-US" dirty="0"/>
+          </a:p>
+        </c:rich>
+      </c:tx>
+      <c:layout/>
+      <c:overlay val="0"/>
+      <c:spPr>
+        <a:noFill/>
+        <a:ln>
+          <a:noFill/>
+        </a:ln>
+        <a:effectLst/>
+      </c:spPr>
+    </c:title>
+    <c:autoTitleDeleted val="0"/>
+    <c:plotArea>
+      <c:layout/>
+      <c:barChart>
+        <c:barDir val="bar"/>
+        <c:grouping val="percentStacked"/>
+        <c:varyColors val="0"/>
+        <c:ser>
+          <c:idx val="0"/>
+          <c:order val="0"/>
+          <c:tx>
+            <c:strRef>
+              <c:f>Sheet2!$C$3</c:f>
+              <c:strCache>
+                <c:ptCount val="1"/>
+                <c:pt idx="0">
+                  <c:v>Unoptimized</c:v>
+                </c:pt>
+              </c:strCache>
+            </c:strRef>
+          </c:tx>
+          <c:spPr>
+            <a:solidFill>
+              <a:schemeClr val="accent1">
+                <a:alpha val="85000"/>
+              </a:schemeClr>
+            </a:solidFill>
+            <a:ln w="9525" cap="flat" cmpd="sng" algn="ctr">
+              <a:solidFill>
+                <a:schemeClr val="lt1">
+                  <a:alpha val="50000"/>
+                </a:schemeClr>
+              </a:solidFill>
+              <a:round/>
+            </a:ln>
+            <a:effectLst/>
+          </c:spPr>
+          <c:invertIfNegative val="0"/>
+          <c:dLbls>
+            <c:numFmt formatCode="#,##0.00" sourceLinked="0"/>
+            <c:spPr>
+              <a:noFill/>
+              <a:ln>
+                <a:noFill/>
+              </a:ln>
+              <a:effectLst/>
+            </c:spPr>
+            <c:txPr>
+              <a:bodyPr rot="0" spcFirstLastPara="1" vertOverflow="ellipsis" vert="horz" wrap="square" lIns="38100" tIns="19050" rIns="38100" bIns="19050" anchor="ctr" anchorCtr="1">
+                <a:spAutoFit/>
+              </a:bodyPr>
+              <a:lstStyle/>
+              <a:p>
+                <a:pPr>
+                  <a:defRPr sz="900" b="1" i="0" u="none" strike="noStrike" kern="1200" baseline="0">
+                    <a:solidFill>
+                      <a:schemeClr val="lt1"/>
+                    </a:solidFill>
+                    <a:latin typeface="+mn-lt"/>
+                    <a:ea typeface="+mn-ea"/>
+                    <a:cs typeface="+mn-cs"/>
+                  </a:defRPr>
+                </a:pPr>
+                <a:endParaRPr lang="en-US"/>
+              </a:p>
+            </c:txPr>
+            <c:dLblPos val="ctr"/>
+            <c:showLegendKey val="0"/>
+            <c:showVal val="1"/>
+            <c:showCatName val="0"/>
+            <c:showSerName val="0"/>
+            <c:showPercent val="0"/>
+            <c:showBubbleSize val="0"/>
+            <c:showLeaderLines val="0"/>
+            <c:extLst xmlns:c16r2="http://schemas.microsoft.com/office/drawing/2015/06/chart">
+              <c:ext xmlns:c15="http://schemas.microsoft.com/office/drawing/2012/chart" uri="{CE6537A1-D6FC-4f65-9D91-7224C49458BB}">
+                <c15:showLeaderLines val="1"/>
+                <c15:leaderLines>
+                  <c:spPr>
+                    <a:ln w="9525">
+                      <a:solidFill>
+                        <a:schemeClr val="dk1">
+                          <a:lumMod val="50000"/>
+                          <a:lumOff val="50000"/>
+                        </a:schemeClr>
+                      </a:solidFill>
+                    </a:ln>
+                    <a:effectLst/>
+                  </c:spPr>
+                </c15:leaderLines>
+              </c:ext>
+            </c:extLst>
+          </c:dLbls>
+          <c:cat>
+            <c:numRef>
+              <c:f>Sheet2!$B$4:$B$6</c:f>
+              <c:numCache>
+                <c:formatCode>General</c:formatCode>
+                <c:ptCount val="3"/>
+                <c:pt idx="0">
+                  <c:v>1.0E7</c:v>
+                </c:pt>
+                <c:pt idx="1">
+                  <c:v>1.0E8</c:v>
+                </c:pt>
+                <c:pt idx="2">
+                  <c:v>1.0E9</c:v>
+                </c:pt>
+              </c:numCache>
+            </c:numRef>
+          </c:cat>
+          <c:val>
+            <c:numRef>
+              <c:f>Sheet2!$C$4:$C$6</c:f>
+              <c:numCache>
+                <c:formatCode>General</c:formatCode>
+                <c:ptCount val="3"/>
+                <c:pt idx="0">
+                  <c:v>2.37570309638977</c:v>
+                </c:pt>
+                <c:pt idx="1">
+                  <c:v>23.7689113616943</c:v>
+                </c:pt>
+                <c:pt idx="2">
+                  <c:v>237.124787569046</c:v>
+                </c:pt>
+              </c:numCache>
+            </c:numRef>
+          </c:val>
+          <c:extLst xmlns:c16r2="http://schemas.microsoft.com/office/drawing/2015/06/chart">
+            <c:ext xmlns:c16="http://schemas.microsoft.com/office/drawing/2014/chart" uri="{C3380CC4-5D6E-409C-BE32-E72D297353CC}">
+              <c16:uniqueId val="{00000000-7A56-4CDA-B9E7-F9FD39152920}"/>
+            </c:ext>
+          </c:extLst>
+        </c:ser>
+        <c:ser>
+          <c:idx val="1"/>
+          <c:order val="1"/>
+          <c:tx>
+            <c:strRef>
+              <c:f>Sheet2!$D$3</c:f>
+              <c:strCache>
+                <c:ptCount val="1"/>
+                <c:pt idx="0">
+                  <c:v>Optimized</c:v>
+                </c:pt>
+              </c:strCache>
+            </c:strRef>
+          </c:tx>
+          <c:spPr>
+            <a:solidFill>
+              <a:schemeClr val="accent2">
+                <a:alpha val="85000"/>
+              </a:schemeClr>
+            </a:solidFill>
+            <a:ln w="9525" cap="flat" cmpd="sng" algn="ctr">
+              <a:solidFill>
+                <a:schemeClr val="lt1">
+                  <a:alpha val="50000"/>
+                </a:schemeClr>
+              </a:solidFill>
+              <a:round/>
+            </a:ln>
+            <a:effectLst/>
+          </c:spPr>
+          <c:invertIfNegative val="0"/>
+          <c:dLbls>
+            <c:txPr>
+              <a:bodyPr/>
+              <a:lstStyle/>
+              <a:p>
+                <a:pPr>
+                  <a:defRPr b="1">
+                    <a:solidFill>
+                      <a:schemeClr val="bg1"/>
+                    </a:solidFill>
+                  </a:defRPr>
+                </a:pPr>
+                <a:endParaRPr lang="en-US"/>
+              </a:p>
+            </c:txPr>
+            <c:dLblPos val="ctr"/>
+            <c:showLegendKey val="0"/>
+            <c:showVal val="1"/>
+            <c:showCatName val="0"/>
+            <c:showSerName val="0"/>
+            <c:showPercent val="0"/>
+            <c:showBubbleSize val="0"/>
+            <c:showLeaderLines val="0"/>
+          </c:dLbls>
+          <c:cat>
+            <c:numRef>
+              <c:f>Sheet2!$B$4:$B$6</c:f>
+              <c:numCache>
+                <c:formatCode>General</c:formatCode>
+                <c:ptCount val="3"/>
+                <c:pt idx="0">
+                  <c:v>1.0E7</c:v>
+                </c:pt>
+                <c:pt idx="1">
+                  <c:v>1.0E8</c:v>
+                </c:pt>
+                <c:pt idx="2">
+                  <c:v>1.0E9</c:v>
+                </c:pt>
+              </c:numCache>
+            </c:numRef>
+          </c:cat>
+          <c:val>
+            <c:numRef>
+              <c:f>Sheet2!$D$4:$D$6</c:f>
+              <c:numCache>
+                <c:formatCode>General</c:formatCode>
+                <c:ptCount val="3"/>
+                <c:pt idx="0">
+                  <c:v>0.115377187728881</c:v>
+                </c:pt>
+                <c:pt idx="1">
+                  <c:v>1.28101325035095</c:v>
+                </c:pt>
+                <c:pt idx="2">
+                  <c:v>11.2533078193664</c:v>
+                </c:pt>
+              </c:numCache>
+            </c:numRef>
+          </c:val>
+          <c:extLst xmlns:c16r2="http://schemas.microsoft.com/office/drawing/2015/06/chart">
+            <c:ext xmlns:c16="http://schemas.microsoft.com/office/drawing/2014/chart" uri="{C3380CC4-5D6E-409C-BE32-E72D297353CC}">
+              <c16:uniqueId val="{00000001-7A56-4CDA-B9E7-F9FD39152920}"/>
+            </c:ext>
+          </c:extLst>
+        </c:ser>
+        <c:dLbls>
+          <c:dLblPos val="ctr"/>
+          <c:showLegendKey val="0"/>
+          <c:showVal val="1"/>
+          <c:showCatName val="0"/>
+          <c:showSerName val="0"/>
+          <c:showPercent val="0"/>
+          <c:showBubbleSize val="0"/>
+        </c:dLbls>
+        <c:gapWidth val="150"/>
+        <c:overlap val="100"/>
+        <c:axId val="2073414536"/>
+        <c:axId val="-2092092456"/>
+      </c:barChart>
+      <c:catAx>
+        <c:axId val="2073414536"/>
+        <c:scaling>
+          <c:orientation val="minMax"/>
+        </c:scaling>
+        <c:delete val="0"/>
+        <c:axPos val="l"/>
+        <c:title>
+          <c:tx>
+            <c:rich>
+              <a:bodyPr rot="-5400000" spcFirstLastPara="1" vertOverflow="ellipsis" vert="horz" wrap="square" anchor="ctr" anchorCtr="1"/>
+              <a:lstStyle/>
+              <a:p>
+                <a:pPr>
+                  <a:defRPr sz="900" b="1" i="0" u="none" strike="noStrike" kern="1200" baseline="0">
+                    <a:solidFill>
+                      <a:schemeClr val="dk1">
+                        <a:lumMod val="75000"/>
+                        <a:lumOff val="25000"/>
+                      </a:schemeClr>
+                    </a:solidFill>
+                    <a:latin typeface="+mn-lt"/>
+                    <a:ea typeface="+mn-ea"/>
+                    <a:cs typeface="+mn-cs"/>
+                  </a:defRPr>
+                </a:pPr>
+                <a:r>
+                  <a:rPr lang="en-US"/>
+                  <a:t>Input</a:t>
+                </a:r>
+              </a:p>
+            </c:rich>
+          </c:tx>
+          <c:layout/>
+          <c:overlay val="0"/>
+          <c:spPr>
+            <a:noFill/>
+            <a:ln>
+              <a:noFill/>
+            </a:ln>
+            <a:effectLst/>
+          </c:spPr>
+        </c:title>
+        <c:numFmt formatCode="General" sourceLinked="1"/>
+        <c:majorTickMark val="none"/>
+        <c:minorTickMark val="none"/>
+        <c:tickLblPos val="nextTo"/>
+        <c:spPr>
+          <a:noFill/>
+          <a:ln w="19050" cap="flat" cmpd="sng" algn="ctr">
+            <a:solidFill>
+              <a:schemeClr val="dk1">
+                <a:lumMod val="75000"/>
+                <a:lumOff val="25000"/>
+              </a:schemeClr>
+            </a:solidFill>
+            <a:round/>
+          </a:ln>
+          <a:effectLst/>
+        </c:spPr>
+        <c:txPr>
+          <a:bodyPr rot="-60000000" spcFirstLastPara="1" vertOverflow="ellipsis" vert="horz" wrap="square" anchor="ctr" anchorCtr="1"/>
+          <a:lstStyle/>
+          <a:p>
+            <a:pPr>
+              <a:defRPr sz="900" b="0" i="0" u="none" strike="noStrike" kern="1200" cap="all" baseline="0">
+                <a:solidFill>
+                  <a:schemeClr val="dk1">
+                    <a:lumMod val="75000"/>
+                    <a:lumOff val="25000"/>
+                  </a:schemeClr>
+                </a:solidFill>
+                <a:latin typeface="+mn-lt"/>
+                <a:ea typeface="+mn-ea"/>
+                <a:cs typeface="+mn-cs"/>
+              </a:defRPr>
+            </a:pPr>
+            <a:endParaRPr lang="en-US"/>
+          </a:p>
+        </c:txPr>
+        <c:crossAx val="-2092092456"/>
+        <c:crosses val="autoZero"/>
+        <c:auto val="1"/>
+        <c:lblAlgn val="ctr"/>
+        <c:lblOffset val="100"/>
+        <c:noMultiLvlLbl val="0"/>
+      </c:catAx>
+      <c:valAx>
+        <c:axId val="-2092092456"/>
+        <c:scaling>
+          <c:orientation val="minMax"/>
+          <c:min val="0.0"/>
+        </c:scaling>
+        <c:delete val="0"/>
+        <c:axPos val="b"/>
+        <c:majorGridlines>
+          <c:spPr>
+            <a:ln w="9525" cap="flat" cmpd="sng" algn="ctr">
+              <a:gradFill>
+                <a:gsLst>
+                  <a:gs pos="100000">
+                    <a:schemeClr val="dk1">
+                      <a:lumMod val="95000"/>
+                      <a:lumOff val="5000"/>
+                      <a:alpha val="42000"/>
+                    </a:schemeClr>
+                  </a:gs>
+                  <a:gs pos="0">
+                    <a:schemeClr val="lt1">
+                      <a:lumMod val="75000"/>
+                      <a:alpha val="36000"/>
+                    </a:schemeClr>
+                  </a:gs>
+                </a:gsLst>
+                <a:lin ang="5400000" scaled="0"/>
+              </a:gradFill>
+              <a:round/>
+            </a:ln>
+            <a:effectLst/>
+          </c:spPr>
+        </c:majorGridlines>
+        <c:title>
+          <c:tx>
+            <c:rich>
+              <a:bodyPr rot="0" spcFirstLastPara="1" vertOverflow="ellipsis" vert="horz" wrap="square" anchor="ctr" anchorCtr="1"/>
+              <a:lstStyle/>
+              <a:p>
+                <a:pPr>
+                  <a:defRPr sz="900" b="1" i="0" u="none" strike="noStrike" kern="1200" baseline="0">
+                    <a:solidFill>
+                      <a:schemeClr val="dk1">
+                        <a:lumMod val="75000"/>
+                        <a:lumOff val="25000"/>
+                      </a:schemeClr>
+                    </a:solidFill>
+                    <a:latin typeface="+mn-lt"/>
+                    <a:ea typeface="+mn-ea"/>
+                    <a:cs typeface="+mn-cs"/>
+                  </a:defRPr>
+                </a:pPr>
+                <a:r>
+                  <a:rPr lang="en-US"/>
+                  <a:t>Time (s)</a:t>
+                </a:r>
+              </a:p>
+            </c:rich>
+          </c:tx>
+          <c:layout/>
+          <c:overlay val="0"/>
+          <c:spPr>
+            <a:noFill/>
+            <a:ln>
+              <a:noFill/>
+            </a:ln>
+            <a:effectLst/>
+          </c:spPr>
+        </c:title>
+        <c:numFmt formatCode="0%" sourceLinked="1"/>
+        <c:majorTickMark val="out"/>
+        <c:minorTickMark val="none"/>
+        <c:tickLblPos val="nextTo"/>
+        <c:spPr>
+          <a:noFill/>
+          <a:ln>
+            <a:noFill/>
+          </a:ln>
+          <a:effectLst/>
+        </c:spPr>
+        <c:txPr>
+          <a:bodyPr rot="-60000000" spcFirstLastPara="1" vertOverflow="ellipsis" vert="horz" wrap="square" anchor="ctr" anchorCtr="1"/>
+          <a:lstStyle/>
+          <a:p>
+            <a:pPr>
+              <a:defRPr sz="900" b="0" i="0" u="none" strike="noStrike" kern="1200" baseline="0">
+                <a:solidFill>
+                  <a:schemeClr val="dk1">
+                    <a:lumMod val="75000"/>
+                    <a:lumOff val="25000"/>
+                  </a:schemeClr>
+                </a:solidFill>
+                <a:latin typeface="+mn-lt"/>
+                <a:ea typeface="+mn-ea"/>
+                <a:cs typeface="+mn-cs"/>
+              </a:defRPr>
+            </a:pPr>
+            <a:endParaRPr lang="en-US"/>
+          </a:p>
+        </c:txPr>
+        <c:crossAx val="2073414536"/>
+        <c:crosses val="autoZero"/>
+        <c:crossBetween val="between"/>
+      </c:valAx>
+      <c:spPr>
+        <a:noFill/>
+        <a:ln>
+          <a:noFill/>
+        </a:ln>
+        <a:effectLst/>
+      </c:spPr>
+    </c:plotArea>
+    <c:legend>
+      <c:legendPos val="b"/>
+      <c:layout/>
+      <c:overlay val="0"/>
+      <c:spPr>
+        <a:solidFill>
+          <a:schemeClr val="lt1">
+            <a:lumMod val="95000"/>
+            <a:alpha val="39000"/>
+          </a:schemeClr>
+        </a:solidFill>
+        <a:ln>
+          <a:noFill/>
+        </a:ln>
+        <a:effectLst/>
+      </c:spPr>
+      <c:txPr>
+        <a:bodyPr rot="0" spcFirstLastPara="1" vertOverflow="ellipsis" vert="horz" wrap="square" anchor="ctr" anchorCtr="1"/>
+        <a:lstStyle/>
+        <a:p>
+          <a:pPr>
+            <a:defRPr sz="1200" b="0" i="0" u="none" strike="noStrike" kern="1200" baseline="0">
+              <a:solidFill>
+                <a:schemeClr val="dk1">
+                  <a:lumMod val="75000"/>
+                  <a:lumOff val="25000"/>
+                </a:schemeClr>
+              </a:solidFill>
+              <a:latin typeface="+mn-lt"/>
+              <a:ea typeface="+mn-ea"/>
+              <a:cs typeface="+mn-cs"/>
+            </a:defRPr>
+          </a:pPr>
+          <a:endParaRPr lang="en-US"/>
+        </a:p>
+      </c:txPr>
+    </c:legend>
+    <c:plotVisOnly val="1"/>
+    <c:dispBlanksAs val="gap"/>
+    <c:showDLblsOverMax val="0"/>
+    <c:extLst xmlns:c16r2="http://schemas.microsoft.com/office/drawing/2015/06/chart"/>
+  </c:chart>
+  <c:spPr>
+    <a:gradFill flip="none" rotWithShape="1">
+      <a:gsLst>
+        <a:gs pos="0">
+          <a:schemeClr val="lt1"/>
+        </a:gs>
+        <a:gs pos="39000">
+          <a:schemeClr val="lt1"/>
+        </a:gs>
+        <a:gs pos="100000">
+          <a:schemeClr val="lt1">
+            <a:lumMod val="75000"/>
+          </a:schemeClr>
+        </a:gs>
+      </a:gsLst>
+      <a:path path="circle">
+        <a:fillToRect l="50000" t="-80000" r="50000" b="180000"/>
+      </a:path>
+      <a:tileRect/>
+    </a:gradFill>
+    <a:ln w="9525" cap="flat" cmpd="sng" algn="ctr">
+      <a:solidFill>
+        <a:schemeClr val="dk1">
+          <a:lumMod val="25000"/>
+          <a:lumOff val="75000"/>
+        </a:schemeClr>
+      </a:solidFill>
+      <a:round/>
+    </a:ln>
+    <a:effectLst/>
+  </c:spPr>
+  <c:txPr>
+    <a:bodyPr/>
+    <a:lstStyle/>
+    <a:p>
+      <a:pPr>
+        <a:defRPr/>
+      </a:pPr>
+      <a:endParaRPr lang="en-US"/>
+    </a:p>
+  </c:txPr>
+  <c:externalData r:id="rId2">
+    <c:autoUpdate val="0"/>
+  </c:externalData>
+</c:chartSpace>
+</file>
+
+<file path=ppt/charts/chart4.xml><?xml version="1.0" encoding="utf-8"?>
+<c:chartSpace xmlns:c="http://schemas.openxmlformats.org/drawingml/2006/chart" xmlns:a="http://schemas.openxmlformats.org/drawingml/2006/main" xmlns:r="http://schemas.openxmlformats.org/officeDocument/2006/relationships">
+  <c:date1904 val="0"/>
+  <c:lang val="en-US"/>
+  <c:roundedCorners val="0"/>
+  <mc:AlternateContent xmlns:mc="http://schemas.openxmlformats.org/markup-compatibility/2006">
+    <mc:Choice xmlns:c14="http://schemas.microsoft.com/office/drawing/2007/8/2/chart" Requires="c14">
+      <c14:style val="102"/>
+    </mc:Choice>
+    <mc:Fallback>
+      <c:style val="2"/>
+    </mc:Fallback>
+  </mc:AlternateContent>
+  <c:clrMapOvr bg1="lt1" tx1="dk1" bg2="lt2" tx2="dk2" accent1="accent1" accent2="accent2" accent3="accent3" accent4="accent4" accent5="accent5" accent6="accent6" hlink="hlink" folHlink="folHlink"/>
+  <c:chart>
+    <c:title>
+      <c:tx>
+        <c:rich>
+          <a:bodyPr rot="0" spcFirstLastPara="1" vertOverflow="ellipsis" vert="horz" wrap="square" anchor="ctr" anchorCtr="1"/>
+          <a:lstStyle/>
+          <a:p>
+            <a:pPr>
+              <a:defRPr sz="1800" b="1" i="0" u="none" strike="noStrike" kern="1200" baseline="0">
+                <a:solidFill>
+                  <a:schemeClr val="dk1">
+                    <a:lumMod val="75000"/>
+                    <a:lumOff val="25000"/>
+                  </a:schemeClr>
+                </a:solidFill>
+                <a:latin typeface="+mn-lt"/>
+                <a:ea typeface="+mn-ea"/>
+                <a:cs typeface="+mn-cs"/>
+              </a:defRPr>
+            </a:pPr>
+            <a:r>
+              <a:rPr lang="en-US" dirty="0"/>
+              <a:t>Loop </a:t>
+            </a:r>
+            <a:r>
+              <a:rPr lang="en-US" dirty="0" smtClean="0"/>
+              <a:t>Overhead Optimization</a:t>
+            </a:r>
+            <a:endParaRPr lang="en-US" dirty="0"/>
+          </a:p>
+        </c:rich>
+      </c:tx>
+      <c:layout>
+        <c:manualLayout>
+          <c:xMode val="edge"/>
+          <c:yMode val="edge"/>
+          <c:x val="0.380665316198026"/>
+          <c:y val="0.0238683587402359"/>
+        </c:manualLayout>
+      </c:layout>
+      <c:overlay val="0"/>
+      <c:spPr>
+        <a:noFill/>
+        <a:ln>
+          <a:noFill/>
+        </a:ln>
+        <a:effectLst/>
+      </c:spPr>
+    </c:title>
+    <c:autoTitleDeleted val="0"/>
+    <c:plotArea>
+      <c:layout/>
+      <c:barChart>
+        <c:barDir val="bar"/>
+        <c:grouping val="percentStacked"/>
+        <c:varyColors val="0"/>
+        <c:ser>
+          <c:idx val="0"/>
+          <c:order val="0"/>
+          <c:tx>
+            <c:strRef>
+              <c:f>Sheet4!$C$3</c:f>
+              <c:strCache>
+                <c:ptCount val="1"/>
+                <c:pt idx="0">
+                  <c:v>Unoptimized</c:v>
+                </c:pt>
+              </c:strCache>
+            </c:strRef>
+          </c:tx>
+          <c:spPr>
+            <a:solidFill>
+              <a:schemeClr val="accent1">
+                <a:alpha val="85000"/>
+              </a:schemeClr>
+            </a:solidFill>
+            <a:ln w="9525" cap="flat" cmpd="sng" algn="ctr">
+              <a:solidFill>
+                <a:schemeClr val="lt1">
+                  <a:alpha val="50000"/>
+                </a:schemeClr>
+              </a:solidFill>
+              <a:round/>
+            </a:ln>
+            <a:effectLst/>
+          </c:spPr>
+          <c:invertIfNegative val="0"/>
+          <c:dLbls>
+            <c:numFmt formatCode="#,##0.00" sourceLinked="0"/>
+            <c:spPr>
+              <a:noFill/>
+              <a:ln>
+                <a:noFill/>
+              </a:ln>
+              <a:effectLst/>
+            </c:spPr>
+            <c:txPr>
+              <a:bodyPr rot="0" spcFirstLastPara="1" vertOverflow="ellipsis" vert="horz" wrap="square" lIns="38100" tIns="19050" rIns="38100" bIns="19050" anchor="ctr" anchorCtr="1">
+                <a:spAutoFit/>
+              </a:bodyPr>
+              <a:lstStyle/>
+              <a:p>
+                <a:pPr>
+                  <a:defRPr sz="900" b="1" i="0" u="none" strike="noStrike" kern="1200" baseline="0">
+                    <a:solidFill>
+                      <a:schemeClr val="lt1"/>
+                    </a:solidFill>
+                    <a:latin typeface="+mn-lt"/>
+                    <a:ea typeface="+mn-ea"/>
+                    <a:cs typeface="+mn-cs"/>
+                  </a:defRPr>
+                </a:pPr>
+                <a:endParaRPr lang="en-US"/>
+              </a:p>
+            </c:txPr>
+            <c:dLblPos val="ctr"/>
+            <c:showLegendKey val="0"/>
+            <c:showVal val="1"/>
+            <c:showCatName val="0"/>
+            <c:showSerName val="0"/>
+            <c:showPercent val="0"/>
+            <c:showBubbleSize val="0"/>
+            <c:showLeaderLines val="0"/>
+            <c:extLst xmlns:c16r2="http://schemas.microsoft.com/office/drawing/2015/06/chart">
+              <c:ext xmlns:c15="http://schemas.microsoft.com/office/drawing/2012/chart" uri="{CE6537A1-D6FC-4f65-9D91-7224C49458BB}">
+                <c15:showLeaderLines val="1"/>
+                <c15:leaderLines>
+                  <c:spPr>
+                    <a:ln w="9525">
+                      <a:solidFill>
+                        <a:schemeClr val="dk1">
+                          <a:lumMod val="50000"/>
+                          <a:lumOff val="50000"/>
+                        </a:schemeClr>
+                      </a:solidFill>
+                    </a:ln>
+                    <a:effectLst/>
+                  </c:spPr>
+                </c15:leaderLines>
+              </c:ext>
+            </c:extLst>
+          </c:dLbls>
+          <c:cat>
+            <c:numRef>
+              <c:f>Sheet4!$B$4:$B$6</c:f>
+              <c:numCache>
+                <c:formatCode>General</c:formatCode>
+                <c:ptCount val="3"/>
+                <c:pt idx="0">
+                  <c:v>1.0E6</c:v>
+                </c:pt>
+                <c:pt idx="1">
+                  <c:v>1.0E7</c:v>
+                </c:pt>
+                <c:pt idx="2">
+                  <c:v>1.0E8</c:v>
+                </c:pt>
+              </c:numCache>
+            </c:numRef>
+          </c:cat>
+          <c:val>
+            <c:numRef>
+              <c:f>Sheet4!$C$4:$C$6</c:f>
+              <c:numCache>
+                <c:formatCode>General</c:formatCode>
+                <c:ptCount val="3"/>
+                <c:pt idx="0">
+                  <c:v>3.79261517524719</c:v>
+                </c:pt>
+                <c:pt idx="1">
+                  <c:v>38.7858934402465</c:v>
+                </c:pt>
+                <c:pt idx="2">
+                  <c:v>403.723316192626</c:v>
+                </c:pt>
+              </c:numCache>
+            </c:numRef>
+          </c:val>
+          <c:extLst xmlns:c16r2="http://schemas.microsoft.com/office/drawing/2015/06/chart">
+            <c:ext xmlns:c16="http://schemas.microsoft.com/office/drawing/2014/chart" uri="{C3380CC4-5D6E-409C-BE32-E72D297353CC}">
+              <c16:uniqueId val="{00000000-0079-4766-93E0-59E6B8F1B45F}"/>
+            </c:ext>
+          </c:extLst>
+        </c:ser>
+        <c:ser>
+          <c:idx val="1"/>
+          <c:order val="1"/>
+          <c:tx>
+            <c:strRef>
+              <c:f>Sheet4!$D$3</c:f>
+              <c:strCache>
+                <c:ptCount val="1"/>
+                <c:pt idx="0">
+                  <c:v>Optimized</c:v>
+                </c:pt>
+              </c:strCache>
+            </c:strRef>
+          </c:tx>
+          <c:spPr>
+            <a:solidFill>
+              <a:schemeClr val="accent2">
+                <a:alpha val="85000"/>
+              </a:schemeClr>
+            </a:solidFill>
+            <a:ln w="9525" cap="flat" cmpd="sng" algn="ctr">
+              <a:solidFill>
+                <a:schemeClr val="lt1">
+                  <a:alpha val="50000"/>
+                </a:schemeClr>
+              </a:solidFill>
+              <a:round/>
+            </a:ln>
+            <a:effectLst/>
+          </c:spPr>
+          <c:invertIfNegative val="0"/>
+          <c:dLbls>
+            <c:numFmt formatCode="#,##0.00" sourceLinked="0"/>
+            <c:spPr>
+              <a:noFill/>
+              <a:ln>
+                <a:noFill/>
+              </a:ln>
+              <a:effectLst/>
+            </c:spPr>
+            <c:txPr>
+              <a:bodyPr rot="0" spcFirstLastPara="1" vertOverflow="ellipsis" vert="horz" wrap="square" lIns="38100" tIns="19050" rIns="38100" bIns="19050" anchor="ctr" anchorCtr="1">
+                <a:spAutoFit/>
+              </a:bodyPr>
+              <a:lstStyle/>
+              <a:p>
+                <a:pPr>
+                  <a:defRPr sz="900" b="1" i="0" u="none" strike="noStrike" kern="1200" baseline="0">
+                    <a:solidFill>
+                      <a:schemeClr val="lt1"/>
+                    </a:solidFill>
+                    <a:latin typeface="+mn-lt"/>
+                    <a:ea typeface="+mn-ea"/>
+                    <a:cs typeface="+mn-cs"/>
+                  </a:defRPr>
+                </a:pPr>
+                <a:endParaRPr lang="en-US"/>
+              </a:p>
+            </c:txPr>
+            <c:dLblPos val="ctr"/>
+            <c:showLegendKey val="0"/>
+            <c:showVal val="1"/>
+            <c:showCatName val="0"/>
+            <c:showSerName val="0"/>
+            <c:showPercent val="0"/>
+            <c:showBubbleSize val="0"/>
+            <c:showLeaderLines val="0"/>
+            <c:extLst xmlns:c16r2="http://schemas.microsoft.com/office/drawing/2015/06/chart">
+              <c:ext xmlns:c15="http://schemas.microsoft.com/office/drawing/2012/chart" uri="{CE6537A1-D6FC-4f65-9D91-7224C49458BB}">
+                <c15:showLeaderLines val="1"/>
+                <c15:leaderLines>
+                  <c:spPr>
+                    <a:ln w="9525">
+                      <a:solidFill>
+                        <a:schemeClr val="dk1">
+                          <a:lumMod val="50000"/>
+                          <a:lumOff val="50000"/>
+                        </a:schemeClr>
+                      </a:solidFill>
+                    </a:ln>
+                    <a:effectLst/>
+                  </c:spPr>
+                </c15:leaderLines>
+              </c:ext>
+            </c:extLst>
+          </c:dLbls>
+          <c:cat>
+            <c:numRef>
+              <c:f>Sheet4!$B$4:$B$6</c:f>
+              <c:numCache>
+                <c:formatCode>General</c:formatCode>
+                <c:ptCount val="3"/>
+                <c:pt idx="0">
+                  <c:v>1.0E6</c:v>
+                </c:pt>
+                <c:pt idx="1">
+                  <c:v>1.0E7</c:v>
+                </c:pt>
+                <c:pt idx="2">
+                  <c:v>1.0E8</c:v>
+                </c:pt>
+              </c:numCache>
+            </c:numRef>
+          </c:cat>
+          <c:val>
+            <c:numRef>
+              <c:f>Sheet4!$D$4:$D$6</c:f>
+              <c:numCache>
+                <c:formatCode>General</c:formatCode>
+                <c:ptCount val="3"/>
+                <c:pt idx="0">
+                  <c:v>3.38699173927307</c:v>
+                </c:pt>
+                <c:pt idx="1">
+                  <c:v>35.4579067230224</c:v>
+                </c:pt>
+                <c:pt idx="2">
+                  <c:v>361.055302619934</c:v>
+                </c:pt>
+              </c:numCache>
+            </c:numRef>
+          </c:val>
+          <c:extLst xmlns:c16r2="http://schemas.microsoft.com/office/drawing/2015/06/chart">
+            <c:ext xmlns:c16="http://schemas.microsoft.com/office/drawing/2014/chart" uri="{C3380CC4-5D6E-409C-BE32-E72D297353CC}">
+              <c16:uniqueId val="{00000001-0079-4766-93E0-59E6B8F1B45F}"/>
+            </c:ext>
+          </c:extLst>
+        </c:ser>
+        <c:dLbls>
+          <c:dLblPos val="ctr"/>
+          <c:showLegendKey val="0"/>
+          <c:showVal val="1"/>
+          <c:showCatName val="0"/>
+          <c:showSerName val="0"/>
+          <c:showPercent val="0"/>
+          <c:showBubbleSize val="0"/>
+        </c:dLbls>
+        <c:gapWidth val="150"/>
+        <c:overlap val="100"/>
+        <c:axId val="-2116255208"/>
+        <c:axId val="2073403304"/>
+      </c:barChart>
+      <c:catAx>
+        <c:axId val="-2116255208"/>
+        <c:scaling>
+          <c:orientation val="minMax"/>
+        </c:scaling>
+        <c:delete val="0"/>
+        <c:axPos val="l"/>
+        <c:title>
+          <c:tx>
+            <c:rich>
+              <a:bodyPr rot="-5400000" spcFirstLastPara="1" vertOverflow="ellipsis" vert="horz" wrap="square" anchor="ctr" anchorCtr="1"/>
+              <a:lstStyle/>
+              <a:p>
+                <a:pPr>
+                  <a:defRPr sz="900" b="1" i="0" u="none" strike="noStrike" kern="1200" baseline="0">
+                    <a:solidFill>
+                      <a:schemeClr val="dk1">
+                        <a:lumMod val="75000"/>
+                        <a:lumOff val="25000"/>
+                      </a:schemeClr>
+                    </a:solidFill>
+                    <a:latin typeface="+mn-lt"/>
+                    <a:ea typeface="+mn-ea"/>
+                    <a:cs typeface="+mn-cs"/>
+                  </a:defRPr>
+                </a:pPr>
+                <a:r>
+                  <a:rPr lang="en-US"/>
+                  <a:t>Input</a:t>
+                </a:r>
+              </a:p>
+            </c:rich>
+          </c:tx>
+          <c:layout/>
+          <c:overlay val="0"/>
+          <c:spPr>
+            <a:noFill/>
+            <a:ln>
+              <a:noFill/>
+            </a:ln>
+            <a:effectLst/>
+          </c:spPr>
+        </c:title>
+        <c:numFmt formatCode="General" sourceLinked="1"/>
+        <c:majorTickMark val="none"/>
+        <c:minorTickMark val="none"/>
+        <c:tickLblPos val="nextTo"/>
+        <c:spPr>
+          <a:noFill/>
+          <a:ln w="19050" cap="flat" cmpd="sng" algn="ctr">
+            <a:solidFill>
+              <a:schemeClr val="dk1">
+                <a:lumMod val="75000"/>
+                <a:lumOff val="25000"/>
+              </a:schemeClr>
+            </a:solidFill>
+            <a:round/>
+          </a:ln>
+          <a:effectLst/>
+        </c:spPr>
+        <c:txPr>
+          <a:bodyPr rot="-60000000" spcFirstLastPara="1" vertOverflow="ellipsis" vert="horz" wrap="square" anchor="ctr" anchorCtr="1"/>
+          <a:lstStyle/>
+          <a:p>
+            <a:pPr>
+              <a:defRPr sz="900" b="0" i="0" u="none" strike="noStrike" kern="1200" cap="all" baseline="0">
+                <a:solidFill>
+                  <a:schemeClr val="dk1">
+                    <a:lumMod val="75000"/>
+                    <a:lumOff val="25000"/>
+                  </a:schemeClr>
+                </a:solidFill>
+                <a:latin typeface="+mn-lt"/>
+                <a:ea typeface="+mn-ea"/>
+                <a:cs typeface="+mn-cs"/>
+              </a:defRPr>
+            </a:pPr>
+            <a:endParaRPr lang="en-US"/>
+          </a:p>
+        </c:txPr>
+        <c:crossAx val="2073403304"/>
+        <c:crosses val="autoZero"/>
+        <c:auto val="1"/>
+        <c:lblAlgn val="ctr"/>
+        <c:lblOffset val="100"/>
+        <c:noMultiLvlLbl val="0"/>
+      </c:catAx>
+      <c:valAx>
+        <c:axId val="2073403304"/>
+        <c:scaling>
+          <c:orientation val="minMax"/>
+        </c:scaling>
+        <c:delete val="0"/>
+        <c:axPos val="b"/>
+        <c:majorGridlines>
+          <c:spPr>
+            <a:ln w="9525" cap="flat" cmpd="sng" algn="ctr">
+              <a:gradFill>
+                <a:gsLst>
+                  <a:gs pos="100000">
+                    <a:schemeClr val="dk1">
+                      <a:lumMod val="95000"/>
+                      <a:lumOff val="5000"/>
+                      <a:alpha val="42000"/>
+                    </a:schemeClr>
+                  </a:gs>
+                  <a:gs pos="0">
+                    <a:schemeClr val="lt1">
+                      <a:lumMod val="75000"/>
+                      <a:alpha val="36000"/>
+                    </a:schemeClr>
+                  </a:gs>
+                </a:gsLst>
+                <a:lin ang="5400000" scaled="0"/>
+              </a:gradFill>
+              <a:round/>
+            </a:ln>
+            <a:effectLst/>
+          </c:spPr>
+        </c:majorGridlines>
+        <c:title>
+          <c:tx>
+            <c:rich>
+              <a:bodyPr rot="0" spcFirstLastPara="1" vertOverflow="ellipsis" vert="horz" wrap="square" anchor="ctr" anchorCtr="1"/>
+              <a:lstStyle/>
+              <a:p>
+                <a:pPr>
+                  <a:defRPr sz="900" b="1" i="0" u="none" strike="noStrike" kern="1200" baseline="0">
+                    <a:solidFill>
+                      <a:schemeClr val="dk1">
+                        <a:lumMod val="75000"/>
+                        <a:lumOff val="25000"/>
+                      </a:schemeClr>
+                    </a:solidFill>
+                    <a:latin typeface="+mn-lt"/>
+                    <a:ea typeface="+mn-ea"/>
+                    <a:cs typeface="+mn-cs"/>
+                  </a:defRPr>
+                </a:pPr>
+                <a:r>
+                  <a:rPr lang="en-US"/>
+                  <a:t>Time (s)</a:t>
+                </a:r>
+              </a:p>
+            </c:rich>
+          </c:tx>
+          <c:layout/>
+          <c:overlay val="0"/>
+          <c:spPr>
+            <a:noFill/>
+            <a:ln>
+              <a:noFill/>
+            </a:ln>
+            <a:effectLst/>
+          </c:spPr>
+        </c:title>
+        <c:numFmt formatCode="0%" sourceLinked="1"/>
+        <c:majorTickMark val="out"/>
+        <c:minorTickMark val="none"/>
+        <c:tickLblPos val="nextTo"/>
+        <c:spPr>
+          <a:noFill/>
+          <a:ln>
+            <a:noFill/>
+          </a:ln>
+          <a:effectLst/>
+        </c:spPr>
+        <c:txPr>
+          <a:bodyPr rot="-60000000" spcFirstLastPara="1" vertOverflow="ellipsis" vert="horz" wrap="square" anchor="ctr" anchorCtr="1"/>
+          <a:lstStyle/>
+          <a:p>
+            <a:pPr>
+              <a:defRPr sz="900" b="0" i="0" u="none" strike="noStrike" kern="1200" baseline="0">
+                <a:solidFill>
+                  <a:schemeClr val="dk1">
+                    <a:lumMod val="75000"/>
+                    <a:lumOff val="25000"/>
+                  </a:schemeClr>
+                </a:solidFill>
+                <a:latin typeface="+mn-lt"/>
+                <a:ea typeface="+mn-ea"/>
+                <a:cs typeface="+mn-cs"/>
+              </a:defRPr>
+            </a:pPr>
+            <a:endParaRPr lang="en-US"/>
+          </a:p>
+        </c:txPr>
+        <c:crossAx val="-2116255208"/>
+        <c:crosses val="autoZero"/>
+        <c:crossBetween val="between"/>
+      </c:valAx>
+      <c:spPr>
+        <a:noFill/>
+        <a:ln>
+          <a:noFill/>
+        </a:ln>
+        <a:effectLst/>
+      </c:spPr>
+    </c:plotArea>
+    <c:legend>
+      <c:legendPos val="b"/>
+      <c:layout/>
+      <c:overlay val="0"/>
+      <c:spPr>
+        <a:solidFill>
+          <a:schemeClr val="lt1">
+            <a:lumMod val="95000"/>
+            <a:alpha val="39000"/>
+          </a:schemeClr>
+        </a:solidFill>
+        <a:ln>
+          <a:noFill/>
+        </a:ln>
+        <a:effectLst/>
+      </c:spPr>
+      <c:txPr>
+        <a:bodyPr rot="0" spcFirstLastPara="1" vertOverflow="ellipsis" vert="horz" wrap="square" anchor="ctr" anchorCtr="1"/>
+        <a:lstStyle/>
+        <a:p>
+          <a:pPr>
+            <a:defRPr sz="1200" b="0" i="0" u="none" strike="noStrike" kern="1200" baseline="0">
+              <a:solidFill>
+                <a:schemeClr val="dk1">
+                  <a:lumMod val="75000"/>
+                  <a:lumOff val="25000"/>
+                </a:schemeClr>
+              </a:solidFill>
+              <a:latin typeface="+mn-lt"/>
+              <a:ea typeface="+mn-ea"/>
+              <a:cs typeface="+mn-cs"/>
+            </a:defRPr>
+          </a:pPr>
+          <a:endParaRPr lang="en-US"/>
+        </a:p>
+      </c:txPr>
+    </c:legend>
+    <c:plotVisOnly val="1"/>
+    <c:dispBlanksAs val="gap"/>
+    <c:showDLblsOverMax val="0"/>
+    <c:extLst xmlns:c16r2="http://schemas.microsoft.com/office/drawing/2015/06/chart"/>
+  </c:chart>
+  <c:spPr>
+    <a:gradFill flip="none" rotWithShape="1">
+      <a:gsLst>
+        <a:gs pos="0">
+          <a:schemeClr val="lt1"/>
+        </a:gs>
+        <a:gs pos="39000">
+          <a:schemeClr val="lt1"/>
+        </a:gs>
+        <a:gs pos="100000">
+          <a:schemeClr val="lt1">
+            <a:lumMod val="75000"/>
+          </a:schemeClr>
+        </a:gs>
+      </a:gsLst>
+      <a:path path="circle">
+        <a:fillToRect l="50000" t="-80000" r="50000" b="180000"/>
+      </a:path>
+      <a:tileRect/>
+    </a:gradFill>
+    <a:ln w="9525" cap="flat" cmpd="sng" algn="ctr">
+      <a:solidFill>
+        <a:schemeClr val="dk1">
+          <a:lumMod val="25000"/>
+          <a:lumOff val="75000"/>
+        </a:schemeClr>
+      </a:solidFill>
+      <a:round/>
+    </a:ln>
+    <a:effectLst/>
+  </c:spPr>
+  <c:txPr>
+    <a:bodyPr/>
+    <a:lstStyle/>
+    <a:p>
+      <a:pPr>
+        <a:defRPr/>
+      </a:pPr>
+      <a:endParaRPr lang="en-US"/>
+    </a:p>
+  </c:txPr>
+  <c:externalData r:id="rId2">
+    <c:autoUpdate val="0"/>
+  </c:externalData>
+</c:chartSpace>
 </file>
 
 <file path=ppt/notesMasters/notesMaster1.xml><?xml version="1.0" encoding="utf-8"?>
@@ -736,7 +3219,7 @@
           <a:p>
             <a:fld id="{32EA0742-33EE-B141-983A-F68578BB7E61}" type="slidenum">
               <a:rPr lang="en-US" smtClean="0"/>
-              <a:t>5</a:t>
+              <a:t>6</a:t>
             </a:fld>
             <a:endParaRPr lang="en-US"/>
           </a:p>
@@ -828,7 +3311,7 @@
           <a:p>
             <a:fld id="{32EA0742-33EE-B141-983A-F68578BB7E61}" type="slidenum">
               <a:rPr lang="en-US" smtClean="0"/>
-              <a:t>6</a:t>
+              <a:t>8</a:t>
             </a:fld>
             <a:endParaRPr lang="en-US"/>
           </a:p>
@@ -897,7 +3380,7 @@
             </a:r>
             <a:r>
               <a:rPr lang="en-US" baseline="0" dirty="0" smtClean="0"/>
-              <a:t> For the execution of the for loop above, the program has to first check the condition of the for loop, before executing the block of code inside the loop. However for do-while loops, the program executes first the code inside the block, and then checks the condition for verification before proceeding with the next iteration. Although this results in a slight improvement, when you’re dealing with a large code base, with the ultimate goal of performance, a slight increase is still significant.</a:t>
+              <a:t> For the execution of the for loop above, the program has to first check the condition of the for loop, before executing the block of code inside the loop. However for do-while loops, the program executes first the code inside the block, and then checks the condition for verification before proceeding with the next iteration. Although this results in a slight improvement, when you’re dealing with a large code base, with the ultimate goal of performance, a slight increase is still significant. Most CPUs have conditional branches that </a:t>
             </a:r>
             <a:endParaRPr lang="en-US" dirty="0"/>
           </a:p>
@@ -920,7 +3403,7 @@
           <a:p>
             <a:fld id="{32EA0742-33EE-B141-983A-F68578BB7E61}" type="slidenum">
               <a:rPr lang="en-US" smtClean="0"/>
-              <a:t>7</a:t>
+              <a:t>10</a:t>
             </a:fld>
             <a:endParaRPr lang="en-US"/>
           </a:p>
@@ -5620,6 +8103,910 @@
 </p:sld>
 </file>
 
+<file path=ppt/slides/slide10.xml><?xml version="1.0" encoding="utf-8"?>
+<p:sld xmlns:a="http://schemas.openxmlformats.org/drawingml/2006/main" xmlns:r="http://schemas.openxmlformats.org/officeDocument/2006/relationships" xmlns:p="http://schemas.openxmlformats.org/presentationml/2006/main">
+  <p:cSld>
+    <p:spTree>
+      <p:nvGrpSpPr>
+        <p:cNvPr id="1" name=""/>
+        <p:cNvGrpSpPr/>
+        <p:nvPr/>
+      </p:nvGrpSpPr>
+      <p:grpSpPr>
+        <a:xfrm>
+          <a:off x="0" y="0"/>
+          <a:ext cx="0" cy="0"/>
+          <a:chOff x="0" y="0"/>
+          <a:chExt cx="0" cy="0"/>
+        </a:xfrm>
+      </p:grpSpPr>
+      <p:sp>
+        <p:nvSpPr>
+          <p:cNvPr id="2" name="Title 1"/>
+          <p:cNvSpPr>
+            <a:spLocks noGrp="1"/>
+          </p:cNvSpPr>
+          <p:nvPr>
+            <p:ph type="title"/>
+          </p:nvPr>
+        </p:nvSpPr>
+        <p:spPr/>
+        <p:txBody>
+          <a:bodyPr>
+            <a:normAutofit/>
+          </a:bodyPr>
+          <a:lstStyle/>
+          <a:p>
+            <a:r>
+              <a:rPr lang="en-US" dirty="0" smtClean="0"/>
+              <a:t>Loop Overhead Optimization</a:t>
+            </a:r>
+            <a:endParaRPr lang="en-US" dirty="0"/>
+          </a:p>
+        </p:txBody>
+      </p:sp>
+      <p:sp>
+        <p:nvSpPr>
+          <p:cNvPr id="3" name="Content Placeholder 2"/>
+          <p:cNvSpPr>
+            <a:spLocks noGrp="1"/>
+          </p:cNvSpPr>
+          <p:nvPr>
+            <p:ph idx="1"/>
+          </p:nvPr>
+        </p:nvSpPr>
+        <p:spPr/>
+        <p:txBody>
+          <a:bodyPr/>
+          <a:lstStyle/>
+          <a:p>
+            <a:endParaRPr lang="en-US" dirty="0"/>
+          </a:p>
+        </p:txBody>
+      </p:sp>
+      <p:graphicFrame>
+        <p:nvGraphicFramePr>
+          <p:cNvPr id="4" name="Content Placeholder 3"/>
+          <p:cNvGraphicFramePr>
+            <a:graphicFrameLocks/>
+          </p:cNvGraphicFramePr>
+          <p:nvPr>
+            <p:extLst>
+              <p:ext uri="{D42A27DB-BD31-4B8C-83A1-F6EECF244321}">
+                <p14:modId xmlns:p14="http://schemas.microsoft.com/office/powerpoint/2010/main" val="3919334622"/>
+              </p:ext>
+            </p:extLst>
+          </p:nvPr>
+        </p:nvGraphicFramePr>
+        <p:xfrm>
+          <a:off x="457200" y="1633243"/>
+          <a:ext cx="8229600" cy="2203859"/>
+        </p:xfrm>
+        <a:graphic>
+          <a:graphicData uri="http://schemas.openxmlformats.org/drawingml/2006/table">
+            <a:tbl>
+              <a:tblPr firstRow="1" bandRow="1">
+                <a:tableStyleId>{5C22544A-7EE6-4342-B048-85BDC9FD1C3A}</a:tableStyleId>
+              </a:tblPr>
+              <a:tblGrid>
+                <a:gridCol w="4114800"/>
+                <a:gridCol w="4114800"/>
+              </a:tblGrid>
+              <a:tr h="338842">
+                <a:tc>
+                  <a:txBody>
+                    <a:bodyPr/>
+                    <a:lstStyle/>
+                    <a:p>
+                      <a:pPr marL="0" marR="0" indent="0" algn="l" defTabSz="457200" rtl="0" eaLnBrk="1" fontAlgn="auto" latinLnBrk="0" hangingPunct="1">
+                        <a:lnSpc>
+                          <a:spcPct val="100000"/>
+                        </a:lnSpc>
+                        <a:spcBef>
+                          <a:spcPts val="0"/>
+                        </a:spcBef>
+                        <a:spcAft>
+                          <a:spcPts val="0"/>
+                        </a:spcAft>
+                        <a:buClrTx/>
+                        <a:buSzTx/>
+                        <a:buFontTx/>
+                        <a:buNone/>
+                        <a:tabLst/>
+                        <a:defRPr/>
+                      </a:pPr>
+                      <a:r>
+                        <a:rPr lang="en-US" dirty="0" smtClean="0"/>
+                        <a:t>Un - Optimized</a:t>
+                      </a:r>
+                      <a:endParaRPr lang="en-US" dirty="0"/>
+                    </a:p>
+                  </a:txBody>
+                  <a:tcPr/>
+                </a:tc>
+                <a:tc>
+                  <a:txBody>
+                    <a:bodyPr/>
+                    <a:lstStyle/>
+                    <a:p>
+                      <a:r>
+                        <a:rPr lang="en-US" dirty="0" smtClean="0"/>
+                        <a:t>Optimized</a:t>
+                      </a:r>
+                      <a:endParaRPr lang="en-US" dirty="0"/>
+                    </a:p>
+                  </a:txBody>
+                  <a:tcPr/>
+                </a:tc>
+              </a:tr>
+              <a:tr h="1838099">
+                <a:tc>
+                  <a:txBody>
+                    <a:bodyPr/>
+                    <a:lstStyle/>
+                    <a:p>
+                      <a:r>
+                        <a:rPr lang="en-US" sz="1800" kern="1200" dirty="0" smtClean="0">
+                          <a:solidFill>
+                            <a:schemeClr val="dk1"/>
+                          </a:solidFill>
+                          <a:latin typeface="+mn-lt"/>
+                          <a:ea typeface="+mn-ea"/>
+                          <a:cs typeface="+mn-cs"/>
+                        </a:rPr>
+                        <a:t>F</a:t>
+                      </a:r>
+                      <a:r>
+                        <a:rPr lang="mr-IN" sz="1800" kern="1200" dirty="0" smtClean="0">
+                          <a:solidFill>
+                            <a:schemeClr val="dk1"/>
+                          </a:solidFill>
+                          <a:latin typeface="+mn-lt"/>
+                          <a:ea typeface="+mn-ea"/>
+                          <a:cs typeface="+mn-cs"/>
+                        </a:rPr>
+                        <a:t>or</a:t>
+                      </a:r>
+                      <a:r>
+                        <a:rPr lang="en-CA" sz="1800" kern="1200" dirty="0" smtClean="0">
+                          <a:solidFill>
+                            <a:schemeClr val="dk1"/>
+                          </a:solidFill>
+                          <a:latin typeface="+mn-lt"/>
+                          <a:ea typeface="+mn-ea"/>
+                          <a:cs typeface="+mn-cs"/>
+                        </a:rPr>
+                        <a:t>(</a:t>
+                      </a:r>
+                      <a:r>
+                        <a:rPr lang="mr-IN" sz="1800" kern="1200" dirty="0" smtClean="0">
+                          <a:solidFill>
+                            <a:schemeClr val="dk1"/>
+                          </a:solidFill>
+                          <a:latin typeface="+mn-lt"/>
+                          <a:ea typeface="+mn-ea"/>
+                          <a:cs typeface="+mn-cs"/>
+                        </a:rPr>
+                        <a:t>i</a:t>
+                      </a:r>
+                      <a:r>
+                        <a:rPr lang="en-CA" sz="1800" kern="1200" dirty="0" smtClean="0">
+                          <a:solidFill>
+                            <a:schemeClr val="dk1"/>
+                          </a:solidFill>
+                          <a:latin typeface="+mn-lt"/>
+                          <a:ea typeface="+mn-ea"/>
+                          <a:cs typeface="+mn-cs"/>
+                        </a:rPr>
+                        <a:t>=</a:t>
+                      </a:r>
+                      <a:r>
+                        <a:rPr lang="mr-IN" sz="1800" kern="1200" dirty="0" smtClean="0">
+                          <a:solidFill>
+                            <a:schemeClr val="dk1"/>
+                          </a:solidFill>
+                          <a:latin typeface="+mn-lt"/>
+                          <a:ea typeface="+mn-ea"/>
+                          <a:cs typeface="+mn-cs"/>
+                        </a:rPr>
+                        <a:t>0;i</a:t>
+                      </a:r>
+                      <a:r>
+                        <a:rPr lang="en-CA" sz="1800" kern="1200" dirty="0" smtClean="0">
+                          <a:solidFill>
+                            <a:schemeClr val="dk1"/>
+                          </a:solidFill>
+                          <a:latin typeface="+mn-lt"/>
+                          <a:ea typeface="+mn-ea"/>
+                          <a:cs typeface="+mn-cs"/>
+                        </a:rPr>
+                        <a:t>&lt;</a:t>
+                      </a:r>
+                      <a:r>
+                        <a:rPr lang="mr-IN" sz="1800" kern="1200" dirty="0" smtClean="0">
+                          <a:solidFill>
+                            <a:schemeClr val="dk1"/>
+                          </a:solidFill>
+                          <a:latin typeface="+mn-lt"/>
+                          <a:ea typeface="+mn-ea"/>
+                          <a:cs typeface="+mn-cs"/>
+                        </a:rPr>
+                        <a:t>100;i</a:t>
+                      </a:r>
+                      <a:r>
+                        <a:rPr lang="en-CA" sz="1800" kern="1200" dirty="0" smtClean="0">
+                          <a:solidFill>
+                            <a:schemeClr val="dk1"/>
+                          </a:solidFill>
+                          <a:latin typeface="+mn-lt"/>
+                          <a:ea typeface="+mn-ea"/>
+                          <a:cs typeface="+mn-cs"/>
+                        </a:rPr>
+                        <a:t>++)</a:t>
+                      </a:r>
+                      <a:r>
+                        <a:rPr lang="mr-IN" sz="1800" kern="1200" dirty="0" smtClean="0">
+                          <a:solidFill>
+                            <a:schemeClr val="dk1"/>
+                          </a:solidFill>
+                          <a:latin typeface="+mn-lt"/>
+                          <a:ea typeface="+mn-ea"/>
+                          <a:cs typeface="+mn-cs"/>
+                        </a:rPr>
+                        <a:t> {</a:t>
+                      </a:r>
+                    </a:p>
+                    <a:p>
+                      <a:r>
+                        <a:rPr lang="mr-IN" sz="1800" kern="1200" dirty="0" smtClean="0">
+                          <a:solidFill>
+                            <a:schemeClr val="dk1"/>
+                          </a:solidFill>
+                          <a:latin typeface="+mn-lt"/>
+                          <a:ea typeface="+mn-ea"/>
+                          <a:cs typeface="+mn-cs"/>
+                        </a:rPr>
+                        <a:t>        </a:t>
+                      </a:r>
+                      <a:r>
+                        <a:rPr lang="en-CA" sz="1800" kern="1200" dirty="0" err="1" smtClean="0">
+                          <a:solidFill>
+                            <a:schemeClr val="dk1"/>
+                          </a:solidFill>
+                          <a:latin typeface="+mn-lt"/>
+                          <a:ea typeface="+mn-ea"/>
+                          <a:cs typeface="+mn-cs"/>
+                        </a:rPr>
+                        <a:t>System.out.print</a:t>
+                      </a:r>
+                      <a:r>
+                        <a:rPr lang="en-CA" sz="1800" kern="1200" dirty="0" smtClean="0">
+                          <a:solidFill>
+                            <a:schemeClr val="dk1"/>
+                          </a:solidFill>
+                          <a:latin typeface="+mn-lt"/>
+                          <a:ea typeface="+mn-ea"/>
+                          <a:cs typeface="+mn-cs"/>
+                        </a:rPr>
+                        <a:t>(</a:t>
+                      </a:r>
+                      <a:r>
+                        <a:rPr lang="en-CA" sz="1800" kern="1200" dirty="0" err="1" smtClean="0">
+                          <a:solidFill>
+                            <a:schemeClr val="dk1"/>
+                          </a:solidFill>
+                          <a:latin typeface="+mn-lt"/>
+                          <a:ea typeface="+mn-ea"/>
+                          <a:cs typeface="+mn-cs"/>
+                        </a:rPr>
+                        <a:t>i</a:t>
+                      </a:r>
+                      <a:r>
+                        <a:rPr lang="en-CA" sz="1800" kern="1200" dirty="0" smtClean="0">
+                          <a:solidFill>
+                            <a:schemeClr val="dk1"/>
+                          </a:solidFill>
+                          <a:latin typeface="+mn-lt"/>
+                          <a:ea typeface="+mn-ea"/>
+                          <a:cs typeface="+mn-cs"/>
+                        </a:rPr>
+                        <a:t>);</a:t>
+                      </a:r>
+                      <a:endParaRPr lang="mr-IN" sz="1800" kern="1200" dirty="0" smtClean="0">
+                        <a:solidFill>
+                          <a:schemeClr val="dk1"/>
+                        </a:solidFill>
+                        <a:latin typeface="+mn-lt"/>
+                        <a:ea typeface="+mn-ea"/>
+                        <a:cs typeface="+mn-cs"/>
+                      </a:endParaRPr>
+                    </a:p>
+                    <a:p>
+                      <a:r>
+                        <a:rPr lang="mr-IN" sz="1800" kern="1200" dirty="0" smtClean="0">
+                          <a:solidFill>
+                            <a:schemeClr val="dk1"/>
+                          </a:solidFill>
+                          <a:latin typeface="+mn-lt"/>
+                          <a:ea typeface="+mn-ea"/>
+                          <a:cs typeface="+mn-cs"/>
+                        </a:rPr>
+                        <a:t>    }</a:t>
+                      </a:r>
+                    </a:p>
+                  </a:txBody>
+                  <a:tcPr/>
+                </a:tc>
+                <a:tc>
+                  <a:txBody>
+                    <a:bodyPr/>
+                    <a:lstStyle/>
+                    <a:p>
+                      <a:r>
+                        <a:rPr lang="mr-IN" sz="1800" kern="1200" dirty="0" smtClean="0">
+                          <a:solidFill>
+                            <a:schemeClr val="dk1"/>
+                          </a:solidFill>
+                          <a:latin typeface="+mn-lt"/>
+                          <a:ea typeface="+mn-ea"/>
+                          <a:cs typeface="+mn-cs"/>
+                        </a:rPr>
+                        <a:t> i</a:t>
+                      </a:r>
+                      <a:r>
+                        <a:rPr lang="en-CA" sz="1800" kern="1200" dirty="0" smtClean="0">
+                          <a:solidFill>
+                            <a:schemeClr val="dk1"/>
+                          </a:solidFill>
+                          <a:latin typeface="+mn-lt"/>
+                          <a:ea typeface="+mn-ea"/>
+                          <a:cs typeface="+mn-cs"/>
+                        </a:rPr>
+                        <a:t>=</a:t>
+                      </a:r>
+                      <a:r>
+                        <a:rPr lang="mr-IN" sz="1800" kern="1200" dirty="0" smtClean="0">
+                          <a:solidFill>
+                            <a:schemeClr val="dk1"/>
+                          </a:solidFill>
+                          <a:latin typeface="+mn-lt"/>
+                          <a:ea typeface="+mn-ea"/>
+                          <a:cs typeface="+mn-cs"/>
+                        </a:rPr>
+                        <a:t>99;</a:t>
+                      </a:r>
+                    </a:p>
+                    <a:p>
+                      <a:r>
+                        <a:rPr lang="mr-IN" sz="1800" kern="1200" dirty="0" smtClean="0">
+                          <a:solidFill>
+                            <a:schemeClr val="dk1"/>
+                          </a:solidFill>
+                          <a:latin typeface="+mn-lt"/>
+                          <a:ea typeface="+mn-ea"/>
+                          <a:cs typeface="+mn-cs"/>
+                        </a:rPr>
+                        <a:t>    do {</a:t>
+                      </a:r>
+                    </a:p>
+                    <a:p>
+                      <a:r>
+                        <a:rPr lang="mr-IN" sz="1800" kern="1200" dirty="0" smtClean="0">
+                          <a:solidFill>
+                            <a:schemeClr val="dk1"/>
+                          </a:solidFill>
+                          <a:latin typeface="+mn-lt"/>
+                          <a:ea typeface="+mn-ea"/>
+                          <a:cs typeface="+mn-cs"/>
+                        </a:rPr>
+                        <a:t>        </a:t>
+                      </a:r>
+                      <a:r>
+                        <a:rPr lang="en-CA" sz="1800" kern="1200" dirty="0" err="1" smtClean="0">
+                          <a:solidFill>
+                            <a:schemeClr val="dk1"/>
+                          </a:solidFill>
+                          <a:latin typeface="+mn-lt"/>
+                          <a:ea typeface="+mn-ea"/>
+                          <a:cs typeface="+mn-cs"/>
+                        </a:rPr>
+                        <a:t>System.out.print</a:t>
+                      </a:r>
+                      <a:r>
+                        <a:rPr lang="en-CA" sz="1800" kern="1200" dirty="0" smtClean="0">
+                          <a:solidFill>
+                            <a:schemeClr val="dk1"/>
+                          </a:solidFill>
+                          <a:latin typeface="+mn-lt"/>
+                          <a:ea typeface="+mn-ea"/>
+                          <a:cs typeface="+mn-cs"/>
+                        </a:rPr>
+                        <a:t>(</a:t>
+                      </a:r>
+                      <a:r>
+                        <a:rPr lang="en-CA" sz="1800" kern="1200" dirty="0" err="1" smtClean="0">
+                          <a:solidFill>
+                            <a:schemeClr val="dk1"/>
+                          </a:solidFill>
+                          <a:latin typeface="+mn-lt"/>
+                          <a:ea typeface="+mn-ea"/>
+                          <a:cs typeface="+mn-cs"/>
+                        </a:rPr>
+                        <a:t>i</a:t>
+                      </a:r>
+                      <a:r>
+                        <a:rPr lang="en-CA" sz="1800" kern="1200" dirty="0" smtClean="0">
+                          <a:solidFill>
+                            <a:schemeClr val="dk1"/>
+                          </a:solidFill>
+                          <a:latin typeface="+mn-lt"/>
+                          <a:ea typeface="+mn-ea"/>
+                          <a:cs typeface="+mn-cs"/>
+                        </a:rPr>
+                        <a:t>);</a:t>
+                      </a:r>
+                      <a:endParaRPr lang="mr-IN" sz="1800" kern="1200" dirty="0" smtClean="0">
+                        <a:solidFill>
+                          <a:schemeClr val="dk1"/>
+                        </a:solidFill>
+                        <a:latin typeface="+mn-lt"/>
+                        <a:ea typeface="+mn-ea"/>
+                        <a:cs typeface="+mn-cs"/>
+                      </a:endParaRPr>
+                    </a:p>
+                    <a:p>
+                      <a:r>
+                        <a:rPr lang="mr-IN" sz="1800" kern="1200" dirty="0" smtClean="0">
+                          <a:solidFill>
+                            <a:schemeClr val="dk1"/>
+                          </a:solidFill>
+                          <a:latin typeface="+mn-lt"/>
+                          <a:ea typeface="+mn-ea"/>
+                          <a:cs typeface="+mn-cs"/>
+                        </a:rPr>
+                        <a:t>        </a:t>
+                      </a:r>
+                      <a:r>
+                        <a:rPr lang="mr-IN" sz="1800" kern="1200" dirty="0" smtClean="0">
+                          <a:solidFill>
+                            <a:schemeClr val="dk1"/>
+                          </a:solidFill>
+                          <a:latin typeface="+mn-lt"/>
+                          <a:ea typeface="+mn-ea"/>
+                          <a:cs typeface="+mn-cs"/>
+                        </a:rPr>
+                        <a:t>i</a:t>
+                      </a:r>
+                      <a:r>
+                        <a:rPr lang="en-CA" sz="1800" kern="1200" dirty="0" smtClean="0">
+                          <a:solidFill>
+                            <a:schemeClr val="dk1"/>
+                          </a:solidFill>
+                          <a:latin typeface="+mn-lt"/>
+                          <a:ea typeface="+mn-ea"/>
+                          <a:cs typeface="+mn-cs"/>
+                        </a:rPr>
+                        <a:t>--</a:t>
+                      </a:r>
+                      <a:r>
+                        <a:rPr lang="mr-IN" sz="1800" kern="1200" dirty="0" smtClean="0">
+                          <a:solidFill>
+                            <a:schemeClr val="dk1"/>
+                          </a:solidFill>
+                          <a:latin typeface="+mn-lt"/>
+                          <a:ea typeface="+mn-ea"/>
+                          <a:cs typeface="+mn-cs"/>
+                        </a:rPr>
+                        <a:t>;</a:t>
+                      </a:r>
+                    </a:p>
+                    <a:p>
+                      <a:r>
+                        <a:rPr lang="en-US" sz="1800" kern="1200" dirty="0" smtClean="0">
+                          <a:solidFill>
+                            <a:schemeClr val="dk1"/>
+                          </a:solidFill>
+                          <a:latin typeface="+mn-lt"/>
+                          <a:ea typeface="+mn-ea"/>
+                          <a:cs typeface="+mn-cs"/>
+                        </a:rPr>
+                        <a:t>    } while(</a:t>
+                      </a:r>
+                      <a:r>
+                        <a:rPr lang="en-US" sz="1800" kern="1200" dirty="0" err="1" smtClean="0">
+                          <a:solidFill>
+                            <a:schemeClr val="dk1"/>
+                          </a:solidFill>
+                          <a:latin typeface="+mn-lt"/>
+                          <a:ea typeface="+mn-ea"/>
+                          <a:cs typeface="+mn-cs"/>
+                        </a:rPr>
+                        <a:t>i</a:t>
+                      </a:r>
+                      <a:r>
+                        <a:rPr lang="en-US" sz="1800" kern="1200" dirty="0" smtClean="0">
+                          <a:solidFill>
+                            <a:schemeClr val="dk1"/>
+                          </a:solidFill>
+                          <a:latin typeface="+mn-lt"/>
+                          <a:ea typeface="+mn-ea"/>
+                          <a:cs typeface="+mn-cs"/>
+                        </a:rPr>
+                        <a:t> &gt;= 0);</a:t>
+                      </a:r>
+                      <a:endParaRPr lang="en-US" dirty="0"/>
+                    </a:p>
+                  </a:txBody>
+                  <a:tcPr/>
+                </a:tc>
+              </a:tr>
+            </a:tbl>
+          </a:graphicData>
+        </a:graphic>
+      </p:graphicFrame>
+      <p:graphicFrame>
+        <p:nvGraphicFramePr>
+          <p:cNvPr id="5" name="Table 4"/>
+          <p:cNvGraphicFramePr>
+            <a:graphicFrameLocks noGrp="1"/>
+          </p:cNvGraphicFramePr>
+          <p:nvPr>
+            <p:extLst>
+              <p:ext uri="{D42A27DB-BD31-4B8C-83A1-F6EECF244321}">
+                <p14:modId xmlns:p14="http://schemas.microsoft.com/office/powerpoint/2010/main" val="329299152"/>
+              </p:ext>
+            </p:extLst>
+          </p:nvPr>
+        </p:nvGraphicFramePr>
+        <p:xfrm>
+          <a:off x="457200" y="4060366"/>
+          <a:ext cx="8229600" cy="2435468"/>
+        </p:xfrm>
+        <a:graphic>
+          <a:graphicData uri="http://schemas.openxmlformats.org/drawingml/2006/table">
+            <a:tbl>
+              <a:tblPr firstRow="1" bandRow="1">
+                <a:tableStyleId>{5C22544A-7EE6-4342-B048-85BDC9FD1C3A}</a:tableStyleId>
+              </a:tblPr>
+              <a:tblGrid>
+                <a:gridCol w="4114800"/>
+                <a:gridCol w="4114800"/>
+              </a:tblGrid>
+              <a:tr h="464953">
+                <a:tc gridSpan="2">
+                  <a:txBody>
+                    <a:bodyPr/>
+                    <a:lstStyle/>
+                    <a:p>
+                      <a:pPr algn="ctr"/>
+                      <a:r>
+                        <a:rPr lang="en-US" dirty="0" smtClean="0"/>
+                        <a:t>Run</a:t>
+                      </a:r>
+                      <a:r>
+                        <a:rPr lang="en-US" baseline="0" dirty="0" smtClean="0"/>
+                        <a:t> Time Analysis</a:t>
+                      </a:r>
+                      <a:endParaRPr lang="en-US" dirty="0"/>
+                    </a:p>
+                  </a:txBody>
+                  <a:tcPr/>
+                </a:tc>
+                <a:tc hMerge="1">
+                  <a:txBody>
+                    <a:bodyPr/>
+                    <a:lstStyle/>
+                    <a:p>
+                      <a:endParaRPr lang="en-US" dirty="0"/>
+                    </a:p>
+                  </a:txBody>
+                  <a:tcPr/>
+                </a:tc>
+              </a:tr>
+              <a:tr h="1970515">
+                <a:tc>
+                  <a:txBody>
+                    <a:bodyPr/>
+                    <a:lstStyle/>
+                    <a:p>
+                      <a:pPr algn="ctr"/>
+                      <a:r>
+                        <a:rPr lang="en-US" sz="1400" b="1" u="sng" dirty="0" smtClean="0"/>
+                        <a:t>Un-optimized</a:t>
+                      </a:r>
+                    </a:p>
+                    <a:p>
+                      <a:endParaRPr lang="en-US" sz="1400" dirty="0" smtClean="0"/>
+                    </a:p>
+                    <a:p>
+                      <a:r>
+                        <a:rPr lang="en-US" sz="1400" dirty="0" smtClean="0"/>
+                        <a:t>N = 10000000 | Time = </a:t>
+                      </a:r>
+                      <a:r>
+                        <a:rPr lang="is-IS" sz="1400" dirty="0" smtClean="0"/>
+                        <a:t>3.79261517524719</a:t>
+                      </a:r>
+                      <a:br>
+                        <a:rPr lang="is-IS" sz="1400" dirty="0" smtClean="0"/>
+                      </a:br>
+                      <a:endParaRPr lang="en-US" sz="1400" dirty="0" smtClean="0"/>
+                    </a:p>
+                    <a:p>
+                      <a:r>
+                        <a:rPr lang="en-US" sz="1400" dirty="0" smtClean="0"/>
+                        <a:t>N = 100000000 | Time = 38.7858934402465</a:t>
+                      </a:r>
+                    </a:p>
+                    <a:p>
+                      <a:endParaRPr lang="en-US" sz="1400" dirty="0" smtClean="0"/>
+                    </a:p>
+                    <a:p>
+                      <a:r>
+                        <a:rPr lang="en-US" sz="1400" dirty="0" smtClean="0"/>
+                        <a:t>N = 1000000000| Time = </a:t>
+                      </a:r>
+                      <a:r>
+                        <a:rPr lang="is-IS" sz="1400" dirty="0" smtClean="0"/>
+                        <a:t>403.723316192626</a:t>
+                      </a:r>
+                      <a:endParaRPr lang="en-US" sz="1400" dirty="0" smtClean="0"/>
+                    </a:p>
+                    <a:p>
+                      <a:endParaRPr lang="en-US" sz="1400" dirty="0"/>
+                    </a:p>
+                  </a:txBody>
+                  <a:tcPr/>
+                </a:tc>
+                <a:tc>
+                  <a:txBody>
+                    <a:bodyPr/>
+                    <a:lstStyle/>
+                    <a:p>
+                      <a:pPr algn="ctr"/>
+                      <a:r>
+                        <a:rPr lang="en-US" sz="1400" b="1" u="sng" dirty="0" smtClean="0"/>
+                        <a:t>Optimized</a:t>
+                      </a:r>
+                    </a:p>
+                    <a:p>
+                      <a:endParaRPr lang="en-US" sz="1400" dirty="0" smtClean="0"/>
+                    </a:p>
+                    <a:p>
+                      <a:r>
+                        <a:rPr lang="en-US" sz="1400" dirty="0" smtClean="0"/>
+                        <a:t>N = 10000000 | Time = </a:t>
+                      </a:r>
+                      <a:r>
+                        <a:rPr lang="is-IS" sz="1400" dirty="0" smtClean="0"/>
+                        <a:t>3.38699173927307</a:t>
+                      </a:r>
+                      <a:endParaRPr lang="en-US" sz="1400" dirty="0" smtClean="0"/>
+                    </a:p>
+                    <a:p>
+                      <a:endParaRPr lang="en-US" sz="1400" dirty="0" smtClean="0"/>
+                    </a:p>
+                    <a:p>
+                      <a:r>
+                        <a:rPr lang="en-US" sz="1400" dirty="0" smtClean="0"/>
+                        <a:t>N = 100000000 | Time = </a:t>
+                      </a:r>
+                      <a:r>
+                        <a:rPr lang="is-IS" sz="1400" dirty="0" smtClean="0"/>
+                        <a:t>35.4579067230224</a:t>
+                      </a:r>
+                      <a:endParaRPr lang="en-US" sz="1400" dirty="0" smtClean="0"/>
+                    </a:p>
+                    <a:p>
+                      <a:endParaRPr lang="en-US" sz="1400" dirty="0" smtClean="0"/>
+                    </a:p>
+                    <a:p>
+                      <a:r>
+                        <a:rPr lang="en-US" sz="1400" dirty="0" smtClean="0"/>
+                        <a:t>N = 1000000000| Time = </a:t>
+                      </a:r>
+                      <a:r>
+                        <a:rPr lang="is-IS" sz="1400" dirty="0" smtClean="0"/>
+                        <a:t>361.055302619934</a:t>
+                      </a:r>
+                      <a:endParaRPr lang="en-US" sz="1400" dirty="0" smtClean="0"/>
+                    </a:p>
+                    <a:p>
+                      <a:endParaRPr lang="en-US" sz="1400" dirty="0"/>
+                    </a:p>
+                  </a:txBody>
+                  <a:tcPr/>
+                </a:tc>
+              </a:tr>
+            </a:tbl>
+          </a:graphicData>
+        </a:graphic>
+      </p:graphicFrame>
+    </p:spTree>
+    <p:extLst>
+      <p:ext uri="{BB962C8B-B14F-4D97-AF65-F5344CB8AC3E}">
+        <p14:creationId xmlns:p14="http://schemas.microsoft.com/office/powerpoint/2010/main" val="3003934295"/>
+      </p:ext>
+    </p:extLst>
+  </p:cSld>
+  <p:clrMapOvr>
+    <a:masterClrMapping/>
+  </p:clrMapOvr>
+  <p:timing>
+    <p:tnLst>
+      <p:par>
+        <p:cTn xmlns:p14="http://schemas.microsoft.com/office/powerpoint/2010/main" id="1" dur="indefinite" restart="never" nodeType="tmRoot"/>
+      </p:par>
+    </p:tnLst>
+  </p:timing>
+</p:sld>
+</file>
+
+<file path=ppt/slides/slide11.xml><?xml version="1.0" encoding="utf-8"?>
+<p:sld xmlns:a="http://schemas.openxmlformats.org/drawingml/2006/main" xmlns:r="http://schemas.openxmlformats.org/officeDocument/2006/relationships" xmlns:p="http://schemas.openxmlformats.org/presentationml/2006/main">
+  <p:cSld>
+    <p:spTree>
+      <p:nvGrpSpPr>
+        <p:cNvPr id="1" name=""/>
+        <p:cNvGrpSpPr/>
+        <p:nvPr/>
+      </p:nvGrpSpPr>
+      <p:grpSpPr>
+        <a:xfrm>
+          <a:off x="0" y="0"/>
+          <a:ext cx="0" cy="0"/>
+          <a:chOff x="0" y="0"/>
+          <a:chExt cx="0" cy="0"/>
+        </a:xfrm>
+      </p:grpSpPr>
+      <p:sp>
+        <p:nvSpPr>
+          <p:cNvPr id="2" name="Title 1"/>
+          <p:cNvSpPr>
+            <a:spLocks noGrp="1"/>
+          </p:cNvSpPr>
+          <p:nvPr>
+            <p:ph type="title"/>
+          </p:nvPr>
+        </p:nvSpPr>
+        <p:spPr/>
+        <p:txBody>
+          <a:bodyPr/>
+          <a:lstStyle/>
+          <a:p>
+            <a:endParaRPr lang="en-US"/>
+          </a:p>
+        </p:txBody>
+      </p:sp>
+      <p:sp>
+        <p:nvSpPr>
+          <p:cNvPr id="3" name="Content Placeholder 2"/>
+          <p:cNvSpPr>
+            <a:spLocks noGrp="1"/>
+          </p:cNvSpPr>
+          <p:nvPr>
+            <p:ph idx="1"/>
+          </p:nvPr>
+        </p:nvSpPr>
+        <p:spPr/>
+        <p:txBody>
+          <a:bodyPr/>
+          <a:lstStyle/>
+          <a:p>
+            <a:endParaRPr lang="en-US"/>
+          </a:p>
+        </p:txBody>
+      </p:sp>
+      <p:graphicFrame>
+        <p:nvGraphicFramePr>
+          <p:cNvPr id="4" name="Chart 3">
+            <a:extLst>
+              <a:ext uri="{FF2B5EF4-FFF2-40B4-BE49-F238E27FC236}">
+                <a16:creationId xmlns="" xmlns:xdr="http://schemas.openxmlformats.org/drawingml/2006/spreadsheetDrawing" xmlns:a16="http://schemas.microsoft.com/office/drawing/2014/main" xmlns:lc="http://schemas.openxmlformats.org/drawingml/2006/lockedCanvas" id="{A5F9ED29-1F90-4FFD-BF4F-548C4883488E}"/>
+              </a:ext>
+            </a:extLst>
+          </p:cNvPr>
+          <p:cNvGraphicFramePr>
+            <a:graphicFrameLocks/>
+          </p:cNvGraphicFramePr>
+          <p:nvPr>
+            <p:extLst>
+              <p:ext uri="{D42A27DB-BD31-4B8C-83A1-F6EECF244321}">
+                <p14:modId xmlns:p14="http://schemas.microsoft.com/office/powerpoint/2010/main" val="3806096094"/>
+              </p:ext>
+            </p:extLst>
+          </p:nvPr>
+        </p:nvGraphicFramePr>
+        <p:xfrm>
+          <a:off x="281087" y="273225"/>
+          <a:ext cx="8595041" cy="5852937"/>
+        </p:xfrm>
+        <a:graphic>
+          <a:graphicData uri="http://schemas.openxmlformats.org/drawingml/2006/chart">
+            <c:chart xmlns:c="http://schemas.openxmlformats.org/drawingml/2006/chart" xmlns:r="http://schemas.openxmlformats.org/officeDocument/2006/relationships" r:id="rId2"/>
+          </a:graphicData>
+        </a:graphic>
+      </p:graphicFrame>
+    </p:spTree>
+    <p:extLst>
+      <p:ext uri="{BB962C8B-B14F-4D97-AF65-F5344CB8AC3E}">
+        <p14:creationId xmlns:p14="http://schemas.microsoft.com/office/powerpoint/2010/main" val="2710269494"/>
+      </p:ext>
+    </p:extLst>
+  </p:cSld>
+  <p:clrMapOvr>
+    <a:masterClrMapping/>
+  </p:clrMapOvr>
+  <p:timing>
+    <p:tnLst>
+      <p:par>
+        <p:cTn xmlns:p14="http://schemas.microsoft.com/office/powerpoint/2010/main" id="1" dur="indefinite" restart="never" nodeType="tmRoot"/>
+      </p:par>
+    </p:tnLst>
+  </p:timing>
+</p:sld>
+</file>
+
+<file path=ppt/slides/slide12.xml><?xml version="1.0" encoding="utf-8"?>
+<p:sld xmlns:a="http://schemas.openxmlformats.org/drawingml/2006/main" xmlns:r="http://schemas.openxmlformats.org/officeDocument/2006/relationships" xmlns:p="http://schemas.openxmlformats.org/presentationml/2006/main">
+  <p:cSld>
+    <p:spTree>
+      <p:nvGrpSpPr>
+        <p:cNvPr id="1" name=""/>
+        <p:cNvGrpSpPr/>
+        <p:nvPr/>
+      </p:nvGrpSpPr>
+      <p:grpSpPr>
+        <a:xfrm>
+          <a:off x="0" y="0"/>
+          <a:ext cx="0" cy="0"/>
+          <a:chOff x="0" y="0"/>
+          <a:chExt cx="0" cy="0"/>
+        </a:xfrm>
+      </p:grpSpPr>
+      <p:sp>
+        <p:nvSpPr>
+          <p:cNvPr id="2" name="Title 1"/>
+          <p:cNvSpPr>
+            <a:spLocks noGrp="1"/>
+          </p:cNvSpPr>
+          <p:nvPr>
+            <p:ph type="title"/>
+          </p:nvPr>
+        </p:nvSpPr>
+        <p:spPr/>
+        <p:txBody>
+          <a:bodyPr/>
+          <a:lstStyle/>
+          <a:p>
+            <a:r>
+              <a:rPr lang="en-US" dirty="0" smtClean="0"/>
+              <a:t>Live Demo </a:t>
+            </a:r>
+            <a:endParaRPr lang="en-US" dirty="0"/>
+          </a:p>
+        </p:txBody>
+      </p:sp>
+    </p:spTree>
+    <p:extLst>
+      <p:ext uri="{BB962C8B-B14F-4D97-AF65-F5344CB8AC3E}">
+        <p14:creationId xmlns:p14="http://schemas.microsoft.com/office/powerpoint/2010/main" val="427327641"/>
+      </p:ext>
+    </p:extLst>
+  </p:cSld>
+  <p:clrMapOvr>
+    <a:masterClrMapping/>
+  </p:clrMapOvr>
+  <p:timing>
+    <p:tnLst>
+      <p:par>
+        <p:cTn xmlns:p14="http://schemas.microsoft.com/office/powerpoint/2010/main" id="1" dur="indefinite" restart="never" nodeType="tmRoot"/>
+      </p:par>
+    </p:tnLst>
+  </p:timing>
+</p:sld>
+</file>
+
 <file path=ppt/slides/slide2.xml><?xml version="1.0" encoding="utf-8"?>
 <p:sld xmlns:a="http://schemas.openxmlformats.org/drawingml/2006/main" xmlns:r="http://schemas.openxmlformats.org/officeDocument/2006/relationships" xmlns:p="http://schemas.openxmlformats.org/presentationml/2006/main">
   <p:cSld>
@@ -6562,7 +9949,7 @@
           <p:nvPr>
             <p:extLst>
               <p:ext uri="{D42A27DB-BD31-4B8C-83A1-F6EECF244321}">
-                <p14:modId xmlns:p14="http://schemas.microsoft.com/office/powerpoint/2010/main" val="61732666"/>
+                <p14:modId xmlns:p14="http://schemas.microsoft.com/office/powerpoint/2010/main" val="654739482"/>
               </p:ext>
             </p:extLst>
           </p:nvPr>
@@ -6622,33 +10009,13 @@
                     <a:bodyPr/>
                     <a:lstStyle/>
                     <a:p>
-                      <a:r>
-                        <a:rPr lang="en-US" sz="1400" b="1" dirty="0" smtClean="0">
+                      <a:pPr algn="ctr"/>
+                      <a:r>
+                        <a:rPr lang="en-US" sz="1400" b="1" u="sng" dirty="0" smtClean="0">
                           <a:latin typeface="+mn-lt"/>
                         </a:rPr>
-                        <a:t>Nested For </a:t>
-                      </a:r>
-                      <a:r>
-                        <a:rPr lang="mr-IN" sz="1400" b="1" dirty="0" smtClean="0">
-                          <a:latin typeface="+mn-lt"/>
-                        </a:rPr>
-                        <a:t>–</a:t>
-                      </a:r>
-                      <a:r>
-                        <a:rPr lang="en-US" sz="1400" b="1" dirty="0" smtClean="0">
-                          <a:latin typeface="+mn-lt"/>
-                        </a:rPr>
-                        <a:t> </a:t>
-                      </a:r>
-                      <a:r>
-                        <a:rPr lang="en-US" sz="1400" b="1" dirty="0" err="1" smtClean="0">
-                          <a:latin typeface="+mn-lt"/>
-                        </a:rPr>
-                        <a:t>Unoptimized</a:t>
-                      </a:r>
-                      <a:endParaRPr lang="en-US" sz="1400" b="1" dirty="0" smtClean="0">
-                        <a:latin typeface="+mn-lt"/>
-                      </a:endParaRPr>
+                        <a:t>Un-optimized</a:t>
+                      </a:r>
                     </a:p>
                     <a:p>
                       <a:endParaRPr lang="en-US" sz="1400" dirty="0" smtClean="0">
@@ -6724,9 +10091,10 @@
                     <a:bodyPr/>
                     <a:lstStyle/>
                     <a:p>
-                      <a:r>
-                        <a:rPr lang="en-US" sz="1400" b="1" dirty="0" smtClean="0"/>
-                        <a:t>Nested For - Optimized</a:t>
+                      <a:pPr algn="ctr"/>
+                      <a:r>
+                        <a:rPr lang="en-US" sz="1400" b="1" u="sng" dirty="0" smtClean="0"/>
+                        <a:t>Optimized</a:t>
                       </a:r>
                     </a:p>
                     <a:p>
@@ -6786,6 +10154,111 @@
 </file>
 
 <file path=ppt/slides/slide5.xml><?xml version="1.0" encoding="utf-8"?>
+<p:sld xmlns:a="http://schemas.openxmlformats.org/drawingml/2006/main" xmlns:r="http://schemas.openxmlformats.org/officeDocument/2006/relationships" xmlns:p="http://schemas.openxmlformats.org/presentationml/2006/main">
+  <p:cSld>
+    <p:spTree>
+      <p:nvGrpSpPr>
+        <p:cNvPr id="1" name=""/>
+        <p:cNvGrpSpPr/>
+        <p:nvPr/>
+      </p:nvGrpSpPr>
+      <p:grpSpPr>
+        <a:xfrm>
+          <a:off x="0" y="0"/>
+          <a:ext cx="0" cy="0"/>
+          <a:chOff x="0" y="0"/>
+          <a:chExt cx="0" cy="0"/>
+        </a:xfrm>
+      </p:grpSpPr>
+      <p:sp>
+        <p:nvSpPr>
+          <p:cNvPr id="2" name="Title 1"/>
+          <p:cNvSpPr>
+            <a:spLocks noGrp="1"/>
+          </p:cNvSpPr>
+          <p:nvPr>
+            <p:ph type="title"/>
+          </p:nvPr>
+        </p:nvSpPr>
+        <p:spPr/>
+        <p:txBody>
+          <a:bodyPr/>
+          <a:lstStyle/>
+          <a:p>
+            <a:endParaRPr lang="en-US"/>
+          </a:p>
+        </p:txBody>
+      </p:sp>
+      <p:sp>
+        <p:nvSpPr>
+          <p:cNvPr id="3" name="Content Placeholder 2"/>
+          <p:cNvSpPr>
+            <a:spLocks noGrp="1"/>
+          </p:cNvSpPr>
+          <p:nvPr>
+            <p:ph idx="1"/>
+          </p:nvPr>
+        </p:nvSpPr>
+        <p:spPr/>
+        <p:txBody>
+          <a:bodyPr/>
+          <a:lstStyle/>
+          <a:p>
+            <a:endParaRPr lang="en-US"/>
+          </a:p>
+        </p:txBody>
+      </p:sp>
+      <p:graphicFrame>
+        <p:nvGraphicFramePr>
+          <p:cNvPr id="4" name="Chart 3">
+            <a:extLst>
+              <a:ext uri="{FF2B5EF4-FFF2-40B4-BE49-F238E27FC236}">
+                <a16:creationId xmlns="" xmlns:xdr="http://schemas.openxmlformats.org/drawingml/2006/spreadsheetDrawing" xmlns:a16="http://schemas.microsoft.com/office/drawing/2014/main" xmlns:lc="http://schemas.openxmlformats.org/drawingml/2006/lockedCanvas" id="{DD720A92-9BDC-488B-B1A7-0BADB63F1263}"/>
+              </a:ext>
+            </a:extLst>
+          </p:cNvPr>
+          <p:cNvGraphicFramePr>
+            <a:graphicFrameLocks/>
+          </p:cNvGraphicFramePr>
+          <p:nvPr>
+            <p:extLst>
+              <p:ext uri="{D42A27DB-BD31-4B8C-83A1-F6EECF244321}">
+                <p14:modId xmlns:p14="http://schemas.microsoft.com/office/powerpoint/2010/main" val="309071995"/>
+              </p:ext>
+            </p:extLst>
+          </p:nvPr>
+        </p:nvGraphicFramePr>
+        <p:xfrm>
+          <a:off x="277791" y="277826"/>
+          <a:ext cx="8624793" cy="5848337"/>
+        </p:xfrm>
+        <a:graphic>
+          <a:graphicData uri="http://schemas.openxmlformats.org/drawingml/2006/chart">
+            <c:chart xmlns:c="http://schemas.openxmlformats.org/drawingml/2006/chart" xmlns:r="http://schemas.openxmlformats.org/officeDocument/2006/relationships" r:id="rId2"/>
+          </a:graphicData>
+        </a:graphic>
+      </p:graphicFrame>
+    </p:spTree>
+    <p:extLst>
+      <p:ext uri="{BB962C8B-B14F-4D97-AF65-F5344CB8AC3E}">
+        <p14:creationId xmlns:p14="http://schemas.microsoft.com/office/powerpoint/2010/main" val="85286456"/>
+      </p:ext>
+    </p:extLst>
+  </p:cSld>
+  <p:clrMapOvr>
+    <a:masterClrMapping/>
+  </p:clrMapOvr>
+  <p:timing>
+    <p:tnLst>
+      <p:par>
+        <p:cTn xmlns:p14="http://schemas.microsoft.com/office/powerpoint/2010/main" id="1" dur="indefinite" restart="never" nodeType="tmRoot"/>
+      </p:par>
+    </p:tnLst>
+  </p:timing>
+</p:sld>
+</file>
+
+<file path=ppt/slides/slide6.xml><?xml version="1.0" encoding="utf-8"?>
 <p:sld xmlns:a="http://schemas.openxmlformats.org/drawingml/2006/main" xmlns:r="http://schemas.openxmlformats.org/officeDocument/2006/relationships" xmlns:p="http://schemas.openxmlformats.org/presentationml/2006/main">
   <p:cSld>
     <p:spTree>
@@ -7072,7 +10545,7 @@
           <p:nvPr>
             <p:extLst>
               <p:ext uri="{D42A27DB-BD31-4B8C-83A1-F6EECF244321}">
-                <p14:modId xmlns:p14="http://schemas.microsoft.com/office/powerpoint/2010/main" val="3934178978"/>
+                <p14:modId xmlns:p14="http://schemas.microsoft.com/office/powerpoint/2010/main" val="3251473543"/>
               </p:ext>
             </p:extLst>
           </p:nvPr>
@@ -7132,17 +10605,10 @@
                     <a:bodyPr/>
                     <a:lstStyle/>
                     <a:p>
-                      <a:r>
-                        <a:rPr lang="en-US" sz="1400" b="1" dirty="0" smtClean="0"/>
-                        <a:t>Else Clause </a:t>
-                      </a:r>
-                      <a:r>
-                        <a:rPr lang="mr-IN" sz="1400" b="1" dirty="0" smtClean="0"/>
-                        <a:t>–</a:t>
-                      </a:r>
-                      <a:r>
-                        <a:rPr lang="en-US" sz="1400" b="1" dirty="0" smtClean="0"/>
-                        <a:t> Un-optimized</a:t>
+                      <a:pPr algn="ctr"/>
+                      <a:r>
+                        <a:rPr lang="en-US" sz="1400" b="1" u="sng" dirty="0" smtClean="0"/>
+                        <a:t>Un-optimized</a:t>
                       </a:r>
                     </a:p>
                     <a:p>
@@ -7181,9 +10647,10 @@
                     <a:bodyPr/>
                     <a:lstStyle/>
                     <a:p>
-                      <a:r>
-                        <a:rPr lang="en-US" sz="1400" b="1" dirty="0" smtClean="0"/>
-                        <a:t>Else Clause - Optimized</a:t>
+                      <a:pPr algn="ctr"/>
+                      <a:r>
+                        <a:rPr lang="en-US" sz="1400" b="1" u="sng" dirty="0" smtClean="0"/>
+                        <a:t>Optimized</a:t>
                       </a:r>
                     </a:p>
                     <a:p>
@@ -7242,7 +10709,112 @@
 </p:sld>
 </file>
 
-<file path=ppt/slides/slide6.xml><?xml version="1.0" encoding="utf-8"?>
+<file path=ppt/slides/slide7.xml><?xml version="1.0" encoding="utf-8"?>
+<p:sld xmlns:a="http://schemas.openxmlformats.org/drawingml/2006/main" xmlns:r="http://schemas.openxmlformats.org/officeDocument/2006/relationships" xmlns:p="http://schemas.openxmlformats.org/presentationml/2006/main">
+  <p:cSld>
+    <p:spTree>
+      <p:nvGrpSpPr>
+        <p:cNvPr id="1" name=""/>
+        <p:cNvGrpSpPr/>
+        <p:nvPr/>
+      </p:nvGrpSpPr>
+      <p:grpSpPr>
+        <a:xfrm>
+          <a:off x="0" y="0"/>
+          <a:ext cx="0" cy="0"/>
+          <a:chOff x="0" y="0"/>
+          <a:chExt cx="0" cy="0"/>
+        </a:xfrm>
+      </p:grpSpPr>
+      <p:sp>
+        <p:nvSpPr>
+          <p:cNvPr id="2" name="Title 1"/>
+          <p:cNvSpPr>
+            <a:spLocks noGrp="1"/>
+          </p:cNvSpPr>
+          <p:nvPr>
+            <p:ph type="title"/>
+          </p:nvPr>
+        </p:nvSpPr>
+        <p:spPr/>
+        <p:txBody>
+          <a:bodyPr/>
+          <a:lstStyle/>
+          <a:p>
+            <a:endParaRPr lang="en-US"/>
+          </a:p>
+        </p:txBody>
+      </p:sp>
+      <p:sp>
+        <p:nvSpPr>
+          <p:cNvPr id="3" name="Content Placeholder 2"/>
+          <p:cNvSpPr>
+            <a:spLocks noGrp="1"/>
+          </p:cNvSpPr>
+          <p:nvPr>
+            <p:ph idx="1"/>
+          </p:nvPr>
+        </p:nvSpPr>
+        <p:spPr/>
+        <p:txBody>
+          <a:bodyPr/>
+          <a:lstStyle/>
+          <a:p>
+            <a:endParaRPr lang="en-US"/>
+          </a:p>
+        </p:txBody>
+      </p:sp>
+      <p:graphicFrame>
+        <p:nvGraphicFramePr>
+          <p:cNvPr id="4" name="Chart 3">
+            <a:extLst>
+              <a:ext uri="{FF2B5EF4-FFF2-40B4-BE49-F238E27FC236}">
+                <a16:creationId xmlns="" xmlns:xdr="http://schemas.openxmlformats.org/drawingml/2006/spreadsheetDrawing" xmlns:a16="http://schemas.microsoft.com/office/drawing/2014/main" xmlns:lc="http://schemas.openxmlformats.org/drawingml/2006/lockedCanvas" id="{740E3CDA-F5B5-4A91-8773-BA5B76E6BCF7}"/>
+              </a:ext>
+            </a:extLst>
+          </p:cNvPr>
+          <p:cNvGraphicFramePr>
+            <a:graphicFrameLocks/>
+          </p:cNvGraphicFramePr>
+          <p:nvPr>
+            <p:extLst>
+              <p:ext uri="{D42A27DB-BD31-4B8C-83A1-F6EECF244321}">
+                <p14:modId xmlns:p14="http://schemas.microsoft.com/office/powerpoint/2010/main" val="537645466"/>
+              </p:ext>
+            </p:extLst>
+          </p:nvPr>
+        </p:nvGraphicFramePr>
+        <p:xfrm>
+          <a:off x="282673" y="288045"/>
+          <a:ext cx="8580228" cy="5838117"/>
+        </p:xfrm>
+        <a:graphic>
+          <a:graphicData uri="http://schemas.openxmlformats.org/drawingml/2006/chart">
+            <c:chart xmlns:c="http://schemas.openxmlformats.org/drawingml/2006/chart" xmlns:r="http://schemas.openxmlformats.org/officeDocument/2006/relationships" r:id="rId2"/>
+          </a:graphicData>
+        </a:graphic>
+      </p:graphicFrame>
+    </p:spTree>
+    <p:extLst>
+      <p:ext uri="{BB962C8B-B14F-4D97-AF65-F5344CB8AC3E}">
+        <p14:creationId xmlns:p14="http://schemas.microsoft.com/office/powerpoint/2010/main" val="2672651953"/>
+      </p:ext>
+    </p:extLst>
+  </p:cSld>
+  <p:clrMapOvr>
+    <a:masterClrMapping/>
+  </p:clrMapOvr>
+  <p:timing>
+    <p:tnLst>
+      <p:par>
+        <p:cTn xmlns:p14="http://schemas.microsoft.com/office/powerpoint/2010/main" id="1" dur="indefinite" restart="never" nodeType="tmRoot"/>
+      </p:par>
+    </p:tnLst>
+  </p:timing>
+</p:sld>
+</file>
+
+<file path=ppt/slides/slide8.xml><?xml version="1.0" encoding="utf-8"?>
 <p:sld xmlns:a="http://schemas.openxmlformats.org/drawingml/2006/main" xmlns:r="http://schemas.openxmlformats.org/officeDocument/2006/relationships" xmlns:p="http://schemas.openxmlformats.org/presentationml/2006/main">
   <p:cSld>
     <p:spTree>
@@ -7817,7 +11389,7 @@
           <p:nvPr>
             <p:extLst>
               <p:ext uri="{D42A27DB-BD31-4B8C-83A1-F6EECF244321}">
-                <p14:modId xmlns:p14="http://schemas.microsoft.com/office/powerpoint/2010/main" val="2767576811"/>
+                <p14:modId xmlns:p14="http://schemas.microsoft.com/office/powerpoint/2010/main" val="2106563507"/>
               </p:ext>
             </p:extLst>
           </p:nvPr>
@@ -7873,17 +11445,10 @@
                     <a:bodyPr/>
                     <a:lstStyle/>
                     <a:p>
-                      <a:r>
-                        <a:rPr lang="en-US" sz="1400" b="1" dirty="0" smtClean="0"/>
-                        <a:t>Count multiples </a:t>
-                      </a:r>
-                      <a:r>
-                        <a:rPr lang="mr-IN" sz="1400" b="1" dirty="0" smtClean="0"/>
-                        <a:t>–</a:t>
-                      </a:r>
-                      <a:r>
-                        <a:rPr lang="en-US" sz="1400" b="1" dirty="0" smtClean="0"/>
-                        <a:t> Un-optimized</a:t>
+                      <a:pPr algn="ctr"/>
+                      <a:r>
+                        <a:rPr lang="en-US" sz="1400" b="1" u="sng" dirty="0" smtClean="0"/>
+                        <a:t>Un-optimized</a:t>
                       </a:r>
                     </a:p>
                     <a:p>
@@ -7922,9 +11487,10 @@
                     <a:bodyPr/>
                     <a:lstStyle/>
                     <a:p>
-                      <a:r>
-                        <a:rPr lang="en-US" sz="1400" b="1" dirty="0" smtClean="0"/>
-                        <a:t>Count multiples - Optimized</a:t>
+                      <a:pPr algn="ctr"/>
+                      <a:r>
+                        <a:rPr lang="en-US" sz="1400" b="1" u="sng" dirty="0" smtClean="0"/>
+                        <a:t>Optimized</a:t>
                       </a:r>
                     </a:p>
                     <a:p>
@@ -7983,7 +11549,7 @@
 </p:sld>
 </file>
 
-<file path=ppt/slides/slide7.xml><?xml version="1.0" encoding="utf-8"?>
+<file path=ppt/slides/slide9.xml><?xml version="1.0" encoding="utf-8"?>
 <p:sld xmlns:a="http://schemas.openxmlformats.org/drawingml/2006/main" xmlns:r="http://schemas.openxmlformats.org/officeDocument/2006/relationships" xmlns:p="http://schemas.openxmlformats.org/presentationml/2006/main">
   <p:cSld>
     <p:spTree>
@@ -8012,16 +11578,10 @@
         </p:nvSpPr>
         <p:spPr/>
         <p:txBody>
-          <a:bodyPr>
-            <a:normAutofit/>
-          </a:bodyPr>
+          <a:bodyPr/>
           <a:lstStyle/>
           <a:p>
-            <a:r>
-              <a:rPr lang="en-US" dirty="0" smtClean="0"/>
-              <a:t>Loop Overhead Optimization</a:t>
-            </a:r>
-            <a:endParaRPr lang="en-US" dirty="0"/>
+            <a:endParaRPr lang="en-US"/>
           </a:p>
         </p:txBody>
       </p:sp>
@@ -8046,633 +11606,38 @@
       </p:sp>
       <p:graphicFrame>
         <p:nvGraphicFramePr>
-          <p:cNvPr id="4" name="Content Placeholder 3"/>
+          <p:cNvPr id="6" name="Chart 5">
+            <a:extLst>
+              <a:ext uri="{FF2B5EF4-FFF2-40B4-BE49-F238E27FC236}">
+                <a16:creationId xmlns="" xmlns:xdr="http://schemas.openxmlformats.org/drawingml/2006/spreadsheetDrawing" xmlns:a16="http://schemas.microsoft.com/office/drawing/2014/main" xmlns:lc="http://schemas.openxmlformats.org/drawingml/2006/lockedCanvas" id="{9BAA8EB9-BC47-4BFA-888A-29F28E3B61AA}"/>
+              </a:ext>
+            </a:extLst>
+          </p:cNvPr>
           <p:cNvGraphicFramePr>
             <a:graphicFrameLocks/>
           </p:cNvGraphicFramePr>
           <p:nvPr>
             <p:extLst>
               <p:ext uri="{D42A27DB-BD31-4B8C-83A1-F6EECF244321}">
-                <p14:modId xmlns:p14="http://schemas.microsoft.com/office/powerpoint/2010/main" val="1497280832"/>
+                <p14:modId xmlns:p14="http://schemas.microsoft.com/office/powerpoint/2010/main" val="750246735"/>
               </p:ext>
             </p:extLst>
           </p:nvPr>
         </p:nvGraphicFramePr>
         <p:xfrm>
-          <a:off x="457200" y="1633243"/>
-          <a:ext cx="8229600" cy="2990248"/>
+          <a:off x="426127" y="264595"/>
+          <a:ext cx="8476458" cy="5861567"/>
         </p:xfrm>
         <a:graphic>
-          <a:graphicData uri="http://schemas.openxmlformats.org/drawingml/2006/table">
-            <a:tbl>
-              <a:tblPr firstRow="1" bandRow="1">
-                <a:tableStyleId>{5C22544A-7EE6-4342-B048-85BDC9FD1C3A}</a:tableStyleId>
-              </a:tblPr>
-              <a:tblGrid>
-                <a:gridCol w="4114800"/>
-                <a:gridCol w="4114800"/>
-              </a:tblGrid>
-              <a:tr h="465433">
-                <a:tc>
-                  <a:txBody>
-                    <a:bodyPr/>
-                    <a:lstStyle/>
-                    <a:p>
-                      <a:pPr marL="0" marR="0" indent="0" algn="l" defTabSz="457200" rtl="0" eaLnBrk="1" fontAlgn="auto" latinLnBrk="0" hangingPunct="1">
-                        <a:lnSpc>
-                          <a:spcPct val="100000"/>
-                        </a:lnSpc>
-                        <a:spcBef>
-                          <a:spcPts val="0"/>
-                        </a:spcBef>
-                        <a:spcAft>
-                          <a:spcPts val="0"/>
-                        </a:spcAft>
-                        <a:buClrTx/>
-                        <a:buSzTx/>
-                        <a:buFontTx/>
-                        <a:buNone/>
-                        <a:tabLst/>
-                        <a:defRPr/>
-                      </a:pPr>
-                      <a:r>
-                        <a:rPr lang="en-US" dirty="0" smtClean="0"/>
-                        <a:t>Un - Optimized</a:t>
-                      </a:r>
-                      <a:endParaRPr lang="en-US" dirty="0"/>
-                    </a:p>
-                  </a:txBody>
-                  <a:tcPr/>
-                </a:tc>
-                <a:tc>
-                  <a:txBody>
-                    <a:bodyPr/>
-                    <a:lstStyle/>
-                    <a:p>
-                      <a:r>
-                        <a:rPr lang="en-US" dirty="0" smtClean="0"/>
-                        <a:t>Optimized</a:t>
-                      </a:r>
-                      <a:endParaRPr lang="en-US" dirty="0"/>
-                    </a:p>
-                  </a:txBody>
-                  <a:tcPr/>
-                </a:tc>
-              </a:tr>
-              <a:tr h="2524815">
-                <a:tc>
-                  <a:txBody>
-                    <a:bodyPr/>
-                    <a:lstStyle/>
-                    <a:p>
-                      <a:r>
-                        <a:rPr lang="en-US" sz="1800" kern="1200" dirty="0" smtClean="0">
-                          <a:solidFill>
-                            <a:schemeClr val="dk1"/>
-                          </a:solidFill>
-                          <a:latin typeface="+mn-lt"/>
-                          <a:ea typeface="+mn-ea"/>
-                          <a:cs typeface="+mn-cs"/>
-                        </a:rPr>
-                        <a:t>F</a:t>
-                      </a:r>
-                      <a:r>
-                        <a:rPr lang="mr-IN" sz="1800" kern="1200" dirty="0" smtClean="0">
-                          <a:solidFill>
-                            <a:schemeClr val="dk1"/>
-                          </a:solidFill>
-                          <a:latin typeface="+mn-lt"/>
-                          <a:ea typeface="+mn-ea"/>
-                          <a:cs typeface="+mn-cs"/>
-                        </a:rPr>
-                        <a:t>or</a:t>
-                      </a:r>
-                      <a:r>
-                        <a:rPr lang="en-CA" sz="1800" kern="1200" dirty="0" smtClean="0">
-                          <a:solidFill>
-                            <a:schemeClr val="dk1"/>
-                          </a:solidFill>
-                          <a:latin typeface="+mn-lt"/>
-                          <a:ea typeface="+mn-ea"/>
-                          <a:cs typeface="+mn-cs"/>
-                        </a:rPr>
-                        <a:t>(</a:t>
-                      </a:r>
-                      <a:r>
-                        <a:rPr lang="mr-IN" sz="1800" kern="1200" dirty="0" smtClean="0">
-                          <a:solidFill>
-                            <a:schemeClr val="dk1"/>
-                          </a:solidFill>
-                          <a:latin typeface="+mn-lt"/>
-                          <a:ea typeface="+mn-ea"/>
-                          <a:cs typeface="+mn-cs"/>
-                        </a:rPr>
-                        <a:t>i</a:t>
-                      </a:r>
-                      <a:r>
-                        <a:rPr lang="en-CA" sz="1800" kern="1200" dirty="0" smtClean="0">
-                          <a:solidFill>
-                            <a:schemeClr val="dk1"/>
-                          </a:solidFill>
-                          <a:latin typeface="+mn-lt"/>
-                          <a:ea typeface="+mn-ea"/>
-                          <a:cs typeface="+mn-cs"/>
-                        </a:rPr>
-                        <a:t>=</a:t>
-                      </a:r>
-                      <a:r>
-                        <a:rPr lang="mr-IN" sz="1800" kern="1200" dirty="0" smtClean="0">
-                          <a:solidFill>
-                            <a:schemeClr val="dk1"/>
-                          </a:solidFill>
-                          <a:latin typeface="+mn-lt"/>
-                          <a:ea typeface="+mn-ea"/>
-                          <a:cs typeface="+mn-cs"/>
-                        </a:rPr>
-                        <a:t>0;i</a:t>
-                      </a:r>
-                      <a:r>
-                        <a:rPr lang="en-CA" sz="1800" kern="1200" dirty="0" smtClean="0">
-                          <a:solidFill>
-                            <a:schemeClr val="dk1"/>
-                          </a:solidFill>
-                          <a:latin typeface="+mn-lt"/>
-                          <a:ea typeface="+mn-ea"/>
-                          <a:cs typeface="+mn-cs"/>
-                        </a:rPr>
-                        <a:t>&lt;</a:t>
-                      </a:r>
-                      <a:r>
-                        <a:rPr lang="mr-IN" sz="1800" kern="1200" dirty="0" smtClean="0">
-                          <a:solidFill>
-                            <a:schemeClr val="dk1"/>
-                          </a:solidFill>
-                          <a:latin typeface="+mn-lt"/>
-                          <a:ea typeface="+mn-ea"/>
-                          <a:cs typeface="+mn-cs"/>
-                        </a:rPr>
-                        <a:t>100;i</a:t>
-                      </a:r>
-                      <a:r>
-                        <a:rPr lang="en-CA" sz="1800" kern="1200" dirty="0" smtClean="0">
-                          <a:solidFill>
-                            <a:schemeClr val="dk1"/>
-                          </a:solidFill>
-                          <a:latin typeface="+mn-lt"/>
-                          <a:ea typeface="+mn-ea"/>
-                          <a:cs typeface="+mn-cs"/>
-                        </a:rPr>
-                        <a:t>++)</a:t>
-                      </a:r>
-                      <a:r>
-                        <a:rPr lang="mr-IN" sz="1800" kern="1200" dirty="0" smtClean="0">
-                          <a:solidFill>
-                            <a:schemeClr val="dk1"/>
-                          </a:solidFill>
-                          <a:latin typeface="+mn-lt"/>
-                          <a:ea typeface="+mn-ea"/>
-                          <a:cs typeface="+mn-cs"/>
-                        </a:rPr>
-                        <a:t> {</a:t>
-                      </a:r>
-                    </a:p>
-                    <a:p>
-                      <a:r>
-                        <a:rPr lang="mr-IN" sz="1800" kern="1200" dirty="0" smtClean="0">
-                          <a:solidFill>
-                            <a:schemeClr val="dk1"/>
-                          </a:solidFill>
-                          <a:latin typeface="+mn-lt"/>
-                          <a:ea typeface="+mn-ea"/>
-                          <a:cs typeface="+mn-cs"/>
-                        </a:rPr>
-                        <a:t>        </a:t>
-                      </a:r>
-                      <a:r>
-                        <a:rPr lang="en-CA" sz="1800" kern="1200" dirty="0" err="1" smtClean="0">
-                          <a:solidFill>
-                            <a:schemeClr val="dk1"/>
-                          </a:solidFill>
-                          <a:latin typeface="+mn-lt"/>
-                          <a:ea typeface="+mn-ea"/>
-                          <a:cs typeface="+mn-cs"/>
-                        </a:rPr>
-                        <a:t>System.out.print</a:t>
-                      </a:r>
-                      <a:r>
-                        <a:rPr lang="en-CA" sz="1800" kern="1200" dirty="0" smtClean="0">
-                          <a:solidFill>
-                            <a:schemeClr val="dk1"/>
-                          </a:solidFill>
-                          <a:latin typeface="+mn-lt"/>
-                          <a:ea typeface="+mn-ea"/>
-                          <a:cs typeface="+mn-cs"/>
-                        </a:rPr>
-                        <a:t>(</a:t>
-                      </a:r>
-                      <a:r>
-                        <a:rPr lang="en-CA" sz="1800" kern="1200" dirty="0" err="1" smtClean="0">
-                          <a:solidFill>
-                            <a:schemeClr val="dk1"/>
-                          </a:solidFill>
-                          <a:latin typeface="+mn-lt"/>
-                          <a:ea typeface="+mn-ea"/>
-                          <a:cs typeface="+mn-cs"/>
-                        </a:rPr>
-                        <a:t>i</a:t>
-                      </a:r>
-                      <a:r>
-                        <a:rPr lang="en-CA" sz="1800" kern="1200" dirty="0" smtClean="0">
-                          <a:solidFill>
-                            <a:schemeClr val="dk1"/>
-                          </a:solidFill>
-                          <a:latin typeface="+mn-lt"/>
-                          <a:ea typeface="+mn-ea"/>
-                          <a:cs typeface="+mn-cs"/>
-                        </a:rPr>
-                        <a:t>);</a:t>
-                      </a:r>
-                      <a:endParaRPr lang="mr-IN" sz="1800" kern="1200" dirty="0" smtClean="0">
-                        <a:solidFill>
-                          <a:schemeClr val="dk1"/>
-                        </a:solidFill>
-                        <a:latin typeface="+mn-lt"/>
-                        <a:ea typeface="+mn-ea"/>
-                        <a:cs typeface="+mn-cs"/>
-                      </a:endParaRPr>
-                    </a:p>
-                    <a:p>
-                      <a:r>
-                        <a:rPr lang="mr-IN" sz="1800" kern="1200" dirty="0" smtClean="0">
-                          <a:solidFill>
-                            <a:schemeClr val="dk1"/>
-                          </a:solidFill>
-                          <a:latin typeface="+mn-lt"/>
-                          <a:ea typeface="+mn-ea"/>
-                          <a:cs typeface="+mn-cs"/>
-                        </a:rPr>
-                        <a:t>    }</a:t>
-                      </a:r>
-                    </a:p>
-                  </a:txBody>
-                  <a:tcPr/>
-                </a:tc>
-                <a:tc>
-                  <a:txBody>
-                    <a:bodyPr/>
-                    <a:lstStyle/>
-                    <a:p>
-                      <a:r>
-                        <a:rPr lang="mr-IN" sz="1800" kern="1200" dirty="0" smtClean="0">
-                          <a:solidFill>
-                            <a:schemeClr val="dk1"/>
-                          </a:solidFill>
-                          <a:latin typeface="+mn-lt"/>
-                          <a:ea typeface="+mn-ea"/>
-                          <a:cs typeface="+mn-cs"/>
-                        </a:rPr>
-                        <a:t> i</a:t>
-                      </a:r>
-                      <a:r>
-                        <a:rPr lang="en-CA" sz="1800" kern="1200" dirty="0" smtClean="0">
-                          <a:solidFill>
-                            <a:schemeClr val="dk1"/>
-                          </a:solidFill>
-                          <a:latin typeface="+mn-lt"/>
-                          <a:ea typeface="+mn-ea"/>
-                          <a:cs typeface="+mn-cs"/>
-                        </a:rPr>
-                        <a:t>=</a:t>
-                      </a:r>
-                      <a:r>
-                        <a:rPr lang="mr-IN" sz="1800" kern="1200" dirty="0" smtClean="0">
-                          <a:solidFill>
-                            <a:schemeClr val="dk1"/>
-                          </a:solidFill>
-                          <a:latin typeface="+mn-lt"/>
-                          <a:ea typeface="+mn-ea"/>
-                          <a:cs typeface="+mn-cs"/>
-                        </a:rPr>
-                        <a:t>99;</a:t>
-                      </a:r>
-                    </a:p>
-                    <a:p>
-                      <a:r>
-                        <a:rPr lang="mr-IN" sz="1800" kern="1200" dirty="0" smtClean="0">
-                          <a:solidFill>
-                            <a:schemeClr val="dk1"/>
-                          </a:solidFill>
-                          <a:latin typeface="+mn-lt"/>
-                          <a:ea typeface="+mn-ea"/>
-                          <a:cs typeface="+mn-cs"/>
-                        </a:rPr>
-                        <a:t>    do {</a:t>
-                      </a:r>
-                    </a:p>
-                    <a:p>
-                      <a:r>
-                        <a:rPr lang="mr-IN" sz="1800" kern="1200" dirty="0" smtClean="0">
-                          <a:solidFill>
-                            <a:schemeClr val="dk1"/>
-                          </a:solidFill>
-                          <a:latin typeface="+mn-lt"/>
-                          <a:ea typeface="+mn-ea"/>
-                          <a:cs typeface="+mn-cs"/>
-                        </a:rPr>
-                        <a:t>        </a:t>
-                      </a:r>
-                      <a:r>
-                        <a:rPr lang="en-CA" sz="1800" kern="1200" dirty="0" err="1" smtClean="0">
-                          <a:solidFill>
-                            <a:schemeClr val="dk1"/>
-                          </a:solidFill>
-                          <a:latin typeface="+mn-lt"/>
-                          <a:ea typeface="+mn-ea"/>
-                          <a:cs typeface="+mn-cs"/>
-                        </a:rPr>
-                        <a:t>System.out.print</a:t>
-                      </a:r>
-                      <a:r>
-                        <a:rPr lang="en-CA" sz="1800" kern="1200" dirty="0" smtClean="0">
-                          <a:solidFill>
-                            <a:schemeClr val="dk1"/>
-                          </a:solidFill>
-                          <a:latin typeface="+mn-lt"/>
-                          <a:ea typeface="+mn-ea"/>
-                          <a:cs typeface="+mn-cs"/>
-                        </a:rPr>
-                        <a:t>(</a:t>
-                      </a:r>
-                      <a:r>
-                        <a:rPr lang="en-CA" sz="1800" kern="1200" dirty="0" err="1" smtClean="0">
-                          <a:solidFill>
-                            <a:schemeClr val="dk1"/>
-                          </a:solidFill>
-                          <a:latin typeface="+mn-lt"/>
-                          <a:ea typeface="+mn-ea"/>
-                          <a:cs typeface="+mn-cs"/>
-                        </a:rPr>
-                        <a:t>i</a:t>
-                      </a:r>
-                      <a:r>
-                        <a:rPr lang="en-CA" sz="1800" kern="1200" dirty="0" smtClean="0">
-                          <a:solidFill>
-                            <a:schemeClr val="dk1"/>
-                          </a:solidFill>
-                          <a:latin typeface="+mn-lt"/>
-                          <a:ea typeface="+mn-ea"/>
-                          <a:cs typeface="+mn-cs"/>
-                        </a:rPr>
-                        <a:t>);</a:t>
-                      </a:r>
-                      <a:endParaRPr lang="mr-IN" sz="1800" kern="1200" dirty="0" smtClean="0">
-                        <a:solidFill>
-                          <a:schemeClr val="dk1"/>
-                        </a:solidFill>
-                        <a:latin typeface="+mn-lt"/>
-                        <a:ea typeface="+mn-ea"/>
-                        <a:cs typeface="+mn-cs"/>
-                      </a:endParaRPr>
-                    </a:p>
-                    <a:p>
-                      <a:r>
-                        <a:rPr lang="mr-IN" sz="1800" kern="1200" dirty="0" smtClean="0">
-                          <a:solidFill>
-                            <a:schemeClr val="dk1"/>
-                          </a:solidFill>
-                          <a:latin typeface="+mn-lt"/>
-                          <a:ea typeface="+mn-ea"/>
-                          <a:cs typeface="+mn-cs"/>
-                        </a:rPr>
-                        <a:t>        </a:t>
-                      </a:r>
-                      <a:r>
-                        <a:rPr lang="mr-IN" sz="1800" kern="1200" dirty="0" smtClean="0">
-                          <a:solidFill>
-                            <a:schemeClr val="dk1"/>
-                          </a:solidFill>
-                          <a:latin typeface="+mn-lt"/>
-                          <a:ea typeface="+mn-ea"/>
-                          <a:cs typeface="+mn-cs"/>
-                        </a:rPr>
-                        <a:t>i</a:t>
-                      </a:r>
-                      <a:r>
-                        <a:rPr lang="en-CA" sz="1800" kern="1200" dirty="0" smtClean="0">
-                          <a:solidFill>
-                            <a:schemeClr val="dk1"/>
-                          </a:solidFill>
-                          <a:latin typeface="+mn-lt"/>
-                          <a:ea typeface="+mn-ea"/>
-                          <a:cs typeface="+mn-cs"/>
-                        </a:rPr>
-                        <a:t>--</a:t>
-                      </a:r>
-                      <a:r>
-                        <a:rPr lang="mr-IN" sz="1800" kern="1200" dirty="0" smtClean="0">
-                          <a:solidFill>
-                            <a:schemeClr val="dk1"/>
-                          </a:solidFill>
-                          <a:latin typeface="+mn-lt"/>
-                          <a:ea typeface="+mn-ea"/>
-                          <a:cs typeface="+mn-cs"/>
-                        </a:rPr>
-                        <a:t>;</a:t>
-                      </a:r>
-                    </a:p>
-                    <a:p>
-                      <a:r>
-                        <a:rPr lang="en-US" sz="1800" kern="1200" dirty="0" smtClean="0">
-                          <a:solidFill>
-                            <a:schemeClr val="dk1"/>
-                          </a:solidFill>
-                          <a:latin typeface="+mn-lt"/>
-                          <a:ea typeface="+mn-ea"/>
-                          <a:cs typeface="+mn-cs"/>
-                        </a:rPr>
-                        <a:t>    } while(</a:t>
-                      </a:r>
-                      <a:r>
-                        <a:rPr lang="en-US" sz="1800" kern="1200" dirty="0" err="1" smtClean="0">
-                          <a:solidFill>
-                            <a:schemeClr val="dk1"/>
-                          </a:solidFill>
-                          <a:latin typeface="+mn-lt"/>
-                          <a:ea typeface="+mn-ea"/>
-                          <a:cs typeface="+mn-cs"/>
-                        </a:rPr>
-                        <a:t>i</a:t>
-                      </a:r>
-                      <a:r>
-                        <a:rPr lang="en-US" sz="1800" kern="1200" dirty="0" smtClean="0">
-                          <a:solidFill>
-                            <a:schemeClr val="dk1"/>
-                          </a:solidFill>
-                          <a:latin typeface="+mn-lt"/>
-                          <a:ea typeface="+mn-ea"/>
-                          <a:cs typeface="+mn-cs"/>
-                        </a:rPr>
-                        <a:t> &gt;= 0);</a:t>
-                      </a:r>
-                      <a:endParaRPr lang="en-US" dirty="0"/>
-                    </a:p>
-                  </a:txBody>
-                  <a:tcPr/>
-                </a:tc>
-              </a:tr>
-            </a:tbl>
-          </a:graphicData>
-        </a:graphic>
-      </p:graphicFrame>
-      <p:graphicFrame>
-        <p:nvGraphicFramePr>
-          <p:cNvPr id="5" name="Table 4"/>
-          <p:cNvGraphicFramePr>
-            <a:graphicFrameLocks noGrp="1"/>
-          </p:cNvGraphicFramePr>
-          <p:nvPr>
-            <p:extLst>
-              <p:ext uri="{D42A27DB-BD31-4B8C-83A1-F6EECF244321}">
-                <p14:modId xmlns:p14="http://schemas.microsoft.com/office/powerpoint/2010/main" val="2579466137"/>
-              </p:ext>
-            </p:extLst>
-          </p:nvPr>
-        </p:nvGraphicFramePr>
-        <p:xfrm>
-          <a:off x="457200" y="4668937"/>
-          <a:ext cx="8229600" cy="1039831"/>
-        </p:xfrm>
-        <a:graphic>
-          <a:graphicData uri="http://schemas.openxmlformats.org/drawingml/2006/table">
-            <a:tbl>
-              <a:tblPr firstRow="1" bandRow="1">
-                <a:tableStyleId>{5C22544A-7EE6-4342-B048-85BDC9FD1C3A}</a:tableStyleId>
-              </a:tblPr>
-              <a:tblGrid>
-                <a:gridCol w="4114800"/>
-                <a:gridCol w="4114800"/>
-              </a:tblGrid>
-              <a:tr h="424323">
-                <a:tc gridSpan="2">
-                  <a:txBody>
-                    <a:bodyPr/>
-                    <a:lstStyle/>
-                    <a:p>
-                      <a:pPr algn="ctr"/>
-                      <a:r>
-                        <a:rPr lang="en-US" dirty="0" smtClean="0"/>
-                        <a:t>Run</a:t>
-                      </a:r>
-                      <a:r>
-                        <a:rPr lang="en-US" baseline="0" dirty="0" smtClean="0"/>
-                        <a:t> Time Analysis</a:t>
-                      </a:r>
-                      <a:endParaRPr lang="en-US" dirty="0"/>
-                    </a:p>
-                  </a:txBody>
-                  <a:tcPr/>
-                </a:tc>
-                <a:tc hMerge="1">
-                  <a:txBody>
-                    <a:bodyPr/>
-                    <a:lstStyle/>
-                    <a:p>
-                      <a:endParaRPr lang="en-US" dirty="0"/>
-                    </a:p>
-                  </a:txBody>
-                  <a:tcPr/>
-                </a:tc>
-              </a:tr>
-              <a:tr h="615508">
-                <a:tc>
-                  <a:txBody>
-                    <a:bodyPr/>
-                    <a:lstStyle/>
-                    <a:p>
-                      <a:endParaRPr lang="en-US" dirty="0"/>
-                    </a:p>
-                  </a:txBody>
-                  <a:tcPr/>
-                </a:tc>
-                <a:tc>
-                  <a:txBody>
-                    <a:bodyPr/>
-                    <a:lstStyle/>
-                    <a:p>
-                      <a:endParaRPr lang="en-US" dirty="0"/>
-                    </a:p>
-                  </a:txBody>
-                  <a:tcPr/>
-                </a:tc>
-              </a:tr>
-            </a:tbl>
+          <a:graphicData uri="http://schemas.openxmlformats.org/drawingml/2006/chart">
+            <c:chart xmlns:c="http://schemas.openxmlformats.org/drawingml/2006/chart" xmlns:r="http://schemas.openxmlformats.org/officeDocument/2006/relationships" r:id="rId2"/>
           </a:graphicData>
         </a:graphic>
       </p:graphicFrame>
     </p:spTree>
     <p:extLst>
       <p:ext uri="{BB962C8B-B14F-4D97-AF65-F5344CB8AC3E}">
-        <p14:creationId xmlns:p14="http://schemas.microsoft.com/office/powerpoint/2010/main" val="3003934295"/>
-      </p:ext>
-    </p:extLst>
-  </p:cSld>
-  <p:clrMapOvr>
-    <a:masterClrMapping/>
-  </p:clrMapOvr>
-  <p:timing>
-    <p:tnLst>
-      <p:par>
-        <p:cTn xmlns:p14="http://schemas.microsoft.com/office/powerpoint/2010/main" id="1" dur="indefinite" restart="never" nodeType="tmRoot"/>
-      </p:par>
-    </p:tnLst>
-  </p:timing>
-</p:sld>
-</file>
-
-<file path=ppt/slides/slide8.xml><?xml version="1.0" encoding="utf-8"?>
-<p:sld xmlns:a="http://schemas.openxmlformats.org/drawingml/2006/main" xmlns:r="http://schemas.openxmlformats.org/officeDocument/2006/relationships" xmlns:p="http://schemas.openxmlformats.org/presentationml/2006/main">
-  <p:cSld>
-    <p:spTree>
-      <p:nvGrpSpPr>
-        <p:cNvPr id="1" name=""/>
-        <p:cNvGrpSpPr/>
-        <p:nvPr/>
-      </p:nvGrpSpPr>
-      <p:grpSpPr>
-        <a:xfrm>
-          <a:off x="0" y="0"/>
-          <a:ext cx="0" cy="0"/>
-          <a:chOff x="0" y="0"/>
-          <a:chExt cx="0" cy="0"/>
-        </a:xfrm>
-      </p:grpSpPr>
-      <p:sp>
-        <p:nvSpPr>
-          <p:cNvPr id="2" name="Title 1"/>
-          <p:cNvSpPr>
-            <a:spLocks noGrp="1"/>
-          </p:cNvSpPr>
-          <p:nvPr>
-            <p:ph type="title"/>
-          </p:nvPr>
-        </p:nvSpPr>
-        <p:spPr/>
-        <p:txBody>
-          <a:bodyPr/>
-          <a:lstStyle/>
-          <a:p>
-            <a:r>
-              <a:rPr lang="en-US" dirty="0" smtClean="0"/>
-              <a:t>Live Demo </a:t>
-            </a:r>
-            <a:endParaRPr lang="en-US" dirty="0"/>
-          </a:p>
-        </p:txBody>
-      </p:sp>
-    </p:spTree>
-    <p:extLst>
-      <p:ext uri="{BB962C8B-B14F-4D97-AF65-F5344CB8AC3E}">
-        <p14:creationId xmlns:p14="http://schemas.microsoft.com/office/powerpoint/2010/main" val="427327641"/>
+        <p14:creationId xmlns:p14="http://schemas.microsoft.com/office/powerpoint/2010/main" val="2607274954"/>
       </p:ext>
     </p:extLst>
   </p:cSld>
@@ -9325,4 +12290,862 @@
   </a:objectDefaults>
   <a:extraClrSchemeLst/>
 </a:theme>
+</file>
+
+<file path=ppt/theme/themeOverride1.xml><?xml version="1.0" encoding="utf-8"?>
+<a:themeOverride xmlns:a="http://schemas.openxmlformats.org/drawingml/2006/main">
+  <a:clrScheme name="Office">
+    <a:dk1>
+      <a:sysClr val="windowText" lastClr="000000"/>
+    </a:dk1>
+    <a:lt1>
+      <a:sysClr val="window" lastClr="FFFFFF"/>
+    </a:lt1>
+    <a:dk2>
+      <a:srgbClr val="44546A"/>
+    </a:dk2>
+    <a:lt2>
+      <a:srgbClr val="E7E6E6"/>
+    </a:lt2>
+    <a:accent1>
+      <a:srgbClr val="4472C4"/>
+    </a:accent1>
+    <a:accent2>
+      <a:srgbClr val="ED7D31"/>
+    </a:accent2>
+    <a:accent3>
+      <a:srgbClr val="A5A5A5"/>
+    </a:accent3>
+    <a:accent4>
+      <a:srgbClr val="FFC000"/>
+    </a:accent4>
+    <a:accent5>
+      <a:srgbClr val="5B9BD5"/>
+    </a:accent5>
+    <a:accent6>
+      <a:srgbClr val="70AD47"/>
+    </a:accent6>
+    <a:hlink>
+      <a:srgbClr val="0563C1"/>
+    </a:hlink>
+    <a:folHlink>
+      <a:srgbClr val="954F72"/>
+    </a:folHlink>
+  </a:clrScheme>
+  <a:fontScheme name="Office">
+    <a:majorFont>
+      <a:latin typeface="Calibri Light" panose="020F0302020204030204"/>
+      <a:ea typeface=""/>
+      <a:cs typeface=""/>
+      <a:font script="Jpan" typeface="游ゴシック Light"/>
+      <a:font script="Hang" typeface="맑은 고딕"/>
+      <a:font script="Hans" typeface="等线 Light"/>
+      <a:font script="Hant" typeface="新細明體"/>
+      <a:font script="Arab" typeface="Times New Roman"/>
+      <a:font script="Hebr" typeface="Times New Roman"/>
+      <a:font script="Thai" typeface="Tahoma"/>
+      <a:font script="Ethi" typeface="Nyala"/>
+      <a:font script="Beng" typeface="Vrinda"/>
+      <a:font script="Gujr" typeface="Shruti"/>
+      <a:font script="Khmr" typeface="MoolBoran"/>
+      <a:font script="Knda" typeface="Tunga"/>
+      <a:font script="Guru" typeface="Raavi"/>
+      <a:font script="Cans" typeface="Euphemia"/>
+      <a:font script="Cher" typeface="Plantagenet Cherokee"/>
+      <a:font script="Yiii" typeface="Microsoft Yi Baiti"/>
+      <a:font script="Tibt" typeface="Microsoft Himalaya"/>
+      <a:font script="Thaa" typeface="MV Boli"/>
+      <a:font script="Deva" typeface="Mangal"/>
+      <a:font script="Telu" typeface="Gautami"/>
+      <a:font script="Taml" typeface="Latha"/>
+      <a:font script="Syrc" typeface="Estrangelo Edessa"/>
+      <a:font script="Orya" typeface="Kalinga"/>
+      <a:font script="Mlym" typeface="Kartika"/>
+      <a:font script="Laoo" typeface="DokChampa"/>
+      <a:font script="Sinh" typeface="Iskoola Pota"/>
+      <a:font script="Mong" typeface="Mongolian Baiti"/>
+      <a:font script="Viet" typeface="Times New Roman"/>
+      <a:font script="Uigh" typeface="Microsoft Uighur"/>
+      <a:font script="Geor" typeface="Sylfaen"/>
+      <a:font script="Armn" typeface="Arial"/>
+      <a:font script="Bugi" typeface="Leelawadee UI"/>
+      <a:font script="Bopo" typeface="Microsoft JhengHei"/>
+      <a:font script="Java" typeface="Javanese Text"/>
+      <a:font script="Lisu" typeface="Segoe UI"/>
+      <a:font script="Mymr" typeface="Myanmar Text"/>
+      <a:font script="Nkoo" typeface="Ebrima"/>
+      <a:font script="Olck" typeface="Nirmala UI"/>
+      <a:font script="Osma" typeface="Ebrima"/>
+      <a:font script="Phag" typeface="Phagspa"/>
+      <a:font script="Syrn" typeface="Estrangelo Edessa"/>
+      <a:font script="Syrj" typeface="Estrangelo Edessa"/>
+      <a:font script="Syre" typeface="Estrangelo Edessa"/>
+      <a:font script="Sora" typeface="Nirmala UI"/>
+      <a:font script="Tale" typeface="Microsoft Tai Le"/>
+      <a:font script="Talu" typeface="Microsoft New Tai Lue"/>
+      <a:font script="Tfng" typeface="Ebrima"/>
+    </a:majorFont>
+    <a:minorFont>
+      <a:latin typeface="Calibri" panose="020F0502020204030204"/>
+      <a:ea typeface=""/>
+      <a:cs typeface=""/>
+      <a:font script="Jpan" typeface="游ゴシック"/>
+      <a:font script="Hang" typeface="맑은 고딕"/>
+      <a:font script="Hans" typeface="等线"/>
+      <a:font script="Hant" typeface="新細明體"/>
+      <a:font script="Arab" typeface="Arial"/>
+      <a:font script="Hebr" typeface="Arial"/>
+      <a:font script="Thai" typeface="Tahoma"/>
+      <a:font script="Ethi" typeface="Nyala"/>
+      <a:font script="Beng" typeface="Vrinda"/>
+      <a:font script="Gujr" typeface="Shruti"/>
+      <a:font script="Khmr" typeface="DaunPenh"/>
+      <a:font script="Knda" typeface="Tunga"/>
+      <a:font script="Guru" typeface="Raavi"/>
+      <a:font script="Cans" typeface="Euphemia"/>
+      <a:font script="Cher" typeface="Plantagenet Cherokee"/>
+      <a:font script="Yiii" typeface="Microsoft Yi Baiti"/>
+      <a:font script="Tibt" typeface="Microsoft Himalaya"/>
+      <a:font script="Thaa" typeface="MV Boli"/>
+      <a:font script="Deva" typeface="Mangal"/>
+      <a:font script="Telu" typeface="Gautami"/>
+      <a:font script="Taml" typeface="Latha"/>
+      <a:font script="Syrc" typeface="Estrangelo Edessa"/>
+      <a:font script="Orya" typeface="Kalinga"/>
+      <a:font script="Mlym" typeface="Kartika"/>
+      <a:font script="Laoo" typeface="DokChampa"/>
+      <a:font script="Sinh" typeface="Iskoola Pota"/>
+      <a:font script="Mong" typeface="Mongolian Baiti"/>
+      <a:font script="Viet" typeface="Arial"/>
+      <a:font script="Uigh" typeface="Microsoft Uighur"/>
+      <a:font script="Geor" typeface="Sylfaen"/>
+      <a:font script="Armn" typeface="Arial"/>
+      <a:font script="Bugi" typeface="Leelawadee UI"/>
+      <a:font script="Bopo" typeface="Microsoft JhengHei"/>
+      <a:font script="Java" typeface="Javanese Text"/>
+      <a:font script="Lisu" typeface="Segoe UI"/>
+      <a:font script="Mymr" typeface="Myanmar Text"/>
+      <a:font script="Nkoo" typeface="Ebrima"/>
+      <a:font script="Olck" typeface="Nirmala UI"/>
+      <a:font script="Osma" typeface="Ebrima"/>
+      <a:font script="Phag" typeface="Phagspa"/>
+      <a:font script="Syrn" typeface="Estrangelo Edessa"/>
+      <a:font script="Syrj" typeface="Estrangelo Edessa"/>
+      <a:font script="Syre" typeface="Estrangelo Edessa"/>
+      <a:font script="Sora" typeface="Nirmala UI"/>
+      <a:font script="Tale" typeface="Microsoft Tai Le"/>
+      <a:font script="Talu" typeface="Microsoft New Tai Lue"/>
+      <a:font script="Tfng" typeface="Ebrima"/>
+    </a:minorFont>
+  </a:fontScheme>
+  <a:fmtScheme name="Office">
+    <a:fillStyleLst>
+      <a:solidFill>
+        <a:schemeClr val="phClr"/>
+      </a:solidFill>
+      <a:gradFill rotWithShape="1">
+        <a:gsLst>
+          <a:gs pos="0">
+            <a:schemeClr val="phClr">
+              <a:lumMod val="110000"/>
+              <a:satMod val="105000"/>
+              <a:tint val="67000"/>
+            </a:schemeClr>
+          </a:gs>
+          <a:gs pos="50000">
+            <a:schemeClr val="phClr">
+              <a:lumMod val="105000"/>
+              <a:satMod val="103000"/>
+              <a:tint val="73000"/>
+            </a:schemeClr>
+          </a:gs>
+          <a:gs pos="100000">
+            <a:schemeClr val="phClr">
+              <a:lumMod val="105000"/>
+              <a:satMod val="109000"/>
+              <a:tint val="81000"/>
+            </a:schemeClr>
+          </a:gs>
+        </a:gsLst>
+        <a:lin ang="5400000" scaled="0"/>
+      </a:gradFill>
+      <a:gradFill rotWithShape="1">
+        <a:gsLst>
+          <a:gs pos="0">
+            <a:schemeClr val="phClr">
+              <a:satMod val="103000"/>
+              <a:lumMod val="102000"/>
+              <a:tint val="94000"/>
+            </a:schemeClr>
+          </a:gs>
+          <a:gs pos="50000">
+            <a:schemeClr val="phClr">
+              <a:satMod val="110000"/>
+              <a:lumMod val="100000"/>
+              <a:shade val="100000"/>
+            </a:schemeClr>
+          </a:gs>
+          <a:gs pos="100000">
+            <a:schemeClr val="phClr">
+              <a:lumMod val="99000"/>
+              <a:satMod val="120000"/>
+              <a:shade val="78000"/>
+            </a:schemeClr>
+          </a:gs>
+        </a:gsLst>
+        <a:lin ang="5400000" scaled="0"/>
+      </a:gradFill>
+    </a:fillStyleLst>
+    <a:lnStyleLst>
+      <a:ln w="6350" cap="flat" cmpd="sng" algn="ctr">
+        <a:solidFill>
+          <a:schemeClr val="phClr"/>
+        </a:solidFill>
+        <a:prstDash val="solid"/>
+        <a:miter lim="800000"/>
+      </a:ln>
+      <a:ln w="12700" cap="flat" cmpd="sng" algn="ctr">
+        <a:solidFill>
+          <a:schemeClr val="phClr"/>
+        </a:solidFill>
+        <a:prstDash val="solid"/>
+        <a:miter lim="800000"/>
+      </a:ln>
+      <a:ln w="19050" cap="flat" cmpd="sng" algn="ctr">
+        <a:solidFill>
+          <a:schemeClr val="phClr"/>
+        </a:solidFill>
+        <a:prstDash val="solid"/>
+        <a:miter lim="800000"/>
+      </a:ln>
+    </a:lnStyleLst>
+    <a:effectStyleLst>
+      <a:effectStyle>
+        <a:effectLst/>
+      </a:effectStyle>
+      <a:effectStyle>
+        <a:effectLst/>
+      </a:effectStyle>
+      <a:effectStyle>
+        <a:effectLst>
+          <a:outerShdw blurRad="57150" dist="19050" dir="5400000" algn="ctr" rotWithShape="0">
+            <a:srgbClr val="000000">
+              <a:alpha val="63000"/>
+            </a:srgbClr>
+          </a:outerShdw>
+        </a:effectLst>
+      </a:effectStyle>
+    </a:effectStyleLst>
+    <a:bgFillStyleLst>
+      <a:solidFill>
+        <a:schemeClr val="phClr"/>
+      </a:solidFill>
+      <a:solidFill>
+        <a:schemeClr val="phClr">
+          <a:tint val="95000"/>
+          <a:satMod val="170000"/>
+        </a:schemeClr>
+      </a:solidFill>
+      <a:gradFill rotWithShape="1">
+        <a:gsLst>
+          <a:gs pos="0">
+            <a:schemeClr val="phClr">
+              <a:tint val="93000"/>
+              <a:satMod val="150000"/>
+              <a:shade val="98000"/>
+              <a:lumMod val="102000"/>
+            </a:schemeClr>
+          </a:gs>
+          <a:gs pos="50000">
+            <a:schemeClr val="phClr">
+              <a:tint val="98000"/>
+              <a:satMod val="130000"/>
+              <a:shade val="90000"/>
+              <a:lumMod val="103000"/>
+            </a:schemeClr>
+          </a:gs>
+          <a:gs pos="100000">
+            <a:schemeClr val="phClr">
+              <a:shade val="63000"/>
+              <a:satMod val="120000"/>
+            </a:schemeClr>
+          </a:gs>
+        </a:gsLst>
+        <a:lin ang="5400000" scaled="0"/>
+      </a:gradFill>
+    </a:bgFillStyleLst>
+  </a:fmtScheme>
+</a:themeOverride>
+</file>
+
+<file path=ppt/theme/themeOverride2.xml><?xml version="1.0" encoding="utf-8"?>
+<a:themeOverride xmlns:a="http://schemas.openxmlformats.org/drawingml/2006/main">
+  <a:clrScheme name="Office">
+    <a:dk1>
+      <a:sysClr val="windowText" lastClr="000000"/>
+    </a:dk1>
+    <a:lt1>
+      <a:sysClr val="window" lastClr="FFFFFF"/>
+    </a:lt1>
+    <a:dk2>
+      <a:srgbClr val="44546A"/>
+    </a:dk2>
+    <a:lt2>
+      <a:srgbClr val="E7E6E6"/>
+    </a:lt2>
+    <a:accent1>
+      <a:srgbClr val="4472C4"/>
+    </a:accent1>
+    <a:accent2>
+      <a:srgbClr val="ED7D31"/>
+    </a:accent2>
+    <a:accent3>
+      <a:srgbClr val="A5A5A5"/>
+    </a:accent3>
+    <a:accent4>
+      <a:srgbClr val="FFC000"/>
+    </a:accent4>
+    <a:accent5>
+      <a:srgbClr val="5B9BD5"/>
+    </a:accent5>
+    <a:accent6>
+      <a:srgbClr val="70AD47"/>
+    </a:accent6>
+    <a:hlink>
+      <a:srgbClr val="0563C1"/>
+    </a:hlink>
+    <a:folHlink>
+      <a:srgbClr val="954F72"/>
+    </a:folHlink>
+  </a:clrScheme>
+  <a:fontScheme name="Office">
+    <a:majorFont>
+      <a:latin typeface="Calibri Light" panose="020F0302020204030204"/>
+      <a:ea typeface=""/>
+      <a:cs typeface=""/>
+      <a:font script="Jpan" typeface="游ゴシック Light"/>
+      <a:font script="Hang" typeface="맑은 고딕"/>
+      <a:font script="Hans" typeface="等线 Light"/>
+      <a:font script="Hant" typeface="新細明體"/>
+      <a:font script="Arab" typeface="Times New Roman"/>
+      <a:font script="Hebr" typeface="Times New Roman"/>
+      <a:font script="Thai" typeface="Tahoma"/>
+      <a:font script="Ethi" typeface="Nyala"/>
+      <a:font script="Beng" typeface="Vrinda"/>
+      <a:font script="Gujr" typeface="Shruti"/>
+      <a:font script="Khmr" typeface="MoolBoran"/>
+      <a:font script="Knda" typeface="Tunga"/>
+      <a:font script="Guru" typeface="Raavi"/>
+      <a:font script="Cans" typeface="Euphemia"/>
+      <a:font script="Cher" typeface="Plantagenet Cherokee"/>
+      <a:font script="Yiii" typeface="Microsoft Yi Baiti"/>
+      <a:font script="Tibt" typeface="Microsoft Himalaya"/>
+      <a:font script="Thaa" typeface="MV Boli"/>
+      <a:font script="Deva" typeface="Mangal"/>
+      <a:font script="Telu" typeface="Gautami"/>
+      <a:font script="Taml" typeface="Latha"/>
+      <a:font script="Syrc" typeface="Estrangelo Edessa"/>
+      <a:font script="Orya" typeface="Kalinga"/>
+      <a:font script="Mlym" typeface="Kartika"/>
+      <a:font script="Laoo" typeface="DokChampa"/>
+      <a:font script="Sinh" typeface="Iskoola Pota"/>
+      <a:font script="Mong" typeface="Mongolian Baiti"/>
+      <a:font script="Viet" typeface="Times New Roman"/>
+      <a:font script="Uigh" typeface="Microsoft Uighur"/>
+      <a:font script="Geor" typeface="Sylfaen"/>
+      <a:font script="Armn" typeface="Arial"/>
+      <a:font script="Bugi" typeface="Leelawadee UI"/>
+      <a:font script="Bopo" typeface="Microsoft JhengHei"/>
+      <a:font script="Java" typeface="Javanese Text"/>
+      <a:font script="Lisu" typeface="Segoe UI"/>
+      <a:font script="Mymr" typeface="Myanmar Text"/>
+      <a:font script="Nkoo" typeface="Ebrima"/>
+      <a:font script="Olck" typeface="Nirmala UI"/>
+      <a:font script="Osma" typeface="Ebrima"/>
+      <a:font script="Phag" typeface="Phagspa"/>
+      <a:font script="Syrn" typeface="Estrangelo Edessa"/>
+      <a:font script="Syrj" typeface="Estrangelo Edessa"/>
+      <a:font script="Syre" typeface="Estrangelo Edessa"/>
+      <a:font script="Sora" typeface="Nirmala UI"/>
+      <a:font script="Tale" typeface="Microsoft Tai Le"/>
+      <a:font script="Talu" typeface="Microsoft New Tai Lue"/>
+      <a:font script="Tfng" typeface="Ebrima"/>
+    </a:majorFont>
+    <a:minorFont>
+      <a:latin typeface="Calibri" panose="020F0502020204030204"/>
+      <a:ea typeface=""/>
+      <a:cs typeface=""/>
+      <a:font script="Jpan" typeface="游ゴシック"/>
+      <a:font script="Hang" typeface="맑은 고딕"/>
+      <a:font script="Hans" typeface="等线"/>
+      <a:font script="Hant" typeface="新細明體"/>
+      <a:font script="Arab" typeface="Arial"/>
+      <a:font script="Hebr" typeface="Arial"/>
+      <a:font script="Thai" typeface="Tahoma"/>
+      <a:font script="Ethi" typeface="Nyala"/>
+      <a:font script="Beng" typeface="Vrinda"/>
+      <a:font script="Gujr" typeface="Shruti"/>
+      <a:font script="Khmr" typeface="DaunPenh"/>
+      <a:font script="Knda" typeface="Tunga"/>
+      <a:font script="Guru" typeface="Raavi"/>
+      <a:font script="Cans" typeface="Euphemia"/>
+      <a:font script="Cher" typeface="Plantagenet Cherokee"/>
+      <a:font script="Yiii" typeface="Microsoft Yi Baiti"/>
+      <a:font script="Tibt" typeface="Microsoft Himalaya"/>
+      <a:font script="Thaa" typeface="MV Boli"/>
+      <a:font script="Deva" typeface="Mangal"/>
+      <a:font script="Telu" typeface="Gautami"/>
+      <a:font script="Taml" typeface="Latha"/>
+      <a:font script="Syrc" typeface="Estrangelo Edessa"/>
+      <a:font script="Orya" typeface="Kalinga"/>
+      <a:font script="Mlym" typeface="Kartika"/>
+      <a:font script="Laoo" typeface="DokChampa"/>
+      <a:font script="Sinh" typeface="Iskoola Pota"/>
+      <a:font script="Mong" typeface="Mongolian Baiti"/>
+      <a:font script="Viet" typeface="Arial"/>
+      <a:font script="Uigh" typeface="Microsoft Uighur"/>
+      <a:font script="Geor" typeface="Sylfaen"/>
+      <a:font script="Armn" typeface="Arial"/>
+      <a:font script="Bugi" typeface="Leelawadee UI"/>
+      <a:font script="Bopo" typeface="Microsoft JhengHei"/>
+      <a:font script="Java" typeface="Javanese Text"/>
+      <a:font script="Lisu" typeface="Segoe UI"/>
+      <a:font script="Mymr" typeface="Myanmar Text"/>
+      <a:font script="Nkoo" typeface="Ebrima"/>
+      <a:font script="Olck" typeface="Nirmala UI"/>
+      <a:font script="Osma" typeface="Ebrima"/>
+      <a:font script="Phag" typeface="Phagspa"/>
+      <a:font script="Syrn" typeface="Estrangelo Edessa"/>
+      <a:font script="Syrj" typeface="Estrangelo Edessa"/>
+      <a:font script="Syre" typeface="Estrangelo Edessa"/>
+      <a:font script="Sora" typeface="Nirmala UI"/>
+      <a:font script="Tale" typeface="Microsoft Tai Le"/>
+      <a:font script="Talu" typeface="Microsoft New Tai Lue"/>
+      <a:font script="Tfng" typeface="Ebrima"/>
+    </a:minorFont>
+  </a:fontScheme>
+  <a:fmtScheme name="Office">
+    <a:fillStyleLst>
+      <a:solidFill>
+        <a:schemeClr val="phClr"/>
+      </a:solidFill>
+      <a:gradFill rotWithShape="1">
+        <a:gsLst>
+          <a:gs pos="0">
+            <a:schemeClr val="phClr">
+              <a:lumMod val="110000"/>
+              <a:satMod val="105000"/>
+              <a:tint val="67000"/>
+            </a:schemeClr>
+          </a:gs>
+          <a:gs pos="50000">
+            <a:schemeClr val="phClr">
+              <a:lumMod val="105000"/>
+              <a:satMod val="103000"/>
+              <a:tint val="73000"/>
+            </a:schemeClr>
+          </a:gs>
+          <a:gs pos="100000">
+            <a:schemeClr val="phClr">
+              <a:lumMod val="105000"/>
+              <a:satMod val="109000"/>
+              <a:tint val="81000"/>
+            </a:schemeClr>
+          </a:gs>
+        </a:gsLst>
+        <a:lin ang="5400000" scaled="0"/>
+      </a:gradFill>
+      <a:gradFill rotWithShape="1">
+        <a:gsLst>
+          <a:gs pos="0">
+            <a:schemeClr val="phClr">
+              <a:satMod val="103000"/>
+              <a:lumMod val="102000"/>
+              <a:tint val="94000"/>
+            </a:schemeClr>
+          </a:gs>
+          <a:gs pos="50000">
+            <a:schemeClr val="phClr">
+              <a:satMod val="110000"/>
+              <a:lumMod val="100000"/>
+              <a:shade val="100000"/>
+            </a:schemeClr>
+          </a:gs>
+          <a:gs pos="100000">
+            <a:schemeClr val="phClr">
+              <a:lumMod val="99000"/>
+              <a:satMod val="120000"/>
+              <a:shade val="78000"/>
+            </a:schemeClr>
+          </a:gs>
+        </a:gsLst>
+        <a:lin ang="5400000" scaled="0"/>
+      </a:gradFill>
+    </a:fillStyleLst>
+    <a:lnStyleLst>
+      <a:ln w="6350" cap="flat" cmpd="sng" algn="ctr">
+        <a:solidFill>
+          <a:schemeClr val="phClr"/>
+        </a:solidFill>
+        <a:prstDash val="solid"/>
+        <a:miter lim="800000"/>
+      </a:ln>
+      <a:ln w="12700" cap="flat" cmpd="sng" algn="ctr">
+        <a:solidFill>
+          <a:schemeClr val="phClr"/>
+        </a:solidFill>
+        <a:prstDash val="solid"/>
+        <a:miter lim="800000"/>
+      </a:ln>
+      <a:ln w="19050" cap="flat" cmpd="sng" algn="ctr">
+        <a:solidFill>
+          <a:schemeClr val="phClr"/>
+        </a:solidFill>
+        <a:prstDash val="solid"/>
+        <a:miter lim="800000"/>
+      </a:ln>
+    </a:lnStyleLst>
+    <a:effectStyleLst>
+      <a:effectStyle>
+        <a:effectLst/>
+      </a:effectStyle>
+      <a:effectStyle>
+        <a:effectLst/>
+      </a:effectStyle>
+      <a:effectStyle>
+        <a:effectLst>
+          <a:outerShdw blurRad="57150" dist="19050" dir="5400000" algn="ctr" rotWithShape="0">
+            <a:srgbClr val="000000">
+              <a:alpha val="63000"/>
+            </a:srgbClr>
+          </a:outerShdw>
+        </a:effectLst>
+      </a:effectStyle>
+    </a:effectStyleLst>
+    <a:bgFillStyleLst>
+      <a:solidFill>
+        <a:schemeClr val="phClr"/>
+      </a:solidFill>
+      <a:solidFill>
+        <a:schemeClr val="phClr">
+          <a:tint val="95000"/>
+          <a:satMod val="170000"/>
+        </a:schemeClr>
+      </a:solidFill>
+      <a:gradFill rotWithShape="1">
+        <a:gsLst>
+          <a:gs pos="0">
+            <a:schemeClr val="phClr">
+              <a:tint val="93000"/>
+              <a:satMod val="150000"/>
+              <a:shade val="98000"/>
+              <a:lumMod val="102000"/>
+            </a:schemeClr>
+          </a:gs>
+          <a:gs pos="50000">
+            <a:schemeClr val="phClr">
+              <a:tint val="98000"/>
+              <a:satMod val="130000"/>
+              <a:shade val="90000"/>
+              <a:lumMod val="103000"/>
+            </a:schemeClr>
+          </a:gs>
+          <a:gs pos="100000">
+            <a:schemeClr val="phClr">
+              <a:shade val="63000"/>
+              <a:satMod val="120000"/>
+            </a:schemeClr>
+          </a:gs>
+        </a:gsLst>
+        <a:lin ang="5400000" scaled="0"/>
+      </a:gradFill>
+    </a:bgFillStyleLst>
+  </a:fmtScheme>
+</a:themeOverride>
+</file>
+
+<file path=ppt/theme/themeOverride3.xml><?xml version="1.0" encoding="utf-8"?>
+<a:themeOverride xmlns:a="http://schemas.openxmlformats.org/drawingml/2006/main">
+  <a:clrScheme name="Office">
+    <a:dk1>
+      <a:sysClr val="windowText" lastClr="000000"/>
+    </a:dk1>
+    <a:lt1>
+      <a:sysClr val="window" lastClr="FFFFFF"/>
+    </a:lt1>
+    <a:dk2>
+      <a:srgbClr val="44546A"/>
+    </a:dk2>
+    <a:lt2>
+      <a:srgbClr val="E7E6E6"/>
+    </a:lt2>
+    <a:accent1>
+      <a:srgbClr val="4472C4"/>
+    </a:accent1>
+    <a:accent2>
+      <a:srgbClr val="ED7D31"/>
+    </a:accent2>
+    <a:accent3>
+      <a:srgbClr val="A5A5A5"/>
+    </a:accent3>
+    <a:accent4>
+      <a:srgbClr val="FFC000"/>
+    </a:accent4>
+    <a:accent5>
+      <a:srgbClr val="5B9BD5"/>
+    </a:accent5>
+    <a:accent6>
+      <a:srgbClr val="70AD47"/>
+    </a:accent6>
+    <a:hlink>
+      <a:srgbClr val="0563C1"/>
+    </a:hlink>
+    <a:folHlink>
+      <a:srgbClr val="954F72"/>
+    </a:folHlink>
+  </a:clrScheme>
+  <a:fontScheme name="Office">
+    <a:majorFont>
+      <a:latin typeface="Calibri Light" panose="020F0302020204030204"/>
+      <a:ea typeface=""/>
+      <a:cs typeface=""/>
+      <a:font script="Jpan" typeface="游ゴシック Light"/>
+      <a:font script="Hang" typeface="맑은 고딕"/>
+      <a:font script="Hans" typeface="等线 Light"/>
+      <a:font script="Hant" typeface="新細明體"/>
+      <a:font script="Arab" typeface="Times New Roman"/>
+      <a:font script="Hebr" typeface="Times New Roman"/>
+      <a:font script="Thai" typeface="Tahoma"/>
+      <a:font script="Ethi" typeface="Nyala"/>
+      <a:font script="Beng" typeface="Vrinda"/>
+      <a:font script="Gujr" typeface="Shruti"/>
+      <a:font script="Khmr" typeface="MoolBoran"/>
+      <a:font script="Knda" typeface="Tunga"/>
+      <a:font script="Guru" typeface="Raavi"/>
+      <a:font script="Cans" typeface="Euphemia"/>
+      <a:font script="Cher" typeface="Plantagenet Cherokee"/>
+      <a:font script="Yiii" typeface="Microsoft Yi Baiti"/>
+      <a:font script="Tibt" typeface="Microsoft Himalaya"/>
+      <a:font script="Thaa" typeface="MV Boli"/>
+      <a:font script="Deva" typeface="Mangal"/>
+      <a:font script="Telu" typeface="Gautami"/>
+      <a:font script="Taml" typeface="Latha"/>
+      <a:font script="Syrc" typeface="Estrangelo Edessa"/>
+      <a:font script="Orya" typeface="Kalinga"/>
+      <a:font script="Mlym" typeface="Kartika"/>
+      <a:font script="Laoo" typeface="DokChampa"/>
+      <a:font script="Sinh" typeface="Iskoola Pota"/>
+      <a:font script="Mong" typeface="Mongolian Baiti"/>
+      <a:font script="Viet" typeface="Times New Roman"/>
+      <a:font script="Uigh" typeface="Microsoft Uighur"/>
+      <a:font script="Geor" typeface="Sylfaen"/>
+      <a:font script="Armn" typeface="Arial"/>
+      <a:font script="Bugi" typeface="Leelawadee UI"/>
+      <a:font script="Bopo" typeface="Microsoft JhengHei"/>
+      <a:font script="Java" typeface="Javanese Text"/>
+      <a:font script="Lisu" typeface="Segoe UI"/>
+      <a:font script="Mymr" typeface="Myanmar Text"/>
+      <a:font script="Nkoo" typeface="Ebrima"/>
+      <a:font script="Olck" typeface="Nirmala UI"/>
+      <a:font script="Osma" typeface="Ebrima"/>
+      <a:font script="Phag" typeface="Phagspa"/>
+      <a:font script="Syrn" typeface="Estrangelo Edessa"/>
+      <a:font script="Syrj" typeface="Estrangelo Edessa"/>
+      <a:font script="Syre" typeface="Estrangelo Edessa"/>
+      <a:font script="Sora" typeface="Nirmala UI"/>
+      <a:font script="Tale" typeface="Microsoft Tai Le"/>
+      <a:font script="Talu" typeface="Microsoft New Tai Lue"/>
+      <a:font script="Tfng" typeface="Ebrima"/>
+    </a:majorFont>
+    <a:minorFont>
+      <a:latin typeface="Calibri" panose="020F0502020204030204"/>
+      <a:ea typeface=""/>
+      <a:cs typeface=""/>
+      <a:font script="Jpan" typeface="游ゴシック"/>
+      <a:font script="Hang" typeface="맑은 고딕"/>
+      <a:font script="Hans" typeface="等线"/>
+      <a:font script="Hant" typeface="新細明體"/>
+      <a:font script="Arab" typeface="Arial"/>
+      <a:font script="Hebr" typeface="Arial"/>
+      <a:font script="Thai" typeface="Tahoma"/>
+      <a:font script="Ethi" typeface="Nyala"/>
+      <a:font script="Beng" typeface="Vrinda"/>
+      <a:font script="Gujr" typeface="Shruti"/>
+      <a:font script="Khmr" typeface="DaunPenh"/>
+      <a:font script="Knda" typeface="Tunga"/>
+      <a:font script="Guru" typeface="Raavi"/>
+      <a:font script="Cans" typeface="Euphemia"/>
+      <a:font script="Cher" typeface="Plantagenet Cherokee"/>
+      <a:font script="Yiii" typeface="Microsoft Yi Baiti"/>
+      <a:font script="Tibt" typeface="Microsoft Himalaya"/>
+      <a:font script="Thaa" typeface="MV Boli"/>
+      <a:font script="Deva" typeface="Mangal"/>
+      <a:font script="Telu" typeface="Gautami"/>
+      <a:font script="Taml" typeface="Latha"/>
+      <a:font script="Syrc" typeface="Estrangelo Edessa"/>
+      <a:font script="Orya" typeface="Kalinga"/>
+      <a:font script="Mlym" typeface="Kartika"/>
+      <a:font script="Laoo" typeface="DokChampa"/>
+      <a:font script="Sinh" typeface="Iskoola Pota"/>
+      <a:font script="Mong" typeface="Mongolian Baiti"/>
+      <a:font script="Viet" typeface="Arial"/>
+      <a:font script="Uigh" typeface="Microsoft Uighur"/>
+      <a:font script="Geor" typeface="Sylfaen"/>
+      <a:font script="Armn" typeface="Arial"/>
+      <a:font script="Bugi" typeface="Leelawadee UI"/>
+      <a:font script="Bopo" typeface="Microsoft JhengHei"/>
+      <a:font script="Java" typeface="Javanese Text"/>
+      <a:font script="Lisu" typeface="Segoe UI"/>
+      <a:font script="Mymr" typeface="Myanmar Text"/>
+      <a:font script="Nkoo" typeface="Ebrima"/>
+      <a:font script="Olck" typeface="Nirmala UI"/>
+      <a:font script="Osma" typeface="Ebrima"/>
+      <a:font script="Phag" typeface="Phagspa"/>
+      <a:font script="Syrn" typeface="Estrangelo Edessa"/>
+      <a:font script="Syrj" typeface="Estrangelo Edessa"/>
+      <a:font script="Syre" typeface="Estrangelo Edessa"/>
+      <a:font script="Sora" typeface="Nirmala UI"/>
+      <a:font script="Tale" typeface="Microsoft Tai Le"/>
+      <a:font script="Talu" typeface="Microsoft New Tai Lue"/>
+      <a:font script="Tfng" typeface="Ebrima"/>
+    </a:minorFont>
+  </a:fontScheme>
+  <a:fmtScheme name="Office">
+    <a:fillStyleLst>
+      <a:solidFill>
+        <a:schemeClr val="phClr"/>
+      </a:solidFill>
+      <a:gradFill rotWithShape="1">
+        <a:gsLst>
+          <a:gs pos="0">
+            <a:schemeClr val="phClr">
+              <a:lumMod val="110000"/>
+              <a:satMod val="105000"/>
+              <a:tint val="67000"/>
+            </a:schemeClr>
+          </a:gs>
+          <a:gs pos="50000">
+            <a:schemeClr val="phClr">
+              <a:lumMod val="105000"/>
+              <a:satMod val="103000"/>
+              <a:tint val="73000"/>
+            </a:schemeClr>
+          </a:gs>
+          <a:gs pos="100000">
+            <a:schemeClr val="phClr">
+              <a:lumMod val="105000"/>
+              <a:satMod val="109000"/>
+              <a:tint val="81000"/>
+            </a:schemeClr>
+          </a:gs>
+        </a:gsLst>
+        <a:lin ang="5400000" scaled="0"/>
+      </a:gradFill>
+      <a:gradFill rotWithShape="1">
+        <a:gsLst>
+          <a:gs pos="0">
+            <a:schemeClr val="phClr">
+              <a:satMod val="103000"/>
+              <a:lumMod val="102000"/>
+              <a:tint val="94000"/>
+            </a:schemeClr>
+          </a:gs>
+          <a:gs pos="50000">
+            <a:schemeClr val="phClr">
+              <a:satMod val="110000"/>
+              <a:lumMod val="100000"/>
+              <a:shade val="100000"/>
+            </a:schemeClr>
+          </a:gs>
+          <a:gs pos="100000">
+            <a:schemeClr val="phClr">
+              <a:lumMod val="99000"/>
+              <a:satMod val="120000"/>
+              <a:shade val="78000"/>
+            </a:schemeClr>
+          </a:gs>
+        </a:gsLst>
+        <a:lin ang="5400000" scaled="0"/>
+      </a:gradFill>
+    </a:fillStyleLst>
+    <a:lnStyleLst>
+      <a:ln w="6350" cap="flat" cmpd="sng" algn="ctr">
+        <a:solidFill>
+          <a:schemeClr val="phClr"/>
+        </a:solidFill>
+        <a:prstDash val="solid"/>
+        <a:miter lim="800000"/>
+      </a:ln>
+      <a:ln w="12700" cap="flat" cmpd="sng" algn="ctr">
+        <a:solidFill>
+          <a:schemeClr val="phClr"/>
+        </a:solidFill>
+        <a:prstDash val="solid"/>
+        <a:miter lim="800000"/>
+      </a:ln>
+      <a:ln w="19050" cap="flat" cmpd="sng" algn="ctr">
+        <a:solidFill>
+          <a:schemeClr val="phClr"/>
+        </a:solidFill>
+        <a:prstDash val="solid"/>
+        <a:miter lim="800000"/>
+      </a:ln>
+    </a:lnStyleLst>
+    <a:effectStyleLst>
+      <a:effectStyle>
+        <a:effectLst/>
+      </a:effectStyle>
+      <a:effectStyle>
+        <a:effectLst/>
+      </a:effectStyle>
+      <a:effectStyle>
+        <a:effectLst>
+          <a:outerShdw blurRad="57150" dist="19050" dir="5400000" algn="ctr" rotWithShape="0">
+            <a:srgbClr val="000000">
+              <a:alpha val="63000"/>
+            </a:srgbClr>
+          </a:outerShdw>
+        </a:effectLst>
+      </a:effectStyle>
+    </a:effectStyleLst>
+    <a:bgFillStyleLst>
+      <a:solidFill>
+        <a:schemeClr val="phClr"/>
+      </a:solidFill>
+      <a:solidFill>
+        <a:schemeClr val="phClr">
+          <a:tint val="95000"/>
+          <a:satMod val="170000"/>
+        </a:schemeClr>
+      </a:solidFill>
+      <a:gradFill rotWithShape="1">
+        <a:gsLst>
+          <a:gs pos="0">
+            <a:schemeClr val="phClr">
+              <a:tint val="93000"/>
+              <a:satMod val="150000"/>
+              <a:shade val="98000"/>
+              <a:lumMod val="102000"/>
+            </a:schemeClr>
+          </a:gs>
+          <a:gs pos="50000">
+            <a:schemeClr val="phClr">
+              <a:tint val="98000"/>
+              <a:satMod val="130000"/>
+              <a:shade val="90000"/>
+              <a:lumMod val="103000"/>
+            </a:schemeClr>
+          </a:gs>
+          <a:gs pos="100000">
+            <a:schemeClr val="phClr">
+              <a:shade val="63000"/>
+              <a:satMod val="120000"/>
+            </a:schemeClr>
+          </a:gs>
+        </a:gsLst>
+        <a:lin ang="5400000" scaled="0"/>
+      </a:gradFill>
+    </a:bgFillStyleLst>
+  </a:fmtScheme>
+</a:themeOverride>
 </file>
--- a/presentation/Presentation.pptx
+++ b/presentation/Presentation.pptx
@@ -5,21 +5,17 @@
     <p:sldMasterId id="2147483705" r:id="rId1"/>
   </p:sldMasterIdLst>
   <p:notesMasterIdLst>
-    <p:notesMasterId r:id="rId14"/>
+    <p:notesMasterId r:id="rId10"/>
   </p:notesMasterIdLst>
   <p:sldIdLst>
     <p:sldId id="256" r:id="rId2"/>
     <p:sldId id="257" r:id="rId3"/>
     <p:sldId id="258" r:id="rId4"/>
     <p:sldId id="261" r:id="rId5"/>
-    <p:sldId id="266" r:id="rId6"/>
-    <p:sldId id="262" r:id="rId7"/>
-    <p:sldId id="267" r:id="rId8"/>
-    <p:sldId id="263" r:id="rId9"/>
-    <p:sldId id="268" r:id="rId10"/>
-    <p:sldId id="264" r:id="rId11"/>
-    <p:sldId id="269" r:id="rId12"/>
-    <p:sldId id="265" r:id="rId13"/>
+    <p:sldId id="262" r:id="rId6"/>
+    <p:sldId id="263" r:id="rId7"/>
+    <p:sldId id="264" r:id="rId8"/>
+    <p:sldId id="265" r:id="rId9"/>
   </p:sldIdLst>
   <p:sldSz cx="9144000" cy="6858000" type="screen4x3"/>
   <p:notesSz cx="6858000" cy="9144000"/>
@@ -119,2485 +115,6 @@
     </a:lvl9pPr>
   </p:defaultTextStyle>
 </p:presentation>
-</file>
-
-<file path=ppt/charts/chart1.xml><?xml version="1.0" encoding="utf-8"?>
-<c:chartSpace xmlns:c="http://schemas.openxmlformats.org/drawingml/2006/chart" xmlns:a="http://schemas.openxmlformats.org/drawingml/2006/main" xmlns:r="http://schemas.openxmlformats.org/officeDocument/2006/relationships">
-  <c:date1904 val="0"/>
-  <c:lang val="en-US"/>
-  <c:roundedCorners val="0"/>
-  <mc:AlternateContent xmlns:mc="http://schemas.openxmlformats.org/markup-compatibility/2006">
-    <mc:Choice xmlns:c14="http://schemas.microsoft.com/office/drawing/2007/8/2/chart" Requires="c14">
-      <c14:style val="102"/>
-    </mc:Choice>
-    <mc:Fallback>
-      <c:style val="2"/>
-    </mc:Fallback>
-  </mc:AlternateContent>
-  <c:chart>
-    <c:title>
-      <c:tx>
-        <c:rich>
-          <a:bodyPr rot="0" spcFirstLastPara="1" vertOverflow="ellipsis" vert="horz" wrap="square" anchor="ctr" anchorCtr="1"/>
-          <a:lstStyle/>
-          <a:p>
-            <a:pPr>
-              <a:defRPr sz="1800" b="1" i="0" u="none" strike="noStrike" kern="1200" baseline="0">
-                <a:solidFill>
-                  <a:schemeClr val="dk1">
-                    <a:lumMod val="75000"/>
-                    <a:lumOff val="25000"/>
-                  </a:schemeClr>
-                </a:solidFill>
-                <a:latin typeface="+mn-lt"/>
-                <a:ea typeface="+mn-ea"/>
-                <a:cs typeface="+mn-cs"/>
-              </a:defRPr>
-            </a:pPr>
-            <a:r>
-              <a:rPr lang="en-US" dirty="0"/>
-              <a:t>Nested For </a:t>
-            </a:r>
-            <a:r>
-              <a:rPr lang="en-US" dirty="0" smtClean="0"/>
-              <a:t>Loop</a:t>
-            </a:r>
-            <a:r>
-              <a:rPr lang="en-US" baseline="0" dirty="0" smtClean="0"/>
-              <a:t> Optimization</a:t>
-            </a:r>
-            <a:endParaRPr lang="en-US" dirty="0"/>
-          </a:p>
-        </c:rich>
-      </c:tx>
-      <c:layout/>
-      <c:overlay val="0"/>
-      <c:spPr>
-        <a:noFill/>
-        <a:ln>
-          <a:noFill/>
-        </a:ln>
-        <a:effectLst/>
-      </c:spPr>
-    </c:title>
-    <c:autoTitleDeleted val="0"/>
-    <c:plotArea>
-      <c:layout/>
-      <c:barChart>
-        <c:barDir val="bar"/>
-        <c:grouping val="percentStacked"/>
-        <c:varyColors val="0"/>
-        <c:ser>
-          <c:idx val="0"/>
-          <c:order val="0"/>
-          <c:tx>
-            <c:strRef>
-              <c:f>Sheet1!$C$3</c:f>
-              <c:strCache>
-                <c:ptCount val="1"/>
-                <c:pt idx="0">
-                  <c:v>Unoptimized</c:v>
-                </c:pt>
-              </c:strCache>
-            </c:strRef>
-          </c:tx>
-          <c:spPr>
-            <a:solidFill>
-              <a:schemeClr val="accent1">
-                <a:alpha val="85000"/>
-              </a:schemeClr>
-            </a:solidFill>
-            <a:ln w="9525" cap="flat" cmpd="sng" algn="ctr">
-              <a:solidFill>
-                <a:schemeClr val="lt1">
-                  <a:alpha val="50000"/>
-                </a:schemeClr>
-              </a:solidFill>
-              <a:round/>
-            </a:ln>
-            <a:effectLst/>
-          </c:spPr>
-          <c:invertIfNegative val="0"/>
-          <c:dLbls>
-            <c:numFmt formatCode="#,##0.00" sourceLinked="0"/>
-            <c:spPr>
-              <a:noFill/>
-              <a:ln>
-                <a:noFill/>
-              </a:ln>
-              <a:effectLst/>
-            </c:spPr>
-            <c:txPr>
-              <a:bodyPr rot="0" spcFirstLastPara="1" vertOverflow="ellipsis" vert="horz" wrap="square" lIns="38100" tIns="19050" rIns="38100" bIns="19050" anchor="ctr" anchorCtr="1">
-                <a:spAutoFit/>
-              </a:bodyPr>
-              <a:lstStyle/>
-              <a:p>
-                <a:pPr>
-                  <a:defRPr sz="900" b="1" i="0" u="none" strike="noStrike" kern="1200" baseline="0">
-                    <a:solidFill>
-                      <a:schemeClr val="lt1"/>
-                    </a:solidFill>
-                    <a:latin typeface="+mn-lt"/>
-                    <a:ea typeface="+mn-ea"/>
-                    <a:cs typeface="+mn-cs"/>
-                  </a:defRPr>
-                </a:pPr>
-                <a:endParaRPr lang="en-US"/>
-              </a:p>
-            </c:txPr>
-            <c:dLblPos val="ctr"/>
-            <c:showLegendKey val="0"/>
-            <c:showVal val="1"/>
-            <c:showCatName val="0"/>
-            <c:showSerName val="0"/>
-            <c:showPercent val="0"/>
-            <c:showBubbleSize val="0"/>
-            <c:showLeaderLines val="0"/>
-            <c:extLst xmlns:c16r2="http://schemas.microsoft.com/office/drawing/2015/06/chart">
-              <c:ext xmlns:c15="http://schemas.microsoft.com/office/drawing/2012/chart" uri="{CE6537A1-D6FC-4f65-9D91-7224C49458BB}">
-                <c15:showLeaderLines val="1"/>
-                <c15:leaderLines>
-                  <c:spPr>
-                    <a:ln w="9525">
-                      <a:solidFill>
-                        <a:schemeClr val="dk1">
-                          <a:lumMod val="50000"/>
-                          <a:lumOff val="50000"/>
-                        </a:schemeClr>
-                      </a:solidFill>
-                    </a:ln>
-                    <a:effectLst/>
-                  </c:spPr>
-                </c15:leaderLines>
-              </c:ext>
-            </c:extLst>
-          </c:dLbls>
-          <c:cat>
-            <c:numRef>
-              <c:f>Sheet1!$B$4:$B$6</c:f>
-              <c:numCache>
-                <c:formatCode>General</c:formatCode>
-                <c:ptCount val="3"/>
-                <c:pt idx="0">
-                  <c:v>1000.0</c:v>
-                </c:pt>
-                <c:pt idx="1">
-                  <c:v>10000.0</c:v>
-                </c:pt>
-                <c:pt idx="2">
-                  <c:v>1.0E6</c:v>
-                </c:pt>
-              </c:numCache>
-            </c:numRef>
-          </c:cat>
-          <c:val>
-            <c:numRef>
-              <c:f>Sheet1!$C$4:$C$6</c:f>
-              <c:numCache>
-                <c:formatCode>General</c:formatCode>
-                <c:ptCount val="3"/>
-                <c:pt idx="0">
-                  <c:v>0.207984924316406</c:v>
-                </c:pt>
-                <c:pt idx="1">
-                  <c:v>21.6764047145843</c:v>
-                </c:pt>
-                <c:pt idx="2">
-                  <c:v>2045.27826166195</c:v>
-                </c:pt>
-              </c:numCache>
-            </c:numRef>
-          </c:val>
-          <c:extLst xmlns:c16r2="http://schemas.microsoft.com/office/drawing/2015/06/chart">
-            <c:ext xmlns:c16="http://schemas.microsoft.com/office/drawing/2014/chart" uri="{C3380CC4-5D6E-409C-BE32-E72D297353CC}">
-              <c16:uniqueId val="{00000000-7A56-4CDA-B9E7-F9FD39152920}"/>
-            </c:ext>
-          </c:extLst>
-        </c:ser>
-        <c:ser>
-          <c:idx val="1"/>
-          <c:order val="1"/>
-          <c:tx>
-            <c:strRef>
-              <c:f>Sheet1!$D$3</c:f>
-              <c:strCache>
-                <c:ptCount val="1"/>
-                <c:pt idx="0">
-                  <c:v>Optimized</c:v>
-                </c:pt>
-              </c:strCache>
-            </c:strRef>
-          </c:tx>
-          <c:spPr>
-            <a:solidFill>
-              <a:schemeClr val="accent2">
-                <a:alpha val="85000"/>
-              </a:schemeClr>
-            </a:solidFill>
-            <a:ln w="9525" cap="flat" cmpd="sng" algn="ctr">
-              <a:solidFill>
-                <a:schemeClr val="lt1">
-                  <a:alpha val="50000"/>
-                </a:schemeClr>
-              </a:solidFill>
-              <a:round/>
-            </a:ln>
-            <a:effectLst/>
-          </c:spPr>
-          <c:invertIfNegative val="0"/>
-          <c:dLbls>
-            <c:numFmt formatCode="#,##0.00" sourceLinked="0"/>
-            <c:spPr>
-              <a:noFill/>
-              <a:ln>
-                <a:noFill/>
-              </a:ln>
-              <a:effectLst/>
-            </c:spPr>
-            <c:txPr>
-              <a:bodyPr rot="0" spcFirstLastPara="1" vertOverflow="ellipsis" vert="horz" wrap="square" lIns="38100" tIns="19050" rIns="38100" bIns="19050" anchor="ctr" anchorCtr="1">
-                <a:spAutoFit/>
-              </a:bodyPr>
-              <a:lstStyle/>
-              <a:p>
-                <a:pPr>
-                  <a:defRPr sz="900" b="1" i="0" u="none" strike="noStrike" kern="1200" baseline="0">
-                    <a:solidFill>
-                      <a:schemeClr val="lt1"/>
-                    </a:solidFill>
-                    <a:latin typeface="+mn-lt"/>
-                    <a:ea typeface="+mn-ea"/>
-                    <a:cs typeface="+mn-cs"/>
-                  </a:defRPr>
-                </a:pPr>
-                <a:endParaRPr lang="en-US"/>
-              </a:p>
-            </c:txPr>
-            <c:dLblPos val="ctr"/>
-            <c:showLegendKey val="0"/>
-            <c:showVal val="1"/>
-            <c:showCatName val="0"/>
-            <c:showSerName val="0"/>
-            <c:showPercent val="0"/>
-            <c:showBubbleSize val="0"/>
-            <c:showLeaderLines val="0"/>
-            <c:extLst xmlns:c16r2="http://schemas.microsoft.com/office/drawing/2015/06/chart">
-              <c:ext xmlns:c15="http://schemas.microsoft.com/office/drawing/2012/chart" uri="{CE6537A1-D6FC-4f65-9D91-7224C49458BB}">
-                <c15:showLeaderLines val="1"/>
-                <c15:leaderLines>
-                  <c:spPr>
-                    <a:ln w="9525">
-                      <a:solidFill>
-                        <a:schemeClr val="dk1">
-                          <a:lumMod val="50000"/>
-                          <a:lumOff val="50000"/>
-                        </a:schemeClr>
-                      </a:solidFill>
-                    </a:ln>
-                    <a:effectLst/>
-                  </c:spPr>
-                </c15:leaderLines>
-              </c:ext>
-            </c:extLst>
-          </c:dLbls>
-          <c:cat>
-            <c:numRef>
-              <c:f>Sheet1!$B$4:$B$6</c:f>
-              <c:numCache>
-                <c:formatCode>General</c:formatCode>
-                <c:ptCount val="3"/>
-                <c:pt idx="0">
-                  <c:v>1000.0</c:v>
-                </c:pt>
-                <c:pt idx="1">
-                  <c:v>10000.0</c:v>
-                </c:pt>
-                <c:pt idx="2">
-                  <c:v>1.0E6</c:v>
-                </c:pt>
-              </c:numCache>
-            </c:numRef>
-          </c:cat>
-          <c:val>
-            <c:numRef>
-              <c:f>Sheet1!$D$4:$D$6</c:f>
-              <c:numCache>
-                <c:formatCode>General</c:formatCode>
-                <c:ptCount val="3"/>
-                <c:pt idx="0">
-                  <c:v>0.109163761138916</c:v>
-                </c:pt>
-                <c:pt idx="1">
-                  <c:v>13.6203563213348</c:v>
-                </c:pt>
-                <c:pt idx="2">
-                  <c:v>1224.4540052413</c:v>
-                </c:pt>
-              </c:numCache>
-            </c:numRef>
-          </c:val>
-          <c:extLst xmlns:c16r2="http://schemas.microsoft.com/office/drawing/2015/06/chart">
-            <c:ext xmlns:c16="http://schemas.microsoft.com/office/drawing/2014/chart" uri="{C3380CC4-5D6E-409C-BE32-E72D297353CC}">
-              <c16:uniqueId val="{00000001-7A56-4CDA-B9E7-F9FD39152920}"/>
-            </c:ext>
-          </c:extLst>
-        </c:ser>
-        <c:dLbls>
-          <c:dLblPos val="ctr"/>
-          <c:showLegendKey val="0"/>
-          <c:showVal val="1"/>
-          <c:showCatName val="0"/>
-          <c:showSerName val="0"/>
-          <c:showPercent val="0"/>
-          <c:showBubbleSize val="0"/>
-        </c:dLbls>
-        <c:gapWidth val="150"/>
-        <c:overlap val="100"/>
-        <c:axId val="-2093311240"/>
-        <c:axId val="-2093309480"/>
-      </c:barChart>
-      <c:catAx>
-        <c:axId val="-2093311240"/>
-        <c:scaling>
-          <c:orientation val="minMax"/>
-        </c:scaling>
-        <c:delete val="0"/>
-        <c:axPos val="l"/>
-        <c:title>
-          <c:tx>
-            <c:rich>
-              <a:bodyPr rot="-5400000" spcFirstLastPara="1" vertOverflow="ellipsis" vert="horz" wrap="square" anchor="ctr" anchorCtr="1"/>
-              <a:lstStyle/>
-              <a:p>
-                <a:pPr>
-                  <a:defRPr sz="900" b="1" i="0" u="none" strike="noStrike" kern="1200" baseline="0">
-                    <a:solidFill>
-                      <a:schemeClr val="dk1">
-                        <a:lumMod val="75000"/>
-                        <a:lumOff val="25000"/>
-                      </a:schemeClr>
-                    </a:solidFill>
-                    <a:latin typeface="+mn-lt"/>
-                    <a:ea typeface="+mn-ea"/>
-                    <a:cs typeface="+mn-cs"/>
-                  </a:defRPr>
-                </a:pPr>
-                <a:r>
-                  <a:rPr lang="en-US"/>
-                  <a:t>Input</a:t>
-                </a:r>
-                <a:r>
-                  <a:rPr lang="en-US" baseline="0"/>
-                  <a:t> </a:t>
-                </a:r>
-                <a:endParaRPr lang="en-US"/>
-              </a:p>
-            </c:rich>
-          </c:tx>
-          <c:layout/>
-          <c:overlay val="0"/>
-          <c:spPr>
-            <a:noFill/>
-            <a:ln>
-              <a:noFill/>
-            </a:ln>
-            <a:effectLst/>
-          </c:spPr>
-        </c:title>
-        <c:numFmt formatCode="General" sourceLinked="1"/>
-        <c:majorTickMark val="none"/>
-        <c:minorTickMark val="none"/>
-        <c:tickLblPos val="nextTo"/>
-        <c:spPr>
-          <a:noFill/>
-          <a:ln w="19050" cap="flat" cmpd="sng" algn="ctr">
-            <a:solidFill>
-              <a:schemeClr val="dk1">
-                <a:lumMod val="75000"/>
-                <a:lumOff val="25000"/>
-              </a:schemeClr>
-            </a:solidFill>
-            <a:round/>
-          </a:ln>
-          <a:effectLst/>
-        </c:spPr>
-        <c:txPr>
-          <a:bodyPr rot="-60000000" spcFirstLastPara="1" vertOverflow="ellipsis" vert="horz" wrap="square" anchor="ctr" anchorCtr="1"/>
-          <a:lstStyle/>
-          <a:p>
-            <a:pPr>
-              <a:defRPr sz="900" b="0" i="0" u="none" strike="noStrike" kern="1200" cap="all" baseline="0">
-                <a:solidFill>
-                  <a:schemeClr val="dk1">
-                    <a:lumMod val="75000"/>
-                    <a:lumOff val="25000"/>
-                  </a:schemeClr>
-                </a:solidFill>
-                <a:latin typeface="+mn-lt"/>
-                <a:ea typeface="+mn-ea"/>
-                <a:cs typeface="+mn-cs"/>
-              </a:defRPr>
-            </a:pPr>
-            <a:endParaRPr lang="en-US"/>
-          </a:p>
-        </c:txPr>
-        <c:crossAx val="-2093309480"/>
-        <c:crosses val="autoZero"/>
-        <c:auto val="1"/>
-        <c:lblAlgn val="ctr"/>
-        <c:lblOffset val="100"/>
-        <c:noMultiLvlLbl val="0"/>
-      </c:catAx>
-      <c:valAx>
-        <c:axId val="-2093309480"/>
-        <c:scaling>
-          <c:orientation val="minMax"/>
-        </c:scaling>
-        <c:delete val="0"/>
-        <c:axPos val="b"/>
-        <c:majorGridlines>
-          <c:spPr>
-            <a:ln w="9525" cap="flat" cmpd="sng" algn="ctr">
-              <a:gradFill>
-                <a:gsLst>
-                  <a:gs pos="100000">
-                    <a:schemeClr val="dk1">
-                      <a:lumMod val="95000"/>
-                      <a:lumOff val="5000"/>
-                      <a:alpha val="42000"/>
-                    </a:schemeClr>
-                  </a:gs>
-                  <a:gs pos="0">
-                    <a:schemeClr val="lt1">
-                      <a:lumMod val="75000"/>
-                      <a:alpha val="36000"/>
-                    </a:schemeClr>
-                  </a:gs>
-                </a:gsLst>
-                <a:lin ang="5400000" scaled="0"/>
-              </a:gradFill>
-              <a:round/>
-            </a:ln>
-            <a:effectLst/>
-          </c:spPr>
-        </c:majorGridlines>
-        <c:title>
-          <c:tx>
-            <c:rich>
-              <a:bodyPr rot="0" spcFirstLastPara="1" vertOverflow="ellipsis" vert="horz" wrap="square" anchor="ctr" anchorCtr="1"/>
-              <a:lstStyle/>
-              <a:p>
-                <a:pPr>
-                  <a:defRPr sz="900" b="1" i="0" u="none" strike="noStrike" kern="1200" baseline="0">
-                    <a:solidFill>
-                      <a:schemeClr val="dk1">
-                        <a:lumMod val="75000"/>
-                        <a:lumOff val="25000"/>
-                      </a:schemeClr>
-                    </a:solidFill>
-                    <a:latin typeface="+mn-lt"/>
-                    <a:ea typeface="+mn-ea"/>
-                    <a:cs typeface="+mn-cs"/>
-                  </a:defRPr>
-                </a:pPr>
-                <a:r>
-                  <a:rPr lang="en-US"/>
-                  <a:t>Time (s)</a:t>
-                </a:r>
-              </a:p>
-            </c:rich>
-          </c:tx>
-          <c:layout/>
-          <c:overlay val="0"/>
-          <c:spPr>
-            <a:noFill/>
-            <a:ln>
-              <a:noFill/>
-            </a:ln>
-            <a:effectLst/>
-          </c:spPr>
-        </c:title>
-        <c:numFmt formatCode="0%" sourceLinked="1"/>
-        <c:majorTickMark val="out"/>
-        <c:minorTickMark val="none"/>
-        <c:tickLblPos val="nextTo"/>
-        <c:spPr>
-          <a:noFill/>
-          <a:ln>
-            <a:noFill/>
-          </a:ln>
-          <a:effectLst/>
-        </c:spPr>
-        <c:txPr>
-          <a:bodyPr rot="-60000000" spcFirstLastPara="1" vertOverflow="ellipsis" vert="horz" wrap="square" anchor="ctr" anchorCtr="1"/>
-          <a:lstStyle/>
-          <a:p>
-            <a:pPr>
-              <a:defRPr sz="900" b="0" i="0" u="none" strike="noStrike" kern="1200" baseline="0">
-                <a:solidFill>
-                  <a:schemeClr val="dk1">
-                    <a:lumMod val="75000"/>
-                    <a:lumOff val="25000"/>
-                  </a:schemeClr>
-                </a:solidFill>
-                <a:latin typeface="+mn-lt"/>
-                <a:ea typeface="+mn-ea"/>
-                <a:cs typeface="+mn-cs"/>
-              </a:defRPr>
-            </a:pPr>
-            <a:endParaRPr lang="en-US"/>
-          </a:p>
-        </c:txPr>
-        <c:crossAx val="-2093311240"/>
-        <c:crosses val="autoZero"/>
-        <c:crossBetween val="between"/>
-      </c:valAx>
-      <c:spPr>
-        <a:noFill/>
-        <a:ln>
-          <a:noFill/>
-        </a:ln>
-        <a:effectLst/>
-      </c:spPr>
-    </c:plotArea>
-    <c:legend>
-      <c:legendPos val="b"/>
-      <c:layout/>
-      <c:overlay val="0"/>
-      <c:spPr>
-        <a:solidFill>
-          <a:schemeClr val="lt1">
-            <a:lumMod val="95000"/>
-            <a:alpha val="39000"/>
-          </a:schemeClr>
-        </a:solidFill>
-        <a:ln>
-          <a:noFill/>
-        </a:ln>
-        <a:effectLst/>
-      </c:spPr>
-      <c:txPr>
-        <a:bodyPr rot="0" spcFirstLastPara="1" vertOverflow="ellipsis" vert="horz" wrap="square" anchor="ctr" anchorCtr="1"/>
-        <a:lstStyle/>
-        <a:p>
-          <a:pPr>
-            <a:defRPr sz="1200" b="0" i="0" u="none" strike="noStrike" kern="1200" baseline="0">
-              <a:solidFill>
-                <a:schemeClr val="dk1">
-                  <a:lumMod val="75000"/>
-                  <a:lumOff val="25000"/>
-                </a:schemeClr>
-              </a:solidFill>
-              <a:latin typeface="+mn-lt"/>
-              <a:ea typeface="+mn-ea"/>
-              <a:cs typeface="+mn-cs"/>
-            </a:defRPr>
-          </a:pPr>
-          <a:endParaRPr lang="en-US"/>
-        </a:p>
-      </c:txPr>
-    </c:legend>
-    <c:plotVisOnly val="1"/>
-    <c:dispBlanksAs val="gap"/>
-    <c:showDLblsOverMax val="0"/>
-    <c:extLst xmlns:c16r2="http://schemas.microsoft.com/office/drawing/2015/06/chart">
-      <c:ext xmlns:c16r3="http://schemas.microsoft.com/office/drawing/2017/03/chart" uri="{56B9EC1D-385E-4148-901F-78D8002777C0}">
-        <c16r3:dataDisplayOptions16>
-          <c16r3:dispNaAsBlank val="1"/>
-        </c16r3:dataDisplayOptions16>
-      </c:ext>
-    </c:extLst>
-  </c:chart>
-  <c:spPr>
-    <a:gradFill flip="none" rotWithShape="1">
-      <a:gsLst>
-        <a:gs pos="0">
-          <a:schemeClr val="lt1"/>
-        </a:gs>
-        <a:gs pos="39000">
-          <a:schemeClr val="lt1"/>
-        </a:gs>
-        <a:gs pos="100000">
-          <a:schemeClr val="lt1">
-            <a:lumMod val="75000"/>
-          </a:schemeClr>
-        </a:gs>
-      </a:gsLst>
-      <a:path path="circle">
-        <a:fillToRect l="50000" t="-80000" r="50000" b="180000"/>
-      </a:path>
-      <a:tileRect/>
-    </a:gradFill>
-    <a:ln w="9525" cap="flat" cmpd="sng" algn="ctr">
-      <a:solidFill>
-        <a:schemeClr val="dk1">
-          <a:lumMod val="25000"/>
-          <a:lumOff val="75000"/>
-        </a:schemeClr>
-      </a:solidFill>
-      <a:round/>
-    </a:ln>
-    <a:effectLst/>
-  </c:spPr>
-  <c:txPr>
-    <a:bodyPr/>
-    <a:lstStyle/>
-    <a:p>
-      <a:pPr>
-        <a:defRPr/>
-      </a:pPr>
-      <a:endParaRPr lang="en-US"/>
-    </a:p>
-  </c:txPr>
-  <c:externalData r:id="rId1">
-    <c:autoUpdate val="0"/>
-  </c:externalData>
-</c:chartSpace>
-</file>
-
-<file path=ppt/charts/chart2.xml><?xml version="1.0" encoding="utf-8"?>
-<c:chartSpace xmlns:c="http://schemas.openxmlformats.org/drawingml/2006/chart" xmlns:a="http://schemas.openxmlformats.org/drawingml/2006/main" xmlns:r="http://schemas.openxmlformats.org/officeDocument/2006/relationships">
-  <c:date1904 val="0"/>
-  <c:lang val="en-US"/>
-  <c:roundedCorners val="0"/>
-  <mc:AlternateContent xmlns:mc="http://schemas.openxmlformats.org/markup-compatibility/2006">
-    <mc:Choice xmlns:c14="http://schemas.microsoft.com/office/drawing/2007/8/2/chart" Requires="c14">
-      <c14:style val="102"/>
-    </mc:Choice>
-    <mc:Fallback>
-      <c:style val="2"/>
-    </mc:Fallback>
-  </mc:AlternateContent>
-  <c:clrMapOvr bg1="lt1" tx1="dk1" bg2="lt2" tx2="dk2" accent1="accent1" accent2="accent2" accent3="accent3" accent4="accent4" accent5="accent5" accent6="accent6" hlink="hlink" folHlink="folHlink"/>
-  <c:chart>
-    <c:title>
-      <c:tx>
-        <c:rich>
-          <a:bodyPr rot="0" spcFirstLastPara="1" vertOverflow="ellipsis" vert="horz" wrap="square" anchor="ctr" anchorCtr="1"/>
-          <a:lstStyle/>
-          <a:p>
-            <a:pPr>
-              <a:defRPr sz="1800" b="1" i="0" u="none" strike="noStrike" kern="1200" baseline="0">
-                <a:solidFill>
-                  <a:schemeClr val="dk1">
-                    <a:lumMod val="75000"/>
-                    <a:lumOff val="25000"/>
-                  </a:schemeClr>
-                </a:solidFill>
-                <a:latin typeface="+mn-lt"/>
-                <a:ea typeface="+mn-ea"/>
-                <a:cs typeface="+mn-cs"/>
-              </a:defRPr>
-            </a:pPr>
-            <a:r>
-              <a:rPr lang="en-US" sz="1800" b="1" i="0" u="none" strike="noStrike" cap="all" baseline="0" dirty="0" smtClean="0">
-                <a:effectLst/>
-              </a:rPr>
-              <a:t>If-Else Clause Optimization</a:t>
-            </a:r>
-            <a:r>
-              <a:rPr lang="en-US" sz="1800" b="1" i="0" u="none" strike="noStrike" baseline="0" dirty="0" smtClean="0"/>
-              <a:t> </a:t>
-            </a:r>
-            <a:endParaRPr lang="en-US" dirty="0"/>
-          </a:p>
-        </c:rich>
-      </c:tx>
-      <c:layout/>
-      <c:overlay val="0"/>
-      <c:spPr>
-        <a:noFill/>
-        <a:ln>
-          <a:noFill/>
-        </a:ln>
-        <a:effectLst/>
-      </c:spPr>
-    </c:title>
-    <c:autoTitleDeleted val="0"/>
-    <c:plotArea>
-      <c:layout/>
-      <c:barChart>
-        <c:barDir val="bar"/>
-        <c:grouping val="percentStacked"/>
-        <c:varyColors val="0"/>
-        <c:ser>
-          <c:idx val="0"/>
-          <c:order val="0"/>
-          <c:tx>
-            <c:strRef>
-              <c:f>Sheet3!$C$3</c:f>
-              <c:strCache>
-                <c:ptCount val="1"/>
-                <c:pt idx="0">
-                  <c:v>Unoptimized</c:v>
-                </c:pt>
-              </c:strCache>
-            </c:strRef>
-          </c:tx>
-          <c:spPr>
-            <a:solidFill>
-              <a:schemeClr val="accent1">
-                <a:alpha val="85000"/>
-              </a:schemeClr>
-            </a:solidFill>
-            <a:ln w="9525" cap="flat" cmpd="sng" algn="ctr">
-              <a:solidFill>
-                <a:schemeClr val="lt1">
-                  <a:alpha val="50000"/>
-                </a:schemeClr>
-              </a:solidFill>
-              <a:round/>
-            </a:ln>
-            <a:effectLst/>
-          </c:spPr>
-          <c:invertIfNegative val="0"/>
-          <c:dLbls>
-            <c:numFmt formatCode="#,##0.00" sourceLinked="0"/>
-            <c:spPr>
-              <a:noFill/>
-              <a:ln>
-                <a:noFill/>
-              </a:ln>
-              <a:effectLst/>
-            </c:spPr>
-            <c:txPr>
-              <a:bodyPr rot="0" spcFirstLastPara="1" vertOverflow="ellipsis" vert="horz" wrap="square" lIns="38100" tIns="19050" rIns="38100" bIns="19050" anchor="ctr" anchorCtr="1">
-                <a:spAutoFit/>
-              </a:bodyPr>
-              <a:lstStyle/>
-              <a:p>
-                <a:pPr>
-                  <a:defRPr sz="900" b="1" i="0" u="none" strike="noStrike" kern="1200" baseline="0">
-                    <a:solidFill>
-                      <a:schemeClr val="lt1"/>
-                    </a:solidFill>
-                    <a:latin typeface="+mn-lt"/>
-                    <a:ea typeface="+mn-ea"/>
-                    <a:cs typeface="+mn-cs"/>
-                  </a:defRPr>
-                </a:pPr>
-                <a:endParaRPr lang="en-US"/>
-              </a:p>
-            </c:txPr>
-            <c:dLblPos val="ctr"/>
-            <c:showLegendKey val="0"/>
-            <c:showVal val="1"/>
-            <c:showCatName val="0"/>
-            <c:showSerName val="0"/>
-            <c:showPercent val="0"/>
-            <c:showBubbleSize val="0"/>
-            <c:showLeaderLines val="0"/>
-            <c:extLst xmlns:c16r2="http://schemas.microsoft.com/office/drawing/2015/06/chart">
-              <c:ext xmlns:c15="http://schemas.microsoft.com/office/drawing/2012/chart" uri="{CE6537A1-D6FC-4f65-9D91-7224C49458BB}">
-                <c15:showLeaderLines val="1"/>
-                <c15:leaderLines>
-                  <c:spPr>
-                    <a:ln w="9525">
-                      <a:solidFill>
-                        <a:schemeClr val="dk1">
-                          <a:lumMod val="50000"/>
-                          <a:lumOff val="50000"/>
-                        </a:schemeClr>
-                      </a:solidFill>
-                    </a:ln>
-                    <a:effectLst/>
-                  </c:spPr>
-                </c15:leaderLines>
-              </c:ext>
-            </c:extLst>
-          </c:dLbls>
-          <c:cat>
-            <c:numRef>
-              <c:f>Sheet3!$B$4:$B$6</c:f>
-              <c:numCache>
-                <c:formatCode>General</c:formatCode>
-                <c:ptCount val="3"/>
-                <c:pt idx="0">
-                  <c:v>1.0E6</c:v>
-                </c:pt>
-                <c:pt idx="1">
-                  <c:v>1.0E7</c:v>
-                </c:pt>
-                <c:pt idx="2">
-                  <c:v>1.0E8</c:v>
-                </c:pt>
-              </c:numCache>
-            </c:numRef>
-          </c:cat>
-          <c:val>
-            <c:numRef>
-              <c:f>Sheet3!$C$4:$C$6</c:f>
-              <c:numCache>
-                <c:formatCode>General</c:formatCode>
-                <c:ptCount val="3"/>
-                <c:pt idx="0">
-                  <c:v>1.48306703567504</c:v>
-                </c:pt>
-                <c:pt idx="1">
-                  <c:v>15.0991458892822</c:v>
-                </c:pt>
-                <c:pt idx="2">
-                  <c:v>149.416165113449</c:v>
-                </c:pt>
-              </c:numCache>
-            </c:numRef>
-          </c:val>
-          <c:extLst xmlns:c16r2="http://schemas.microsoft.com/office/drawing/2015/06/chart">
-            <c:ext xmlns:c16="http://schemas.microsoft.com/office/drawing/2014/chart" uri="{C3380CC4-5D6E-409C-BE32-E72D297353CC}">
-              <c16:uniqueId val="{00000000-7A56-4CDA-B9E7-F9FD39152920}"/>
-            </c:ext>
-          </c:extLst>
-        </c:ser>
-        <c:ser>
-          <c:idx val="1"/>
-          <c:order val="1"/>
-          <c:tx>
-            <c:strRef>
-              <c:f>Sheet3!$D$3</c:f>
-              <c:strCache>
-                <c:ptCount val="1"/>
-                <c:pt idx="0">
-                  <c:v>Optimized</c:v>
-                </c:pt>
-              </c:strCache>
-            </c:strRef>
-          </c:tx>
-          <c:spPr>
-            <a:solidFill>
-              <a:schemeClr val="accent2">
-                <a:alpha val="85000"/>
-              </a:schemeClr>
-            </a:solidFill>
-            <a:ln w="9525" cap="flat" cmpd="sng" algn="ctr">
-              <a:solidFill>
-                <a:schemeClr val="lt1">
-                  <a:alpha val="50000"/>
-                </a:schemeClr>
-              </a:solidFill>
-              <a:round/>
-            </a:ln>
-            <a:effectLst/>
-          </c:spPr>
-          <c:invertIfNegative val="0"/>
-          <c:dLbls>
-            <c:numFmt formatCode="#,##0.00" sourceLinked="0"/>
-            <c:spPr>
-              <a:noFill/>
-              <a:ln>
-                <a:noFill/>
-              </a:ln>
-              <a:effectLst/>
-            </c:spPr>
-            <c:txPr>
-              <a:bodyPr rot="0" spcFirstLastPara="1" vertOverflow="ellipsis" vert="horz" wrap="square" lIns="38100" tIns="19050" rIns="38100" bIns="19050" anchor="ctr" anchorCtr="1">
-                <a:spAutoFit/>
-              </a:bodyPr>
-              <a:lstStyle/>
-              <a:p>
-                <a:pPr>
-                  <a:defRPr sz="900" b="1" i="0" u="none" strike="noStrike" kern="1200" baseline="0">
-                    <a:solidFill>
-                      <a:schemeClr val="lt1"/>
-                    </a:solidFill>
-                    <a:latin typeface="+mn-lt"/>
-                    <a:ea typeface="+mn-ea"/>
-                    <a:cs typeface="+mn-cs"/>
-                  </a:defRPr>
-                </a:pPr>
-                <a:endParaRPr lang="en-US"/>
-              </a:p>
-            </c:txPr>
-            <c:dLblPos val="ctr"/>
-            <c:showLegendKey val="0"/>
-            <c:showVal val="1"/>
-            <c:showCatName val="0"/>
-            <c:showSerName val="0"/>
-            <c:showPercent val="0"/>
-            <c:showBubbleSize val="0"/>
-            <c:showLeaderLines val="0"/>
-            <c:extLst xmlns:c16r2="http://schemas.microsoft.com/office/drawing/2015/06/chart">
-              <c:ext xmlns:c15="http://schemas.microsoft.com/office/drawing/2012/chart" uri="{CE6537A1-D6FC-4f65-9D91-7224C49458BB}">
-                <c15:showLeaderLines val="1"/>
-                <c15:leaderLines>
-                  <c:spPr>
-                    <a:ln w="9525">
-                      <a:solidFill>
-                        <a:schemeClr val="dk1">
-                          <a:lumMod val="50000"/>
-                          <a:lumOff val="50000"/>
-                        </a:schemeClr>
-                      </a:solidFill>
-                    </a:ln>
-                    <a:effectLst/>
-                  </c:spPr>
-                </c15:leaderLines>
-              </c:ext>
-            </c:extLst>
-          </c:dLbls>
-          <c:cat>
-            <c:numRef>
-              <c:f>Sheet3!$B$4:$B$6</c:f>
-              <c:numCache>
-                <c:formatCode>General</c:formatCode>
-                <c:ptCount val="3"/>
-                <c:pt idx="0">
-                  <c:v>1.0E6</c:v>
-                </c:pt>
-                <c:pt idx="1">
-                  <c:v>1.0E7</c:v>
-                </c:pt>
-                <c:pt idx="2">
-                  <c:v>1.0E8</c:v>
-                </c:pt>
-              </c:numCache>
-            </c:numRef>
-          </c:cat>
-          <c:val>
-            <c:numRef>
-              <c:f>Sheet3!$D$4:$D$6</c:f>
-              <c:numCache>
-                <c:formatCode>General</c:formatCode>
-                <c:ptCount val="3"/>
-                <c:pt idx="0">
-                  <c:v>1.2050196647644</c:v>
-                </c:pt>
-                <c:pt idx="1">
-                  <c:v>12.7133288383483</c:v>
-                </c:pt>
-                <c:pt idx="2">
-                  <c:v>120.512679576875</c:v>
-                </c:pt>
-              </c:numCache>
-            </c:numRef>
-          </c:val>
-          <c:extLst xmlns:c16r2="http://schemas.microsoft.com/office/drawing/2015/06/chart">
-            <c:ext xmlns:c16="http://schemas.microsoft.com/office/drawing/2014/chart" uri="{C3380CC4-5D6E-409C-BE32-E72D297353CC}">
-              <c16:uniqueId val="{00000001-7A56-4CDA-B9E7-F9FD39152920}"/>
-            </c:ext>
-          </c:extLst>
-        </c:ser>
-        <c:dLbls>
-          <c:dLblPos val="ctr"/>
-          <c:showLegendKey val="0"/>
-          <c:showVal val="1"/>
-          <c:showCatName val="0"/>
-          <c:showSerName val="0"/>
-          <c:showPercent val="0"/>
-          <c:showBubbleSize val="0"/>
-        </c:dLbls>
-        <c:gapWidth val="150"/>
-        <c:overlap val="100"/>
-        <c:axId val="-2143275128"/>
-        <c:axId val="-2076948248"/>
-      </c:barChart>
-      <c:catAx>
-        <c:axId val="-2143275128"/>
-        <c:scaling>
-          <c:orientation val="minMax"/>
-        </c:scaling>
-        <c:delete val="0"/>
-        <c:axPos val="l"/>
-        <c:title>
-          <c:tx>
-            <c:rich>
-              <a:bodyPr rot="-5400000" spcFirstLastPara="1" vertOverflow="ellipsis" vert="horz" wrap="square" anchor="ctr" anchorCtr="1"/>
-              <a:lstStyle/>
-              <a:p>
-                <a:pPr>
-                  <a:defRPr sz="900" b="1" i="0" u="none" strike="noStrike" kern="1200" baseline="0">
-                    <a:solidFill>
-                      <a:schemeClr val="dk1">
-                        <a:lumMod val="75000"/>
-                        <a:lumOff val="25000"/>
-                      </a:schemeClr>
-                    </a:solidFill>
-                    <a:latin typeface="+mn-lt"/>
-                    <a:ea typeface="+mn-ea"/>
-                    <a:cs typeface="+mn-cs"/>
-                  </a:defRPr>
-                </a:pPr>
-                <a:r>
-                  <a:rPr lang="en-US"/>
-                  <a:t>Input</a:t>
-                </a:r>
-              </a:p>
-            </c:rich>
-          </c:tx>
-          <c:layout/>
-          <c:overlay val="0"/>
-          <c:spPr>
-            <a:noFill/>
-            <a:ln>
-              <a:noFill/>
-            </a:ln>
-            <a:effectLst/>
-          </c:spPr>
-        </c:title>
-        <c:numFmt formatCode="General" sourceLinked="1"/>
-        <c:majorTickMark val="none"/>
-        <c:minorTickMark val="none"/>
-        <c:tickLblPos val="nextTo"/>
-        <c:spPr>
-          <a:noFill/>
-          <a:ln w="19050" cap="flat" cmpd="sng" algn="ctr">
-            <a:solidFill>
-              <a:schemeClr val="dk1">
-                <a:lumMod val="75000"/>
-                <a:lumOff val="25000"/>
-              </a:schemeClr>
-            </a:solidFill>
-            <a:round/>
-          </a:ln>
-          <a:effectLst/>
-        </c:spPr>
-        <c:txPr>
-          <a:bodyPr rot="-60000000" spcFirstLastPara="1" vertOverflow="ellipsis" vert="horz" wrap="square" anchor="ctr" anchorCtr="1"/>
-          <a:lstStyle/>
-          <a:p>
-            <a:pPr>
-              <a:defRPr sz="900" b="0" i="0" u="none" strike="noStrike" kern="1200" cap="all" baseline="0">
-                <a:solidFill>
-                  <a:schemeClr val="dk1">
-                    <a:lumMod val="75000"/>
-                    <a:lumOff val="25000"/>
-                  </a:schemeClr>
-                </a:solidFill>
-                <a:latin typeface="+mn-lt"/>
-                <a:ea typeface="+mn-ea"/>
-                <a:cs typeface="+mn-cs"/>
-              </a:defRPr>
-            </a:pPr>
-            <a:endParaRPr lang="en-US"/>
-          </a:p>
-        </c:txPr>
-        <c:crossAx val="-2076948248"/>
-        <c:crosses val="autoZero"/>
-        <c:auto val="1"/>
-        <c:lblAlgn val="ctr"/>
-        <c:lblOffset val="100"/>
-        <c:noMultiLvlLbl val="0"/>
-      </c:catAx>
-      <c:valAx>
-        <c:axId val="-2076948248"/>
-        <c:scaling>
-          <c:orientation val="minMax"/>
-        </c:scaling>
-        <c:delete val="0"/>
-        <c:axPos val="b"/>
-        <c:majorGridlines>
-          <c:spPr>
-            <a:ln w="9525" cap="flat" cmpd="sng" algn="ctr">
-              <a:gradFill>
-                <a:gsLst>
-                  <a:gs pos="100000">
-                    <a:schemeClr val="dk1">
-                      <a:lumMod val="95000"/>
-                      <a:lumOff val="5000"/>
-                      <a:alpha val="42000"/>
-                    </a:schemeClr>
-                  </a:gs>
-                  <a:gs pos="0">
-                    <a:schemeClr val="lt1">
-                      <a:lumMod val="75000"/>
-                      <a:alpha val="36000"/>
-                    </a:schemeClr>
-                  </a:gs>
-                </a:gsLst>
-                <a:lin ang="5400000" scaled="0"/>
-              </a:gradFill>
-              <a:round/>
-            </a:ln>
-            <a:effectLst/>
-          </c:spPr>
-        </c:majorGridlines>
-        <c:title>
-          <c:tx>
-            <c:rich>
-              <a:bodyPr rot="0" spcFirstLastPara="1" vertOverflow="ellipsis" vert="horz" wrap="square" anchor="ctr" anchorCtr="1"/>
-              <a:lstStyle/>
-              <a:p>
-                <a:pPr>
-                  <a:defRPr sz="900" b="1" i="0" u="none" strike="noStrike" kern="1200" baseline="0">
-                    <a:solidFill>
-                      <a:schemeClr val="dk1">
-                        <a:lumMod val="75000"/>
-                        <a:lumOff val="25000"/>
-                      </a:schemeClr>
-                    </a:solidFill>
-                    <a:latin typeface="+mn-lt"/>
-                    <a:ea typeface="+mn-ea"/>
-                    <a:cs typeface="+mn-cs"/>
-                  </a:defRPr>
-                </a:pPr>
-                <a:r>
-                  <a:rPr lang="en-US"/>
-                  <a:t>Time (s)</a:t>
-                </a:r>
-              </a:p>
-            </c:rich>
-          </c:tx>
-          <c:layout/>
-          <c:overlay val="0"/>
-          <c:spPr>
-            <a:noFill/>
-            <a:ln>
-              <a:noFill/>
-            </a:ln>
-            <a:effectLst/>
-          </c:spPr>
-        </c:title>
-        <c:numFmt formatCode="0%" sourceLinked="1"/>
-        <c:majorTickMark val="out"/>
-        <c:minorTickMark val="none"/>
-        <c:tickLblPos val="nextTo"/>
-        <c:spPr>
-          <a:noFill/>
-          <a:ln>
-            <a:noFill/>
-          </a:ln>
-          <a:effectLst/>
-        </c:spPr>
-        <c:txPr>
-          <a:bodyPr rot="-60000000" spcFirstLastPara="1" vertOverflow="ellipsis" vert="horz" wrap="square" anchor="ctr" anchorCtr="1"/>
-          <a:lstStyle/>
-          <a:p>
-            <a:pPr>
-              <a:defRPr sz="900" b="0" i="0" u="none" strike="noStrike" kern="1200" baseline="0">
-                <a:solidFill>
-                  <a:schemeClr val="dk1">
-                    <a:lumMod val="75000"/>
-                    <a:lumOff val="25000"/>
-                  </a:schemeClr>
-                </a:solidFill>
-                <a:latin typeface="+mn-lt"/>
-                <a:ea typeface="+mn-ea"/>
-                <a:cs typeface="+mn-cs"/>
-              </a:defRPr>
-            </a:pPr>
-            <a:endParaRPr lang="en-US"/>
-          </a:p>
-        </c:txPr>
-        <c:crossAx val="-2143275128"/>
-        <c:crosses val="autoZero"/>
-        <c:crossBetween val="between"/>
-      </c:valAx>
-      <c:spPr>
-        <a:noFill/>
-        <a:ln>
-          <a:noFill/>
-        </a:ln>
-        <a:effectLst/>
-      </c:spPr>
-    </c:plotArea>
-    <c:legend>
-      <c:legendPos val="b"/>
-      <c:layout/>
-      <c:overlay val="0"/>
-      <c:spPr>
-        <a:solidFill>
-          <a:schemeClr val="lt1">
-            <a:lumMod val="95000"/>
-            <a:alpha val="39000"/>
-          </a:schemeClr>
-        </a:solidFill>
-        <a:ln>
-          <a:noFill/>
-        </a:ln>
-        <a:effectLst/>
-      </c:spPr>
-      <c:txPr>
-        <a:bodyPr rot="0" spcFirstLastPara="1" vertOverflow="ellipsis" vert="horz" wrap="square" anchor="ctr" anchorCtr="1"/>
-        <a:lstStyle/>
-        <a:p>
-          <a:pPr>
-            <a:defRPr sz="1200" b="0" i="0" u="none" strike="noStrike" kern="1200" baseline="0">
-              <a:solidFill>
-                <a:schemeClr val="dk1">
-                  <a:lumMod val="75000"/>
-                  <a:lumOff val="25000"/>
-                </a:schemeClr>
-              </a:solidFill>
-              <a:latin typeface="+mn-lt"/>
-              <a:ea typeface="+mn-ea"/>
-              <a:cs typeface="+mn-cs"/>
-            </a:defRPr>
-          </a:pPr>
-          <a:endParaRPr lang="en-US"/>
-        </a:p>
-      </c:txPr>
-    </c:legend>
-    <c:plotVisOnly val="1"/>
-    <c:dispBlanksAs val="gap"/>
-    <c:showDLblsOverMax val="0"/>
-    <c:extLst xmlns:c16r2="http://schemas.microsoft.com/office/drawing/2015/06/chart"/>
-  </c:chart>
-  <c:spPr>
-    <a:gradFill flip="none" rotWithShape="1">
-      <a:gsLst>
-        <a:gs pos="0">
-          <a:schemeClr val="lt1"/>
-        </a:gs>
-        <a:gs pos="39000">
-          <a:schemeClr val="lt1"/>
-        </a:gs>
-        <a:gs pos="100000">
-          <a:schemeClr val="lt1">
-            <a:lumMod val="75000"/>
-          </a:schemeClr>
-        </a:gs>
-      </a:gsLst>
-      <a:path path="circle">
-        <a:fillToRect l="50000" t="-80000" r="50000" b="180000"/>
-      </a:path>
-      <a:tileRect/>
-    </a:gradFill>
-    <a:ln w="9525" cap="flat" cmpd="sng" algn="ctr">
-      <a:solidFill>
-        <a:schemeClr val="dk1">
-          <a:lumMod val="25000"/>
-          <a:lumOff val="75000"/>
-        </a:schemeClr>
-      </a:solidFill>
-      <a:round/>
-    </a:ln>
-    <a:effectLst/>
-  </c:spPr>
-  <c:txPr>
-    <a:bodyPr/>
-    <a:lstStyle/>
-    <a:p>
-      <a:pPr>
-        <a:defRPr/>
-      </a:pPr>
-      <a:endParaRPr lang="en-US"/>
-    </a:p>
-  </c:txPr>
-  <c:externalData r:id="rId2">
-    <c:autoUpdate val="0"/>
-  </c:externalData>
-</c:chartSpace>
-</file>
-
-<file path=ppt/charts/chart3.xml><?xml version="1.0" encoding="utf-8"?>
-<c:chartSpace xmlns:c="http://schemas.openxmlformats.org/drawingml/2006/chart" xmlns:a="http://schemas.openxmlformats.org/drawingml/2006/main" xmlns:r="http://schemas.openxmlformats.org/officeDocument/2006/relationships">
-  <c:date1904 val="0"/>
-  <c:lang val="en-US"/>
-  <c:roundedCorners val="0"/>
-  <mc:AlternateContent xmlns:mc="http://schemas.openxmlformats.org/markup-compatibility/2006">
-    <mc:Choice xmlns:c14="http://schemas.microsoft.com/office/drawing/2007/8/2/chart" Requires="c14">
-      <c14:style val="102"/>
-    </mc:Choice>
-    <mc:Fallback>
-      <c:style val="2"/>
-    </mc:Fallback>
-  </mc:AlternateContent>
-  <c:clrMapOvr bg1="lt1" tx1="dk1" bg2="lt2" tx2="dk2" accent1="accent1" accent2="accent2" accent3="accent3" accent4="accent4" accent5="accent5" accent6="accent6" hlink="hlink" folHlink="folHlink"/>
-  <c:chart>
-    <c:title>
-      <c:tx>
-        <c:rich>
-          <a:bodyPr rot="0" spcFirstLastPara="1" vertOverflow="ellipsis" vert="horz" wrap="square" anchor="ctr" anchorCtr="1"/>
-          <a:lstStyle/>
-          <a:p>
-            <a:pPr>
-              <a:defRPr sz="1800" b="1" i="0" u="none" strike="noStrike" kern="1200" baseline="0">
-                <a:solidFill>
-                  <a:schemeClr val="dk1">
-                    <a:lumMod val="75000"/>
-                    <a:lumOff val="25000"/>
-                  </a:schemeClr>
-                </a:solidFill>
-                <a:latin typeface="+mn-lt"/>
-                <a:ea typeface="+mn-ea"/>
-                <a:cs typeface="+mn-cs"/>
-              </a:defRPr>
-            </a:pPr>
-            <a:r>
-              <a:rPr lang="en-US" sz="1800" b="1" i="0" u="none" strike="noStrike" cap="all" baseline="0" dirty="0" smtClean="0">
-                <a:effectLst/>
-              </a:rPr>
-              <a:t>Finite Differences To Avoid Multiplication</a:t>
-            </a:r>
-            <a:r>
-              <a:rPr lang="en-US" sz="1800" b="1" i="0" u="none" strike="noStrike" baseline="0" dirty="0" smtClean="0"/>
-              <a:t> </a:t>
-            </a:r>
-            <a:endParaRPr lang="en-US" dirty="0"/>
-          </a:p>
-        </c:rich>
-      </c:tx>
-      <c:layout/>
-      <c:overlay val="0"/>
-      <c:spPr>
-        <a:noFill/>
-        <a:ln>
-          <a:noFill/>
-        </a:ln>
-        <a:effectLst/>
-      </c:spPr>
-    </c:title>
-    <c:autoTitleDeleted val="0"/>
-    <c:plotArea>
-      <c:layout/>
-      <c:barChart>
-        <c:barDir val="bar"/>
-        <c:grouping val="percentStacked"/>
-        <c:varyColors val="0"/>
-        <c:ser>
-          <c:idx val="0"/>
-          <c:order val="0"/>
-          <c:tx>
-            <c:strRef>
-              <c:f>Sheet2!$C$3</c:f>
-              <c:strCache>
-                <c:ptCount val="1"/>
-                <c:pt idx="0">
-                  <c:v>Unoptimized</c:v>
-                </c:pt>
-              </c:strCache>
-            </c:strRef>
-          </c:tx>
-          <c:spPr>
-            <a:solidFill>
-              <a:schemeClr val="accent1">
-                <a:alpha val="85000"/>
-              </a:schemeClr>
-            </a:solidFill>
-            <a:ln w="9525" cap="flat" cmpd="sng" algn="ctr">
-              <a:solidFill>
-                <a:schemeClr val="lt1">
-                  <a:alpha val="50000"/>
-                </a:schemeClr>
-              </a:solidFill>
-              <a:round/>
-            </a:ln>
-            <a:effectLst/>
-          </c:spPr>
-          <c:invertIfNegative val="0"/>
-          <c:dLbls>
-            <c:numFmt formatCode="#,##0.00" sourceLinked="0"/>
-            <c:spPr>
-              <a:noFill/>
-              <a:ln>
-                <a:noFill/>
-              </a:ln>
-              <a:effectLst/>
-            </c:spPr>
-            <c:txPr>
-              <a:bodyPr rot="0" spcFirstLastPara="1" vertOverflow="ellipsis" vert="horz" wrap="square" lIns="38100" tIns="19050" rIns="38100" bIns="19050" anchor="ctr" anchorCtr="1">
-                <a:spAutoFit/>
-              </a:bodyPr>
-              <a:lstStyle/>
-              <a:p>
-                <a:pPr>
-                  <a:defRPr sz="900" b="1" i="0" u="none" strike="noStrike" kern="1200" baseline="0">
-                    <a:solidFill>
-                      <a:schemeClr val="lt1"/>
-                    </a:solidFill>
-                    <a:latin typeface="+mn-lt"/>
-                    <a:ea typeface="+mn-ea"/>
-                    <a:cs typeface="+mn-cs"/>
-                  </a:defRPr>
-                </a:pPr>
-                <a:endParaRPr lang="en-US"/>
-              </a:p>
-            </c:txPr>
-            <c:dLblPos val="ctr"/>
-            <c:showLegendKey val="0"/>
-            <c:showVal val="1"/>
-            <c:showCatName val="0"/>
-            <c:showSerName val="0"/>
-            <c:showPercent val="0"/>
-            <c:showBubbleSize val="0"/>
-            <c:showLeaderLines val="0"/>
-            <c:extLst xmlns:c16r2="http://schemas.microsoft.com/office/drawing/2015/06/chart">
-              <c:ext xmlns:c15="http://schemas.microsoft.com/office/drawing/2012/chart" uri="{CE6537A1-D6FC-4f65-9D91-7224C49458BB}">
-                <c15:showLeaderLines val="1"/>
-                <c15:leaderLines>
-                  <c:spPr>
-                    <a:ln w="9525">
-                      <a:solidFill>
-                        <a:schemeClr val="dk1">
-                          <a:lumMod val="50000"/>
-                          <a:lumOff val="50000"/>
-                        </a:schemeClr>
-                      </a:solidFill>
-                    </a:ln>
-                    <a:effectLst/>
-                  </c:spPr>
-                </c15:leaderLines>
-              </c:ext>
-            </c:extLst>
-          </c:dLbls>
-          <c:cat>
-            <c:numRef>
-              <c:f>Sheet2!$B$4:$B$6</c:f>
-              <c:numCache>
-                <c:formatCode>General</c:formatCode>
-                <c:ptCount val="3"/>
-                <c:pt idx="0">
-                  <c:v>1.0E7</c:v>
-                </c:pt>
-                <c:pt idx="1">
-                  <c:v>1.0E8</c:v>
-                </c:pt>
-                <c:pt idx="2">
-                  <c:v>1.0E9</c:v>
-                </c:pt>
-              </c:numCache>
-            </c:numRef>
-          </c:cat>
-          <c:val>
-            <c:numRef>
-              <c:f>Sheet2!$C$4:$C$6</c:f>
-              <c:numCache>
-                <c:formatCode>General</c:formatCode>
-                <c:ptCount val="3"/>
-                <c:pt idx="0">
-                  <c:v>2.37570309638977</c:v>
-                </c:pt>
-                <c:pt idx="1">
-                  <c:v>23.7689113616943</c:v>
-                </c:pt>
-                <c:pt idx="2">
-                  <c:v>237.124787569046</c:v>
-                </c:pt>
-              </c:numCache>
-            </c:numRef>
-          </c:val>
-          <c:extLst xmlns:c16r2="http://schemas.microsoft.com/office/drawing/2015/06/chart">
-            <c:ext xmlns:c16="http://schemas.microsoft.com/office/drawing/2014/chart" uri="{C3380CC4-5D6E-409C-BE32-E72D297353CC}">
-              <c16:uniqueId val="{00000000-7A56-4CDA-B9E7-F9FD39152920}"/>
-            </c:ext>
-          </c:extLst>
-        </c:ser>
-        <c:ser>
-          <c:idx val="1"/>
-          <c:order val="1"/>
-          <c:tx>
-            <c:strRef>
-              <c:f>Sheet2!$D$3</c:f>
-              <c:strCache>
-                <c:ptCount val="1"/>
-                <c:pt idx="0">
-                  <c:v>Optimized</c:v>
-                </c:pt>
-              </c:strCache>
-            </c:strRef>
-          </c:tx>
-          <c:spPr>
-            <a:solidFill>
-              <a:schemeClr val="accent2">
-                <a:alpha val="85000"/>
-              </a:schemeClr>
-            </a:solidFill>
-            <a:ln w="9525" cap="flat" cmpd="sng" algn="ctr">
-              <a:solidFill>
-                <a:schemeClr val="lt1">
-                  <a:alpha val="50000"/>
-                </a:schemeClr>
-              </a:solidFill>
-              <a:round/>
-            </a:ln>
-            <a:effectLst/>
-          </c:spPr>
-          <c:invertIfNegative val="0"/>
-          <c:dLbls>
-            <c:txPr>
-              <a:bodyPr/>
-              <a:lstStyle/>
-              <a:p>
-                <a:pPr>
-                  <a:defRPr b="1">
-                    <a:solidFill>
-                      <a:schemeClr val="bg1"/>
-                    </a:solidFill>
-                  </a:defRPr>
-                </a:pPr>
-                <a:endParaRPr lang="en-US"/>
-              </a:p>
-            </c:txPr>
-            <c:dLblPos val="ctr"/>
-            <c:showLegendKey val="0"/>
-            <c:showVal val="1"/>
-            <c:showCatName val="0"/>
-            <c:showSerName val="0"/>
-            <c:showPercent val="0"/>
-            <c:showBubbleSize val="0"/>
-            <c:showLeaderLines val="0"/>
-          </c:dLbls>
-          <c:cat>
-            <c:numRef>
-              <c:f>Sheet2!$B$4:$B$6</c:f>
-              <c:numCache>
-                <c:formatCode>General</c:formatCode>
-                <c:ptCount val="3"/>
-                <c:pt idx="0">
-                  <c:v>1.0E7</c:v>
-                </c:pt>
-                <c:pt idx="1">
-                  <c:v>1.0E8</c:v>
-                </c:pt>
-                <c:pt idx="2">
-                  <c:v>1.0E9</c:v>
-                </c:pt>
-              </c:numCache>
-            </c:numRef>
-          </c:cat>
-          <c:val>
-            <c:numRef>
-              <c:f>Sheet2!$D$4:$D$6</c:f>
-              <c:numCache>
-                <c:formatCode>General</c:formatCode>
-                <c:ptCount val="3"/>
-                <c:pt idx="0">
-                  <c:v>0.115377187728881</c:v>
-                </c:pt>
-                <c:pt idx="1">
-                  <c:v>1.28101325035095</c:v>
-                </c:pt>
-                <c:pt idx="2">
-                  <c:v>11.2533078193664</c:v>
-                </c:pt>
-              </c:numCache>
-            </c:numRef>
-          </c:val>
-          <c:extLst xmlns:c16r2="http://schemas.microsoft.com/office/drawing/2015/06/chart">
-            <c:ext xmlns:c16="http://schemas.microsoft.com/office/drawing/2014/chart" uri="{C3380CC4-5D6E-409C-BE32-E72D297353CC}">
-              <c16:uniqueId val="{00000001-7A56-4CDA-B9E7-F9FD39152920}"/>
-            </c:ext>
-          </c:extLst>
-        </c:ser>
-        <c:dLbls>
-          <c:dLblPos val="ctr"/>
-          <c:showLegendKey val="0"/>
-          <c:showVal val="1"/>
-          <c:showCatName val="0"/>
-          <c:showSerName val="0"/>
-          <c:showPercent val="0"/>
-          <c:showBubbleSize val="0"/>
-        </c:dLbls>
-        <c:gapWidth val="150"/>
-        <c:overlap val="100"/>
-        <c:axId val="2073414536"/>
-        <c:axId val="-2092092456"/>
-      </c:barChart>
-      <c:catAx>
-        <c:axId val="2073414536"/>
-        <c:scaling>
-          <c:orientation val="minMax"/>
-        </c:scaling>
-        <c:delete val="0"/>
-        <c:axPos val="l"/>
-        <c:title>
-          <c:tx>
-            <c:rich>
-              <a:bodyPr rot="-5400000" spcFirstLastPara="1" vertOverflow="ellipsis" vert="horz" wrap="square" anchor="ctr" anchorCtr="1"/>
-              <a:lstStyle/>
-              <a:p>
-                <a:pPr>
-                  <a:defRPr sz="900" b="1" i="0" u="none" strike="noStrike" kern="1200" baseline="0">
-                    <a:solidFill>
-                      <a:schemeClr val="dk1">
-                        <a:lumMod val="75000"/>
-                        <a:lumOff val="25000"/>
-                      </a:schemeClr>
-                    </a:solidFill>
-                    <a:latin typeface="+mn-lt"/>
-                    <a:ea typeface="+mn-ea"/>
-                    <a:cs typeface="+mn-cs"/>
-                  </a:defRPr>
-                </a:pPr>
-                <a:r>
-                  <a:rPr lang="en-US"/>
-                  <a:t>Input</a:t>
-                </a:r>
-              </a:p>
-            </c:rich>
-          </c:tx>
-          <c:layout/>
-          <c:overlay val="0"/>
-          <c:spPr>
-            <a:noFill/>
-            <a:ln>
-              <a:noFill/>
-            </a:ln>
-            <a:effectLst/>
-          </c:spPr>
-        </c:title>
-        <c:numFmt formatCode="General" sourceLinked="1"/>
-        <c:majorTickMark val="none"/>
-        <c:minorTickMark val="none"/>
-        <c:tickLblPos val="nextTo"/>
-        <c:spPr>
-          <a:noFill/>
-          <a:ln w="19050" cap="flat" cmpd="sng" algn="ctr">
-            <a:solidFill>
-              <a:schemeClr val="dk1">
-                <a:lumMod val="75000"/>
-                <a:lumOff val="25000"/>
-              </a:schemeClr>
-            </a:solidFill>
-            <a:round/>
-          </a:ln>
-          <a:effectLst/>
-        </c:spPr>
-        <c:txPr>
-          <a:bodyPr rot="-60000000" spcFirstLastPara="1" vertOverflow="ellipsis" vert="horz" wrap="square" anchor="ctr" anchorCtr="1"/>
-          <a:lstStyle/>
-          <a:p>
-            <a:pPr>
-              <a:defRPr sz="900" b="0" i="0" u="none" strike="noStrike" kern="1200" cap="all" baseline="0">
-                <a:solidFill>
-                  <a:schemeClr val="dk1">
-                    <a:lumMod val="75000"/>
-                    <a:lumOff val="25000"/>
-                  </a:schemeClr>
-                </a:solidFill>
-                <a:latin typeface="+mn-lt"/>
-                <a:ea typeface="+mn-ea"/>
-                <a:cs typeface="+mn-cs"/>
-              </a:defRPr>
-            </a:pPr>
-            <a:endParaRPr lang="en-US"/>
-          </a:p>
-        </c:txPr>
-        <c:crossAx val="-2092092456"/>
-        <c:crosses val="autoZero"/>
-        <c:auto val="1"/>
-        <c:lblAlgn val="ctr"/>
-        <c:lblOffset val="100"/>
-        <c:noMultiLvlLbl val="0"/>
-      </c:catAx>
-      <c:valAx>
-        <c:axId val="-2092092456"/>
-        <c:scaling>
-          <c:orientation val="minMax"/>
-          <c:min val="0.0"/>
-        </c:scaling>
-        <c:delete val="0"/>
-        <c:axPos val="b"/>
-        <c:majorGridlines>
-          <c:spPr>
-            <a:ln w="9525" cap="flat" cmpd="sng" algn="ctr">
-              <a:gradFill>
-                <a:gsLst>
-                  <a:gs pos="100000">
-                    <a:schemeClr val="dk1">
-                      <a:lumMod val="95000"/>
-                      <a:lumOff val="5000"/>
-                      <a:alpha val="42000"/>
-                    </a:schemeClr>
-                  </a:gs>
-                  <a:gs pos="0">
-                    <a:schemeClr val="lt1">
-                      <a:lumMod val="75000"/>
-                      <a:alpha val="36000"/>
-                    </a:schemeClr>
-                  </a:gs>
-                </a:gsLst>
-                <a:lin ang="5400000" scaled="0"/>
-              </a:gradFill>
-              <a:round/>
-            </a:ln>
-            <a:effectLst/>
-          </c:spPr>
-        </c:majorGridlines>
-        <c:title>
-          <c:tx>
-            <c:rich>
-              <a:bodyPr rot="0" spcFirstLastPara="1" vertOverflow="ellipsis" vert="horz" wrap="square" anchor="ctr" anchorCtr="1"/>
-              <a:lstStyle/>
-              <a:p>
-                <a:pPr>
-                  <a:defRPr sz="900" b="1" i="0" u="none" strike="noStrike" kern="1200" baseline="0">
-                    <a:solidFill>
-                      <a:schemeClr val="dk1">
-                        <a:lumMod val="75000"/>
-                        <a:lumOff val="25000"/>
-                      </a:schemeClr>
-                    </a:solidFill>
-                    <a:latin typeface="+mn-lt"/>
-                    <a:ea typeface="+mn-ea"/>
-                    <a:cs typeface="+mn-cs"/>
-                  </a:defRPr>
-                </a:pPr>
-                <a:r>
-                  <a:rPr lang="en-US"/>
-                  <a:t>Time (s)</a:t>
-                </a:r>
-              </a:p>
-            </c:rich>
-          </c:tx>
-          <c:layout/>
-          <c:overlay val="0"/>
-          <c:spPr>
-            <a:noFill/>
-            <a:ln>
-              <a:noFill/>
-            </a:ln>
-            <a:effectLst/>
-          </c:spPr>
-        </c:title>
-        <c:numFmt formatCode="0%" sourceLinked="1"/>
-        <c:majorTickMark val="out"/>
-        <c:minorTickMark val="none"/>
-        <c:tickLblPos val="nextTo"/>
-        <c:spPr>
-          <a:noFill/>
-          <a:ln>
-            <a:noFill/>
-          </a:ln>
-          <a:effectLst/>
-        </c:spPr>
-        <c:txPr>
-          <a:bodyPr rot="-60000000" spcFirstLastPara="1" vertOverflow="ellipsis" vert="horz" wrap="square" anchor="ctr" anchorCtr="1"/>
-          <a:lstStyle/>
-          <a:p>
-            <a:pPr>
-              <a:defRPr sz="900" b="0" i="0" u="none" strike="noStrike" kern="1200" baseline="0">
-                <a:solidFill>
-                  <a:schemeClr val="dk1">
-                    <a:lumMod val="75000"/>
-                    <a:lumOff val="25000"/>
-                  </a:schemeClr>
-                </a:solidFill>
-                <a:latin typeface="+mn-lt"/>
-                <a:ea typeface="+mn-ea"/>
-                <a:cs typeface="+mn-cs"/>
-              </a:defRPr>
-            </a:pPr>
-            <a:endParaRPr lang="en-US"/>
-          </a:p>
-        </c:txPr>
-        <c:crossAx val="2073414536"/>
-        <c:crosses val="autoZero"/>
-        <c:crossBetween val="between"/>
-      </c:valAx>
-      <c:spPr>
-        <a:noFill/>
-        <a:ln>
-          <a:noFill/>
-        </a:ln>
-        <a:effectLst/>
-      </c:spPr>
-    </c:plotArea>
-    <c:legend>
-      <c:legendPos val="b"/>
-      <c:layout/>
-      <c:overlay val="0"/>
-      <c:spPr>
-        <a:solidFill>
-          <a:schemeClr val="lt1">
-            <a:lumMod val="95000"/>
-            <a:alpha val="39000"/>
-          </a:schemeClr>
-        </a:solidFill>
-        <a:ln>
-          <a:noFill/>
-        </a:ln>
-        <a:effectLst/>
-      </c:spPr>
-      <c:txPr>
-        <a:bodyPr rot="0" spcFirstLastPara="1" vertOverflow="ellipsis" vert="horz" wrap="square" anchor="ctr" anchorCtr="1"/>
-        <a:lstStyle/>
-        <a:p>
-          <a:pPr>
-            <a:defRPr sz="1200" b="0" i="0" u="none" strike="noStrike" kern="1200" baseline="0">
-              <a:solidFill>
-                <a:schemeClr val="dk1">
-                  <a:lumMod val="75000"/>
-                  <a:lumOff val="25000"/>
-                </a:schemeClr>
-              </a:solidFill>
-              <a:latin typeface="+mn-lt"/>
-              <a:ea typeface="+mn-ea"/>
-              <a:cs typeface="+mn-cs"/>
-            </a:defRPr>
-          </a:pPr>
-          <a:endParaRPr lang="en-US"/>
-        </a:p>
-      </c:txPr>
-    </c:legend>
-    <c:plotVisOnly val="1"/>
-    <c:dispBlanksAs val="gap"/>
-    <c:showDLblsOverMax val="0"/>
-    <c:extLst xmlns:c16r2="http://schemas.microsoft.com/office/drawing/2015/06/chart"/>
-  </c:chart>
-  <c:spPr>
-    <a:gradFill flip="none" rotWithShape="1">
-      <a:gsLst>
-        <a:gs pos="0">
-          <a:schemeClr val="lt1"/>
-        </a:gs>
-        <a:gs pos="39000">
-          <a:schemeClr val="lt1"/>
-        </a:gs>
-        <a:gs pos="100000">
-          <a:schemeClr val="lt1">
-            <a:lumMod val="75000"/>
-          </a:schemeClr>
-        </a:gs>
-      </a:gsLst>
-      <a:path path="circle">
-        <a:fillToRect l="50000" t="-80000" r="50000" b="180000"/>
-      </a:path>
-      <a:tileRect/>
-    </a:gradFill>
-    <a:ln w="9525" cap="flat" cmpd="sng" algn="ctr">
-      <a:solidFill>
-        <a:schemeClr val="dk1">
-          <a:lumMod val="25000"/>
-          <a:lumOff val="75000"/>
-        </a:schemeClr>
-      </a:solidFill>
-      <a:round/>
-    </a:ln>
-    <a:effectLst/>
-  </c:spPr>
-  <c:txPr>
-    <a:bodyPr/>
-    <a:lstStyle/>
-    <a:p>
-      <a:pPr>
-        <a:defRPr/>
-      </a:pPr>
-      <a:endParaRPr lang="en-US"/>
-    </a:p>
-  </c:txPr>
-  <c:externalData r:id="rId2">
-    <c:autoUpdate val="0"/>
-  </c:externalData>
-</c:chartSpace>
-</file>
-
-<file path=ppt/charts/chart4.xml><?xml version="1.0" encoding="utf-8"?>
-<c:chartSpace xmlns:c="http://schemas.openxmlformats.org/drawingml/2006/chart" xmlns:a="http://schemas.openxmlformats.org/drawingml/2006/main" xmlns:r="http://schemas.openxmlformats.org/officeDocument/2006/relationships">
-  <c:date1904 val="0"/>
-  <c:lang val="en-US"/>
-  <c:roundedCorners val="0"/>
-  <mc:AlternateContent xmlns:mc="http://schemas.openxmlformats.org/markup-compatibility/2006">
-    <mc:Choice xmlns:c14="http://schemas.microsoft.com/office/drawing/2007/8/2/chart" Requires="c14">
-      <c14:style val="102"/>
-    </mc:Choice>
-    <mc:Fallback>
-      <c:style val="2"/>
-    </mc:Fallback>
-  </mc:AlternateContent>
-  <c:clrMapOvr bg1="lt1" tx1="dk1" bg2="lt2" tx2="dk2" accent1="accent1" accent2="accent2" accent3="accent3" accent4="accent4" accent5="accent5" accent6="accent6" hlink="hlink" folHlink="folHlink"/>
-  <c:chart>
-    <c:title>
-      <c:tx>
-        <c:rich>
-          <a:bodyPr rot="0" spcFirstLastPara="1" vertOverflow="ellipsis" vert="horz" wrap="square" anchor="ctr" anchorCtr="1"/>
-          <a:lstStyle/>
-          <a:p>
-            <a:pPr>
-              <a:defRPr sz="1800" b="1" i="0" u="none" strike="noStrike" kern="1200" baseline="0">
-                <a:solidFill>
-                  <a:schemeClr val="dk1">
-                    <a:lumMod val="75000"/>
-                    <a:lumOff val="25000"/>
-                  </a:schemeClr>
-                </a:solidFill>
-                <a:latin typeface="+mn-lt"/>
-                <a:ea typeface="+mn-ea"/>
-                <a:cs typeface="+mn-cs"/>
-              </a:defRPr>
-            </a:pPr>
-            <a:r>
-              <a:rPr lang="en-US" dirty="0"/>
-              <a:t>Loop </a:t>
-            </a:r>
-            <a:r>
-              <a:rPr lang="en-US" dirty="0" smtClean="0"/>
-              <a:t>Overhead Optimization</a:t>
-            </a:r>
-            <a:endParaRPr lang="en-US" dirty="0"/>
-          </a:p>
-        </c:rich>
-      </c:tx>
-      <c:layout>
-        <c:manualLayout>
-          <c:xMode val="edge"/>
-          <c:yMode val="edge"/>
-          <c:x val="0.380665316198026"/>
-          <c:y val="0.0238683587402359"/>
-        </c:manualLayout>
-      </c:layout>
-      <c:overlay val="0"/>
-      <c:spPr>
-        <a:noFill/>
-        <a:ln>
-          <a:noFill/>
-        </a:ln>
-        <a:effectLst/>
-      </c:spPr>
-    </c:title>
-    <c:autoTitleDeleted val="0"/>
-    <c:plotArea>
-      <c:layout/>
-      <c:barChart>
-        <c:barDir val="bar"/>
-        <c:grouping val="percentStacked"/>
-        <c:varyColors val="0"/>
-        <c:ser>
-          <c:idx val="0"/>
-          <c:order val="0"/>
-          <c:tx>
-            <c:strRef>
-              <c:f>Sheet4!$C$3</c:f>
-              <c:strCache>
-                <c:ptCount val="1"/>
-                <c:pt idx="0">
-                  <c:v>Unoptimized</c:v>
-                </c:pt>
-              </c:strCache>
-            </c:strRef>
-          </c:tx>
-          <c:spPr>
-            <a:solidFill>
-              <a:schemeClr val="accent1">
-                <a:alpha val="85000"/>
-              </a:schemeClr>
-            </a:solidFill>
-            <a:ln w="9525" cap="flat" cmpd="sng" algn="ctr">
-              <a:solidFill>
-                <a:schemeClr val="lt1">
-                  <a:alpha val="50000"/>
-                </a:schemeClr>
-              </a:solidFill>
-              <a:round/>
-            </a:ln>
-            <a:effectLst/>
-          </c:spPr>
-          <c:invertIfNegative val="0"/>
-          <c:dLbls>
-            <c:numFmt formatCode="#,##0.00" sourceLinked="0"/>
-            <c:spPr>
-              <a:noFill/>
-              <a:ln>
-                <a:noFill/>
-              </a:ln>
-              <a:effectLst/>
-            </c:spPr>
-            <c:txPr>
-              <a:bodyPr rot="0" spcFirstLastPara="1" vertOverflow="ellipsis" vert="horz" wrap="square" lIns="38100" tIns="19050" rIns="38100" bIns="19050" anchor="ctr" anchorCtr="1">
-                <a:spAutoFit/>
-              </a:bodyPr>
-              <a:lstStyle/>
-              <a:p>
-                <a:pPr>
-                  <a:defRPr sz="900" b="1" i="0" u="none" strike="noStrike" kern="1200" baseline="0">
-                    <a:solidFill>
-                      <a:schemeClr val="lt1"/>
-                    </a:solidFill>
-                    <a:latin typeface="+mn-lt"/>
-                    <a:ea typeface="+mn-ea"/>
-                    <a:cs typeface="+mn-cs"/>
-                  </a:defRPr>
-                </a:pPr>
-                <a:endParaRPr lang="en-US"/>
-              </a:p>
-            </c:txPr>
-            <c:dLblPos val="ctr"/>
-            <c:showLegendKey val="0"/>
-            <c:showVal val="1"/>
-            <c:showCatName val="0"/>
-            <c:showSerName val="0"/>
-            <c:showPercent val="0"/>
-            <c:showBubbleSize val="0"/>
-            <c:showLeaderLines val="0"/>
-            <c:extLst xmlns:c16r2="http://schemas.microsoft.com/office/drawing/2015/06/chart">
-              <c:ext xmlns:c15="http://schemas.microsoft.com/office/drawing/2012/chart" uri="{CE6537A1-D6FC-4f65-9D91-7224C49458BB}">
-                <c15:showLeaderLines val="1"/>
-                <c15:leaderLines>
-                  <c:spPr>
-                    <a:ln w="9525">
-                      <a:solidFill>
-                        <a:schemeClr val="dk1">
-                          <a:lumMod val="50000"/>
-                          <a:lumOff val="50000"/>
-                        </a:schemeClr>
-                      </a:solidFill>
-                    </a:ln>
-                    <a:effectLst/>
-                  </c:spPr>
-                </c15:leaderLines>
-              </c:ext>
-            </c:extLst>
-          </c:dLbls>
-          <c:cat>
-            <c:numRef>
-              <c:f>Sheet4!$B$4:$B$6</c:f>
-              <c:numCache>
-                <c:formatCode>General</c:formatCode>
-                <c:ptCount val="3"/>
-                <c:pt idx="0">
-                  <c:v>1.0E6</c:v>
-                </c:pt>
-                <c:pt idx="1">
-                  <c:v>1.0E7</c:v>
-                </c:pt>
-                <c:pt idx="2">
-                  <c:v>1.0E8</c:v>
-                </c:pt>
-              </c:numCache>
-            </c:numRef>
-          </c:cat>
-          <c:val>
-            <c:numRef>
-              <c:f>Sheet4!$C$4:$C$6</c:f>
-              <c:numCache>
-                <c:formatCode>General</c:formatCode>
-                <c:ptCount val="3"/>
-                <c:pt idx="0">
-                  <c:v>3.79261517524719</c:v>
-                </c:pt>
-                <c:pt idx="1">
-                  <c:v>38.7858934402465</c:v>
-                </c:pt>
-                <c:pt idx="2">
-                  <c:v>403.723316192626</c:v>
-                </c:pt>
-              </c:numCache>
-            </c:numRef>
-          </c:val>
-          <c:extLst xmlns:c16r2="http://schemas.microsoft.com/office/drawing/2015/06/chart">
-            <c:ext xmlns:c16="http://schemas.microsoft.com/office/drawing/2014/chart" uri="{C3380CC4-5D6E-409C-BE32-E72D297353CC}">
-              <c16:uniqueId val="{00000000-0079-4766-93E0-59E6B8F1B45F}"/>
-            </c:ext>
-          </c:extLst>
-        </c:ser>
-        <c:ser>
-          <c:idx val="1"/>
-          <c:order val="1"/>
-          <c:tx>
-            <c:strRef>
-              <c:f>Sheet4!$D$3</c:f>
-              <c:strCache>
-                <c:ptCount val="1"/>
-                <c:pt idx="0">
-                  <c:v>Optimized</c:v>
-                </c:pt>
-              </c:strCache>
-            </c:strRef>
-          </c:tx>
-          <c:spPr>
-            <a:solidFill>
-              <a:schemeClr val="accent2">
-                <a:alpha val="85000"/>
-              </a:schemeClr>
-            </a:solidFill>
-            <a:ln w="9525" cap="flat" cmpd="sng" algn="ctr">
-              <a:solidFill>
-                <a:schemeClr val="lt1">
-                  <a:alpha val="50000"/>
-                </a:schemeClr>
-              </a:solidFill>
-              <a:round/>
-            </a:ln>
-            <a:effectLst/>
-          </c:spPr>
-          <c:invertIfNegative val="0"/>
-          <c:dLbls>
-            <c:numFmt formatCode="#,##0.00" sourceLinked="0"/>
-            <c:spPr>
-              <a:noFill/>
-              <a:ln>
-                <a:noFill/>
-              </a:ln>
-              <a:effectLst/>
-            </c:spPr>
-            <c:txPr>
-              <a:bodyPr rot="0" spcFirstLastPara="1" vertOverflow="ellipsis" vert="horz" wrap="square" lIns="38100" tIns="19050" rIns="38100" bIns="19050" anchor="ctr" anchorCtr="1">
-                <a:spAutoFit/>
-              </a:bodyPr>
-              <a:lstStyle/>
-              <a:p>
-                <a:pPr>
-                  <a:defRPr sz="900" b="1" i="0" u="none" strike="noStrike" kern="1200" baseline="0">
-                    <a:solidFill>
-                      <a:schemeClr val="lt1"/>
-                    </a:solidFill>
-                    <a:latin typeface="+mn-lt"/>
-                    <a:ea typeface="+mn-ea"/>
-                    <a:cs typeface="+mn-cs"/>
-                  </a:defRPr>
-                </a:pPr>
-                <a:endParaRPr lang="en-US"/>
-              </a:p>
-            </c:txPr>
-            <c:dLblPos val="ctr"/>
-            <c:showLegendKey val="0"/>
-            <c:showVal val="1"/>
-            <c:showCatName val="0"/>
-            <c:showSerName val="0"/>
-            <c:showPercent val="0"/>
-            <c:showBubbleSize val="0"/>
-            <c:showLeaderLines val="0"/>
-            <c:extLst xmlns:c16r2="http://schemas.microsoft.com/office/drawing/2015/06/chart">
-              <c:ext xmlns:c15="http://schemas.microsoft.com/office/drawing/2012/chart" uri="{CE6537A1-D6FC-4f65-9D91-7224C49458BB}">
-                <c15:showLeaderLines val="1"/>
-                <c15:leaderLines>
-                  <c:spPr>
-                    <a:ln w="9525">
-                      <a:solidFill>
-                        <a:schemeClr val="dk1">
-                          <a:lumMod val="50000"/>
-                          <a:lumOff val="50000"/>
-                        </a:schemeClr>
-                      </a:solidFill>
-                    </a:ln>
-                    <a:effectLst/>
-                  </c:spPr>
-                </c15:leaderLines>
-              </c:ext>
-            </c:extLst>
-          </c:dLbls>
-          <c:cat>
-            <c:numRef>
-              <c:f>Sheet4!$B$4:$B$6</c:f>
-              <c:numCache>
-                <c:formatCode>General</c:formatCode>
-                <c:ptCount val="3"/>
-                <c:pt idx="0">
-                  <c:v>1.0E6</c:v>
-                </c:pt>
-                <c:pt idx="1">
-                  <c:v>1.0E7</c:v>
-                </c:pt>
-                <c:pt idx="2">
-                  <c:v>1.0E8</c:v>
-                </c:pt>
-              </c:numCache>
-            </c:numRef>
-          </c:cat>
-          <c:val>
-            <c:numRef>
-              <c:f>Sheet4!$D$4:$D$6</c:f>
-              <c:numCache>
-                <c:formatCode>General</c:formatCode>
-                <c:ptCount val="3"/>
-                <c:pt idx="0">
-                  <c:v>3.38699173927307</c:v>
-                </c:pt>
-                <c:pt idx="1">
-                  <c:v>35.4579067230224</c:v>
-                </c:pt>
-                <c:pt idx="2">
-                  <c:v>361.055302619934</c:v>
-                </c:pt>
-              </c:numCache>
-            </c:numRef>
-          </c:val>
-          <c:extLst xmlns:c16r2="http://schemas.microsoft.com/office/drawing/2015/06/chart">
-            <c:ext xmlns:c16="http://schemas.microsoft.com/office/drawing/2014/chart" uri="{C3380CC4-5D6E-409C-BE32-E72D297353CC}">
-              <c16:uniqueId val="{00000001-0079-4766-93E0-59E6B8F1B45F}"/>
-            </c:ext>
-          </c:extLst>
-        </c:ser>
-        <c:dLbls>
-          <c:dLblPos val="ctr"/>
-          <c:showLegendKey val="0"/>
-          <c:showVal val="1"/>
-          <c:showCatName val="0"/>
-          <c:showSerName val="0"/>
-          <c:showPercent val="0"/>
-          <c:showBubbleSize val="0"/>
-        </c:dLbls>
-        <c:gapWidth val="150"/>
-        <c:overlap val="100"/>
-        <c:axId val="-2116255208"/>
-        <c:axId val="2073403304"/>
-      </c:barChart>
-      <c:catAx>
-        <c:axId val="-2116255208"/>
-        <c:scaling>
-          <c:orientation val="minMax"/>
-        </c:scaling>
-        <c:delete val="0"/>
-        <c:axPos val="l"/>
-        <c:title>
-          <c:tx>
-            <c:rich>
-              <a:bodyPr rot="-5400000" spcFirstLastPara="1" vertOverflow="ellipsis" vert="horz" wrap="square" anchor="ctr" anchorCtr="1"/>
-              <a:lstStyle/>
-              <a:p>
-                <a:pPr>
-                  <a:defRPr sz="900" b="1" i="0" u="none" strike="noStrike" kern="1200" baseline="0">
-                    <a:solidFill>
-                      <a:schemeClr val="dk1">
-                        <a:lumMod val="75000"/>
-                        <a:lumOff val="25000"/>
-                      </a:schemeClr>
-                    </a:solidFill>
-                    <a:latin typeface="+mn-lt"/>
-                    <a:ea typeface="+mn-ea"/>
-                    <a:cs typeface="+mn-cs"/>
-                  </a:defRPr>
-                </a:pPr>
-                <a:r>
-                  <a:rPr lang="en-US"/>
-                  <a:t>Input</a:t>
-                </a:r>
-              </a:p>
-            </c:rich>
-          </c:tx>
-          <c:layout/>
-          <c:overlay val="0"/>
-          <c:spPr>
-            <a:noFill/>
-            <a:ln>
-              <a:noFill/>
-            </a:ln>
-            <a:effectLst/>
-          </c:spPr>
-        </c:title>
-        <c:numFmt formatCode="General" sourceLinked="1"/>
-        <c:majorTickMark val="none"/>
-        <c:minorTickMark val="none"/>
-        <c:tickLblPos val="nextTo"/>
-        <c:spPr>
-          <a:noFill/>
-          <a:ln w="19050" cap="flat" cmpd="sng" algn="ctr">
-            <a:solidFill>
-              <a:schemeClr val="dk1">
-                <a:lumMod val="75000"/>
-                <a:lumOff val="25000"/>
-              </a:schemeClr>
-            </a:solidFill>
-            <a:round/>
-          </a:ln>
-          <a:effectLst/>
-        </c:spPr>
-        <c:txPr>
-          <a:bodyPr rot="-60000000" spcFirstLastPara="1" vertOverflow="ellipsis" vert="horz" wrap="square" anchor="ctr" anchorCtr="1"/>
-          <a:lstStyle/>
-          <a:p>
-            <a:pPr>
-              <a:defRPr sz="900" b="0" i="0" u="none" strike="noStrike" kern="1200" cap="all" baseline="0">
-                <a:solidFill>
-                  <a:schemeClr val="dk1">
-                    <a:lumMod val="75000"/>
-                    <a:lumOff val="25000"/>
-                  </a:schemeClr>
-                </a:solidFill>
-                <a:latin typeface="+mn-lt"/>
-                <a:ea typeface="+mn-ea"/>
-                <a:cs typeface="+mn-cs"/>
-              </a:defRPr>
-            </a:pPr>
-            <a:endParaRPr lang="en-US"/>
-          </a:p>
-        </c:txPr>
-        <c:crossAx val="2073403304"/>
-        <c:crosses val="autoZero"/>
-        <c:auto val="1"/>
-        <c:lblAlgn val="ctr"/>
-        <c:lblOffset val="100"/>
-        <c:noMultiLvlLbl val="0"/>
-      </c:catAx>
-      <c:valAx>
-        <c:axId val="2073403304"/>
-        <c:scaling>
-          <c:orientation val="minMax"/>
-        </c:scaling>
-        <c:delete val="0"/>
-        <c:axPos val="b"/>
-        <c:majorGridlines>
-          <c:spPr>
-            <a:ln w="9525" cap="flat" cmpd="sng" algn="ctr">
-              <a:gradFill>
-                <a:gsLst>
-                  <a:gs pos="100000">
-                    <a:schemeClr val="dk1">
-                      <a:lumMod val="95000"/>
-                      <a:lumOff val="5000"/>
-                      <a:alpha val="42000"/>
-                    </a:schemeClr>
-                  </a:gs>
-                  <a:gs pos="0">
-                    <a:schemeClr val="lt1">
-                      <a:lumMod val="75000"/>
-                      <a:alpha val="36000"/>
-                    </a:schemeClr>
-                  </a:gs>
-                </a:gsLst>
-                <a:lin ang="5400000" scaled="0"/>
-              </a:gradFill>
-              <a:round/>
-            </a:ln>
-            <a:effectLst/>
-          </c:spPr>
-        </c:majorGridlines>
-        <c:title>
-          <c:tx>
-            <c:rich>
-              <a:bodyPr rot="0" spcFirstLastPara="1" vertOverflow="ellipsis" vert="horz" wrap="square" anchor="ctr" anchorCtr="1"/>
-              <a:lstStyle/>
-              <a:p>
-                <a:pPr>
-                  <a:defRPr sz="900" b="1" i="0" u="none" strike="noStrike" kern="1200" baseline="0">
-                    <a:solidFill>
-                      <a:schemeClr val="dk1">
-                        <a:lumMod val="75000"/>
-                        <a:lumOff val="25000"/>
-                      </a:schemeClr>
-                    </a:solidFill>
-                    <a:latin typeface="+mn-lt"/>
-                    <a:ea typeface="+mn-ea"/>
-                    <a:cs typeface="+mn-cs"/>
-                  </a:defRPr>
-                </a:pPr>
-                <a:r>
-                  <a:rPr lang="en-US"/>
-                  <a:t>Time (s)</a:t>
-                </a:r>
-              </a:p>
-            </c:rich>
-          </c:tx>
-          <c:layout/>
-          <c:overlay val="0"/>
-          <c:spPr>
-            <a:noFill/>
-            <a:ln>
-              <a:noFill/>
-            </a:ln>
-            <a:effectLst/>
-          </c:spPr>
-        </c:title>
-        <c:numFmt formatCode="0%" sourceLinked="1"/>
-        <c:majorTickMark val="out"/>
-        <c:minorTickMark val="none"/>
-        <c:tickLblPos val="nextTo"/>
-        <c:spPr>
-          <a:noFill/>
-          <a:ln>
-            <a:noFill/>
-          </a:ln>
-          <a:effectLst/>
-        </c:spPr>
-        <c:txPr>
-          <a:bodyPr rot="-60000000" spcFirstLastPara="1" vertOverflow="ellipsis" vert="horz" wrap="square" anchor="ctr" anchorCtr="1"/>
-          <a:lstStyle/>
-          <a:p>
-            <a:pPr>
-              <a:defRPr sz="900" b="0" i="0" u="none" strike="noStrike" kern="1200" baseline="0">
-                <a:solidFill>
-                  <a:schemeClr val="dk1">
-                    <a:lumMod val="75000"/>
-                    <a:lumOff val="25000"/>
-                  </a:schemeClr>
-                </a:solidFill>
-                <a:latin typeface="+mn-lt"/>
-                <a:ea typeface="+mn-ea"/>
-                <a:cs typeface="+mn-cs"/>
-              </a:defRPr>
-            </a:pPr>
-            <a:endParaRPr lang="en-US"/>
-          </a:p>
-        </c:txPr>
-        <c:crossAx val="-2116255208"/>
-        <c:crosses val="autoZero"/>
-        <c:crossBetween val="between"/>
-      </c:valAx>
-      <c:spPr>
-        <a:noFill/>
-        <a:ln>
-          <a:noFill/>
-        </a:ln>
-        <a:effectLst/>
-      </c:spPr>
-    </c:plotArea>
-    <c:legend>
-      <c:legendPos val="b"/>
-      <c:layout/>
-      <c:overlay val="0"/>
-      <c:spPr>
-        <a:solidFill>
-          <a:schemeClr val="lt1">
-            <a:lumMod val="95000"/>
-            <a:alpha val="39000"/>
-          </a:schemeClr>
-        </a:solidFill>
-        <a:ln>
-          <a:noFill/>
-        </a:ln>
-        <a:effectLst/>
-      </c:spPr>
-      <c:txPr>
-        <a:bodyPr rot="0" spcFirstLastPara="1" vertOverflow="ellipsis" vert="horz" wrap="square" anchor="ctr" anchorCtr="1"/>
-        <a:lstStyle/>
-        <a:p>
-          <a:pPr>
-            <a:defRPr sz="1200" b="0" i="0" u="none" strike="noStrike" kern="1200" baseline="0">
-              <a:solidFill>
-                <a:schemeClr val="dk1">
-                  <a:lumMod val="75000"/>
-                  <a:lumOff val="25000"/>
-                </a:schemeClr>
-              </a:solidFill>
-              <a:latin typeface="+mn-lt"/>
-              <a:ea typeface="+mn-ea"/>
-              <a:cs typeface="+mn-cs"/>
-            </a:defRPr>
-          </a:pPr>
-          <a:endParaRPr lang="en-US"/>
-        </a:p>
-      </c:txPr>
-    </c:legend>
-    <c:plotVisOnly val="1"/>
-    <c:dispBlanksAs val="gap"/>
-    <c:showDLblsOverMax val="0"/>
-    <c:extLst xmlns:c16r2="http://schemas.microsoft.com/office/drawing/2015/06/chart"/>
-  </c:chart>
-  <c:spPr>
-    <a:gradFill flip="none" rotWithShape="1">
-      <a:gsLst>
-        <a:gs pos="0">
-          <a:schemeClr val="lt1"/>
-        </a:gs>
-        <a:gs pos="39000">
-          <a:schemeClr val="lt1"/>
-        </a:gs>
-        <a:gs pos="100000">
-          <a:schemeClr val="lt1">
-            <a:lumMod val="75000"/>
-          </a:schemeClr>
-        </a:gs>
-      </a:gsLst>
-      <a:path path="circle">
-        <a:fillToRect l="50000" t="-80000" r="50000" b="180000"/>
-      </a:path>
-      <a:tileRect/>
-    </a:gradFill>
-    <a:ln w="9525" cap="flat" cmpd="sng" algn="ctr">
-      <a:solidFill>
-        <a:schemeClr val="dk1">
-          <a:lumMod val="25000"/>
-          <a:lumOff val="75000"/>
-        </a:schemeClr>
-      </a:solidFill>
-      <a:round/>
-    </a:ln>
-    <a:effectLst/>
-  </c:spPr>
-  <c:txPr>
-    <a:bodyPr/>
-    <a:lstStyle/>
-    <a:p>
-      <a:pPr>
-        <a:defRPr/>
-      </a:pPr>
-      <a:endParaRPr lang="en-US"/>
-    </a:p>
-  </c:txPr>
-  <c:externalData r:id="rId2">
-    <c:autoUpdate val="0"/>
-  </c:externalData>
-</c:chartSpace>
 </file>
 
 <file path=ppt/notesMasters/notesMaster1.xml><?xml version="1.0" encoding="utf-8"?>
@@ -3219,7 +736,7 @@
           <a:p>
             <a:fld id="{32EA0742-33EE-B141-983A-F68578BB7E61}" type="slidenum">
               <a:rPr lang="en-US" smtClean="0"/>
-              <a:t>6</a:t>
+              <a:t>5</a:t>
             </a:fld>
             <a:endParaRPr lang="en-US"/>
           </a:p>
@@ -3311,7 +828,7 @@
           <a:p>
             <a:fld id="{32EA0742-33EE-B141-983A-F68578BB7E61}" type="slidenum">
               <a:rPr lang="en-US" smtClean="0"/>
-              <a:t>8</a:t>
+              <a:t>6</a:t>
             </a:fld>
             <a:endParaRPr lang="en-US"/>
           </a:p>
@@ -3380,7 +897,7 @@
             </a:r>
             <a:r>
               <a:rPr lang="en-US" baseline="0" dirty="0" smtClean="0"/>
-              <a:t> For the execution of the for loop above, the program has to first check the condition of the for loop, before executing the block of code inside the loop. However for do-while loops, the program executes first the code inside the block, and then checks the condition for verification before proceeding with the next iteration. Although this results in a slight improvement, when you’re dealing with a large code base, with the ultimate goal of performance, a slight increase is still significant. Most CPUs have conditional branches that </a:t>
+              <a:t> For the execution of the for loop above, the program has to first check the condition of the for loop, before executing the block of code inside the loop. However for do-while loops, the program executes first the code inside the block, and then checks the condition for verification before proceeding with the next iteration. Although this results in a slight improvement, when you’re dealing with a large code base, with the ultimate goal of performance, a slight increase is still significant.</a:t>
             </a:r>
             <a:endParaRPr lang="en-US" dirty="0"/>
           </a:p>
@@ -3403,7 +920,7 @@
           <a:p>
             <a:fld id="{32EA0742-33EE-B141-983A-F68578BB7E61}" type="slidenum">
               <a:rPr lang="en-US" smtClean="0"/>
-              <a:t>10</a:t>
+              <a:t>7</a:t>
             </a:fld>
             <a:endParaRPr lang="en-US"/>
           </a:p>
@@ -8103,910 +5620,6 @@
 </p:sld>
 </file>
 
-<file path=ppt/slides/slide10.xml><?xml version="1.0" encoding="utf-8"?>
-<p:sld xmlns:a="http://schemas.openxmlformats.org/drawingml/2006/main" xmlns:r="http://schemas.openxmlformats.org/officeDocument/2006/relationships" xmlns:p="http://schemas.openxmlformats.org/presentationml/2006/main">
-  <p:cSld>
-    <p:spTree>
-      <p:nvGrpSpPr>
-        <p:cNvPr id="1" name=""/>
-        <p:cNvGrpSpPr/>
-        <p:nvPr/>
-      </p:nvGrpSpPr>
-      <p:grpSpPr>
-        <a:xfrm>
-          <a:off x="0" y="0"/>
-          <a:ext cx="0" cy="0"/>
-          <a:chOff x="0" y="0"/>
-          <a:chExt cx="0" cy="0"/>
-        </a:xfrm>
-      </p:grpSpPr>
-      <p:sp>
-        <p:nvSpPr>
-          <p:cNvPr id="2" name="Title 1"/>
-          <p:cNvSpPr>
-            <a:spLocks noGrp="1"/>
-          </p:cNvSpPr>
-          <p:nvPr>
-            <p:ph type="title"/>
-          </p:nvPr>
-        </p:nvSpPr>
-        <p:spPr/>
-        <p:txBody>
-          <a:bodyPr>
-            <a:normAutofit/>
-          </a:bodyPr>
-          <a:lstStyle/>
-          <a:p>
-            <a:r>
-              <a:rPr lang="en-US" dirty="0" smtClean="0"/>
-              <a:t>Loop Overhead Optimization</a:t>
-            </a:r>
-            <a:endParaRPr lang="en-US" dirty="0"/>
-          </a:p>
-        </p:txBody>
-      </p:sp>
-      <p:sp>
-        <p:nvSpPr>
-          <p:cNvPr id="3" name="Content Placeholder 2"/>
-          <p:cNvSpPr>
-            <a:spLocks noGrp="1"/>
-          </p:cNvSpPr>
-          <p:nvPr>
-            <p:ph idx="1"/>
-          </p:nvPr>
-        </p:nvSpPr>
-        <p:spPr/>
-        <p:txBody>
-          <a:bodyPr/>
-          <a:lstStyle/>
-          <a:p>
-            <a:endParaRPr lang="en-US" dirty="0"/>
-          </a:p>
-        </p:txBody>
-      </p:sp>
-      <p:graphicFrame>
-        <p:nvGraphicFramePr>
-          <p:cNvPr id="4" name="Content Placeholder 3"/>
-          <p:cNvGraphicFramePr>
-            <a:graphicFrameLocks/>
-          </p:cNvGraphicFramePr>
-          <p:nvPr>
-            <p:extLst>
-              <p:ext uri="{D42A27DB-BD31-4B8C-83A1-F6EECF244321}">
-                <p14:modId xmlns:p14="http://schemas.microsoft.com/office/powerpoint/2010/main" val="3919334622"/>
-              </p:ext>
-            </p:extLst>
-          </p:nvPr>
-        </p:nvGraphicFramePr>
-        <p:xfrm>
-          <a:off x="457200" y="1633243"/>
-          <a:ext cx="8229600" cy="2203859"/>
-        </p:xfrm>
-        <a:graphic>
-          <a:graphicData uri="http://schemas.openxmlformats.org/drawingml/2006/table">
-            <a:tbl>
-              <a:tblPr firstRow="1" bandRow="1">
-                <a:tableStyleId>{5C22544A-7EE6-4342-B048-85BDC9FD1C3A}</a:tableStyleId>
-              </a:tblPr>
-              <a:tblGrid>
-                <a:gridCol w="4114800"/>
-                <a:gridCol w="4114800"/>
-              </a:tblGrid>
-              <a:tr h="338842">
-                <a:tc>
-                  <a:txBody>
-                    <a:bodyPr/>
-                    <a:lstStyle/>
-                    <a:p>
-                      <a:pPr marL="0" marR="0" indent="0" algn="l" defTabSz="457200" rtl="0" eaLnBrk="1" fontAlgn="auto" latinLnBrk="0" hangingPunct="1">
-                        <a:lnSpc>
-                          <a:spcPct val="100000"/>
-                        </a:lnSpc>
-                        <a:spcBef>
-                          <a:spcPts val="0"/>
-                        </a:spcBef>
-                        <a:spcAft>
-                          <a:spcPts val="0"/>
-                        </a:spcAft>
-                        <a:buClrTx/>
-                        <a:buSzTx/>
-                        <a:buFontTx/>
-                        <a:buNone/>
-                        <a:tabLst/>
-                        <a:defRPr/>
-                      </a:pPr>
-                      <a:r>
-                        <a:rPr lang="en-US" dirty="0" smtClean="0"/>
-                        <a:t>Un - Optimized</a:t>
-                      </a:r>
-                      <a:endParaRPr lang="en-US" dirty="0"/>
-                    </a:p>
-                  </a:txBody>
-                  <a:tcPr/>
-                </a:tc>
-                <a:tc>
-                  <a:txBody>
-                    <a:bodyPr/>
-                    <a:lstStyle/>
-                    <a:p>
-                      <a:r>
-                        <a:rPr lang="en-US" dirty="0" smtClean="0"/>
-                        <a:t>Optimized</a:t>
-                      </a:r>
-                      <a:endParaRPr lang="en-US" dirty="0"/>
-                    </a:p>
-                  </a:txBody>
-                  <a:tcPr/>
-                </a:tc>
-              </a:tr>
-              <a:tr h="1838099">
-                <a:tc>
-                  <a:txBody>
-                    <a:bodyPr/>
-                    <a:lstStyle/>
-                    <a:p>
-                      <a:r>
-                        <a:rPr lang="en-US" sz="1800" kern="1200" dirty="0" smtClean="0">
-                          <a:solidFill>
-                            <a:schemeClr val="dk1"/>
-                          </a:solidFill>
-                          <a:latin typeface="+mn-lt"/>
-                          <a:ea typeface="+mn-ea"/>
-                          <a:cs typeface="+mn-cs"/>
-                        </a:rPr>
-                        <a:t>F</a:t>
-                      </a:r>
-                      <a:r>
-                        <a:rPr lang="mr-IN" sz="1800" kern="1200" dirty="0" smtClean="0">
-                          <a:solidFill>
-                            <a:schemeClr val="dk1"/>
-                          </a:solidFill>
-                          <a:latin typeface="+mn-lt"/>
-                          <a:ea typeface="+mn-ea"/>
-                          <a:cs typeface="+mn-cs"/>
-                        </a:rPr>
-                        <a:t>or</a:t>
-                      </a:r>
-                      <a:r>
-                        <a:rPr lang="en-CA" sz="1800" kern="1200" dirty="0" smtClean="0">
-                          <a:solidFill>
-                            <a:schemeClr val="dk1"/>
-                          </a:solidFill>
-                          <a:latin typeface="+mn-lt"/>
-                          <a:ea typeface="+mn-ea"/>
-                          <a:cs typeface="+mn-cs"/>
-                        </a:rPr>
-                        <a:t>(</a:t>
-                      </a:r>
-                      <a:r>
-                        <a:rPr lang="mr-IN" sz="1800" kern="1200" dirty="0" smtClean="0">
-                          <a:solidFill>
-                            <a:schemeClr val="dk1"/>
-                          </a:solidFill>
-                          <a:latin typeface="+mn-lt"/>
-                          <a:ea typeface="+mn-ea"/>
-                          <a:cs typeface="+mn-cs"/>
-                        </a:rPr>
-                        <a:t>i</a:t>
-                      </a:r>
-                      <a:r>
-                        <a:rPr lang="en-CA" sz="1800" kern="1200" dirty="0" smtClean="0">
-                          <a:solidFill>
-                            <a:schemeClr val="dk1"/>
-                          </a:solidFill>
-                          <a:latin typeface="+mn-lt"/>
-                          <a:ea typeface="+mn-ea"/>
-                          <a:cs typeface="+mn-cs"/>
-                        </a:rPr>
-                        <a:t>=</a:t>
-                      </a:r>
-                      <a:r>
-                        <a:rPr lang="mr-IN" sz="1800" kern="1200" dirty="0" smtClean="0">
-                          <a:solidFill>
-                            <a:schemeClr val="dk1"/>
-                          </a:solidFill>
-                          <a:latin typeface="+mn-lt"/>
-                          <a:ea typeface="+mn-ea"/>
-                          <a:cs typeface="+mn-cs"/>
-                        </a:rPr>
-                        <a:t>0;i</a:t>
-                      </a:r>
-                      <a:r>
-                        <a:rPr lang="en-CA" sz="1800" kern="1200" dirty="0" smtClean="0">
-                          <a:solidFill>
-                            <a:schemeClr val="dk1"/>
-                          </a:solidFill>
-                          <a:latin typeface="+mn-lt"/>
-                          <a:ea typeface="+mn-ea"/>
-                          <a:cs typeface="+mn-cs"/>
-                        </a:rPr>
-                        <a:t>&lt;</a:t>
-                      </a:r>
-                      <a:r>
-                        <a:rPr lang="mr-IN" sz="1800" kern="1200" dirty="0" smtClean="0">
-                          <a:solidFill>
-                            <a:schemeClr val="dk1"/>
-                          </a:solidFill>
-                          <a:latin typeface="+mn-lt"/>
-                          <a:ea typeface="+mn-ea"/>
-                          <a:cs typeface="+mn-cs"/>
-                        </a:rPr>
-                        <a:t>100;i</a:t>
-                      </a:r>
-                      <a:r>
-                        <a:rPr lang="en-CA" sz="1800" kern="1200" dirty="0" smtClean="0">
-                          <a:solidFill>
-                            <a:schemeClr val="dk1"/>
-                          </a:solidFill>
-                          <a:latin typeface="+mn-lt"/>
-                          <a:ea typeface="+mn-ea"/>
-                          <a:cs typeface="+mn-cs"/>
-                        </a:rPr>
-                        <a:t>++)</a:t>
-                      </a:r>
-                      <a:r>
-                        <a:rPr lang="mr-IN" sz="1800" kern="1200" dirty="0" smtClean="0">
-                          <a:solidFill>
-                            <a:schemeClr val="dk1"/>
-                          </a:solidFill>
-                          <a:latin typeface="+mn-lt"/>
-                          <a:ea typeface="+mn-ea"/>
-                          <a:cs typeface="+mn-cs"/>
-                        </a:rPr>
-                        <a:t> {</a:t>
-                      </a:r>
-                    </a:p>
-                    <a:p>
-                      <a:r>
-                        <a:rPr lang="mr-IN" sz="1800" kern="1200" dirty="0" smtClean="0">
-                          <a:solidFill>
-                            <a:schemeClr val="dk1"/>
-                          </a:solidFill>
-                          <a:latin typeface="+mn-lt"/>
-                          <a:ea typeface="+mn-ea"/>
-                          <a:cs typeface="+mn-cs"/>
-                        </a:rPr>
-                        <a:t>        </a:t>
-                      </a:r>
-                      <a:r>
-                        <a:rPr lang="en-CA" sz="1800" kern="1200" dirty="0" err="1" smtClean="0">
-                          <a:solidFill>
-                            <a:schemeClr val="dk1"/>
-                          </a:solidFill>
-                          <a:latin typeface="+mn-lt"/>
-                          <a:ea typeface="+mn-ea"/>
-                          <a:cs typeface="+mn-cs"/>
-                        </a:rPr>
-                        <a:t>System.out.print</a:t>
-                      </a:r>
-                      <a:r>
-                        <a:rPr lang="en-CA" sz="1800" kern="1200" dirty="0" smtClean="0">
-                          <a:solidFill>
-                            <a:schemeClr val="dk1"/>
-                          </a:solidFill>
-                          <a:latin typeface="+mn-lt"/>
-                          <a:ea typeface="+mn-ea"/>
-                          <a:cs typeface="+mn-cs"/>
-                        </a:rPr>
-                        <a:t>(</a:t>
-                      </a:r>
-                      <a:r>
-                        <a:rPr lang="en-CA" sz="1800" kern="1200" dirty="0" err="1" smtClean="0">
-                          <a:solidFill>
-                            <a:schemeClr val="dk1"/>
-                          </a:solidFill>
-                          <a:latin typeface="+mn-lt"/>
-                          <a:ea typeface="+mn-ea"/>
-                          <a:cs typeface="+mn-cs"/>
-                        </a:rPr>
-                        <a:t>i</a:t>
-                      </a:r>
-                      <a:r>
-                        <a:rPr lang="en-CA" sz="1800" kern="1200" dirty="0" smtClean="0">
-                          <a:solidFill>
-                            <a:schemeClr val="dk1"/>
-                          </a:solidFill>
-                          <a:latin typeface="+mn-lt"/>
-                          <a:ea typeface="+mn-ea"/>
-                          <a:cs typeface="+mn-cs"/>
-                        </a:rPr>
-                        <a:t>);</a:t>
-                      </a:r>
-                      <a:endParaRPr lang="mr-IN" sz="1800" kern="1200" dirty="0" smtClean="0">
-                        <a:solidFill>
-                          <a:schemeClr val="dk1"/>
-                        </a:solidFill>
-                        <a:latin typeface="+mn-lt"/>
-                        <a:ea typeface="+mn-ea"/>
-                        <a:cs typeface="+mn-cs"/>
-                      </a:endParaRPr>
-                    </a:p>
-                    <a:p>
-                      <a:r>
-                        <a:rPr lang="mr-IN" sz="1800" kern="1200" dirty="0" smtClean="0">
-                          <a:solidFill>
-                            <a:schemeClr val="dk1"/>
-                          </a:solidFill>
-                          <a:latin typeface="+mn-lt"/>
-                          <a:ea typeface="+mn-ea"/>
-                          <a:cs typeface="+mn-cs"/>
-                        </a:rPr>
-                        <a:t>    }</a:t>
-                      </a:r>
-                    </a:p>
-                  </a:txBody>
-                  <a:tcPr/>
-                </a:tc>
-                <a:tc>
-                  <a:txBody>
-                    <a:bodyPr/>
-                    <a:lstStyle/>
-                    <a:p>
-                      <a:r>
-                        <a:rPr lang="mr-IN" sz="1800" kern="1200" dirty="0" smtClean="0">
-                          <a:solidFill>
-                            <a:schemeClr val="dk1"/>
-                          </a:solidFill>
-                          <a:latin typeface="+mn-lt"/>
-                          <a:ea typeface="+mn-ea"/>
-                          <a:cs typeface="+mn-cs"/>
-                        </a:rPr>
-                        <a:t> i</a:t>
-                      </a:r>
-                      <a:r>
-                        <a:rPr lang="en-CA" sz="1800" kern="1200" dirty="0" smtClean="0">
-                          <a:solidFill>
-                            <a:schemeClr val="dk1"/>
-                          </a:solidFill>
-                          <a:latin typeface="+mn-lt"/>
-                          <a:ea typeface="+mn-ea"/>
-                          <a:cs typeface="+mn-cs"/>
-                        </a:rPr>
-                        <a:t>=</a:t>
-                      </a:r>
-                      <a:r>
-                        <a:rPr lang="mr-IN" sz="1800" kern="1200" dirty="0" smtClean="0">
-                          <a:solidFill>
-                            <a:schemeClr val="dk1"/>
-                          </a:solidFill>
-                          <a:latin typeface="+mn-lt"/>
-                          <a:ea typeface="+mn-ea"/>
-                          <a:cs typeface="+mn-cs"/>
-                        </a:rPr>
-                        <a:t>99;</a:t>
-                      </a:r>
-                    </a:p>
-                    <a:p>
-                      <a:r>
-                        <a:rPr lang="mr-IN" sz="1800" kern="1200" dirty="0" smtClean="0">
-                          <a:solidFill>
-                            <a:schemeClr val="dk1"/>
-                          </a:solidFill>
-                          <a:latin typeface="+mn-lt"/>
-                          <a:ea typeface="+mn-ea"/>
-                          <a:cs typeface="+mn-cs"/>
-                        </a:rPr>
-                        <a:t>    do {</a:t>
-                      </a:r>
-                    </a:p>
-                    <a:p>
-                      <a:r>
-                        <a:rPr lang="mr-IN" sz="1800" kern="1200" dirty="0" smtClean="0">
-                          <a:solidFill>
-                            <a:schemeClr val="dk1"/>
-                          </a:solidFill>
-                          <a:latin typeface="+mn-lt"/>
-                          <a:ea typeface="+mn-ea"/>
-                          <a:cs typeface="+mn-cs"/>
-                        </a:rPr>
-                        <a:t>        </a:t>
-                      </a:r>
-                      <a:r>
-                        <a:rPr lang="en-CA" sz="1800" kern="1200" dirty="0" err="1" smtClean="0">
-                          <a:solidFill>
-                            <a:schemeClr val="dk1"/>
-                          </a:solidFill>
-                          <a:latin typeface="+mn-lt"/>
-                          <a:ea typeface="+mn-ea"/>
-                          <a:cs typeface="+mn-cs"/>
-                        </a:rPr>
-                        <a:t>System.out.print</a:t>
-                      </a:r>
-                      <a:r>
-                        <a:rPr lang="en-CA" sz="1800" kern="1200" dirty="0" smtClean="0">
-                          <a:solidFill>
-                            <a:schemeClr val="dk1"/>
-                          </a:solidFill>
-                          <a:latin typeface="+mn-lt"/>
-                          <a:ea typeface="+mn-ea"/>
-                          <a:cs typeface="+mn-cs"/>
-                        </a:rPr>
-                        <a:t>(</a:t>
-                      </a:r>
-                      <a:r>
-                        <a:rPr lang="en-CA" sz="1800" kern="1200" dirty="0" err="1" smtClean="0">
-                          <a:solidFill>
-                            <a:schemeClr val="dk1"/>
-                          </a:solidFill>
-                          <a:latin typeface="+mn-lt"/>
-                          <a:ea typeface="+mn-ea"/>
-                          <a:cs typeface="+mn-cs"/>
-                        </a:rPr>
-                        <a:t>i</a:t>
-                      </a:r>
-                      <a:r>
-                        <a:rPr lang="en-CA" sz="1800" kern="1200" dirty="0" smtClean="0">
-                          <a:solidFill>
-                            <a:schemeClr val="dk1"/>
-                          </a:solidFill>
-                          <a:latin typeface="+mn-lt"/>
-                          <a:ea typeface="+mn-ea"/>
-                          <a:cs typeface="+mn-cs"/>
-                        </a:rPr>
-                        <a:t>);</a:t>
-                      </a:r>
-                      <a:endParaRPr lang="mr-IN" sz="1800" kern="1200" dirty="0" smtClean="0">
-                        <a:solidFill>
-                          <a:schemeClr val="dk1"/>
-                        </a:solidFill>
-                        <a:latin typeface="+mn-lt"/>
-                        <a:ea typeface="+mn-ea"/>
-                        <a:cs typeface="+mn-cs"/>
-                      </a:endParaRPr>
-                    </a:p>
-                    <a:p>
-                      <a:r>
-                        <a:rPr lang="mr-IN" sz="1800" kern="1200" dirty="0" smtClean="0">
-                          <a:solidFill>
-                            <a:schemeClr val="dk1"/>
-                          </a:solidFill>
-                          <a:latin typeface="+mn-lt"/>
-                          <a:ea typeface="+mn-ea"/>
-                          <a:cs typeface="+mn-cs"/>
-                        </a:rPr>
-                        <a:t>        </a:t>
-                      </a:r>
-                      <a:r>
-                        <a:rPr lang="mr-IN" sz="1800" kern="1200" dirty="0" smtClean="0">
-                          <a:solidFill>
-                            <a:schemeClr val="dk1"/>
-                          </a:solidFill>
-                          <a:latin typeface="+mn-lt"/>
-                          <a:ea typeface="+mn-ea"/>
-                          <a:cs typeface="+mn-cs"/>
-                        </a:rPr>
-                        <a:t>i</a:t>
-                      </a:r>
-                      <a:r>
-                        <a:rPr lang="en-CA" sz="1800" kern="1200" dirty="0" smtClean="0">
-                          <a:solidFill>
-                            <a:schemeClr val="dk1"/>
-                          </a:solidFill>
-                          <a:latin typeface="+mn-lt"/>
-                          <a:ea typeface="+mn-ea"/>
-                          <a:cs typeface="+mn-cs"/>
-                        </a:rPr>
-                        <a:t>--</a:t>
-                      </a:r>
-                      <a:r>
-                        <a:rPr lang="mr-IN" sz="1800" kern="1200" dirty="0" smtClean="0">
-                          <a:solidFill>
-                            <a:schemeClr val="dk1"/>
-                          </a:solidFill>
-                          <a:latin typeface="+mn-lt"/>
-                          <a:ea typeface="+mn-ea"/>
-                          <a:cs typeface="+mn-cs"/>
-                        </a:rPr>
-                        <a:t>;</a:t>
-                      </a:r>
-                    </a:p>
-                    <a:p>
-                      <a:r>
-                        <a:rPr lang="en-US" sz="1800" kern="1200" dirty="0" smtClean="0">
-                          <a:solidFill>
-                            <a:schemeClr val="dk1"/>
-                          </a:solidFill>
-                          <a:latin typeface="+mn-lt"/>
-                          <a:ea typeface="+mn-ea"/>
-                          <a:cs typeface="+mn-cs"/>
-                        </a:rPr>
-                        <a:t>    } while(</a:t>
-                      </a:r>
-                      <a:r>
-                        <a:rPr lang="en-US" sz="1800" kern="1200" dirty="0" err="1" smtClean="0">
-                          <a:solidFill>
-                            <a:schemeClr val="dk1"/>
-                          </a:solidFill>
-                          <a:latin typeface="+mn-lt"/>
-                          <a:ea typeface="+mn-ea"/>
-                          <a:cs typeface="+mn-cs"/>
-                        </a:rPr>
-                        <a:t>i</a:t>
-                      </a:r>
-                      <a:r>
-                        <a:rPr lang="en-US" sz="1800" kern="1200" dirty="0" smtClean="0">
-                          <a:solidFill>
-                            <a:schemeClr val="dk1"/>
-                          </a:solidFill>
-                          <a:latin typeface="+mn-lt"/>
-                          <a:ea typeface="+mn-ea"/>
-                          <a:cs typeface="+mn-cs"/>
-                        </a:rPr>
-                        <a:t> &gt;= 0);</a:t>
-                      </a:r>
-                      <a:endParaRPr lang="en-US" dirty="0"/>
-                    </a:p>
-                  </a:txBody>
-                  <a:tcPr/>
-                </a:tc>
-              </a:tr>
-            </a:tbl>
-          </a:graphicData>
-        </a:graphic>
-      </p:graphicFrame>
-      <p:graphicFrame>
-        <p:nvGraphicFramePr>
-          <p:cNvPr id="5" name="Table 4"/>
-          <p:cNvGraphicFramePr>
-            <a:graphicFrameLocks noGrp="1"/>
-          </p:cNvGraphicFramePr>
-          <p:nvPr>
-            <p:extLst>
-              <p:ext uri="{D42A27DB-BD31-4B8C-83A1-F6EECF244321}">
-                <p14:modId xmlns:p14="http://schemas.microsoft.com/office/powerpoint/2010/main" val="329299152"/>
-              </p:ext>
-            </p:extLst>
-          </p:nvPr>
-        </p:nvGraphicFramePr>
-        <p:xfrm>
-          <a:off x="457200" y="4060366"/>
-          <a:ext cx="8229600" cy="2435468"/>
-        </p:xfrm>
-        <a:graphic>
-          <a:graphicData uri="http://schemas.openxmlformats.org/drawingml/2006/table">
-            <a:tbl>
-              <a:tblPr firstRow="1" bandRow="1">
-                <a:tableStyleId>{5C22544A-7EE6-4342-B048-85BDC9FD1C3A}</a:tableStyleId>
-              </a:tblPr>
-              <a:tblGrid>
-                <a:gridCol w="4114800"/>
-                <a:gridCol w="4114800"/>
-              </a:tblGrid>
-              <a:tr h="464953">
-                <a:tc gridSpan="2">
-                  <a:txBody>
-                    <a:bodyPr/>
-                    <a:lstStyle/>
-                    <a:p>
-                      <a:pPr algn="ctr"/>
-                      <a:r>
-                        <a:rPr lang="en-US" dirty="0" smtClean="0"/>
-                        <a:t>Run</a:t>
-                      </a:r>
-                      <a:r>
-                        <a:rPr lang="en-US" baseline="0" dirty="0" smtClean="0"/>
-                        <a:t> Time Analysis</a:t>
-                      </a:r>
-                      <a:endParaRPr lang="en-US" dirty="0"/>
-                    </a:p>
-                  </a:txBody>
-                  <a:tcPr/>
-                </a:tc>
-                <a:tc hMerge="1">
-                  <a:txBody>
-                    <a:bodyPr/>
-                    <a:lstStyle/>
-                    <a:p>
-                      <a:endParaRPr lang="en-US" dirty="0"/>
-                    </a:p>
-                  </a:txBody>
-                  <a:tcPr/>
-                </a:tc>
-              </a:tr>
-              <a:tr h="1970515">
-                <a:tc>
-                  <a:txBody>
-                    <a:bodyPr/>
-                    <a:lstStyle/>
-                    <a:p>
-                      <a:pPr algn="ctr"/>
-                      <a:r>
-                        <a:rPr lang="en-US" sz="1400" b="1" u="sng" dirty="0" smtClean="0"/>
-                        <a:t>Un-optimized</a:t>
-                      </a:r>
-                    </a:p>
-                    <a:p>
-                      <a:endParaRPr lang="en-US" sz="1400" dirty="0" smtClean="0"/>
-                    </a:p>
-                    <a:p>
-                      <a:r>
-                        <a:rPr lang="en-US" sz="1400" dirty="0" smtClean="0"/>
-                        <a:t>N = 10000000 | Time = </a:t>
-                      </a:r>
-                      <a:r>
-                        <a:rPr lang="is-IS" sz="1400" dirty="0" smtClean="0"/>
-                        <a:t>3.79261517524719</a:t>
-                      </a:r>
-                      <a:br>
-                        <a:rPr lang="is-IS" sz="1400" dirty="0" smtClean="0"/>
-                      </a:br>
-                      <a:endParaRPr lang="en-US" sz="1400" dirty="0" smtClean="0"/>
-                    </a:p>
-                    <a:p>
-                      <a:r>
-                        <a:rPr lang="en-US" sz="1400" dirty="0" smtClean="0"/>
-                        <a:t>N = 100000000 | Time = 38.7858934402465</a:t>
-                      </a:r>
-                    </a:p>
-                    <a:p>
-                      <a:endParaRPr lang="en-US" sz="1400" dirty="0" smtClean="0"/>
-                    </a:p>
-                    <a:p>
-                      <a:r>
-                        <a:rPr lang="en-US" sz="1400" dirty="0" smtClean="0"/>
-                        <a:t>N = 1000000000| Time = </a:t>
-                      </a:r>
-                      <a:r>
-                        <a:rPr lang="is-IS" sz="1400" dirty="0" smtClean="0"/>
-                        <a:t>403.723316192626</a:t>
-                      </a:r>
-                      <a:endParaRPr lang="en-US" sz="1400" dirty="0" smtClean="0"/>
-                    </a:p>
-                    <a:p>
-                      <a:endParaRPr lang="en-US" sz="1400" dirty="0"/>
-                    </a:p>
-                  </a:txBody>
-                  <a:tcPr/>
-                </a:tc>
-                <a:tc>
-                  <a:txBody>
-                    <a:bodyPr/>
-                    <a:lstStyle/>
-                    <a:p>
-                      <a:pPr algn="ctr"/>
-                      <a:r>
-                        <a:rPr lang="en-US" sz="1400" b="1" u="sng" dirty="0" smtClean="0"/>
-                        <a:t>Optimized</a:t>
-                      </a:r>
-                    </a:p>
-                    <a:p>
-                      <a:endParaRPr lang="en-US" sz="1400" dirty="0" smtClean="0"/>
-                    </a:p>
-                    <a:p>
-                      <a:r>
-                        <a:rPr lang="en-US" sz="1400" dirty="0" smtClean="0"/>
-                        <a:t>N = 10000000 | Time = </a:t>
-                      </a:r>
-                      <a:r>
-                        <a:rPr lang="is-IS" sz="1400" dirty="0" smtClean="0"/>
-                        <a:t>3.38699173927307</a:t>
-                      </a:r>
-                      <a:endParaRPr lang="en-US" sz="1400" dirty="0" smtClean="0"/>
-                    </a:p>
-                    <a:p>
-                      <a:endParaRPr lang="en-US" sz="1400" dirty="0" smtClean="0"/>
-                    </a:p>
-                    <a:p>
-                      <a:r>
-                        <a:rPr lang="en-US" sz="1400" dirty="0" smtClean="0"/>
-                        <a:t>N = 100000000 | Time = </a:t>
-                      </a:r>
-                      <a:r>
-                        <a:rPr lang="is-IS" sz="1400" dirty="0" smtClean="0"/>
-                        <a:t>35.4579067230224</a:t>
-                      </a:r>
-                      <a:endParaRPr lang="en-US" sz="1400" dirty="0" smtClean="0"/>
-                    </a:p>
-                    <a:p>
-                      <a:endParaRPr lang="en-US" sz="1400" dirty="0" smtClean="0"/>
-                    </a:p>
-                    <a:p>
-                      <a:r>
-                        <a:rPr lang="en-US" sz="1400" dirty="0" smtClean="0"/>
-                        <a:t>N = 1000000000| Time = </a:t>
-                      </a:r>
-                      <a:r>
-                        <a:rPr lang="is-IS" sz="1400" dirty="0" smtClean="0"/>
-                        <a:t>361.055302619934</a:t>
-                      </a:r>
-                      <a:endParaRPr lang="en-US" sz="1400" dirty="0" smtClean="0"/>
-                    </a:p>
-                    <a:p>
-                      <a:endParaRPr lang="en-US" sz="1400" dirty="0"/>
-                    </a:p>
-                  </a:txBody>
-                  <a:tcPr/>
-                </a:tc>
-              </a:tr>
-            </a:tbl>
-          </a:graphicData>
-        </a:graphic>
-      </p:graphicFrame>
-    </p:spTree>
-    <p:extLst>
-      <p:ext uri="{BB962C8B-B14F-4D97-AF65-F5344CB8AC3E}">
-        <p14:creationId xmlns:p14="http://schemas.microsoft.com/office/powerpoint/2010/main" val="3003934295"/>
-      </p:ext>
-    </p:extLst>
-  </p:cSld>
-  <p:clrMapOvr>
-    <a:masterClrMapping/>
-  </p:clrMapOvr>
-  <p:timing>
-    <p:tnLst>
-      <p:par>
-        <p:cTn xmlns:p14="http://schemas.microsoft.com/office/powerpoint/2010/main" id="1" dur="indefinite" restart="never" nodeType="tmRoot"/>
-      </p:par>
-    </p:tnLst>
-  </p:timing>
-</p:sld>
-</file>
-
-<file path=ppt/slides/slide11.xml><?xml version="1.0" encoding="utf-8"?>
-<p:sld xmlns:a="http://schemas.openxmlformats.org/drawingml/2006/main" xmlns:r="http://schemas.openxmlformats.org/officeDocument/2006/relationships" xmlns:p="http://schemas.openxmlformats.org/presentationml/2006/main">
-  <p:cSld>
-    <p:spTree>
-      <p:nvGrpSpPr>
-        <p:cNvPr id="1" name=""/>
-        <p:cNvGrpSpPr/>
-        <p:nvPr/>
-      </p:nvGrpSpPr>
-      <p:grpSpPr>
-        <a:xfrm>
-          <a:off x="0" y="0"/>
-          <a:ext cx="0" cy="0"/>
-          <a:chOff x="0" y="0"/>
-          <a:chExt cx="0" cy="0"/>
-        </a:xfrm>
-      </p:grpSpPr>
-      <p:sp>
-        <p:nvSpPr>
-          <p:cNvPr id="2" name="Title 1"/>
-          <p:cNvSpPr>
-            <a:spLocks noGrp="1"/>
-          </p:cNvSpPr>
-          <p:nvPr>
-            <p:ph type="title"/>
-          </p:nvPr>
-        </p:nvSpPr>
-        <p:spPr/>
-        <p:txBody>
-          <a:bodyPr/>
-          <a:lstStyle/>
-          <a:p>
-            <a:endParaRPr lang="en-US"/>
-          </a:p>
-        </p:txBody>
-      </p:sp>
-      <p:sp>
-        <p:nvSpPr>
-          <p:cNvPr id="3" name="Content Placeholder 2"/>
-          <p:cNvSpPr>
-            <a:spLocks noGrp="1"/>
-          </p:cNvSpPr>
-          <p:nvPr>
-            <p:ph idx="1"/>
-          </p:nvPr>
-        </p:nvSpPr>
-        <p:spPr/>
-        <p:txBody>
-          <a:bodyPr/>
-          <a:lstStyle/>
-          <a:p>
-            <a:endParaRPr lang="en-US"/>
-          </a:p>
-        </p:txBody>
-      </p:sp>
-      <p:graphicFrame>
-        <p:nvGraphicFramePr>
-          <p:cNvPr id="4" name="Chart 3">
-            <a:extLst>
-              <a:ext uri="{FF2B5EF4-FFF2-40B4-BE49-F238E27FC236}">
-                <a16:creationId xmlns="" xmlns:xdr="http://schemas.openxmlformats.org/drawingml/2006/spreadsheetDrawing" xmlns:a16="http://schemas.microsoft.com/office/drawing/2014/main" xmlns:lc="http://schemas.openxmlformats.org/drawingml/2006/lockedCanvas" id="{A5F9ED29-1F90-4FFD-BF4F-548C4883488E}"/>
-              </a:ext>
-            </a:extLst>
-          </p:cNvPr>
-          <p:cNvGraphicFramePr>
-            <a:graphicFrameLocks/>
-          </p:cNvGraphicFramePr>
-          <p:nvPr>
-            <p:extLst>
-              <p:ext uri="{D42A27DB-BD31-4B8C-83A1-F6EECF244321}">
-                <p14:modId xmlns:p14="http://schemas.microsoft.com/office/powerpoint/2010/main" val="3806096094"/>
-              </p:ext>
-            </p:extLst>
-          </p:nvPr>
-        </p:nvGraphicFramePr>
-        <p:xfrm>
-          <a:off x="281087" y="273225"/>
-          <a:ext cx="8595041" cy="5852937"/>
-        </p:xfrm>
-        <a:graphic>
-          <a:graphicData uri="http://schemas.openxmlformats.org/drawingml/2006/chart">
-            <c:chart xmlns:c="http://schemas.openxmlformats.org/drawingml/2006/chart" xmlns:r="http://schemas.openxmlformats.org/officeDocument/2006/relationships" r:id="rId2"/>
-          </a:graphicData>
-        </a:graphic>
-      </p:graphicFrame>
-    </p:spTree>
-    <p:extLst>
-      <p:ext uri="{BB962C8B-B14F-4D97-AF65-F5344CB8AC3E}">
-        <p14:creationId xmlns:p14="http://schemas.microsoft.com/office/powerpoint/2010/main" val="2710269494"/>
-      </p:ext>
-    </p:extLst>
-  </p:cSld>
-  <p:clrMapOvr>
-    <a:masterClrMapping/>
-  </p:clrMapOvr>
-  <p:timing>
-    <p:tnLst>
-      <p:par>
-        <p:cTn xmlns:p14="http://schemas.microsoft.com/office/powerpoint/2010/main" id="1" dur="indefinite" restart="never" nodeType="tmRoot"/>
-      </p:par>
-    </p:tnLst>
-  </p:timing>
-</p:sld>
-</file>
-
-<file path=ppt/slides/slide12.xml><?xml version="1.0" encoding="utf-8"?>
-<p:sld xmlns:a="http://schemas.openxmlformats.org/drawingml/2006/main" xmlns:r="http://schemas.openxmlformats.org/officeDocument/2006/relationships" xmlns:p="http://schemas.openxmlformats.org/presentationml/2006/main">
-  <p:cSld>
-    <p:spTree>
-      <p:nvGrpSpPr>
-        <p:cNvPr id="1" name=""/>
-        <p:cNvGrpSpPr/>
-        <p:nvPr/>
-      </p:nvGrpSpPr>
-      <p:grpSpPr>
-        <a:xfrm>
-          <a:off x="0" y="0"/>
-          <a:ext cx="0" cy="0"/>
-          <a:chOff x="0" y="0"/>
-          <a:chExt cx="0" cy="0"/>
-        </a:xfrm>
-      </p:grpSpPr>
-      <p:sp>
-        <p:nvSpPr>
-          <p:cNvPr id="2" name="Title 1"/>
-          <p:cNvSpPr>
-            <a:spLocks noGrp="1"/>
-          </p:cNvSpPr>
-          <p:nvPr>
-            <p:ph type="title"/>
-          </p:nvPr>
-        </p:nvSpPr>
-        <p:spPr/>
-        <p:txBody>
-          <a:bodyPr/>
-          <a:lstStyle/>
-          <a:p>
-            <a:r>
-              <a:rPr lang="en-US" dirty="0" smtClean="0"/>
-              <a:t>Live Demo </a:t>
-            </a:r>
-            <a:endParaRPr lang="en-US" dirty="0"/>
-          </a:p>
-        </p:txBody>
-      </p:sp>
-    </p:spTree>
-    <p:extLst>
-      <p:ext uri="{BB962C8B-B14F-4D97-AF65-F5344CB8AC3E}">
-        <p14:creationId xmlns:p14="http://schemas.microsoft.com/office/powerpoint/2010/main" val="427327641"/>
-      </p:ext>
-    </p:extLst>
-  </p:cSld>
-  <p:clrMapOvr>
-    <a:masterClrMapping/>
-  </p:clrMapOvr>
-  <p:timing>
-    <p:tnLst>
-      <p:par>
-        <p:cTn xmlns:p14="http://schemas.microsoft.com/office/powerpoint/2010/main" id="1" dur="indefinite" restart="never" nodeType="tmRoot"/>
-      </p:par>
-    </p:tnLst>
-  </p:timing>
-</p:sld>
-</file>
-
 <file path=ppt/slides/slide2.xml><?xml version="1.0" encoding="utf-8"?>
 <p:sld xmlns:a="http://schemas.openxmlformats.org/drawingml/2006/main" xmlns:r="http://schemas.openxmlformats.org/officeDocument/2006/relationships" xmlns:p="http://schemas.openxmlformats.org/presentationml/2006/main">
   <p:cSld>
@@ -9949,7 +6562,7 @@
           <p:nvPr>
             <p:extLst>
               <p:ext uri="{D42A27DB-BD31-4B8C-83A1-F6EECF244321}">
-                <p14:modId xmlns:p14="http://schemas.microsoft.com/office/powerpoint/2010/main" val="654739482"/>
+                <p14:modId xmlns:p14="http://schemas.microsoft.com/office/powerpoint/2010/main" val="61732666"/>
               </p:ext>
             </p:extLst>
           </p:nvPr>
@@ -10009,13 +6622,33 @@
                     <a:bodyPr/>
                     <a:lstStyle/>
                     <a:p>
-                      <a:pPr algn="ctr"/>
-                      <a:r>
-                        <a:rPr lang="en-US" sz="1400" b="1" u="sng" dirty="0" smtClean="0">
-                          <a:latin typeface="+mn-lt"/>
-                        </a:rPr>
-                        <a:t>Un-optimized</a:t>
-                      </a:r>
+                      <a:r>
+                        <a:rPr lang="en-US" sz="1400" b="1" dirty="0" smtClean="0">
+                          <a:latin typeface="+mn-lt"/>
+                        </a:rPr>
+                        <a:t>Nested For </a:t>
+                      </a:r>
+                      <a:r>
+                        <a:rPr lang="mr-IN" sz="1400" b="1" dirty="0" smtClean="0">
+                          <a:latin typeface="+mn-lt"/>
+                        </a:rPr>
+                        <a:t>–</a:t>
+                      </a:r>
+                      <a:r>
+                        <a:rPr lang="en-US" sz="1400" b="1" dirty="0" smtClean="0">
+                          <a:latin typeface="+mn-lt"/>
+                        </a:rPr>
+                        <a:t> </a:t>
+                      </a:r>
+                      <a:r>
+                        <a:rPr lang="en-US" sz="1400" b="1" dirty="0" err="1" smtClean="0">
+                          <a:latin typeface="+mn-lt"/>
+                        </a:rPr>
+                        <a:t>Unoptimized</a:t>
+                      </a:r>
+                      <a:endParaRPr lang="en-US" sz="1400" b="1" dirty="0" smtClean="0">
+                        <a:latin typeface="+mn-lt"/>
+                      </a:endParaRPr>
                     </a:p>
                     <a:p>
                       <a:endParaRPr lang="en-US" sz="1400" dirty="0" smtClean="0">
@@ -10091,10 +6724,9 @@
                     <a:bodyPr/>
                     <a:lstStyle/>
                     <a:p>
-                      <a:pPr algn="ctr"/>
-                      <a:r>
-                        <a:rPr lang="en-US" sz="1400" b="1" u="sng" dirty="0" smtClean="0"/>
-                        <a:t>Optimized</a:t>
+                      <a:r>
+                        <a:rPr lang="en-US" sz="1400" b="1" dirty="0" smtClean="0"/>
+                        <a:t>Nested For - Optimized</a:t>
                       </a:r>
                     </a:p>
                     <a:p>
@@ -10185,111 +6817,6 @@
           <a:bodyPr/>
           <a:lstStyle/>
           <a:p>
-            <a:endParaRPr lang="en-US"/>
-          </a:p>
-        </p:txBody>
-      </p:sp>
-      <p:sp>
-        <p:nvSpPr>
-          <p:cNvPr id="3" name="Content Placeholder 2"/>
-          <p:cNvSpPr>
-            <a:spLocks noGrp="1"/>
-          </p:cNvSpPr>
-          <p:nvPr>
-            <p:ph idx="1"/>
-          </p:nvPr>
-        </p:nvSpPr>
-        <p:spPr/>
-        <p:txBody>
-          <a:bodyPr/>
-          <a:lstStyle/>
-          <a:p>
-            <a:endParaRPr lang="en-US"/>
-          </a:p>
-        </p:txBody>
-      </p:sp>
-      <p:graphicFrame>
-        <p:nvGraphicFramePr>
-          <p:cNvPr id="4" name="Chart 3">
-            <a:extLst>
-              <a:ext uri="{FF2B5EF4-FFF2-40B4-BE49-F238E27FC236}">
-                <a16:creationId xmlns="" xmlns:xdr="http://schemas.openxmlformats.org/drawingml/2006/spreadsheetDrawing" xmlns:a16="http://schemas.microsoft.com/office/drawing/2014/main" xmlns:lc="http://schemas.openxmlformats.org/drawingml/2006/lockedCanvas" id="{DD720A92-9BDC-488B-B1A7-0BADB63F1263}"/>
-              </a:ext>
-            </a:extLst>
-          </p:cNvPr>
-          <p:cNvGraphicFramePr>
-            <a:graphicFrameLocks/>
-          </p:cNvGraphicFramePr>
-          <p:nvPr>
-            <p:extLst>
-              <p:ext uri="{D42A27DB-BD31-4B8C-83A1-F6EECF244321}">
-                <p14:modId xmlns:p14="http://schemas.microsoft.com/office/powerpoint/2010/main" val="309071995"/>
-              </p:ext>
-            </p:extLst>
-          </p:nvPr>
-        </p:nvGraphicFramePr>
-        <p:xfrm>
-          <a:off x="277791" y="277826"/>
-          <a:ext cx="8624793" cy="5848337"/>
-        </p:xfrm>
-        <a:graphic>
-          <a:graphicData uri="http://schemas.openxmlformats.org/drawingml/2006/chart">
-            <c:chart xmlns:c="http://schemas.openxmlformats.org/drawingml/2006/chart" xmlns:r="http://schemas.openxmlformats.org/officeDocument/2006/relationships" r:id="rId2"/>
-          </a:graphicData>
-        </a:graphic>
-      </p:graphicFrame>
-    </p:spTree>
-    <p:extLst>
-      <p:ext uri="{BB962C8B-B14F-4D97-AF65-F5344CB8AC3E}">
-        <p14:creationId xmlns:p14="http://schemas.microsoft.com/office/powerpoint/2010/main" val="85286456"/>
-      </p:ext>
-    </p:extLst>
-  </p:cSld>
-  <p:clrMapOvr>
-    <a:masterClrMapping/>
-  </p:clrMapOvr>
-  <p:timing>
-    <p:tnLst>
-      <p:par>
-        <p:cTn xmlns:p14="http://schemas.microsoft.com/office/powerpoint/2010/main" id="1" dur="indefinite" restart="never" nodeType="tmRoot"/>
-      </p:par>
-    </p:tnLst>
-  </p:timing>
-</p:sld>
-</file>
-
-<file path=ppt/slides/slide6.xml><?xml version="1.0" encoding="utf-8"?>
-<p:sld xmlns:a="http://schemas.openxmlformats.org/drawingml/2006/main" xmlns:r="http://schemas.openxmlformats.org/officeDocument/2006/relationships" xmlns:p="http://schemas.openxmlformats.org/presentationml/2006/main">
-  <p:cSld>
-    <p:spTree>
-      <p:nvGrpSpPr>
-        <p:cNvPr id="1" name=""/>
-        <p:cNvGrpSpPr/>
-        <p:nvPr/>
-      </p:nvGrpSpPr>
-      <p:grpSpPr>
-        <a:xfrm>
-          <a:off x="0" y="0"/>
-          <a:ext cx="0" cy="0"/>
-          <a:chOff x="0" y="0"/>
-          <a:chExt cx="0" cy="0"/>
-        </a:xfrm>
-      </p:grpSpPr>
-      <p:sp>
-        <p:nvSpPr>
-          <p:cNvPr id="2" name="Title 1"/>
-          <p:cNvSpPr>
-            <a:spLocks noGrp="1"/>
-          </p:cNvSpPr>
-          <p:nvPr>
-            <p:ph type="title"/>
-          </p:nvPr>
-        </p:nvSpPr>
-        <p:spPr/>
-        <p:txBody>
-          <a:bodyPr/>
-          <a:lstStyle/>
-          <a:p>
             <a:r>
               <a:rPr lang="en-US" dirty="0"/>
               <a:t>I</a:t>
@@ -10545,7 +7072,7 @@
           <p:nvPr>
             <p:extLst>
               <p:ext uri="{D42A27DB-BD31-4B8C-83A1-F6EECF244321}">
-                <p14:modId xmlns:p14="http://schemas.microsoft.com/office/powerpoint/2010/main" val="3251473543"/>
+                <p14:modId xmlns:p14="http://schemas.microsoft.com/office/powerpoint/2010/main" val="3934178978"/>
               </p:ext>
             </p:extLst>
           </p:nvPr>
@@ -10605,10 +7132,17 @@
                     <a:bodyPr/>
                     <a:lstStyle/>
                     <a:p>
-                      <a:pPr algn="ctr"/>
-                      <a:r>
-                        <a:rPr lang="en-US" sz="1400" b="1" u="sng" dirty="0" smtClean="0"/>
-                        <a:t>Un-optimized</a:t>
+                      <a:r>
+                        <a:rPr lang="en-US" sz="1400" b="1" dirty="0" smtClean="0"/>
+                        <a:t>Else Clause </a:t>
+                      </a:r>
+                      <a:r>
+                        <a:rPr lang="mr-IN" sz="1400" b="1" dirty="0" smtClean="0"/>
+                        <a:t>–</a:t>
+                      </a:r>
+                      <a:r>
+                        <a:rPr lang="en-US" sz="1400" b="1" dirty="0" smtClean="0"/>
+                        <a:t> Un-optimized</a:t>
                       </a:r>
                     </a:p>
                     <a:p>
@@ -10647,10 +7181,9 @@
                     <a:bodyPr/>
                     <a:lstStyle/>
                     <a:p>
-                      <a:pPr algn="ctr"/>
-                      <a:r>
-                        <a:rPr lang="en-US" sz="1400" b="1" u="sng" dirty="0" smtClean="0"/>
-                        <a:t>Optimized</a:t>
+                      <a:r>
+                        <a:rPr lang="en-US" sz="1400" b="1" dirty="0" smtClean="0"/>
+                        <a:t>Else Clause - Optimized</a:t>
                       </a:r>
                     </a:p>
                     <a:p>
@@ -10709,112 +7242,7 @@
 </p:sld>
 </file>
 
-<file path=ppt/slides/slide7.xml><?xml version="1.0" encoding="utf-8"?>
-<p:sld xmlns:a="http://schemas.openxmlformats.org/drawingml/2006/main" xmlns:r="http://schemas.openxmlformats.org/officeDocument/2006/relationships" xmlns:p="http://schemas.openxmlformats.org/presentationml/2006/main">
-  <p:cSld>
-    <p:spTree>
-      <p:nvGrpSpPr>
-        <p:cNvPr id="1" name=""/>
-        <p:cNvGrpSpPr/>
-        <p:nvPr/>
-      </p:nvGrpSpPr>
-      <p:grpSpPr>
-        <a:xfrm>
-          <a:off x="0" y="0"/>
-          <a:ext cx="0" cy="0"/>
-          <a:chOff x="0" y="0"/>
-          <a:chExt cx="0" cy="0"/>
-        </a:xfrm>
-      </p:grpSpPr>
-      <p:sp>
-        <p:nvSpPr>
-          <p:cNvPr id="2" name="Title 1"/>
-          <p:cNvSpPr>
-            <a:spLocks noGrp="1"/>
-          </p:cNvSpPr>
-          <p:nvPr>
-            <p:ph type="title"/>
-          </p:nvPr>
-        </p:nvSpPr>
-        <p:spPr/>
-        <p:txBody>
-          <a:bodyPr/>
-          <a:lstStyle/>
-          <a:p>
-            <a:endParaRPr lang="en-US"/>
-          </a:p>
-        </p:txBody>
-      </p:sp>
-      <p:sp>
-        <p:nvSpPr>
-          <p:cNvPr id="3" name="Content Placeholder 2"/>
-          <p:cNvSpPr>
-            <a:spLocks noGrp="1"/>
-          </p:cNvSpPr>
-          <p:nvPr>
-            <p:ph idx="1"/>
-          </p:nvPr>
-        </p:nvSpPr>
-        <p:spPr/>
-        <p:txBody>
-          <a:bodyPr/>
-          <a:lstStyle/>
-          <a:p>
-            <a:endParaRPr lang="en-US"/>
-          </a:p>
-        </p:txBody>
-      </p:sp>
-      <p:graphicFrame>
-        <p:nvGraphicFramePr>
-          <p:cNvPr id="4" name="Chart 3">
-            <a:extLst>
-              <a:ext uri="{FF2B5EF4-FFF2-40B4-BE49-F238E27FC236}">
-                <a16:creationId xmlns="" xmlns:xdr="http://schemas.openxmlformats.org/drawingml/2006/spreadsheetDrawing" xmlns:a16="http://schemas.microsoft.com/office/drawing/2014/main" xmlns:lc="http://schemas.openxmlformats.org/drawingml/2006/lockedCanvas" id="{740E3CDA-F5B5-4A91-8773-BA5B76E6BCF7}"/>
-              </a:ext>
-            </a:extLst>
-          </p:cNvPr>
-          <p:cNvGraphicFramePr>
-            <a:graphicFrameLocks/>
-          </p:cNvGraphicFramePr>
-          <p:nvPr>
-            <p:extLst>
-              <p:ext uri="{D42A27DB-BD31-4B8C-83A1-F6EECF244321}">
-                <p14:modId xmlns:p14="http://schemas.microsoft.com/office/powerpoint/2010/main" val="537645466"/>
-              </p:ext>
-            </p:extLst>
-          </p:nvPr>
-        </p:nvGraphicFramePr>
-        <p:xfrm>
-          <a:off x="282673" y="288045"/>
-          <a:ext cx="8580228" cy="5838117"/>
-        </p:xfrm>
-        <a:graphic>
-          <a:graphicData uri="http://schemas.openxmlformats.org/drawingml/2006/chart">
-            <c:chart xmlns:c="http://schemas.openxmlformats.org/drawingml/2006/chart" xmlns:r="http://schemas.openxmlformats.org/officeDocument/2006/relationships" r:id="rId2"/>
-          </a:graphicData>
-        </a:graphic>
-      </p:graphicFrame>
-    </p:spTree>
-    <p:extLst>
-      <p:ext uri="{BB962C8B-B14F-4D97-AF65-F5344CB8AC3E}">
-        <p14:creationId xmlns:p14="http://schemas.microsoft.com/office/powerpoint/2010/main" val="2672651953"/>
-      </p:ext>
-    </p:extLst>
-  </p:cSld>
-  <p:clrMapOvr>
-    <a:masterClrMapping/>
-  </p:clrMapOvr>
-  <p:timing>
-    <p:tnLst>
-      <p:par>
-        <p:cTn xmlns:p14="http://schemas.microsoft.com/office/powerpoint/2010/main" id="1" dur="indefinite" restart="never" nodeType="tmRoot"/>
-      </p:par>
-    </p:tnLst>
-  </p:timing>
-</p:sld>
-</file>
-
-<file path=ppt/slides/slide8.xml><?xml version="1.0" encoding="utf-8"?>
+<file path=ppt/slides/slide6.xml><?xml version="1.0" encoding="utf-8"?>
 <p:sld xmlns:a="http://schemas.openxmlformats.org/drawingml/2006/main" xmlns:r="http://schemas.openxmlformats.org/officeDocument/2006/relationships" xmlns:p="http://schemas.openxmlformats.org/presentationml/2006/main">
   <p:cSld>
     <p:spTree>
@@ -11389,7 +7817,7 @@
           <p:nvPr>
             <p:extLst>
               <p:ext uri="{D42A27DB-BD31-4B8C-83A1-F6EECF244321}">
-                <p14:modId xmlns:p14="http://schemas.microsoft.com/office/powerpoint/2010/main" val="2106563507"/>
+                <p14:modId xmlns:p14="http://schemas.microsoft.com/office/powerpoint/2010/main" val="2767576811"/>
               </p:ext>
             </p:extLst>
           </p:nvPr>
@@ -11445,10 +7873,17 @@
                     <a:bodyPr/>
                     <a:lstStyle/>
                     <a:p>
-                      <a:pPr algn="ctr"/>
-                      <a:r>
-                        <a:rPr lang="en-US" sz="1400" b="1" u="sng" dirty="0" smtClean="0"/>
-                        <a:t>Un-optimized</a:t>
+                      <a:r>
+                        <a:rPr lang="en-US" sz="1400" b="1" dirty="0" smtClean="0"/>
+                        <a:t>Count multiples </a:t>
+                      </a:r>
+                      <a:r>
+                        <a:rPr lang="mr-IN" sz="1400" b="1" dirty="0" smtClean="0"/>
+                        <a:t>–</a:t>
+                      </a:r>
+                      <a:r>
+                        <a:rPr lang="en-US" sz="1400" b="1" dirty="0" smtClean="0"/>
+                        <a:t> Un-optimized</a:t>
                       </a:r>
                     </a:p>
                     <a:p>
@@ -11487,10 +7922,9 @@
                     <a:bodyPr/>
                     <a:lstStyle/>
                     <a:p>
-                      <a:pPr algn="ctr"/>
-                      <a:r>
-                        <a:rPr lang="en-US" sz="1400" b="1" u="sng" dirty="0" smtClean="0"/>
-                        <a:t>Optimized</a:t>
+                      <a:r>
+                        <a:rPr lang="en-US" sz="1400" b="1" dirty="0" smtClean="0"/>
+                        <a:t>Count multiples - Optimized</a:t>
                       </a:r>
                     </a:p>
                     <a:p>
@@ -11549,7 +7983,7 @@
 </p:sld>
 </file>
 
-<file path=ppt/slides/slide9.xml><?xml version="1.0" encoding="utf-8"?>
+<file path=ppt/slides/slide7.xml><?xml version="1.0" encoding="utf-8"?>
 <p:sld xmlns:a="http://schemas.openxmlformats.org/drawingml/2006/main" xmlns:r="http://schemas.openxmlformats.org/officeDocument/2006/relationships" xmlns:p="http://schemas.openxmlformats.org/presentationml/2006/main">
   <p:cSld>
     <p:spTree>
@@ -11578,10 +8012,16 @@
         </p:nvSpPr>
         <p:spPr/>
         <p:txBody>
-          <a:bodyPr/>
-          <a:lstStyle/>
-          <a:p>
-            <a:endParaRPr lang="en-US"/>
+          <a:bodyPr>
+            <a:normAutofit/>
+          </a:bodyPr>
+          <a:lstStyle/>
+          <a:p>
+            <a:r>
+              <a:rPr lang="en-US" dirty="0" smtClean="0"/>
+              <a:t>Loop Overhead Optimization</a:t>
+            </a:r>
+            <a:endParaRPr lang="en-US" dirty="0"/>
           </a:p>
         </p:txBody>
       </p:sp>
@@ -11606,38 +8046,633 @@
       </p:sp>
       <p:graphicFrame>
         <p:nvGraphicFramePr>
-          <p:cNvPr id="6" name="Chart 5">
-            <a:extLst>
-              <a:ext uri="{FF2B5EF4-FFF2-40B4-BE49-F238E27FC236}">
-                <a16:creationId xmlns="" xmlns:xdr="http://schemas.openxmlformats.org/drawingml/2006/spreadsheetDrawing" xmlns:a16="http://schemas.microsoft.com/office/drawing/2014/main" xmlns:lc="http://schemas.openxmlformats.org/drawingml/2006/lockedCanvas" id="{9BAA8EB9-BC47-4BFA-888A-29F28E3B61AA}"/>
-              </a:ext>
-            </a:extLst>
-          </p:cNvPr>
+          <p:cNvPr id="4" name="Content Placeholder 3"/>
           <p:cNvGraphicFramePr>
             <a:graphicFrameLocks/>
           </p:cNvGraphicFramePr>
           <p:nvPr>
             <p:extLst>
               <p:ext uri="{D42A27DB-BD31-4B8C-83A1-F6EECF244321}">
-                <p14:modId xmlns:p14="http://schemas.microsoft.com/office/powerpoint/2010/main" val="750246735"/>
+                <p14:modId xmlns:p14="http://schemas.microsoft.com/office/powerpoint/2010/main" val="1497280832"/>
               </p:ext>
             </p:extLst>
           </p:nvPr>
         </p:nvGraphicFramePr>
         <p:xfrm>
-          <a:off x="426127" y="264595"/>
-          <a:ext cx="8476458" cy="5861567"/>
+          <a:off x="457200" y="1633243"/>
+          <a:ext cx="8229600" cy="2990248"/>
         </p:xfrm>
         <a:graphic>
-          <a:graphicData uri="http://schemas.openxmlformats.org/drawingml/2006/chart">
-            <c:chart xmlns:c="http://schemas.openxmlformats.org/drawingml/2006/chart" xmlns:r="http://schemas.openxmlformats.org/officeDocument/2006/relationships" r:id="rId2"/>
+          <a:graphicData uri="http://schemas.openxmlformats.org/drawingml/2006/table">
+            <a:tbl>
+              <a:tblPr firstRow="1" bandRow="1">
+                <a:tableStyleId>{5C22544A-7EE6-4342-B048-85BDC9FD1C3A}</a:tableStyleId>
+              </a:tblPr>
+              <a:tblGrid>
+                <a:gridCol w="4114800"/>
+                <a:gridCol w="4114800"/>
+              </a:tblGrid>
+              <a:tr h="465433">
+                <a:tc>
+                  <a:txBody>
+                    <a:bodyPr/>
+                    <a:lstStyle/>
+                    <a:p>
+                      <a:pPr marL="0" marR="0" indent="0" algn="l" defTabSz="457200" rtl="0" eaLnBrk="1" fontAlgn="auto" latinLnBrk="0" hangingPunct="1">
+                        <a:lnSpc>
+                          <a:spcPct val="100000"/>
+                        </a:lnSpc>
+                        <a:spcBef>
+                          <a:spcPts val="0"/>
+                        </a:spcBef>
+                        <a:spcAft>
+                          <a:spcPts val="0"/>
+                        </a:spcAft>
+                        <a:buClrTx/>
+                        <a:buSzTx/>
+                        <a:buFontTx/>
+                        <a:buNone/>
+                        <a:tabLst/>
+                        <a:defRPr/>
+                      </a:pPr>
+                      <a:r>
+                        <a:rPr lang="en-US" dirty="0" smtClean="0"/>
+                        <a:t>Un - Optimized</a:t>
+                      </a:r>
+                      <a:endParaRPr lang="en-US" dirty="0"/>
+                    </a:p>
+                  </a:txBody>
+                  <a:tcPr/>
+                </a:tc>
+                <a:tc>
+                  <a:txBody>
+                    <a:bodyPr/>
+                    <a:lstStyle/>
+                    <a:p>
+                      <a:r>
+                        <a:rPr lang="en-US" dirty="0" smtClean="0"/>
+                        <a:t>Optimized</a:t>
+                      </a:r>
+                      <a:endParaRPr lang="en-US" dirty="0"/>
+                    </a:p>
+                  </a:txBody>
+                  <a:tcPr/>
+                </a:tc>
+              </a:tr>
+              <a:tr h="2524815">
+                <a:tc>
+                  <a:txBody>
+                    <a:bodyPr/>
+                    <a:lstStyle/>
+                    <a:p>
+                      <a:r>
+                        <a:rPr lang="en-US" sz="1800" kern="1200" dirty="0" smtClean="0">
+                          <a:solidFill>
+                            <a:schemeClr val="dk1"/>
+                          </a:solidFill>
+                          <a:latin typeface="+mn-lt"/>
+                          <a:ea typeface="+mn-ea"/>
+                          <a:cs typeface="+mn-cs"/>
+                        </a:rPr>
+                        <a:t>F</a:t>
+                      </a:r>
+                      <a:r>
+                        <a:rPr lang="mr-IN" sz="1800" kern="1200" dirty="0" smtClean="0">
+                          <a:solidFill>
+                            <a:schemeClr val="dk1"/>
+                          </a:solidFill>
+                          <a:latin typeface="+mn-lt"/>
+                          <a:ea typeface="+mn-ea"/>
+                          <a:cs typeface="+mn-cs"/>
+                        </a:rPr>
+                        <a:t>or</a:t>
+                      </a:r>
+                      <a:r>
+                        <a:rPr lang="en-CA" sz="1800" kern="1200" dirty="0" smtClean="0">
+                          <a:solidFill>
+                            <a:schemeClr val="dk1"/>
+                          </a:solidFill>
+                          <a:latin typeface="+mn-lt"/>
+                          <a:ea typeface="+mn-ea"/>
+                          <a:cs typeface="+mn-cs"/>
+                        </a:rPr>
+                        <a:t>(</a:t>
+                      </a:r>
+                      <a:r>
+                        <a:rPr lang="mr-IN" sz="1800" kern="1200" dirty="0" smtClean="0">
+                          <a:solidFill>
+                            <a:schemeClr val="dk1"/>
+                          </a:solidFill>
+                          <a:latin typeface="+mn-lt"/>
+                          <a:ea typeface="+mn-ea"/>
+                          <a:cs typeface="+mn-cs"/>
+                        </a:rPr>
+                        <a:t>i</a:t>
+                      </a:r>
+                      <a:r>
+                        <a:rPr lang="en-CA" sz="1800" kern="1200" dirty="0" smtClean="0">
+                          <a:solidFill>
+                            <a:schemeClr val="dk1"/>
+                          </a:solidFill>
+                          <a:latin typeface="+mn-lt"/>
+                          <a:ea typeface="+mn-ea"/>
+                          <a:cs typeface="+mn-cs"/>
+                        </a:rPr>
+                        <a:t>=</a:t>
+                      </a:r>
+                      <a:r>
+                        <a:rPr lang="mr-IN" sz="1800" kern="1200" dirty="0" smtClean="0">
+                          <a:solidFill>
+                            <a:schemeClr val="dk1"/>
+                          </a:solidFill>
+                          <a:latin typeface="+mn-lt"/>
+                          <a:ea typeface="+mn-ea"/>
+                          <a:cs typeface="+mn-cs"/>
+                        </a:rPr>
+                        <a:t>0;i</a:t>
+                      </a:r>
+                      <a:r>
+                        <a:rPr lang="en-CA" sz="1800" kern="1200" dirty="0" smtClean="0">
+                          <a:solidFill>
+                            <a:schemeClr val="dk1"/>
+                          </a:solidFill>
+                          <a:latin typeface="+mn-lt"/>
+                          <a:ea typeface="+mn-ea"/>
+                          <a:cs typeface="+mn-cs"/>
+                        </a:rPr>
+                        <a:t>&lt;</a:t>
+                      </a:r>
+                      <a:r>
+                        <a:rPr lang="mr-IN" sz="1800" kern="1200" dirty="0" smtClean="0">
+                          <a:solidFill>
+                            <a:schemeClr val="dk1"/>
+                          </a:solidFill>
+                          <a:latin typeface="+mn-lt"/>
+                          <a:ea typeface="+mn-ea"/>
+                          <a:cs typeface="+mn-cs"/>
+                        </a:rPr>
+                        <a:t>100;i</a:t>
+                      </a:r>
+                      <a:r>
+                        <a:rPr lang="en-CA" sz="1800" kern="1200" dirty="0" smtClean="0">
+                          <a:solidFill>
+                            <a:schemeClr val="dk1"/>
+                          </a:solidFill>
+                          <a:latin typeface="+mn-lt"/>
+                          <a:ea typeface="+mn-ea"/>
+                          <a:cs typeface="+mn-cs"/>
+                        </a:rPr>
+                        <a:t>++)</a:t>
+                      </a:r>
+                      <a:r>
+                        <a:rPr lang="mr-IN" sz="1800" kern="1200" dirty="0" smtClean="0">
+                          <a:solidFill>
+                            <a:schemeClr val="dk1"/>
+                          </a:solidFill>
+                          <a:latin typeface="+mn-lt"/>
+                          <a:ea typeface="+mn-ea"/>
+                          <a:cs typeface="+mn-cs"/>
+                        </a:rPr>
+                        <a:t> {</a:t>
+                      </a:r>
+                    </a:p>
+                    <a:p>
+                      <a:r>
+                        <a:rPr lang="mr-IN" sz="1800" kern="1200" dirty="0" smtClean="0">
+                          <a:solidFill>
+                            <a:schemeClr val="dk1"/>
+                          </a:solidFill>
+                          <a:latin typeface="+mn-lt"/>
+                          <a:ea typeface="+mn-ea"/>
+                          <a:cs typeface="+mn-cs"/>
+                        </a:rPr>
+                        <a:t>        </a:t>
+                      </a:r>
+                      <a:r>
+                        <a:rPr lang="en-CA" sz="1800" kern="1200" dirty="0" err="1" smtClean="0">
+                          <a:solidFill>
+                            <a:schemeClr val="dk1"/>
+                          </a:solidFill>
+                          <a:latin typeface="+mn-lt"/>
+                          <a:ea typeface="+mn-ea"/>
+                          <a:cs typeface="+mn-cs"/>
+                        </a:rPr>
+                        <a:t>System.out.print</a:t>
+                      </a:r>
+                      <a:r>
+                        <a:rPr lang="en-CA" sz="1800" kern="1200" dirty="0" smtClean="0">
+                          <a:solidFill>
+                            <a:schemeClr val="dk1"/>
+                          </a:solidFill>
+                          <a:latin typeface="+mn-lt"/>
+                          <a:ea typeface="+mn-ea"/>
+                          <a:cs typeface="+mn-cs"/>
+                        </a:rPr>
+                        <a:t>(</a:t>
+                      </a:r>
+                      <a:r>
+                        <a:rPr lang="en-CA" sz="1800" kern="1200" dirty="0" err="1" smtClean="0">
+                          <a:solidFill>
+                            <a:schemeClr val="dk1"/>
+                          </a:solidFill>
+                          <a:latin typeface="+mn-lt"/>
+                          <a:ea typeface="+mn-ea"/>
+                          <a:cs typeface="+mn-cs"/>
+                        </a:rPr>
+                        <a:t>i</a:t>
+                      </a:r>
+                      <a:r>
+                        <a:rPr lang="en-CA" sz="1800" kern="1200" dirty="0" smtClean="0">
+                          <a:solidFill>
+                            <a:schemeClr val="dk1"/>
+                          </a:solidFill>
+                          <a:latin typeface="+mn-lt"/>
+                          <a:ea typeface="+mn-ea"/>
+                          <a:cs typeface="+mn-cs"/>
+                        </a:rPr>
+                        <a:t>);</a:t>
+                      </a:r>
+                      <a:endParaRPr lang="mr-IN" sz="1800" kern="1200" dirty="0" smtClean="0">
+                        <a:solidFill>
+                          <a:schemeClr val="dk1"/>
+                        </a:solidFill>
+                        <a:latin typeface="+mn-lt"/>
+                        <a:ea typeface="+mn-ea"/>
+                        <a:cs typeface="+mn-cs"/>
+                      </a:endParaRPr>
+                    </a:p>
+                    <a:p>
+                      <a:r>
+                        <a:rPr lang="mr-IN" sz="1800" kern="1200" dirty="0" smtClean="0">
+                          <a:solidFill>
+                            <a:schemeClr val="dk1"/>
+                          </a:solidFill>
+                          <a:latin typeface="+mn-lt"/>
+                          <a:ea typeface="+mn-ea"/>
+                          <a:cs typeface="+mn-cs"/>
+                        </a:rPr>
+                        <a:t>    }</a:t>
+                      </a:r>
+                    </a:p>
+                  </a:txBody>
+                  <a:tcPr/>
+                </a:tc>
+                <a:tc>
+                  <a:txBody>
+                    <a:bodyPr/>
+                    <a:lstStyle/>
+                    <a:p>
+                      <a:r>
+                        <a:rPr lang="mr-IN" sz="1800" kern="1200" dirty="0" smtClean="0">
+                          <a:solidFill>
+                            <a:schemeClr val="dk1"/>
+                          </a:solidFill>
+                          <a:latin typeface="+mn-lt"/>
+                          <a:ea typeface="+mn-ea"/>
+                          <a:cs typeface="+mn-cs"/>
+                        </a:rPr>
+                        <a:t> i</a:t>
+                      </a:r>
+                      <a:r>
+                        <a:rPr lang="en-CA" sz="1800" kern="1200" dirty="0" smtClean="0">
+                          <a:solidFill>
+                            <a:schemeClr val="dk1"/>
+                          </a:solidFill>
+                          <a:latin typeface="+mn-lt"/>
+                          <a:ea typeface="+mn-ea"/>
+                          <a:cs typeface="+mn-cs"/>
+                        </a:rPr>
+                        <a:t>=</a:t>
+                      </a:r>
+                      <a:r>
+                        <a:rPr lang="mr-IN" sz="1800" kern="1200" dirty="0" smtClean="0">
+                          <a:solidFill>
+                            <a:schemeClr val="dk1"/>
+                          </a:solidFill>
+                          <a:latin typeface="+mn-lt"/>
+                          <a:ea typeface="+mn-ea"/>
+                          <a:cs typeface="+mn-cs"/>
+                        </a:rPr>
+                        <a:t>99;</a:t>
+                      </a:r>
+                    </a:p>
+                    <a:p>
+                      <a:r>
+                        <a:rPr lang="mr-IN" sz="1800" kern="1200" dirty="0" smtClean="0">
+                          <a:solidFill>
+                            <a:schemeClr val="dk1"/>
+                          </a:solidFill>
+                          <a:latin typeface="+mn-lt"/>
+                          <a:ea typeface="+mn-ea"/>
+                          <a:cs typeface="+mn-cs"/>
+                        </a:rPr>
+                        <a:t>    do {</a:t>
+                      </a:r>
+                    </a:p>
+                    <a:p>
+                      <a:r>
+                        <a:rPr lang="mr-IN" sz="1800" kern="1200" dirty="0" smtClean="0">
+                          <a:solidFill>
+                            <a:schemeClr val="dk1"/>
+                          </a:solidFill>
+                          <a:latin typeface="+mn-lt"/>
+                          <a:ea typeface="+mn-ea"/>
+                          <a:cs typeface="+mn-cs"/>
+                        </a:rPr>
+                        <a:t>        </a:t>
+                      </a:r>
+                      <a:r>
+                        <a:rPr lang="en-CA" sz="1800" kern="1200" dirty="0" err="1" smtClean="0">
+                          <a:solidFill>
+                            <a:schemeClr val="dk1"/>
+                          </a:solidFill>
+                          <a:latin typeface="+mn-lt"/>
+                          <a:ea typeface="+mn-ea"/>
+                          <a:cs typeface="+mn-cs"/>
+                        </a:rPr>
+                        <a:t>System.out.print</a:t>
+                      </a:r>
+                      <a:r>
+                        <a:rPr lang="en-CA" sz="1800" kern="1200" dirty="0" smtClean="0">
+                          <a:solidFill>
+                            <a:schemeClr val="dk1"/>
+                          </a:solidFill>
+                          <a:latin typeface="+mn-lt"/>
+                          <a:ea typeface="+mn-ea"/>
+                          <a:cs typeface="+mn-cs"/>
+                        </a:rPr>
+                        <a:t>(</a:t>
+                      </a:r>
+                      <a:r>
+                        <a:rPr lang="en-CA" sz="1800" kern="1200" dirty="0" err="1" smtClean="0">
+                          <a:solidFill>
+                            <a:schemeClr val="dk1"/>
+                          </a:solidFill>
+                          <a:latin typeface="+mn-lt"/>
+                          <a:ea typeface="+mn-ea"/>
+                          <a:cs typeface="+mn-cs"/>
+                        </a:rPr>
+                        <a:t>i</a:t>
+                      </a:r>
+                      <a:r>
+                        <a:rPr lang="en-CA" sz="1800" kern="1200" dirty="0" smtClean="0">
+                          <a:solidFill>
+                            <a:schemeClr val="dk1"/>
+                          </a:solidFill>
+                          <a:latin typeface="+mn-lt"/>
+                          <a:ea typeface="+mn-ea"/>
+                          <a:cs typeface="+mn-cs"/>
+                        </a:rPr>
+                        <a:t>);</a:t>
+                      </a:r>
+                      <a:endParaRPr lang="mr-IN" sz="1800" kern="1200" dirty="0" smtClean="0">
+                        <a:solidFill>
+                          <a:schemeClr val="dk1"/>
+                        </a:solidFill>
+                        <a:latin typeface="+mn-lt"/>
+                        <a:ea typeface="+mn-ea"/>
+                        <a:cs typeface="+mn-cs"/>
+                      </a:endParaRPr>
+                    </a:p>
+                    <a:p>
+                      <a:r>
+                        <a:rPr lang="mr-IN" sz="1800" kern="1200" dirty="0" smtClean="0">
+                          <a:solidFill>
+                            <a:schemeClr val="dk1"/>
+                          </a:solidFill>
+                          <a:latin typeface="+mn-lt"/>
+                          <a:ea typeface="+mn-ea"/>
+                          <a:cs typeface="+mn-cs"/>
+                        </a:rPr>
+                        <a:t>        </a:t>
+                      </a:r>
+                      <a:r>
+                        <a:rPr lang="mr-IN" sz="1800" kern="1200" dirty="0" smtClean="0">
+                          <a:solidFill>
+                            <a:schemeClr val="dk1"/>
+                          </a:solidFill>
+                          <a:latin typeface="+mn-lt"/>
+                          <a:ea typeface="+mn-ea"/>
+                          <a:cs typeface="+mn-cs"/>
+                        </a:rPr>
+                        <a:t>i</a:t>
+                      </a:r>
+                      <a:r>
+                        <a:rPr lang="en-CA" sz="1800" kern="1200" dirty="0" smtClean="0">
+                          <a:solidFill>
+                            <a:schemeClr val="dk1"/>
+                          </a:solidFill>
+                          <a:latin typeface="+mn-lt"/>
+                          <a:ea typeface="+mn-ea"/>
+                          <a:cs typeface="+mn-cs"/>
+                        </a:rPr>
+                        <a:t>--</a:t>
+                      </a:r>
+                      <a:r>
+                        <a:rPr lang="mr-IN" sz="1800" kern="1200" dirty="0" smtClean="0">
+                          <a:solidFill>
+                            <a:schemeClr val="dk1"/>
+                          </a:solidFill>
+                          <a:latin typeface="+mn-lt"/>
+                          <a:ea typeface="+mn-ea"/>
+                          <a:cs typeface="+mn-cs"/>
+                        </a:rPr>
+                        <a:t>;</a:t>
+                      </a:r>
+                    </a:p>
+                    <a:p>
+                      <a:r>
+                        <a:rPr lang="en-US" sz="1800" kern="1200" dirty="0" smtClean="0">
+                          <a:solidFill>
+                            <a:schemeClr val="dk1"/>
+                          </a:solidFill>
+                          <a:latin typeface="+mn-lt"/>
+                          <a:ea typeface="+mn-ea"/>
+                          <a:cs typeface="+mn-cs"/>
+                        </a:rPr>
+                        <a:t>    } while(</a:t>
+                      </a:r>
+                      <a:r>
+                        <a:rPr lang="en-US" sz="1800" kern="1200" dirty="0" err="1" smtClean="0">
+                          <a:solidFill>
+                            <a:schemeClr val="dk1"/>
+                          </a:solidFill>
+                          <a:latin typeface="+mn-lt"/>
+                          <a:ea typeface="+mn-ea"/>
+                          <a:cs typeface="+mn-cs"/>
+                        </a:rPr>
+                        <a:t>i</a:t>
+                      </a:r>
+                      <a:r>
+                        <a:rPr lang="en-US" sz="1800" kern="1200" dirty="0" smtClean="0">
+                          <a:solidFill>
+                            <a:schemeClr val="dk1"/>
+                          </a:solidFill>
+                          <a:latin typeface="+mn-lt"/>
+                          <a:ea typeface="+mn-ea"/>
+                          <a:cs typeface="+mn-cs"/>
+                        </a:rPr>
+                        <a:t> &gt;= 0);</a:t>
+                      </a:r>
+                      <a:endParaRPr lang="en-US" dirty="0"/>
+                    </a:p>
+                  </a:txBody>
+                  <a:tcPr/>
+                </a:tc>
+              </a:tr>
+            </a:tbl>
+          </a:graphicData>
+        </a:graphic>
+      </p:graphicFrame>
+      <p:graphicFrame>
+        <p:nvGraphicFramePr>
+          <p:cNvPr id="5" name="Table 4"/>
+          <p:cNvGraphicFramePr>
+            <a:graphicFrameLocks noGrp="1"/>
+          </p:cNvGraphicFramePr>
+          <p:nvPr>
+            <p:extLst>
+              <p:ext uri="{D42A27DB-BD31-4B8C-83A1-F6EECF244321}">
+                <p14:modId xmlns:p14="http://schemas.microsoft.com/office/powerpoint/2010/main" val="2579466137"/>
+              </p:ext>
+            </p:extLst>
+          </p:nvPr>
+        </p:nvGraphicFramePr>
+        <p:xfrm>
+          <a:off x="457200" y="4668937"/>
+          <a:ext cx="8229600" cy="1039831"/>
+        </p:xfrm>
+        <a:graphic>
+          <a:graphicData uri="http://schemas.openxmlformats.org/drawingml/2006/table">
+            <a:tbl>
+              <a:tblPr firstRow="1" bandRow="1">
+                <a:tableStyleId>{5C22544A-7EE6-4342-B048-85BDC9FD1C3A}</a:tableStyleId>
+              </a:tblPr>
+              <a:tblGrid>
+                <a:gridCol w="4114800"/>
+                <a:gridCol w="4114800"/>
+              </a:tblGrid>
+              <a:tr h="424323">
+                <a:tc gridSpan="2">
+                  <a:txBody>
+                    <a:bodyPr/>
+                    <a:lstStyle/>
+                    <a:p>
+                      <a:pPr algn="ctr"/>
+                      <a:r>
+                        <a:rPr lang="en-US" dirty="0" smtClean="0"/>
+                        <a:t>Run</a:t>
+                      </a:r>
+                      <a:r>
+                        <a:rPr lang="en-US" baseline="0" dirty="0" smtClean="0"/>
+                        <a:t> Time Analysis</a:t>
+                      </a:r>
+                      <a:endParaRPr lang="en-US" dirty="0"/>
+                    </a:p>
+                  </a:txBody>
+                  <a:tcPr/>
+                </a:tc>
+                <a:tc hMerge="1">
+                  <a:txBody>
+                    <a:bodyPr/>
+                    <a:lstStyle/>
+                    <a:p>
+                      <a:endParaRPr lang="en-US" dirty="0"/>
+                    </a:p>
+                  </a:txBody>
+                  <a:tcPr/>
+                </a:tc>
+              </a:tr>
+              <a:tr h="615508">
+                <a:tc>
+                  <a:txBody>
+                    <a:bodyPr/>
+                    <a:lstStyle/>
+                    <a:p>
+                      <a:endParaRPr lang="en-US" dirty="0"/>
+                    </a:p>
+                  </a:txBody>
+                  <a:tcPr/>
+                </a:tc>
+                <a:tc>
+                  <a:txBody>
+                    <a:bodyPr/>
+                    <a:lstStyle/>
+                    <a:p>
+                      <a:endParaRPr lang="en-US" dirty="0"/>
+                    </a:p>
+                  </a:txBody>
+                  <a:tcPr/>
+                </a:tc>
+              </a:tr>
+            </a:tbl>
           </a:graphicData>
         </a:graphic>
       </p:graphicFrame>
     </p:spTree>
     <p:extLst>
       <p:ext uri="{BB962C8B-B14F-4D97-AF65-F5344CB8AC3E}">
-        <p14:creationId xmlns:p14="http://schemas.microsoft.com/office/powerpoint/2010/main" val="2607274954"/>
+        <p14:creationId xmlns:p14="http://schemas.microsoft.com/office/powerpoint/2010/main" val="3003934295"/>
+      </p:ext>
+    </p:extLst>
+  </p:cSld>
+  <p:clrMapOvr>
+    <a:masterClrMapping/>
+  </p:clrMapOvr>
+  <p:timing>
+    <p:tnLst>
+      <p:par>
+        <p:cTn xmlns:p14="http://schemas.microsoft.com/office/powerpoint/2010/main" id="1" dur="indefinite" restart="never" nodeType="tmRoot"/>
+      </p:par>
+    </p:tnLst>
+  </p:timing>
+</p:sld>
+</file>
+
+<file path=ppt/slides/slide8.xml><?xml version="1.0" encoding="utf-8"?>
+<p:sld xmlns:a="http://schemas.openxmlformats.org/drawingml/2006/main" xmlns:r="http://schemas.openxmlformats.org/officeDocument/2006/relationships" xmlns:p="http://schemas.openxmlformats.org/presentationml/2006/main">
+  <p:cSld>
+    <p:spTree>
+      <p:nvGrpSpPr>
+        <p:cNvPr id="1" name=""/>
+        <p:cNvGrpSpPr/>
+        <p:nvPr/>
+      </p:nvGrpSpPr>
+      <p:grpSpPr>
+        <a:xfrm>
+          <a:off x="0" y="0"/>
+          <a:ext cx="0" cy="0"/>
+          <a:chOff x="0" y="0"/>
+          <a:chExt cx="0" cy="0"/>
+        </a:xfrm>
+      </p:grpSpPr>
+      <p:sp>
+        <p:nvSpPr>
+          <p:cNvPr id="2" name="Title 1"/>
+          <p:cNvSpPr>
+            <a:spLocks noGrp="1"/>
+          </p:cNvSpPr>
+          <p:nvPr>
+            <p:ph type="title"/>
+          </p:nvPr>
+        </p:nvSpPr>
+        <p:spPr/>
+        <p:txBody>
+          <a:bodyPr/>
+          <a:lstStyle/>
+          <a:p>
+            <a:r>
+              <a:rPr lang="en-US" dirty="0" smtClean="0"/>
+              <a:t>Live Demo </a:t>
+            </a:r>
+            <a:endParaRPr lang="en-US" dirty="0"/>
+          </a:p>
+        </p:txBody>
+      </p:sp>
+    </p:spTree>
+    <p:extLst>
+      <p:ext uri="{BB962C8B-B14F-4D97-AF65-F5344CB8AC3E}">
+        <p14:creationId xmlns:p14="http://schemas.microsoft.com/office/powerpoint/2010/main" val="427327641"/>
       </p:ext>
     </p:extLst>
   </p:cSld>
@@ -12290,862 +9325,4 @@
   </a:objectDefaults>
   <a:extraClrSchemeLst/>
 </a:theme>
-</file>
-
-<file path=ppt/theme/themeOverride1.xml><?xml version="1.0" encoding="utf-8"?>
-<a:themeOverride xmlns:a="http://schemas.openxmlformats.org/drawingml/2006/main">
-  <a:clrScheme name="Office">
-    <a:dk1>
-      <a:sysClr val="windowText" lastClr="000000"/>
-    </a:dk1>
-    <a:lt1>
-      <a:sysClr val="window" lastClr="FFFFFF"/>
-    </a:lt1>
-    <a:dk2>
-      <a:srgbClr val="44546A"/>
-    </a:dk2>
-    <a:lt2>
-      <a:srgbClr val="E7E6E6"/>
-    </a:lt2>
-    <a:accent1>
-      <a:srgbClr val="4472C4"/>
-    </a:accent1>
-    <a:accent2>
-      <a:srgbClr val="ED7D31"/>
-    </a:accent2>
-    <a:accent3>
-      <a:srgbClr val="A5A5A5"/>
-    </a:accent3>
-    <a:accent4>
-      <a:srgbClr val="FFC000"/>
-    </a:accent4>
-    <a:accent5>
-      <a:srgbClr val="5B9BD5"/>
-    </a:accent5>
-    <a:accent6>
-      <a:srgbClr val="70AD47"/>
-    </a:accent6>
-    <a:hlink>
-      <a:srgbClr val="0563C1"/>
-    </a:hlink>
-    <a:folHlink>
-      <a:srgbClr val="954F72"/>
-    </a:folHlink>
-  </a:clrScheme>
-  <a:fontScheme name="Office">
-    <a:majorFont>
-      <a:latin typeface="Calibri Light" panose="020F0302020204030204"/>
-      <a:ea typeface=""/>
-      <a:cs typeface=""/>
-      <a:font script="Jpan" typeface="游ゴシック Light"/>
-      <a:font script="Hang" typeface="맑은 고딕"/>
-      <a:font script="Hans" typeface="等线 Light"/>
-      <a:font script="Hant" typeface="新細明體"/>
-      <a:font script="Arab" typeface="Times New Roman"/>
-      <a:font script="Hebr" typeface="Times New Roman"/>
-      <a:font script="Thai" typeface="Tahoma"/>
-      <a:font script="Ethi" typeface="Nyala"/>
-      <a:font script="Beng" typeface="Vrinda"/>
-      <a:font script="Gujr" typeface="Shruti"/>
-      <a:font script="Khmr" typeface="MoolBoran"/>
-      <a:font script="Knda" typeface="Tunga"/>
-      <a:font script="Guru" typeface="Raavi"/>
-      <a:font script="Cans" typeface="Euphemia"/>
-      <a:font script="Cher" typeface="Plantagenet Cherokee"/>
-      <a:font script="Yiii" typeface="Microsoft Yi Baiti"/>
-      <a:font script="Tibt" typeface="Microsoft Himalaya"/>
-      <a:font script="Thaa" typeface="MV Boli"/>
-      <a:font script="Deva" typeface="Mangal"/>
-      <a:font script="Telu" typeface="Gautami"/>
-      <a:font script="Taml" typeface="Latha"/>
-      <a:font script="Syrc" typeface="Estrangelo Edessa"/>
-      <a:font script="Orya" typeface="Kalinga"/>
-      <a:font script="Mlym" typeface="Kartika"/>
-      <a:font script="Laoo" typeface="DokChampa"/>
-      <a:font script="Sinh" typeface="Iskoola Pota"/>
-      <a:font script="Mong" typeface="Mongolian Baiti"/>
-      <a:font script="Viet" typeface="Times New Roman"/>
-      <a:font script="Uigh" typeface="Microsoft Uighur"/>
-      <a:font script="Geor" typeface="Sylfaen"/>
-      <a:font script="Armn" typeface="Arial"/>
-      <a:font script="Bugi" typeface="Leelawadee UI"/>
-      <a:font script="Bopo" typeface="Microsoft JhengHei"/>
-      <a:font script="Java" typeface="Javanese Text"/>
-      <a:font script="Lisu" typeface="Segoe UI"/>
-      <a:font script="Mymr" typeface="Myanmar Text"/>
-      <a:font script="Nkoo" typeface="Ebrima"/>
-      <a:font script="Olck" typeface="Nirmala UI"/>
-      <a:font script="Osma" typeface="Ebrima"/>
-      <a:font script="Phag" typeface="Phagspa"/>
-      <a:font script="Syrn" typeface="Estrangelo Edessa"/>
-      <a:font script="Syrj" typeface="Estrangelo Edessa"/>
-      <a:font script="Syre" typeface="Estrangelo Edessa"/>
-      <a:font script="Sora" typeface="Nirmala UI"/>
-      <a:font script="Tale" typeface="Microsoft Tai Le"/>
-      <a:font script="Talu" typeface="Microsoft New Tai Lue"/>
-      <a:font script="Tfng" typeface="Ebrima"/>
-    </a:majorFont>
-    <a:minorFont>
-      <a:latin typeface="Calibri" panose="020F0502020204030204"/>
-      <a:ea typeface=""/>
-      <a:cs typeface=""/>
-      <a:font script="Jpan" typeface="游ゴシック"/>
-      <a:font script="Hang" typeface="맑은 고딕"/>
-      <a:font script="Hans" typeface="等线"/>
-      <a:font script="Hant" typeface="新細明體"/>
-      <a:font script="Arab" typeface="Arial"/>
-      <a:font script="Hebr" typeface="Arial"/>
-      <a:font script="Thai" typeface="Tahoma"/>
-      <a:font script="Ethi" typeface="Nyala"/>
-      <a:font script="Beng" typeface="Vrinda"/>
-      <a:font script="Gujr" typeface="Shruti"/>
-      <a:font script="Khmr" typeface="DaunPenh"/>
-      <a:font script="Knda" typeface="Tunga"/>
-      <a:font script="Guru" typeface="Raavi"/>
-      <a:font script="Cans" typeface="Euphemia"/>
-      <a:font script="Cher" typeface="Plantagenet Cherokee"/>
-      <a:font script="Yiii" typeface="Microsoft Yi Baiti"/>
-      <a:font script="Tibt" typeface="Microsoft Himalaya"/>
-      <a:font script="Thaa" typeface="MV Boli"/>
-      <a:font script="Deva" typeface="Mangal"/>
-      <a:font script="Telu" typeface="Gautami"/>
-      <a:font script="Taml" typeface="Latha"/>
-      <a:font script="Syrc" typeface="Estrangelo Edessa"/>
-      <a:font script="Orya" typeface="Kalinga"/>
-      <a:font script="Mlym" typeface="Kartika"/>
-      <a:font script="Laoo" typeface="DokChampa"/>
-      <a:font script="Sinh" typeface="Iskoola Pota"/>
-      <a:font script="Mong" typeface="Mongolian Baiti"/>
-      <a:font script="Viet" typeface="Arial"/>
-      <a:font script="Uigh" typeface="Microsoft Uighur"/>
-      <a:font script="Geor" typeface="Sylfaen"/>
-      <a:font script="Armn" typeface="Arial"/>
-      <a:font script="Bugi" typeface="Leelawadee UI"/>
-      <a:font script="Bopo" typeface="Microsoft JhengHei"/>
-      <a:font script="Java" typeface="Javanese Text"/>
-      <a:font script="Lisu" typeface="Segoe UI"/>
-      <a:font script="Mymr" typeface="Myanmar Text"/>
-      <a:font script="Nkoo" typeface="Ebrima"/>
-      <a:font script="Olck" typeface="Nirmala UI"/>
-      <a:font script="Osma" typeface="Ebrima"/>
-      <a:font script="Phag" typeface="Phagspa"/>
-      <a:font script="Syrn" typeface="Estrangelo Edessa"/>
-      <a:font script="Syrj" typeface="Estrangelo Edessa"/>
-      <a:font script="Syre" typeface="Estrangelo Edessa"/>
-      <a:font script="Sora" typeface="Nirmala UI"/>
-      <a:font script="Tale" typeface="Microsoft Tai Le"/>
-      <a:font script="Talu" typeface="Microsoft New Tai Lue"/>
-      <a:font script="Tfng" typeface="Ebrima"/>
-    </a:minorFont>
-  </a:fontScheme>
-  <a:fmtScheme name="Office">
-    <a:fillStyleLst>
-      <a:solidFill>
-        <a:schemeClr val="phClr"/>
-      </a:solidFill>
-      <a:gradFill rotWithShape="1">
-        <a:gsLst>
-          <a:gs pos="0">
-            <a:schemeClr val="phClr">
-              <a:lumMod val="110000"/>
-              <a:satMod val="105000"/>
-              <a:tint val="67000"/>
-            </a:schemeClr>
-          </a:gs>
-          <a:gs pos="50000">
-            <a:schemeClr val="phClr">
-              <a:lumMod val="105000"/>
-              <a:satMod val="103000"/>
-              <a:tint val="73000"/>
-            </a:schemeClr>
-          </a:gs>
-          <a:gs pos="100000">
-            <a:schemeClr val="phClr">
-              <a:lumMod val="105000"/>
-              <a:satMod val="109000"/>
-              <a:tint val="81000"/>
-            </a:schemeClr>
-          </a:gs>
-        </a:gsLst>
-        <a:lin ang="5400000" scaled="0"/>
-      </a:gradFill>
-      <a:gradFill rotWithShape="1">
-        <a:gsLst>
-          <a:gs pos="0">
-            <a:schemeClr val="phClr">
-              <a:satMod val="103000"/>
-              <a:lumMod val="102000"/>
-              <a:tint val="94000"/>
-            </a:schemeClr>
-          </a:gs>
-          <a:gs pos="50000">
-            <a:schemeClr val="phClr">
-              <a:satMod val="110000"/>
-              <a:lumMod val="100000"/>
-              <a:shade val="100000"/>
-            </a:schemeClr>
-          </a:gs>
-          <a:gs pos="100000">
-            <a:schemeClr val="phClr">
-              <a:lumMod val="99000"/>
-              <a:satMod val="120000"/>
-              <a:shade val="78000"/>
-            </a:schemeClr>
-          </a:gs>
-        </a:gsLst>
-        <a:lin ang="5400000" scaled="0"/>
-      </a:gradFill>
-    </a:fillStyleLst>
-    <a:lnStyleLst>
-      <a:ln w="6350" cap="flat" cmpd="sng" algn="ctr">
-        <a:solidFill>
-          <a:schemeClr val="phClr"/>
-        </a:solidFill>
-        <a:prstDash val="solid"/>
-        <a:miter lim="800000"/>
-      </a:ln>
-      <a:ln w="12700" cap="flat" cmpd="sng" algn="ctr">
-        <a:solidFill>
-          <a:schemeClr val="phClr"/>
-        </a:solidFill>
-        <a:prstDash val="solid"/>
-        <a:miter lim="800000"/>
-      </a:ln>
-      <a:ln w="19050" cap="flat" cmpd="sng" algn="ctr">
-        <a:solidFill>
-          <a:schemeClr val="phClr"/>
-        </a:solidFill>
-        <a:prstDash val="solid"/>
-        <a:miter lim="800000"/>
-      </a:ln>
-    </a:lnStyleLst>
-    <a:effectStyleLst>
-      <a:effectStyle>
-        <a:effectLst/>
-      </a:effectStyle>
-      <a:effectStyle>
-        <a:effectLst/>
-      </a:effectStyle>
-      <a:effectStyle>
-        <a:effectLst>
-          <a:outerShdw blurRad="57150" dist="19050" dir="5400000" algn="ctr" rotWithShape="0">
-            <a:srgbClr val="000000">
-              <a:alpha val="63000"/>
-            </a:srgbClr>
-          </a:outerShdw>
-        </a:effectLst>
-      </a:effectStyle>
-    </a:effectStyleLst>
-    <a:bgFillStyleLst>
-      <a:solidFill>
-        <a:schemeClr val="phClr"/>
-      </a:solidFill>
-      <a:solidFill>
-        <a:schemeClr val="phClr">
-          <a:tint val="95000"/>
-          <a:satMod val="170000"/>
-        </a:schemeClr>
-      </a:solidFill>
-      <a:gradFill rotWithShape="1">
-        <a:gsLst>
-          <a:gs pos="0">
-            <a:schemeClr val="phClr">
-              <a:tint val="93000"/>
-              <a:satMod val="150000"/>
-              <a:shade val="98000"/>
-              <a:lumMod val="102000"/>
-            </a:schemeClr>
-          </a:gs>
-          <a:gs pos="50000">
-            <a:schemeClr val="phClr">
-              <a:tint val="98000"/>
-              <a:satMod val="130000"/>
-              <a:shade val="90000"/>
-              <a:lumMod val="103000"/>
-            </a:schemeClr>
-          </a:gs>
-          <a:gs pos="100000">
-            <a:schemeClr val="phClr">
-              <a:shade val="63000"/>
-              <a:satMod val="120000"/>
-            </a:schemeClr>
-          </a:gs>
-        </a:gsLst>
-        <a:lin ang="5400000" scaled="0"/>
-      </a:gradFill>
-    </a:bgFillStyleLst>
-  </a:fmtScheme>
-</a:themeOverride>
-</file>
-
-<file path=ppt/theme/themeOverride2.xml><?xml version="1.0" encoding="utf-8"?>
-<a:themeOverride xmlns:a="http://schemas.openxmlformats.org/drawingml/2006/main">
-  <a:clrScheme name="Office">
-    <a:dk1>
-      <a:sysClr val="windowText" lastClr="000000"/>
-    </a:dk1>
-    <a:lt1>
-      <a:sysClr val="window" lastClr="FFFFFF"/>
-    </a:lt1>
-    <a:dk2>
-      <a:srgbClr val="44546A"/>
-    </a:dk2>
-    <a:lt2>
-      <a:srgbClr val="E7E6E6"/>
-    </a:lt2>
-    <a:accent1>
-      <a:srgbClr val="4472C4"/>
-    </a:accent1>
-    <a:accent2>
-      <a:srgbClr val="ED7D31"/>
-    </a:accent2>
-    <a:accent3>
-      <a:srgbClr val="A5A5A5"/>
-    </a:accent3>
-    <a:accent4>
-      <a:srgbClr val="FFC000"/>
-    </a:accent4>
-    <a:accent5>
-      <a:srgbClr val="5B9BD5"/>
-    </a:accent5>
-    <a:accent6>
-      <a:srgbClr val="70AD47"/>
-    </a:accent6>
-    <a:hlink>
-      <a:srgbClr val="0563C1"/>
-    </a:hlink>
-    <a:folHlink>
-      <a:srgbClr val="954F72"/>
-    </a:folHlink>
-  </a:clrScheme>
-  <a:fontScheme name="Office">
-    <a:majorFont>
-      <a:latin typeface="Calibri Light" panose="020F0302020204030204"/>
-      <a:ea typeface=""/>
-      <a:cs typeface=""/>
-      <a:font script="Jpan" typeface="游ゴシック Light"/>
-      <a:font script="Hang" typeface="맑은 고딕"/>
-      <a:font script="Hans" typeface="等线 Light"/>
-      <a:font script="Hant" typeface="新細明體"/>
-      <a:font script="Arab" typeface="Times New Roman"/>
-      <a:font script="Hebr" typeface="Times New Roman"/>
-      <a:font script="Thai" typeface="Tahoma"/>
-      <a:font script="Ethi" typeface="Nyala"/>
-      <a:font script="Beng" typeface="Vrinda"/>
-      <a:font script="Gujr" typeface="Shruti"/>
-      <a:font script="Khmr" typeface="MoolBoran"/>
-      <a:font script="Knda" typeface="Tunga"/>
-      <a:font script="Guru" typeface="Raavi"/>
-      <a:font script="Cans" typeface="Euphemia"/>
-      <a:font script="Cher" typeface="Plantagenet Cherokee"/>
-      <a:font script="Yiii" typeface="Microsoft Yi Baiti"/>
-      <a:font script="Tibt" typeface="Microsoft Himalaya"/>
-      <a:font script="Thaa" typeface="MV Boli"/>
-      <a:font script="Deva" typeface="Mangal"/>
-      <a:font script="Telu" typeface="Gautami"/>
-      <a:font script="Taml" typeface="Latha"/>
-      <a:font script="Syrc" typeface="Estrangelo Edessa"/>
-      <a:font script="Orya" typeface="Kalinga"/>
-      <a:font script="Mlym" typeface="Kartika"/>
-      <a:font script="Laoo" typeface="DokChampa"/>
-      <a:font script="Sinh" typeface="Iskoola Pota"/>
-      <a:font script="Mong" typeface="Mongolian Baiti"/>
-      <a:font script="Viet" typeface="Times New Roman"/>
-      <a:font script="Uigh" typeface="Microsoft Uighur"/>
-      <a:font script="Geor" typeface="Sylfaen"/>
-      <a:font script="Armn" typeface="Arial"/>
-      <a:font script="Bugi" typeface="Leelawadee UI"/>
-      <a:font script="Bopo" typeface="Microsoft JhengHei"/>
-      <a:font script="Java" typeface="Javanese Text"/>
-      <a:font script="Lisu" typeface="Segoe UI"/>
-      <a:font script="Mymr" typeface="Myanmar Text"/>
-      <a:font script="Nkoo" typeface="Ebrima"/>
-      <a:font script="Olck" typeface="Nirmala UI"/>
-      <a:font script="Osma" typeface="Ebrima"/>
-      <a:font script="Phag" typeface="Phagspa"/>
-      <a:font script="Syrn" typeface="Estrangelo Edessa"/>
-      <a:font script="Syrj" typeface="Estrangelo Edessa"/>
-      <a:font script="Syre" typeface="Estrangelo Edessa"/>
-      <a:font script="Sora" typeface="Nirmala UI"/>
-      <a:font script="Tale" typeface="Microsoft Tai Le"/>
-      <a:font script="Talu" typeface="Microsoft New Tai Lue"/>
-      <a:font script="Tfng" typeface="Ebrima"/>
-    </a:majorFont>
-    <a:minorFont>
-      <a:latin typeface="Calibri" panose="020F0502020204030204"/>
-      <a:ea typeface=""/>
-      <a:cs typeface=""/>
-      <a:font script="Jpan" typeface="游ゴシック"/>
-      <a:font script="Hang" typeface="맑은 고딕"/>
-      <a:font script="Hans" typeface="等线"/>
-      <a:font script="Hant" typeface="新細明體"/>
-      <a:font script="Arab" typeface="Arial"/>
-      <a:font script="Hebr" typeface="Arial"/>
-      <a:font script="Thai" typeface="Tahoma"/>
-      <a:font script="Ethi" typeface="Nyala"/>
-      <a:font script="Beng" typeface="Vrinda"/>
-      <a:font script="Gujr" typeface="Shruti"/>
-      <a:font script="Khmr" typeface="DaunPenh"/>
-      <a:font script="Knda" typeface="Tunga"/>
-      <a:font script="Guru" typeface="Raavi"/>
-      <a:font script="Cans" typeface="Euphemia"/>
-      <a:font script="Cher" typeface="Plantagenet Cherokee"/>
-      <a:font script="Yiii" typeface="Microsoft Yi Baiti"/>
-      <a:font script="Tibt" typeface="Microsoft Himalaya"/>
-      <a:font script="Thaa" typeface="MV Boli"/>
-      <a:font script="Deva" typeface="Mangal"/>
-      <a:font script="Telu" typeface="Gautami"/>
-      <a:font script="Taml" typeface="Latha"/>
-      <a:font script="Syrc" typeface="Estrangelo Edessa"/>
-      <a:font script="Orya" typeface="Kalinga"/>
-      <a:font script="Mlym" typeface="Kartika"/>
-      <a:font script="Laoo" typeface="DokChampa"/>
-      <a:font script="Sinh" typeface="Iskoola Pota"/>
-      <a:font script="Mong" typeface="Mongolian Baiti"/>
-      <a:font script="Viet" typeface="Arial"/>
-      <a:font script="Uigh" typeface="Microsoft Uighur"/>
-      <a:font script="Geor" typeface="Sylfaen"/>
-      <a:font script="Armn" typeface="Arial"/>
-      <a:font script="Bugi" typeface="Leelawadee UI"/>
-      <a:font script="Bopo" typeface="Microsoft JhengHei"/>
-      <a:font script="Java" typeface="Javanese Text"/>
-      <a:font script="Lisu" typeface="Segoe UI"/>
-      <a:font script="Mymr" typeface="Myanmar Text"/>
-      <a:font script="Nkoo" typeface="Ebrima"/>
-      <a:font script="Olck" typeface="Nirmala UI"/>
-      <a:font script="Osma" typeface="Ebrima"/>
-      <a:font script="Phag" typeface="Phagspa"/>
-      <a:font script="Syrn" typeface="Estrangelo Edessa"/>
-      <a:font script="Syrj" typeface="Estrangelo Edessa"/>
-      <a:font script="Syre" typeface="Estrangelo Edessa"/>
-      <a:font script="Sora" typeface="Nirmala UI"/>
-      <a:font script="Tale" typeface="Microsoft Tai Le"/>
-      <a:font script="Talu" typeface="Microsoft New Tai Lue"/>
-      <a:font script="Tfng" typeface="Ebrima"/>
-    </a:minorFont>
-  </a:fontScheme>
-  <a:fmtScheme name="Office">
-    <a:fillStyleLst>
-      <a:solidFill>
-        <a:schemeClr val="phClr"/>
-      </a:solidFill>
-      <a:gradFill rotWithShape="1">
-        <a:gsLst>
-          <a:gs pos="0">
-            <a:schemeClr val="phClr">
-              <a:lumMod val="110000"/>
-              <a:satMod val="105000"/>
-              <a:tint val="67000"/>
-            </a:schemeClr>
-          </a:gs>
-          <a:gs pos="50000">
-            <a:schemeClr val="phClr">
-              <a:lumMod val="105000"/>
-              <a:satMod val="103000"/>
-              <a:tint val="73000"/>
-            </a:schemeClr>
-          </a:gs>
-          <a:gs pos="100000">
-            <a:schemeClr val="phClr">
-              <a:lumMod val="105000"/>
-              <a:satMod val="109000"/>
-              <a:tint val="81000"/>
-            </a:schemeClr>
-          </a:gs>
-        </a:gsLst>
-        <a:lin ang="5400000" scaled="0"/>
-      </a:gradFill>
-      <a:gradFill rotWithShape="1">
-        <a:gsLst>
-          <a:gs pos="0">
-            <a:schemeClr val="phClr">
-              <a:satMod val="103000"/>
-              <a:lumMod val="102000"/>
-              <a:tint val="94000"/>
-            </a:schemeClr>
-          </a:gs>
-          <a:gs pos="50000">
-            <a:schemeClr val="phClr">
-              <a:satMod val="110000"/>
-              <a:lumMod val="100000"/>
-              <a:shade val="100000"/>
-            </a:schemeClr>
-          </a:gs>
-          <a:gs pos="100000">
-            <a:schemeClr val="phClr">
-              <a:lumMod val="99000"/>
-              <a:satMod val="120000"/>
-              <a:shade val="78000"/>
-            </a:schemeClr>
-          </a:gs>
-        </a:gsLst>
-        <a:lin ang="5400000" scaled="0"/>
-      </a:gradFill>
-    </a:fillStyleLst>
-    <a:lnStyleLst>
-      <a:ln w="6350" cap="flat" cmpd="sng" algn="ctr">
-        <a:solidFill>
-          <a:schemeClr val="phClr"/>
-        </a:solidFill>
-        <a:prstDash val="solid"/>
-        <a:miter lim="800000"/>
-      </a:ln>
-      <a:ln w="12700" cap="flat" cmpd="sng" algn="ctr">
-        <a:solidFill>
-          <a:schemeClr val="phClr"/>
-        </a:solidFill>
-        <a:prstDash val="solid"/>
-        <a:miter lim="800000"/>
-      </a:ln>
-      <a:ln w="19050" cap="flat" cmpd="sng" algn="ctr">
-        <a:solidFill>
-          <a:schemeClr val="phClr"/>
-        </a:solidFill>
-        <a:prstDash val="solid"/>
-        <a:miter lim="800000"/>
-      </a:ln>
-    </a:lnStyleLst>
-    <a:effectStyleLst>
-      <a:effectStyle>
-        <a:effectLst/>
-      </a:effectStyle>
-      <a:effectStyle>
-        <a:effectLst/>
-      </a:effectStyle>
-      <a:effectStyle>
-        <a:effectLst>
-          <a:outerShdw blurRad="57150" dist="19050" dir="5400000" algn="ctr" rotWithShape="0">
-            <a:srgbClr val="000000">
-              <a:alpha val="63000"/>
-            </a:srgbClr>
-          </a:outerShdw>
-        </a:effectLst>
-      </a:effectStyle>
-    </a:effectStyleLst>
-    <a:bgFillStyleLst>
-      <a:solidFill>
-        <a:schemeClr val="phClr"/>
-      </a:solidFill>
-      <a:solidFill>
-        <a:schemeClr val="phClr">
-          <a:tint val="95000"/>
-          <a:satMod val="170000"/>
-        </a:schemeClr>
-      </a:solidFill>
-      <a:gradFill rotWithShape="1">
-        <a:gsLst>
-          <a:gs pos="0">
-            <a:schemeClr val="phClr">
-              <a:tint val="93000"/>
-              <a:satMod val="150000"/>
-              <a:shade val="98000"/>
-              <a:lumMod val="102000"/>
-            </a:schemeClr>
-          </a:gs>
-          <a:gs pos="50000">
-            <a:schemeClr val="phClr">
-              <a:tint val="98000"/>
-              <a:satMod val="130000"/>
-              <a:shade val="90000"/>
-              <a:lumMod val="103000"/>
-            </a:schemeClr>
-          </a:gs>
-          <a:gs pos="100000">
-            <a:schemeClr val="phClr">
-              <a:shade val="63000"/>
-              <a:satMod val="120000"/>
-            </a:schemeClr>
-          </a:gs>
-        </a:gsLst>
-        <a:lin ang="5400000" scaled="0"/>
-      </a:gradFill>
-    </a:bgFillStyleLst>
-  </a:fmtScheme>
-</a:themeOverride>
-</file>
-
-<file path=ppt/theme/themeOverride3.xml><?xml version="1.0" encoding="utf-8"?>
-<a:themeOverride xmlns:a="http://schemas.openxmlformats.org/drawingml/2006/main">
-  <a:clrScheme name="Office">
-    <a:dk1>
-      <a:sysClr val="windowText" lastClr="000000"/>
-    </a:dk1>
-    <a:lt1>
-      <a:sysClr val="window" lastClr="FFFFFF"/>
-    </a:lt1>
-    <a:dk2>
-      <a:srgbClr val="44546A"/>
-    </a:dk2>
-    <a:lt2>
-      <a:srgbClr val="E7E6E6"/>
-    </a:lt2>
-    <a:accent1>
-      <a:srgbClr val="4472C4"/>
-    </a:accent1>
-    <a:accent2>
-      <a:srgbClr val="ED7D31"/>
-    </a:accent2>
-    <a:accent3>
-      <a:srgbClr val="A5A5A5"/>
-    </a:accent3>
-    <a:accent4>
-      <a:srgbClr val="FFC000"/>
-    </a:accent4>
-    <a:accent5>
-      <a:srgbClr val="5B9BD5"/>
-    </a:accent5>
-    <a:accent6>
-      <a:srgbClr val="70AD47"/>
-    </a:accent6>
-    <a:hlink>
-      <a:srgbClr val="0563C1"/>
-    </a:hlink>
-    <a:folHlink>
-      <a:srgbClr val="954F72"/>
-    </a:folHlink>
-  </a:clrScheme>
-  <a:fontScheme name="Office">
-    <a:majorFont>
-      <a:latin typeface="Calibri Light" panose="020F0302020204030204"/>
-      <a:ea typeface=""/>
-      <a:cs typeface=""/>
-      <a:font script="Jpan" typeface="游ゴシック Light"/>
-      <a:font script="Hang" typeface="맑은 고딕"/>
-      <a:font script="Hans" typeface="等线 Light"/>
-      <a:font script="Hant" typeface="新細明體"/>
-      <a:font script="Arab" typeface="Times New Roman"/>
-      <a:font script="Hebr" typeface="Times New Roman"/>
-      <a:font script="Thai" typeface="Tahoma"/>
-      <a:font script="Ethi" typeface="Nyala"/>
-      <a:font script="Beng" typeface="Vrinda"/>
-      <a:font script="Gujr" typeface="Shruti"/>
-      <a:font script="Khmr" typeface="MoolBoran"/>
-      <a:font script="Knda" typeface="Tunga"/>
-      <a:font script="Guru" typeface="Raavi"/>
-      <a:font script="Cans" typeface="Euphemia"/>
-      <a:font script="Cher" typeface="Plantagenet Cherokee"/>
-      <a:font script="Yiii" typeface="Microsoft Yi Baiti"/>
-      <a:font script="Tibt" typeface="Microsoft Himalaya"/>
-      <a:font script="Thaa" typeface="MV Boli"/>
-      <a:font script="Deva" typeface="Mangal"/>
-      <a:font script="Telu" typeface="Gautami"/>
-      <a:font script="Taml" typeface="Latha"/>
-      <a:font script="Syrc" typeface="Estrangelo Edessa"/>
-      <a:font script="Orya" typeface="Kalinga"/>
-      <a:font script="Mlym" typeface="Kartika"/>
-      <a:font script="Laoo" typeface="DokChampa"/>
-      <a:font script="Sinh" typeface="Iskoola Pota"/>
-      <a:font script="Mong" typeface="Mongolian Baiti"/>
-      <a:font script="Viet" typeface="Times New Roman"/>
-      <a:font script="Uigh" typeface="Microsoft Uighur"/>
-      <a:font script="Geor" typeface="Sylfaen"/>
-      <a:font script="Armn" typeface="Arial"/>
-      <a:font script="Bugi" typeface="Leelawadee UI"/>
-      <a:font script="Bopo" typeface="Microsoft JhengHei"/>
-      <a:font script="Java" typeface="Javanese Text"/>
-      <a:font script="Lisu" typeface="Segoe UI"/>
-      <a:font script="Mymr" typeface="Myanmar Text"/>
-      <a:font script="Nkoo" typeface="Ebrima"/>
-      <a:font script="Olck" typeface="Nirmala UI"/>
-      <a:font script="Osma" typeface="Ebrima"/>
-      <a:font script="Phag" typeface="Phagspa"/>
-      <a:font script="Syrn" typeface="Estrangelo Edessa"/>
-      <a:font script="Syrj" typeface="Estrangelo Edessa"/>
-      <a:font script="Syre" typeface="Estrangelo Edessa"/>
-      <a:font script="Sora" typeface="Nirmala UI"/>
-      <a:font script="Tale" typeface="Microsoft Tai Le"/>
-      <a:font script="Talu" typeface="Microsoft New Tai Lue"/>
-      <a:font script="Tfng" typeface="Ebrima"/>
-    </a:majorFont>
-    <a:minorFont>
-      <a:latin typeface="Calibri" panose="020F0502020204030204"/>
-      <a:ea typeface=""/>
-      <a:cs typeface=""/>
-      <a:font script="Jpan" typeface="游ゴシック"/>
-      <a:font script="Hang" typeface="맑은 고딕"/>
-      <a:font script="Hans" typeface="等线"/>
-      <a:font script="Hant" typeface="新細明體"/>
-      <a:font script="Arab" typeface="Arial"/>
-      <a:font script="Hebr" typeface="Arial"/>
-      <a:font script="Thai" typeface="Tahoma"/>
-      <a:font script="Ethi" typeface="Nyala"/>
-      <a:font script="Beng" typeface="Vrinda"/>
-      <a:font script="Gujr" typeface="Shruti"/>
-      <a:font script="Khmr" typeface="DaunPenh"/>
-      <a:font script="Knda" typeface="Tunga"/>
-      <a:font script="Guru" typeface="Raavi"/>
-      <a:font script="Cans" typeface="Euphemia"/>
-      <a:font script="Cher" typeface="Plantagenet Cherokee"/>
-      <a:font script="Yiii" typeface="Microsoft Yi Baiti"/>
-      <a:font script="Tibt" typeface="Microsoft Himalaya"/>
-      <a:font script="Thaa" typeface="MV Boli"/>
-      <a:font script="Deva" typeface="Mangal"/>
-      <a:font script="Telu" typeface="Gautami"/>
-      <a:font script="Taml" typeface="Latha"/>
-      <a:font script="Syrc" typeface="Estrangelo Edessa"/>
-      <a:font script="Orya" typeface="Kalinga"/>
-      <a:font script="Mlym" typeface="Kartika"/>
-      <a:font script="Laoo" typeface="DokChampa"/>
-      <a:font script="Sinh" typeface="Iskoola Pota"/>
-      <a:font script="Mong" typeface="Mongolian Baiti"/>
-      <a:font script="Viet" typeface="Arial"/>
-      <a:font script="Uigh" typeface="Microsoft Uighur"/>
-      <a:font script="Geor" typeface="Sylfaen"/>
-      <a:font script="Armn" typeface="Arial"/>
-      <a:font script="Bugi" typeface="Leelawadee UI"/>
-      <a:font script="Bopo" typeface="Microsoft JhengHei"/>
-      <a:font script="Java" typeface="Javanese Text"/>
-      <a:font script="Lisu" typeface="Segoe UI"/>
-      <a:font script="Mymr" typeface="Myanmar Text"/>
-      <a:font script="Nkoo" typeface="Ebrima"/>
-      <a:font script="Olck" typeface="Nirmala UI"/>
-      <a:font script="Osma" typeface="Ebrima"/>
-      <a:font script="Phag" typeface="Phagspa"/>
-      <a:font script="Syrn" typeface="Estrangelo Edessa"/>
-      <a:font script="Syrj" typeface="Estrangelo Edessa"/>
-      <a:font script="Syre" typeface="Estrangelo Edessa"/>
-      <a:font script="Sora" typeface="Nirmala UI"/>
-      <a:font script="Tale" typeface="Microsoft Tai Le"/>
-      <a:font script="Talu" typeface="Microsoft New Tai Lue"/>
-      <a:font script="Tfng" typeface="Ebrima"/>
-    </a:minorFont>
-  </a:fontScheme>
-  <a:fmtScheme name="Office">
-    <a:fillStyleLst>
-      <a:solidFill>
-        <a:schemeClr val="phClr"/>
-      </a:solidFill>
-      <a:gradFill rotWithShape="1">
-        <a:gsLst>
-          <a:gs pos="0">
-            <a:schemeClr val="phClr">
-              <a:lumMod val="110000"/>
-              <a:satMod val="105000"/>
-              <a:tint val="67000"/>
-            </a:schemeClr>
-          </a:gs>
-          <a:gs pos="50000">
-            <a:schemeClr val="phClr">
-              <a:lumMod val="105000"/>
-              <a:satMod val="103000"/>
-              <a:tint val="73000"/>
-            </a:schemeClr>
-          </a:gs>
-          <a:gs pos="100000">
-            <a:schemeClr val="phClr">
-              <a:lumMod val="105000"/>
-              <a:satMod val="109000"/>
-              <a:tint val="81000"/>
-            </a:schemeClr>
-          </a:gs>
-        </a:gsLst>
-        <a:lin ang="5400000" scaled="0"/>
-      </a:gradFill>
-      <a:gradFill rotWithShape="1">
-        <a:gsLst>
-          <a:gs pos="0">
-            <a:schemeClr val="phClr">
-              <a:satMod val="103000"/>
-              <a:lumMod val="102000"/>
-              <a:tint val="94000"/>
-            </a:schemeClr>
-          </a:gs>
-          <a:gs pos="50000">
-            <a:schemeClr val="phClr">
-              <a:satMod val="110000"/>
-              <a:lumMod val="100000"/>
-              <a:shade val="100000"/>
-            </a:schemeClr>
-          </a:gs>
-          <a:gs pos="100000">
-            <a:schemeClr val="phClr">
-              <a:lumMod val="99000"/>
-              <a:satMod val="120000"/>
-              <a:shade val="78000"/>
-            </a:schemeClr>
-          </a:gs>
-        </a:gsLst>
-        <a:lin ang="5400000" scaled="0"/>
-      </a:gradFill>
-    </a:fillStyleLst>
-    <a:lnStyleLst>
-      <a:ln w="6350" cap="flat" cmpd="sng" algn="ctr">
-        <a:solidFill>
-          <a:schemeClr val="phClr"/>
-        </a:solidFill>
-        <a:prstDash val="solid"/>
-        <a:miter lim="800000"/>
-      </a:ln>
-      <a:ln w="12700" cap="flat" cmpd="sng" algn="ctr">
-        <a:solidFill>
-          <a:schemeClr val="phClr"/>
-        </a:solidFill>
-        <a:prstDash val="solid"/>
-        <a:miter lim="800000"/>
-      </a:ln>
-      <a:ln w="19050" cap="flat" cmpd="sng" algn="ctr">
-        <a:solidFill>
-          <a:schemeClr val="phClr"/>
-        </a:solidFill>
-        <a:prstDash val="solid"/>
-        <a:miter lim="800000"/>
-      </a:ln>
-    </a:lnStyleLst>
-    <a:effectStyleLst>
-      <a:effectStyle>
-        <a:effectLst/>
-      </a:effectStyle>
-      <a:effectStyle>
-        <a:effectLst/>
-      </a:effectStyle>
-      <a:effectStyle>
-        <a:effectLst>
-          <a:outerShdw blurRad="57150" dist="19050" dir="5400000" algn="ctr" rotWithShape="0">
-            <a:srgbClr val="000000">
-              <a:alpha val="63000"/>
-            </a:srgbClr>
-          </a:outerShdw>
-        </a:effectLst>
-      </a:effectStyle>
-    </a:effectStyleLst>
-    <a:bgFillStyleLst>
-      <a:solidFill>
-        <a:schemeClr val="phClr"/>
-      </a:solidFill>
-      <a:solidFill>
-        <a:schemeClr val="phClr">
-          <a:tint val="95000"/>
-          <a:satMod val="170000"/>
-        </a:schemeClr>
-      </a:solidFill>
-      <a:gradFill rotWithShape="1">
-        <a:gsLst>
-          <a:gs pos="0">
-            <a:schemeClr val="phClr">
-              <a:tint val="93000"/>
-              <a:satMod val="150000"/>
-              <a:shade val="98000"/>
-              <a:lumMod val="102000"/>
-            </a:schemeClr>
-          </a:gs>
-          <a:gs pos="50000">
-            <a:schemeClr val="phClr">
-              <a:tint val="98000"/>
-              <a:satMod val="130000"/>
-              <a:shade val="90000"/>
-              <a:lumMod val="103000"/>
-            </a:schemeClr>
-          </a:gs>
-          <a:gs pos="100000">
-            <a:schemeClr val="phClr">
-              <a:shade val="63000"/>
-              <a:satMod val="120000"/>
-            </a:schemeClr>
-          </a:gs>
-        </a:gsLst>
-        <a:lin ang="5400000" scaled="0"/>
-      </a:gradFill>
-    </a:bgFillStyleLst>
-  </a:fmtScheme>
-</a:themeOverride>
 </file>